--- a/ppt/계획서 0530.pptx
+++ b/ppt/계획서 0530.pptx
@@ -22,15 +22,17 @@
     <p:sldId id="350" r:id="rId16"/>
     <p:sldId id="344" r:id="rId17"/>
     <p:sldId id="354" r:id="rId18"/>
-    <p:sldId id="360" r:id="rId19"/>
-    <p:sldId id="355" r:id="rId20"/>
-    <p:sldId id="356" r:id="rId21"/>
-    <p:sldId id="362" r:id="rId22"/>
-    <p:sldId id="357" r:id="rId23"/>
-    <p:sldId id="361" r:id="rId24"/>
-    <p:sldId id="358" r:id="rId25"/>
-    <p:sldId id="359" r:id="rId26"/>
-    <p:sldId id="352" r:id="rId27"/>
+    <p:sldId id="363" r:id="rId19"/>
+    <p:sldId id="364" r:id="rId20"/>
+    <p:sldId id="360" r:id="rId21"/>
+    <p:sldId id="355" r:id="rId22"/>
+    <p:sldId id="356" r:id="rId23"/>
+    <p:sldId id="362" r:id="rId24"/>
+    <p:sldId id="357" r:id="rId25"/>
+    <p:sldId id="361" r:id="rId26"/>
+    <p:sldId id="358" r:id="rId27"/>
+    <p:sldId id="359" r:id="rId28"/>
+    <p:sldId id="352" r:id="rId29"/>
   </p:sldIdLst>
   <p:sldSz cx="12192000" cy="6858000"/>
   <p:notesSz cx="6858000" cy="9144000"/>
@@ -131,7 +133,7 @@
   </p:defaultTextStyle>
   <p:extLst>
     <p:ext uri="{EFAFB233-063F-42B5-8137-9DF3F51BA10A}">
-      <p15:sldGuideLst xmlns:p15="http://schemas.microsoft.com/office/powerpoint/2012/main" xmlns="">
+      <p15:sldGuideLst xmlns="" xmlns:p15="http://schemas.microsoft.com/office/powerpoint/2012/main">
         <p15:guide id="1" orient="horz" pos="414" userDrawn="1">
           <p15:clr>
             <a:srgbClr val="A4A3A4"/>
@@ -189,7 +191,7 @@
           <p:cNvPr id="4" name="날짜 개체 틀 3">
             <a:extLst>
               <a:ext uri="{FF2B5EF4-FFF2-40B4-BE49-F238E27FC236}">
-                <a16:creationId xmlns:a16="http://schemas.microsoft.com/office/drawing/2014/main" xmlns="" id="{DCABB5DF-ACE0-4263-91D8-62BC8CDC35B2}"/>
+                <a16:creationId xmlns="" xmlns:a16="http://schemas.microsoft.com/office/drawing/2014/main" id="{DCABB5DF-ACE0-4263-91D8-62BC8CDC35B2}"/>
               </a:ext>
             </a:extLst>
           </p:cNvPr>
@@ -208,7 +210,7 @@
             <a:fld id="{D3F4464A-C858-4638-90FC-FE02A6009B8C}" type="datetimeFigureOut">
               <a:rPr lang="ko-KR" altLang="en-US" smtClean="0"/>
               <a:pPr/>
-              <a:t>21-05-30</a:t>
+              <a:t>21-06-01</a:t>
             </a:fld>
             <a:endParaRPr lang="ko-KR" altLang="en-US"/>
           </a:p>
@@ -219,7 +221,7 @@
           <p:cNvPr id="5" name="바닥글 개체 틀 4">
             <a:extLst>
               <a:ext uri="{FF2B5EF4-FFF2-40B4-BE49-F238E27FC236}">
-                <a16:creationId xmlns:a16="http://schemas.microsoft.com/office/drawing/2014/main" xmlns="" id="{B1E19A43-FFB5-4090-B330-C874EA781294}"/>
+                <a16:creationId xmlns="" xmlns:a16="http://schemas.microsoft.com/office/drawing/2014/main" id="{B1E19A43-FFB5-4090-B330-C874EA781294}"/>
               </a:ext>
             </a:extLst>
           </p:cNvPr>
@@ -244,7 +246,7 @@
           <p:cNvPr id="6" name="슬라이드 번호 개체 틀 5">
             <a:extLst>
               <a:ext uri="{FF2B5EF4-FFF2-40B4-BE49-F238E27FC236}">
-                <a16:creationId xmlns:a16="http://schemas.microsoft.com/office/drawing/2014/main" xmlns="" id="{74081902-B2B7-4891-8C1C-0BF164C8E5CE}"/>
+                <a16:creationId xmlns="" xmlns:a16="http://schemas.microsoft.com/office/drawing/2014/main" id="{74081902-B2B7-4891-8C1C-0BF164C8E5CE}"/>
               </a:ext>
             </a:extLst>
           </p:cNvPr>
@@ -272,7 +274,7 @@
     </p:spTree>
     <p:extLst>
       <p:ext uri="{BB962C8B-B14F-4D97-AF65-F5344CB8AC3E}">
-        <p14:creationId xmlns:p14="http://schemas.microsoft.com/office/powerpoint/2010/main" xmlns="" val="2090256290"/>
+        <p14:creationId xmlns="" xmlns:p14="http://schemas.microsoft.com/office/powerpoint/2010/main" val="2090256290"/>
       </p:ext>
     </p:extLst>
   </p:cSld>
@@ -304,7 +306,7 @@
           <p:cNvPr id="4" name="날짜 개체 틀 3">
             <a:extLst>
               <a:ext uri="{FF2B5EF4-FFF2-40B4-BE49-F238E27FC236}">
-                <a16:creationId xmlns:a16="http://schemas.microsoft.com/office/drawing/2014/main" xmlns="" id="{0BF73A13-136B-44FD-B634-A2EDA0293396}"/>
+                <a16:creationId xmlns="" xmlns:a16="http://schemas.microsoft.com/office/drawing/2014/main" id="{0BF73A13-136B-44FD-B634-A2EDA0293396}"/>
               </a:ext>
             </a:extLst>
           </p:cNvPr>
@@ -323,7 +325,7 @@
             <a:fld id="{D3F4464A-C858-4638-90FC-FE02A6009B8C}" type="datetimeFigureOut">
               <a:rPr lang="ko-KR" altLang="en-US" smtClean="0"/>
               <a:pPr/>
-              <a:t>21-05-30</a:t>
+              <a:t>21-06-01</a:t>
             </a:fld>
             <a:endParaRPr lang="ko-KR" altLang="en-US"/>
           </a:p>
@@ -334,7 +336,7 @@
           <p:cNvPr id="5" name="바닥글 개체 틀 4">
             <a:extLst>
               <a:ext uri="{FF2B5EF4-FFF2-40B4-BE49-F238E27FC236}">
-                <a16:creationId xmlns:a16="http://schemas.microsoft.com/office/drawing/2014/main" xmlns="" id="{6946C323-653A-4D7C-BFC2-69EBBBB3F0E7}"/>
+                <a16:creationId xmlns="" xmlns:a16="http://schemas.microsoft.com/office/drawing/2014/main" id="{6946C323-653A-4D7C-BFC2-69EBBBB3F0E7}"/>
               </a:ext>
             </a:extLst>
           </p:cNvPr>
@@ -359,7 +361,7 @@
           <p:cNvPr id="6" name="슬라이드 번호 개체 틀 5">
             <a:extLst>
               <a:ext uri="{FF2B5EF4-FFF2-40B4-BE49-F238E27FC236}">
-                <a16:creationId xmlns:a16="http://schemas.microsoft.com/office/drawing/2014/main" xmlns="" id="{5F37327E-F93E-4114-BF15-926C9286327C}"/>
+                <a16:creationId xmlns="" xmlns:a16="http://schemas.microsoft.com/office/drawing/2014/main" id="{5F37327E-F93E-4114-BF15-926C9286327C}"/>
               </a:ext>
             </a:extLst>
           </p:cNvPr>
@@ -387,7 +389,7 @@
     </p:spTree>
     <p:extLst>
       <p:ext uri="{BB962C8B-B14F-4D97-AF65-F5344CB8AC3E}">
-        <p14:creationId xmlns:p14="http://schemas.microsoft.com/office/powerpoint/2010/main" xmlns="" val="478061970"/>
+        <p14:creationId xmlns="" xmlns:p14="http://schemas.microsoft.com/office/powerpoint/2010/main" val="478061970"/>
       </p:ext>
     </p:extLst>
   </p:cSld>
@@ -419,7 +421,7 @@
           <p:cNvPr id="4" name="날짜 개체 틀 3">
             <a:extLst>
               <a:ext uri="{FF2B5EF4-FFF2-40B4-BE49-F238E27FC236}">
-                <a16:creationId xmlns:a16="http://schemas.microsoft.com/office/drawing/2014/main" xmlns="" id="{0BF73A13-136B-44FD-B634-A2EDA0293396}"/>
+                <a16:creationId xmlns="" xmlns:a16="http://schemas.microsoft.com/office/drawing/2014/main" id="{0BF73A13-136B-44FD-B634-A2EDA0293396}"/>
               </a:ext>
             </a:extLst>
           </p:cNvPr>
@@ -438,7 +440,7 @@
             <a:fld id="{D3F4464A-C858-4638-90FC-FE02A6009B8C}" type="datetimeFigureOut">
               <a:rPr lang="ko-KR" altLang="en-US" smtClean="0"/>
               <a:pPr/>
-              <a:t>21-05-30</a:t>
+              <a:t>21-06-01</a:t>
             </a:fld>
             <a:endParaRPr lang="ko-KR" altLang="en-US"/>
           </a:p>
@@ -449,7 +451,7 @@
           <p:cNvPr id="5" name="바닥글 개체 틀 4">
             <a:extLst>
               <a:ext uri="{FF2B5EF4-FFF2-40B4-BE49-F238E27FC236}">
-                <a16:creationId xmlns:a16="http://schemas.microsoft.com/office/drawing/2014/main" xmlns="" id="{6946C323-653A-4D7C-BFC2-69EBBBB3F0E7}"/>
+                <a16:creationId xmlns="" xmlns:a16="http://schemas.microsoft.com/office/drawing/2014/main" id="{6946C323-653A-4D7C-BFC2-69EBBBB3F0E7}"/>
               </a:ext>
             </a:extLst>
           </p:cNvPr>
@@ -474,7 +476,7 @@
           <p:cNvPr id="6" name="슬라이드 번호 개체 틀 5">
             <a:extLst>
               <a:ext uri="{FF2B5EF4-FFF2-40B4-BE49-F238E27FC236}">
-                <a16:creationId xmlns:a16="http://schemas.microsoft.com/office/drawing/2014/main" xmlns="" id="{5F37327E-F93E-4114-BF15-926C9286327C}"/>
+                <a16:creationId xmlns="" xmlns:a16="http://schemas.microsoft.com/office/drawing/2014/main" id="{5F37327E-F93E-4114-BF15-926C9286327C}"/>
               </a:ext>
             </a:extLst>
           </p:cNvPr>
@@ -504,7 +506,7 @@
           <p:cNvPr id="7" name="그룹 6">
             <a:extLst>
               <a:ext uri="{FF2B5EF4-FFF2-40B4-BE49-F238E27FC236}">
-                <a16:creationId xmlns:a16="http://schemas.microsoft.com/office/drawing/2014/main" xmlns="" id="{F42ECFBB-90B1-4049-957E-86C75031F1A0}"/>
+                <a16:creationId xmlns="" xmlns:a16="http://schemas.microsoft.com/office/drawing/2014/main" id="{F42ECFBB-90B1-4049-957E-86C75031F1A0}"/>
               </a:ext>
             </a:extLst>
           </p:cNvPr>
@@ -524,7 +526,7 @@
             <p:cNvPr id="8" name="직사각형 7">
               <a:extLst>
                 <a:ext uri="{FF2B5EF4-FFF2-40B4-BE49-F238E27FC236}">
-                  <a16:creationId xmlns:a16="http://schemas.microsoft.com/office/drawing/2014/main" xmlns="" id="{32CDB354-79B2-4857-AC8F-F2FA471CFA63}"/>
+                  <a16:creationId xmlns="" xmlns:a16="http://schemas.microsoft.com/office/drawing/2014/main" id="{32CDB354-79B2-4857-AC8F-F2FA471CFA63}"/>
                 </a:ext>
               </a:extLst>
             </p:cNvPr>
@@ -579,7 +581,7 @@
             <p:cNvPr id="9" name="직사각형 8">
               <a:extLst>
                 <a:ext uri="{FF2B5EF4-FFF2-40B4-BE49-F238E27FC236}">
-                  <a16:creationId xmlns:a16="http://schemas.microsoft.com/office/drawing/2014/main" xmlns="" id="{81ED7353-FD7B-490D-A4F1-B8D4E4A8DA06}"/>
+                  <a16:creationId xmlns="" xmlns:a16="http://schemas.microsoft.com/office/drawing/2014/main" id="{81ED7353-FD7B-490D-A4F1-B8D4E4A8DA06}"/>
                 </a:ext>
               </a:extLst>
             </p:cNvPr>
@@ -634,7 +636,7 @@
             <p:cNvPr id="10" name="직사각형 9">
               <a:extLst>
                 <a:ext uri="{FF2B5EF4-FFF2-40B4-BE49-F238E27FC236}">
-                  <a16:creationId xmlns:a16="http://schemas.microsoft.com/office/drawing/2014/main" xmlns="" id="{AC32EF95-F425-4EE9-9C1E-0ABD3A0C11E9}"/>
+                  <a16:creationId xmlns="" xmlns:a16="http://schemas.microsoft.com/office/drawing/2014/main" id="{AC32EF95-F425-4EE9-9C1E-0ABD3A0C11E9}"/>
                 </a:ext>
               </a:extLst>
             </p:cNvPr>
@@ -689,7 +691,7 @@
             <p:cNvPr id="11" name="직사각형 10">
               <a:extLst>
                 <a:ext uri="{FF2B5EF4-FFF2-40B4-BE49-F238E27FC236}">
-                  <a16:creationId xmlns:a16="http://schemas.microsoft.com/office/drawing/2014/main" xmlns="" id="{0ADDC676-77DA-4860-B02A-7757CCBA214B}"/>
+                  <a16:creationId xmlns="" xmlns:a16="http://schemas.microsoft.com/office/drawing/2014/main" id="{0ADDC676-77DA-4860-B02A-7757CCBA214B}"/>
                 </a:ext>
               </a:extLst>
             </p:cNvPr>
@@ -744,7 +746,7 @@
             <p:cNvPr id="12" name="직사각형 11">
               <a:extLst>
                 <a:ext uri="{FF2B5EF4-FFF2-40B4-BE49-F238E27FC236}">
-                  <a16:creationId xmlns:a16="http://schemas.microsoft.com/office/drawing/2014/main" xmlns="" id="{9C6EDBB3-13C6-4DF9-87EC-8E81F162639A}"/>
+                  <a16:creationId xmlns="" xmlns:a16="http://schemas.microsoft.com/office/drawing/2014/main" id="{9C6EDBB3-13C6-4DF9-87EC-8E81F162639A}"/>
                 </a:ext>
               </a:extLst>
             </p:cNvPr>
@@ -799,7 +801,7 @@
             <p:cNvPr id="13" name="직사각형 12">
               <a:extLst>
                 <a:ext uri="{FF2B5EF4-FFF2-40B4-BE49-F238E27FC236}">
-                  <a16:creationId xmlns:a16="http://schemas.microsoft.com/office/drawing/2014/main" xmlns="" id="{BBDE3C49-6084-4565-8935-9ECADB3DB9D0}"/>
+                  <a16:creationId xmlns="" xmlns:a16="http://schemas.microsoft.com/office/drawing/2014/main" id="{BBDE3C49-6084-4565-8935-9ECADB3DB9D0}"/>
                 </a:ext>
               </a:extLst>
             </p:cNvPr>
@@ -854,7 +856,7 @@
             <p:cNvPr id="14" name="직사각형 13">
               <a:extLst>
                 <a:ext uri="{FF2B5EF4-FFF2-40B4-BE49-F238E27FC236}">
-                  <a16:creationId xmlns:a16="http://schemas.microsoft.com/office/drawing/2014/main" xmlns="" id="{7F9CA213-D095-431C-B808-E626396E0E2C}"/>
+                  <a16:creationId xmlns="" xmlns:a16="http://schemas.microsoft.com/office/drawing/2014/main" id="{7F9CA213-D095-431C-B808-E626396E0E2C}"/>
                 </a:ext>
               </a:extLst>
             </p:cNvPr>
@@ -909,7 +911,7 @@
             <p:cNvPr id="15" name="직사각형 14">
               <a:extLst>
                 <a:ext uri="{FF2B5EF4-FFF2-40B4-BE49-F238E27FC236}">
-                  <a16:creationId xmlns:a16="http://schemas.microsoft.com/office/drawing/2014/main" xmlns="" id="{79E2C2F1-2D2D-4DED-8F7C-88C50A7908CC}"/>
+                  <a16:creationId xmlns="" xmlns:a16="http://schemas.microsoft.com/office/drawing/2014/main" id="{79E2C2F1-2D2D-4DED-8F7C-88C50A7908CC}"/>
                 </a:ext>
               </a:extLst>
             </p:cNvPr>
@@ -964,7 +966,7 @@
             <p:cNvPr id="16" name="직사각형 15">
               <a:extLst>
                 <a:ext uri="{FF2B5EF4-FFF2-40B4-BE49-F238E27FC236}">
-                  <a16:creationId xmlns:a16="http://schemas.microsoft.com/office/drawing/2014/main" xmlns="" id="{2A399480-8E5E-4D4F-A81F-A057FE008791}"/>
+                  <a16:creationId xmlns="" xmlns:a16="http://schemas.microsoft.com/office/drawing/2014/main" id="{2A399480-8E5E-4D4F-A81F-A057FE008791}"/>
                 </a:ext>
               </a:extLst>
             </p:cNvPr>
@@ -1019,7 +1021,7 @@
             <p:cNvPr id="17" name="직사각형 16">
               <a:extLst>
                 <a:ext uri="{FF2B5EF4-FFF2-40B4-BE49-F238E27FC236}">
-                  <a16:creationId xmlns:a16="http://schemas.microsoft.com/office/drawing/2014/main" xmlns="" id="{4195D11B-D6AD-447A-A52C-1763C9A733BF}"/>
+                  <a16:creationId xmlns="" xmlns:a16="http://schemas.microsoft.com/office/drawing/2014/main" id="{4195D11B-D6AD-447A-A52C-1763C9A733BF}"/>
                 </a:ext>
               </a:extLst>
             </p:cNvPr>
@@ -1074,7 +1076,7 @@
             <p:cNvPr id="18" name="직사각형 17">
               <a:extLst>
                 <a:ext uri="{FF2B5EF4-FFF2-40B4-BE49-F238E27FC236}">
-                  <a16:creationId xmlns:a16="http://schemas.microsoft.com/office/drawing/2014/main" xmlns="" id="{FF93DC87-9C65-43DF-AA91-BF86A49AC667}"/>
+                  <a16:creationId xmlns="" xmlns:a16="http://schemas.microsoft.com/office/drawing/2014/main" id="{FF93DC87-9C65-43DF-AA91-BF86A49AC667}"/>
                 </a:ext>
               </a:extLst>
             </p:cNvPr>
@@ -1129,7 +1131,7 @@
             <p:cNvPr id="19" name="직사각형 18">
               <a:extLst>
                 <a:ext uri="{FF2B5EF4-FFF2-40B4-BE49-F238E27FC236}">
-                  <a16:creationId xmlns:a16="http://schemas.microsoft.com/office/drawing/2014/main" xmlns="" id="{BD591F60-D4DB-4A0B-97EA-BD4D50C99C26}"/>
+                  <a16:creationId xmlns="" xmlns:a16="http://schemas.microsoft.com/office/drawing/2014/main" id="{BD591F60-D4DB-4A0B-97EA-BD4D50C99C26}"/>
                 </a:ext>
               </a:extLst>
             </p:cNvPr>
@@ -1184,7 +1186,7 @@
             <p:cNvPr id="20" name="직사각형 19">
               <a:extLst>
                 <a:ext uri="{FF2B5EF4-FFF2-40B4-BE49-F238E27FC236}">
-                  <a16:creationId xmlns:a16="http://schemas.microsoft.com/office/drawing/2014/main" xmlns="" id="{C4426896-A5D0-4B82-9519-E82549AD3BAB}"/>
+                  <a16:creationId xmlns="" xmlns:a16="http://schemas.microsoft.com/office/drawing/2014/main" id="{C4426896-A5D0-4B82-9519-E82549AD3BAB}"/>
                 </a:ext>
               </a:extLst>
             </p:cNvPr>
@@ -1239,7 +1241,7 @@
             <p:cNvPr id="21" name="직사각형 20">
               <a:extLst>
                 <a:ext uri="{FF2B5EF4-FFF2-40B4-BE49-F238E27FC236}">
-                  <a16:creationId xmlns:a16="http://schemas.microsoft.com/office/drawing/2014/main" xmlns="" id="{A2788C16-9779-479A-974D-DB0302E0C8BA}"/>
+                  <a16:creationId xmlns="" xmlns:a16="http://schemas.microsoft.com/office/drawing/2014/main" id="{A2788C16-9779-479A-974D-DB0302E0C8BA}"/>
                 </a:ext>
               </a:extLst>
             </p:cNvPr>
@@ -1294,7 +1296,7 @@
             <p:cNvPr id="22" name="직사각형 21">
               <a:extLst>
                 <a:ext uri="{FF2B5EF4-FFF2-40B4-BE49-F238E27FC236}">
-                  <a16:creationId xmlns:a16="http://schemas.microsoft.com/office/drawing/2014/main" xmlns="" id="{AC823C83-0C54-4C3B-B24E-62042AE75A0B}"/>
+                  <a16:creationId xmlns="" xmlns:a16="http://schemas.microsoft.com/office/drawing/2014/main" id="{AC823C83-0C54-4C3B-B24E-62042AE75A0B}"/>
                 </a:ext>
               </a:extLst>
             </p:cNvPr>
@@ -1349,7 +1351,7 @@
             <p:cNvPr id="23" name="직사각형 22">
               <a:extLst>
                 <a:ext uri="{FF2B5EF4-FFF2-40B4-BE49-F238E27FC236}">
-                  <a16:creationId xmlns:a16="http://schemas.microsoft.com/office/drawing/2014/main" xmlns="" id="{1CC46250-DAE5-4B8C-84D2-53049FDCAE21}"/>
+                  <a16:creationId xmlns="" xmlns:a16="http://schemas.microsoft.com/office/drawing/2014/main" id="{1CC46250-DAE5-4B8C-84D2-53049FDCAE21}"/>
                 </a:ext>
               </a:extLst>
             </p:cNvPr>
@@ -1404,7 +1406,7 @@
             <p:cNvPr id="24" name="직사각형 23">
               <a:extLst>
                 <a:ext uri="{FF2B5EF4-FFF2-40B4-BE49-F238E27FC236}">
-                  <a16:creationId xmlns:a16="http://schemas.microsoft.com/office/drawing/2014/main" xmlns="" id="{C914E3D7-BA21-483E-8135-82CF72B2DA06}"/>
+                  <a16:creationId xmlns="" xmlns:a16="http://schemas.microsoft.com/office/drawing/2014/main" id="{C914E3D7-BA21-483E-8135-82CF72B2DA06}"/>
                 </a:ext>
               </a:extLst>
             </p:cNvPr>
@@ -1459,7 +1461,7 @@
             <p:cNvPr id="25" name="직사각형 24">
               <a:extLst>
                 <a:ext uri="{FF2B5EF4-FFF2-40B4-BE49-F238E27FC236}">
-                  <a16:creationId xmlns:a16="http://schemas.microsoft.com/office/drawing/2014/main" xmlns="" id="{77B0E4FB-0D35-4DD6-B51E-33F9AA9A0AE3}"/>
+                  <a16:creationId xmlns="" xmlns:a16="http://schemas.microsoft.com/office/drawing/2014/main" id="{77B0E4FB-0D35-4DD6-B51E-33F9AA9A0AE3}"/>
                 </a:ext>
               </a:extLst>
             </p:cNvPr>
@@ -1514,7 +1516,7 @@
             <p:cNvPr id="26" name="직사각형 25">
               <a:extLst>
                 <a:ext uri="{FF2B5EF4-FFF2-40B4-BE49-F238E27FC236}">
-                  <a16:creationId xmlns:a16="http://schemas.microsoft.com/office/drawing/2014/main" xmlns="" id="{9D70C739-9E66-46E5-B357-824AE90B05E3}"/>
+                  <a16:creationId xmlns="" xmlns:a16="http://schemas.microsoft.com/office/drawing/2014/main" id="{9D70C739-9E66-46E5-B357-824AE90B05E3}"/>
                 </a:ext>
               </a:extLst>
             </p:cNvPr>
@@ -1568,7 +1570,7 @@
     </p:spTree>
     <p:extLst>
       <p:ext uri="{BB962C8B-B14F-4D97-AF65-F5344CB8AC3E}">
-        <p14:creationId xmlns:p14="http://schemas.microsoft.com/office/powerpoint/2010/main" xmlns="" val="1227310049"/>
+        <p14:creationId xmlns="" xmlns:p14="http://schemas.microsoft.com/office/powerpoint/2010/main" val="1227310049"/>
       </p:ext>
     </p:extLst>
   </p:cSld>
@@ -1605,7 +1607,7 @@
           <p:cNvPr id="4" name="날짜 개체 틀 3">
             <a:extLst>
               <a:ext uri="{FF2B5EF4-FFF2-40B4-BE49-F238E27FC236}">
-                <a16:creationId xmlns:a16="http://schemas.microsoft.com/office/drawing/2014/main" xmlns="" id="{BDEEC45C-3CF6-4718-A8DA-6AB13F5F8EA6}"/>
+                <a16:creationId xmlns="" xmlns:a16="http://schemas.microsoft.com/office/drawing/2014/main" id="{BDEEC45C-3CF6-4718-A8DA-6AB13F5F8EA6}"/>
               </a:ext>
             </a:extLst>
           </p:cNvPr>
@@ -1642,7 +1644,7 @@
             <a:fld id="{D3F4464A-C858-4638-90FC-FE02A6009B8C}" type="datetimeFigureOut">
               <a:rPr lang="ko-KR" altLang="en-US" smtClean="0"/>
               <a:pPr/>
-              <a:t>21-05-30</a:t>
+              <a:t>21-06-01</a:t>
             </a:fld>
             <a:endParaRPr lang="ko-KR" altLang="en-US"/>
           </a:p>
@@ -1653,7 +1655,7 @@
           <p:cNvPr id="5" name="바닥글 개체 틀 4">
             <a:extLst>
               <a:ext uri="{FF2B5EF4-FFF2-40B4-BE49-F238E27FC236}">
-                <a16:creationId xmlns:a16="http://schemas.microsoft.com/office/drawing/2014/main" xmlns="" id="{244E2230-6AC1-4419-8F95-B5CEFE1A4D06}"/>
+                <a16:creationId xmlns="" xmlns:a16="http://schemas.microsoft.com/office/drawing/2014/main" id="{244E2230-6AC1-4419-8F95-B5CEFE1A4D06}"/>
               </a:ext>
             </a:extLst>
           </p:cNvPr>
@@ -1696,7 +1698,7 @@
           <p:cNvPr id="6" name="슬라이드 번호 개체 틀 5">
             <a:extLst>
               <a:ext uri="{FF2B5EF4-FFF2-40B4-BE49-F238E27FC236}">
-                <a16:creationId xmlns:a16="http://schemas.microsoft.com/office/drawing/2014/main" xmlns="" id="{06FA9C59-A42A-429B-A57E-6D155A6D0D98}"/>
+                <a16:creationId xmlns="" xmlns:a16="http://schemas.microsoft.com/office/drawing/2014/main" id="{06FA9C59-A42A-429B-A57E-6D155A6D0D98}"/>
               </a:ext>
             </a:extLst>
           </p:cNvPr>
@@ -1742,7 +1744,7 @@
     </p:spTree>
     <p:extLst>
       <p:ext uri="{BB962C8B-B14F-4D97-AF65-F5344CB8AC3E}">
-        <p14:creationId xmlns:p14="http://schemas.microsoft.com/office/powerpoint/2010/main" xmlns="" val="2242405825"/>
+        <p14:creationId xmlns="" xmlns:p14="http://schemas.microsoft.com/office/powerpoint/2010/main" val="2242405825"/>
       </p:ext>
     </p:extLst>
   </p:cSld>
@@ -2057,7 +2059,7 @@
           <p:cNvPr id="4" name="직사각형 3">
             <a:extLst>
               <a:ext uri="{FF2B5EF4-FFF2-40B4-BE49-F238E27FC236}">
-                <a16:creationId xmlns:a16="http://schemas.microsoft.com/office/drawing/2014/main" xmlns="" id="{A5F1230D-E167-4631-9FF0-6693B43B2EB4}"/>
+                <a16:creationId xmlns="" xmlns:a16="http://schemas.microsoft.com/office/drawing/2014/main" id="{A5F1230D-E167-4631-9FF0-6693B43B2EB4}"/>
               </a:ext>
             </a:extLst>
           </p:cNvPr>
@@ -2125,7 +2127,7 @@
           <p:cNvPr id="23" name="직선 연결선 22">
             <a:extLst>
               <a:ext uri="{FF2B5EF4-FFF2-40B4-BE49-F238E27FC236}">
-                <a16:creationId xmlns:a16="http://schemas.microsoft.com/office/drawing/2014/main" xmlns="" id="{51598C24-B97B-4C39-8E70-FF16D6EDE3C5}"/>
+                <a16:creationId xmlns="" xmlns:a16="http://schemas.microsoft.com/office/drawing/2014/main" id="{51598C24-B97B-4C39-8E70-FF16D6EDE3C5}"/>
               </a:ext>
             </a:extLst>
           </p:cNvPr>
@@ -2166,7 +2168,7 @@
           <p:cNvPr id="24" name="직선 연결선 23">
             <a:extLst>
               <a:ext uri="{FF2B5EF4-FFF2-40B4-BE49-F238E27FC236}">
-                <a16:creationId xmlns:a16="http://schemas.microsoft.com/office/drawing/2014/main" xmlns="" id="{99D0D74F-3BC7-44B8-BCD5-402872C490D0}"/>
+                <a16:creationId xmlns="" xmlns:a16="http://schemas.microsoft.com/office/drawing/2014/main" id="{99D0D74F-3BC7-44B8-BCD5-402872C490D0}"/>
               </a:ext>
             </a:extLst>
           </p:cNvPr>
@@ -2207,7 +2209,7 @@
           <p:cNvPr id="27" name="TextBox 26">
             <a:extLst>
               <a:ext uri="{FF2B5EF4-FFF2-40B4-BE49-F238E27FC236}">
-                <a16:creationId xmlns:a16="http://schemas.microsoft.com/office/drawing/2014/main" xmlns="" id="{10414E6C-FE57-4B60-9FE8-97135035557F}"/>
+                <a16:creationId xmlns="" xmlns:a16="http://schemas.microsoft.com/office/drawing/2014/main" id="{10414E6C-FE57-4B60-9FE8-97135035557F}"/>
               </a:ext>
             </a:extLst>
           </p:cNvPr>
@@ -2308,7 +2310,7 @@
           <p:cNvPr id="28" name="TextBox 27">
             <a:extLst>
               <a:ext uri="{FF2B5EF4-FFF2-40B4-BE49-F238E27FC236}">
-                <a16:creationId xmlns:a16="http://schemas.microsoft.com/office/drawing/2014/main" xmlns="" id="{0DF3FC17-D03B-44C4-A8CD-96514F944E81}"/>
+                <a16:creationId xmlns="" xmlns:a16="http://schemas.microsoft.com/office/drawing/2014/main" id="{0DF3FC17-D03B-44C4-A8CD-96514F944E81}"/>
               </a:ext>
             </a:extLst>
           </p:cNvPr>
@@ -2422,7 +2424,7 @@
     </p:spTree>
     <p:extLst>
       <p:ext uri="{BB962C8B-B14F-4D97-AF65-F5344CB8AC3E}">
-        <p14:creationId xmlns:p14="http://schemas.microsoft.com/office/powerpoint/2010/main" xmlns="" val="267635556"/>
+        <p14:creationId xmlns="" xmlns:p14="http://schemas.microsoft.com/office/powerpoint/2010/main" val="267635556"/>
       </p:ext>
     </p:extLst>
   </p:cSld>
@@ -2461,7 +2463,7 @@
           <p:cNvPr id="2" name="직사각형 1">
             <a:extLst>
               <a:ext uri="{FF2B5EF4-FFF2-40B4-BE49-F238E27FC236}">
-                <a16:creationId xmlns:a16="http://schemas.microsoft.com/office/drawing/2014/main" xmlns="" id="{11A62586-B708-4471-8640-ED72F76F9C56}"/>
+                <a16:creationId xmlns="" xmlns:a16="http://schemas.microsoft.com/office/drawing/2014/main" id="{11A62586-B708-4471-8640-ED72F76F9C56}"/>
               </a:ext>
             </a:extLst>
           </p:cNvPr>
@@ -2529,7 +2531,7 @@
           <p:cNvPr id="3" name="TextBox 2">
             <a:extLst>
               <a:ext uri="{FF2B5EF4-FFF2-40B4-BE49-F238E27FC236}">
-                <a16:creationId xmlns:a16="http://schemas.microsoft.com/office/drawing/2014/main" xmlns="" id="{988CFF69-148F-4807-9880-44F95FE3A9DC}"/>
+                <a16:creationId xmlns="" xmlns:a16="http://schemas.microsoft.com/office/drawing/2014/main" id="{988CFF69-148F-4807-9880-44F95FE3A9DC}"/>
               </a:ext>
             </a:extLst>
           </p:cNvPr>
@@ -2662,7 +2664,7 @@
     </p:spTree>
     <p:extLst>
       <p:ext uri="{BB962C8B-B14F-4D97-AF65-F5344CB8AC3E}">
-        <p14:creationId xmlns:p14="http://schemas.microsoft.com/office/powerpoint/2010/main" xmlns="" val="3740041879"/>
+        <p14:creationId xmlns="" xmlns:p14="http://schemas.microsoft.com/office/powerpoint/2010/main" val="3740041879"/>
       </p:ext>
     </p:extLst>
   </p:cSld>
@@ -2701,7 +2703,7 @@
           <p:cNvPr id="2" name="직사각형 1">
             <a:extLst>
               <a:ext uri="{FF2B5EF4-FFF2-40B4-BE49-F238E27FC236}">
-                <a16:creationId xmlns:a16="http://schemas.microsoft.com/office/drawing/2014/main" xmlns="" id="{72070133-B364-4648-B5B7-60879ABB5B30}"/>
+                <a16:creationId xmlns="" xmlns:a16="http://schemas.microsoft.com/office/drawing/2014/main" id="{72070133-B364-4648-B5B7-60879ABB5B30}"/>
               </a:ext>
             </a:extLst>
           </p:cNvPr>
@@ -2769,7 +2771,7 @@
           <p:cNvPr id="3" name="TextBox 2">
             <a:extLst>
               <a:ext uri="{FF2B5EF4-FFF2-40B4-BE49-F238E27FC236}">
-                <a16:creationId xmlns:a16="http://schemas.microsoft.com/office/drawing/2014/main" xmlns="" id="{046E9738-F6F0-4607-9DD9-40CC81694A89}"/>
+                <a16:creationId xmlns="" xmlns:a16="http://schemas.microsoft.com/office/drawing/2014/main" id="{046E9738-F6F0-4607-9DD9-40CC81694A89}"/>
               </a:ext>
             </a:extLst>
           </p:cNvPr>
@@ -2838,7 +2840,7 @@
           <p:cNvPr id="5" name="그림 5">
             <a:extLst>
               <a:ext uri="{FF2B5EF4-FFF2-40B4-BE49-F238E27FC236}">
-                <a16:creationId xmlns:a16="http://schemas.microsoft.com/office/drawing/2014/main" xmlns="" id="{76250358-C71A-44D4-9503-5BF52895BA57}"/>
+                <a16:creationId xmlns="" xmlns:a16="http://schemas.microsoft.com/office/drawing/2014/main" id="{76250358-C71A-44D4-9503-5BF52895BA57}"/>
               </a:ext>
             </a:extLst>
           </p:cNvPr>
@@ -2866,7 +2868,7 @@
     </p:spTree>
     <p:extLst>
       <p:ext uri="{BB962C8B-B14F-4D97-AF65-F5344CB8AC3E}">
-        <p14:creationId xmlns:p14="http://schemas.microsoft.com/office/powerpoint/2010/main" xmlns="" val="2492811531"/>
+        <p14:creationId xmlns="" xmlns:p14="http://schemas.microsoft.com/office/powerpoint/2010/main" val="2492811531"/>
       </p:ext>
     </p:extLst>
   </p:cSld>
@@ -2905,7 +2907,7 @@
           <p:cNvPr id="2" name="직사각형 1">
             <a:extLst>
               <a:ext uri="{FF2B5EF4-FFF2-40B4-BE49-F238E27FC236}">
-                <a16:creationId xmlns:a16="http://schemas.microsoft.com/office/drawing/2014/main" xmlns="" id="{11A62586-B708-4471-8640-ED72F76F9C56}"/>
+                <a16:creationId xmlns="" xmlns:a16="http://schemas.microsoft.com/office/drawing/2014/main" id="{11A62586-B708-4471-8640-ED72F76F9C56}"/>
               </a:ext>
             </a:extLst>
           </p:cNvPr>
@@ -2973,7 +2975,7 @@
           <p:cNvPr id="3" name="TextBox 2">
             <a:extLst>
               <a:ext uri="{FF2B5EF4-FFF2-40B4-BE49-F238E27FC236}">
-                <a16:creationId xmlns:a16="http://schemas.microsoft.com/office/drawing/2014/main" xmlns="" id="{988CFF69-148F-4807-9880-44F95FE3A9DC}"/>
+                <a16:creationId xmlns="" xmlns:a16="http://schemas.microsoft.com/office/drawing/2014/main" id="{988CFF69-148F-4807-9880-44F95FE3A9DC}"/>
               </a:ext>
             </a:extLst>
           </p:cNvPr>
@@ -3055,7 +3057,7 @@
           <p:cNvPr id="4" name="TextBox 3">
             <a:extLst>
               <a:ext uri="{FF2B5EF4-FFF2-40B4-BE49-F238E27FC236}">
-                <a16:creationId xmlns:a16="http://schemas.microsoft.com/office/drawing/2014/main" xmlns="" id="{392523DE-E429-4729-B40E-C98AD1714AC6}"/>
+                <a16:creationId xmlns="" xmlns:a16="http://schemas.microsoft.com/office/drawing/2014/main" id="{392523DE-E429-4729-B40E-C98AD1714AC6}"/>
               </a:ext>
             </a:extLst>
           </p:cNvPr>
@@ -3168,7 +3170,7 @@
           <p:cNvPr id="18" name="그림 18">
             <a:extLst>
               <a:ext uri="{FF2B5EF4-FFF2-40B4-BE49-F238E27FC236}">
-                <a16:creationId xmlns:a16="http://schemas.microsoft.com/office/drawing/2014/main" xmlns="" id="{CC49F0CD-D647-47A1-A9F2-8478EA2F6E38}"/>
+                <a16:creationId xmlns="" xmlns:a16="http://schemas.microsoft.com/office/drawing/2014/main" id="{CC49F0CD-D647-47A1-A9F2-8478EA2F6E38}"/>
               </a:ext>
             </a:extLst>
           </p:cNvPr>
@@ -3196,7 +3198,7 @@
     </p:spTree>
     <p:extLst>
       <p:ext uri="{BB962C8B-B14F-4D97-AF65-F5344CB8AC3E}">
-        <p14:creationId xmlns:p14="http://schemas.microsoft.com/office/powerpoint/2010/main" xmlns="" val="4276196947"/>
+        <p14:creationId xmlns="" xmlns:p14="http://schemas.microsoft.com/office/powerpoint/2010/main" val="4276196947"/>
       </p:ext>
     </p:extLst>
   </p:cSld>
@@ -3235,7 +3237,7 @@
           <p:cNvPr id="2" name="직사각형 1">
             <a:extLst>
               <a:ext uri="{FF2B5EF4-FFF2-40B4-BE49-F238E27FC236}">
-                <a16:creationId xmlns:a16="http://schemas.microsoft.com/office/drawing/2014/main" xmlns="" id="{11A62586-B708-4471-8640-ED72F76F9C56}"/>
+                <a16:creationId xmlns="" xmlns:a16="http://schemas.microsoft.com/office/drawing/2014/main" id="{11A62586-B708-4471-8640-ED72F76F9C56}"/>
               </a:ext>
             </a:extLst>
           </p:cNvPr>
@@ -3303,7 +3305,7 @@
           <p:cNvPr id="3" name="TextBox 2">
             <a:extLst>
               <a:ext uri="{FF2B5EF4-FFF2-40B4-BE49-F238E27FC236}">
-                <a16:creationId xmlns:a16="http://schemas.microsoft.com/office/drawing/2014/main" xmlns="" id="{988CFF69-148F-4807-9880-44F95FE3A9DC}"/>
+                <a16:creationId xmlns="" xmlns:a16="http://schemas.microsoft.com/office/drawing/2014/main" id="{988CFF69-148F-4807-9880-44F95FE3A9DC}"/>
               </a:ext>
             </a:extLst>
           </p:cNvPr>
@@ -3360,7 +3362,7 @@
           <p:cNvPr id="4" name="TextBox 3">
             <a:extLst>
               <a:ext uri="{FF2B5EF4-FFF2-40B4-BE49-F238E27FC236}">
-                <a16:creationId xmlns:a16="http://schemas.microsoft.com/office/drawing/2014/main" xmlns="" id="{392523DE-E429-4729-B40E-C98AD1714AC6}"/>
+                <a16:creationId xmlns="" xmlns:a16="http://schemas.microsoft.com/office/drawing/2014/main" id="{392523DE-E429-4729-B40E-C98AD1714AC6}"/>
               </a:ext>
             </a:extLst>
           </p:cNvPr>
@@ -3760,7 +3762,7 @@
     </p:spTree>
     <p:extLst>
       <p:ext uri="{BB962C8B-B14F-4D97-AF65-F5344CB8AC3E}">
-        <p14:creationId xmlns:p14="http://schemas.microsoft.com/office/powerpoint/2010/main" xmlns="" val="1947609359"/>
+        <p14:creationId xmlns="" xmlns:p14="http://schemas.microsoft.com/office/powerpoint/2010/main" val="1947609359"/>
       </p:ext>
     </p:extLst>
   </p:cSld>
@@ -3799,7 +3801,7 @@
           <p:cNvPr id="2" name="직사각형 1">
             <a:extLst>
               <a:ext uri="{FF2B5EF4-FFF2-40B4-BE49-F238E27FC236}">
-                <a16:creationId xmlns:a16="http://schemas.microsoft.com/office/drawing/2014/main" xmlns="" id="{11A62586-B708-4471-8640-ED72F76F9C56}"/>
+                <a16:creationId xmlns="" xmlns:a16="http://schemas.microsoft.com/office/drawing/2014/main" id="{11A62586-B708-4471-8640-ED72F76F9C56}"/>
               </a:ext>
             </a:extLst>
           </p:cNvPr>
@@ -3867,7 +3869,7 @@
           <p:cNvPr id="3" name="TextBox 2">
             <a:extLst>
               <a:ext uri="{FF2B5EF4-FFF2-40B4-BE49-F238E27FC236}">
-                <a16:creationId xmlns:a16="http://schemas.microsoft.com/office/drawing/2014/main" xmlns="" id="{988CFF69-148F-4807-9880-44F95FE3A9DC}"/>
+                <a16:creationId xmlns="" xmlns:a16="http://schemas.microsoft.com/office/drawing/2014/main" id="{988CFF69-148F-4807-9880-44F95FE3A9DC}"/>
               </a:ext>
             </a:extLst>
           </p:cNvPr>
@@ -3949,7 +3951,7 @@
           <p:cNvPr id="4" name="TextBox 3">
             <a:extLst>
               <a:ext uri="{FF2B5EF4-FFF2-40B4-BE49-F238E27FC236}">
-                <a16:creationId xmlns:a16="http://schemas.microsoft.com/office/drawing/2014/main" xmlns="" id="{392523DE-E429-4729-B40E-C98AD1714AC6}"/>
+                <a16:creationId xmlns="" xmlns:a16="http://schemas.microsoft.com/office/drawing/2014/main" id="{392523DE-E429-4729-B40E-C98AD1714AC6}"/>
               </a:ext>
             </a:extLst>
           </p:cNvPr>
@@ -4311,7 +4313,7 @@
           <p:cNvPr id="5" name="그림 5" descr="테이블이(가) 표시된 사진&#10;&#10;자동 생성된 설명">
             <a:extLst>
               <a:ext uri="{FF2B5EF4-FFF2-40B4-BE49-F238E27FC236}">
-                <a16:creationId xmlns:a16="http://schemas.microsoft.com/office/drawing/2014/main" xmlns="" id="{DB1F21B4-0433-4CC4-BBE8-2D474549C66E}"/>
+                <a16:creationId xmlns="" xmlns:a16="http://schemas.microsoft.com/office/drawing/2014/main" id="{DB1F21B4-0433-4CC4-BBE8-2D474549C66E}"/>
               </a:ext>
             </a:extLst>
           </p:cNvPr>
@@ -4339,7 +4341,7 @@
     </p:spTree>
     <p:extLst>
       <p:ext uri="{BB962C8B-B14F-4D97-AF65-F5344CB8AC3E}">
-        <p14:creationId xmlns:p14="http://schemas.microsoft.com/office/powerpoint/2010/main" xmlns="" val="1947609359"/>
+        <p14:creationId xmlns="" xmlns:p14="http://schemas.microsoft.com/office/powerpoint/2010/main" val="1947609359"/>
       </p:ext>
     </p:extLst>
   </p:cSld>
@@ -4378,7 +4380,7 @@
           <p:cNvPr id="2" name="직사각형 1">
             <a:extLst>
               <a:ext uri="{FF2B5EF4-FFF2-40B4-BE49-F238E27FC236}">
-                <a16:creationId xmlns:a16="http://schemas.microsoft.com/office/drawing/2014/main" xmlns="" id="{11A62586-B708-4471-8640-ED72F76F9C56}"/>
+                <a16:creationId xmlns="" xmlns:a16="http://schemas.microsoft.com/office/drawing/2014/main" id="{11A62586-B708-4471-8640-ED72F76F9C56}"/>
               </a:ext>
             </a:extLst>
           </p:cNvPr>
@@ -4446,7 +4448,7 @@
           <p:cNvPr id="3" name="TextBox 2">
             <a:extLst>
               <a:ext uri="{FF2B5EF4-FFF2-40B4-BE49-F238E27FC236}">
-                <a16:creationId xmlns:a16="http://schemas.microsoft.com/office/drawing/2014/main" xmlns="" id="{988CFF69-148F-4807-9880-44F95FE3A9DC}"/>
+                <a16:creationId xmlns="" xmlns:a16="http://schemas.microsoft.com/office/drawing/2014/main" id="{988CFF69-148F-4807-9880-44F95FE3A9DC}"/>
               </a:ext>
             </a:extLst>
           </p:cNvPr>
@@ -4528,7 +4530,7 @@
           <p:cNvPr id="4" name="TextBox 3">
             <a:extLst>
               <a:ext uri="{FF2B5EF4-FFF2-40B4-BE49-F238E27FC236}">
-                <a16:creationId xmlns:a16="http://schemas.microsoft.com/office/drawing/2014/main" xmlns="" id="{392523DE-E429-4729-B40E-C98AD1714AC6}"/>
+                <a16:creationId xmlns="" xmlns:a16="http://schemas.microsoft.com/office/drawing/2014/main" id="{392523DE-E429-4729-B40E-C98AD1714AC6}"/>
               </a:ext>
             </a:extLst>
           </p:cNvPr>
@@ -4803,7 +4805,7 @@
           <p:cNvPr id="5" name="그림 5" descr="테이블이(가) 표시된 사진&#10;&#10;자동 생성된 설명">
             <a:extLst>
               <a:ext uri="{FF2B5EF4-FFF2-40B4-BE49-F238E27FC236}">
-                <a16:creationId xmlns:a16="http://schemas.microsoft.com/office/drawing/2014/main" xmlns="" id="{A8ED55C6-79C7-4EF5-8E75-0F4DBF75BD3F}"/>
+                <a16:creationId xmlns="" xmlns:a16="http://schemas.microsoft.com/office/drawing/2014/main" id="{A8ED55C6-79C7-4EF5-8E75-0F4DBF75BD3F}"/>
               </a:ext>
             </a:extLst>
           </p:cNvPr>
@@ -4831,7 +4833,7 @@
     </p:spTree>
     <p:extLst>
       <p:ext uri="{BB962C8B-B14F-4D97-AF65-F5344CB8AC3E}">
-        <p14:creationId xmlns:p14="http://schemas.microsoft.com/office/powerpoint/2010/main" xmlns="" val="3340782011"/>
+        <p14:creationId xmlns="" xmlns:p14="http://schemas.microsoft.com/office/powerpoint/2010/main" val="3340782011"/>
       </p:ext>
     </p:extLst>
   </p:cSld>
@@ -4870,7 +4872,7 @@
           <p:cNvPr id="2" name="직사각형 1">
             <a:extLst>
               <a:ext uri="{FF2B5EF4-FFF2-40B4-BE49-F238E27FC236}">
-                <a16:creationId xmlns:a16="http://schemas.microsoft.com/office/drawing/2014/main" xmlns="" id="{11A62586-B708-4471-8640-ED72F76F9C56}"/>
+                <a16:creationId xmlns="" xmlns:a16="http://schemas.microsoft.com/office/drawing/2014/main" id="{11A62586-B708-4471-8640-ED72F76F9C56}"/>
               </a:ext>
             </a:extLst>
           </p:cNvPr>
@@ -4938,7 +4940,7 @@
           <p:cNvPr id="3" name="TextBox 2">
             <a:extLst>
               <a:ext uri="{FF2B5EF4-FFF2-40B4-BE49-F238E27FC236}">
-                <a16:creationId xmlns:a16="http://schemas.microsoft.com/office/drawing/2014/main" xmlns="" id="{988CFF69-148F-4807-9880-44F95FE3A9DC}"/>
+                <a16:creationId xmlns="" xmlns:a16="http://schemas.microsoft.com/office/drawing/2014/main" id="{988CFF69-148F-4807-9880-44F95FE3A9DC}"/>
               </a:ext>
             </a:extLst>
           </p:cNvPr>
@@ -5007,14 +5009,14 @@
                 <a:gridCol w="944879">
                   <a:extLst>
                     <a:ext uri="{9D8B030D-6E8A-4147-A177-3AD203B41FA5}">
-                      <a16:colId xmlns:a16="http://schemas.microsoft.com/office/drawing/2014/main" xmlns="" val="20000"/>
+                      <a16:colId xmlns="" xmlns:a16="http://schemas.microsoft.com/office/drawing/2014/main" val="20000"/>
                     </a:ext>
                   </a:extLst>
                 </a:gridCol>
                 <a:gridCol w="7259321">
                   <a:extLst>
                     <a:ext uri="{9D8B030D-6E8A-4147-A177-3AD203B41FA5}">
-                      <a16:colId xmlns:a16="http://schemas.microsoft.com/office/drawing/2014/main" xmlns="" val="20001"/>
+                      <a16:colId xmlns="" xmlns:a16="http://schemas.microsoft.com/office/drawing/2014/main" val="20001"/>
                     </a:ext>
                   </a:extLst>
                 </a:gridCol>
@@ -5158,7 +5160,7 @@
                 </a:tc>
                 <a:extLst>
                   <a:ext uri="{0D108BD9-81ED-4DB2-BD59-A6C34878D82A}">
-                    <a16:rowId xmlns:a16="http://schemas.microsoft.com/office/drawing/2014/main" xmlns="" val="10000"/>
+                    <a16:rowId xmlns="" xmlns:a16="http://schemas.microsoft.com/office/drawing/2014/main" val="10000"/>
                   </a:ext>
                 </a:extLst>
               </a:tr>
@@ -5294,7 +5296,7 @@
                 </a:tc>
                 <a:extLst>
                   <a:ext uri="{0D108BD9-81ED-4DB2-BD59-A6C34878D82A}">
-                    <a16:rowId xmlns:a16="http://schemas.microsoft.com/office/drawing/2014/main" xmlns="" val="10001"/>
+                    <a16:rowId xmlns="" xmlns:a16="http://schemas.microsoft.com/office/drawing/2014/main" val="10001"/>
                   </a:ext>
                 </a:extLst>
               </a:tr>
@@ -5441,7 +5443,7 @@
                 </a:tc>
                 <a:extLst>
                   <a:ext uri="{0D108BD9-81ED-4DB2-BD59-A6C34878D82A}">
-                    <a16:rowId xmlns:a16="http://schemas.microsoft.com/office/drawing/2014/main" xmlns="" val="10002"/>
+                    <a16:rowId xmlns="" xmlns:a16="http://schemas.microsoft.com/office/drawing/2014/main" val="10002"/>
                   </a:ext>
                 </a:extLst>
               </a:tr>
@@ -5557,7 +5559,7 @@
                 </a:tc>
                 <a:extLst>
                   <a:ext uri="{0D108BD9-81ED-4DB2-BD59-A6C34878D82A}">
-                    <a16:rowId xmlns:a16="http://schemas.microsoft.com/office/drawing/2014/main" xmlns="" val="10003"/>
+                    <a16:rowId xmlns="" xmlns:a16="http://schemas.microsoft.com/office/drawing/2014/main" val="10003"/>
                   </a:ext>
                 </a:extLst>
               </a:tr>
@@ -5725,7 +5727,7 @@
                 </a:tc>
                 <a:extLst>
                   <a:ext uri="{0D108BD9-81ED-4DB2-BD59-A6C34878D82A}">
-                    <a16:rowId xmlns:a16="http://schemas.microsoft.com/office/drawing/2014/main" xmlns="" val="10004"/>
+                    <a16:rowId xmlns="" xmlns:a16="http://schemas.microsoft.com/office/drawing/2014/main" val="10004"/>
                   </a:ext>
                 </a:extLst>
               </a:tr>
@@ -5865,7 +5867,7 @@
                 </a:tc>
                 <a:extLst>
                   <a:ext uri="{0D108BD9-81ED-4DB2-BD59-A6C34878D82A}">
-                    <a16:rowId xmlns:a16="http://schemas.microsoft.com/office/drawing/2014/main" xmlns="" val="10005"/>
+                    <a16:rowId xmlns="" xmlns:a16="http://schemas.microsoft.com/office/drawing/2014/main" val="10005"/>
                   </a:ext>
                 </a:extLst>
               </a:tr>
@@ -5987,7 +5989,7 @@
                 </a:tc>
                 <a:extLst>
                   <a:ext uri="{0D108BD9-81ED-4DB2-BD59-A6C34878D82A}">
-                    <a16:rowId xmlns:a16="http://schemas.microsoft.com/office/drawing/2014/main" xmlns="" val="10006"/>
+                    <a16:rowId xmlns="" xmlns:a16="http://schemas.microsoft.com/office/drawing/2014/main" val="10006"/>
                   </a:ext>
                 </a:extLst>
               </a:tr>
@@ -6134,7 +6136,7 @@
                 </a:tc>
                 <a:extLst>
                   <a:ext uri="{0D108BD9-81ED-4DB2-BD59-A6C34878D82A}">
-                    <a16:rowId xmlns:a16="http://schemas.microsoft.com/office/drawing/2014/main" xmlns="" val="10007"/>
+                    <a16:rowId xmlns="" xmlns:a16="http://schemas.microsoft.com/office/drawing/2014/main" val="10007"/>
                   </a:ext>
                 </a:extLst>
               </a:tr>
@@ -6323,7 +6325,7 @@
                 </a:tc>
                 <a:extLst>
                   <a:ext uri="{0D108BD9-81ED-4DB2-BD59-A6C34878D82A}">
-                    <a16:rowId xmlns:a16="http://schemas.microsoft.com/office/drawing/2014/main" xmlns="" val="10008"/>
+                    <a16:rowId xmlns="" xmlns:a16="http://schemas.microsoft.com/office/drawing/2014/main" val="10008"/>
                   </a:ext>
                 </a:extLst>
               </a:tr>
@@ -6334,7 +6336,7 @@
     </p:spTree>
     <p:extLst>
       <p:ext uri="{BB962C8B-B14F-4D97-AF65-F5344CB8AC3E}">
-        <p14:creationId xmlns:p14="http://schemas.microsoft.com/office/powerpoint/2010/main" xmlns="" val="3740041879"/>
+        <p14:creationId xmlns="" xmlns:p14="http://schemas.microsoft.com/office/powerpoint/2010/main" val="3740041879"/>
       </p:ext>
     </p:extLst>
   </p:cSld>
@@ -6373,7 +6375,7 @@
           <p:cNvPr id="2" name="직사각형 1">
             <a:extLst>
               <a:ext uri="{FF2B5EF4-FFF2-40B4-BE49-F238E27FC236}">
-                <a16:creationId xmlns:a16="http://schemas.microsoft.com/office/drawing/2014/main" xmlns="" id="{72070133-B364-4648-B5B7-60879ABB5B30}"/>
+                <a16:creationId xmlns="" xmlns:a16="http://schemas.microsoft.com/office/drawing/2014/main" id="{72070133-B364-4648-B5B7-60879ABB5B30}"/>
               </a:ext>
             </a:extLst>
           </p:cNvPr>
@@ -6441,7 +6443,7 @@
           <p:cNvPr id="3" name="TextBox 2">
             <a:extLst>
               <a:ext uri="{FF2B5EF4-FFF2-40B4-BE49-F238E27FC236}">
-                <a16:creationId xmlns:a16="http://schemas.microsoft.com/office/drawing/2014/main" xmlns="" id="{046E9738-F6F0-4607-9DD9-40CC81694A89}"/>
+                <a16:creationId xmlns="" xmlns:a16="http://schemas.microsoft.com/office/drawing/2014/main" id="{046E9738-F6F0-4607-9DD9-40CC81694A89}"/>
               </a:ext>
             </a:extLst>
           </p:cNvPr>
@@ -6582,7 +6584,7 @@
           <p:cNvPr id="5" name="표 5">
             <a:extLst>
               <a:ext uri="{FF2B5EF4-FFF2-40B4-BE49-F238E27FC236}">
-                <a16:creationId xmlns:a16="http://schemas.microsoft.com/office/drawing/2014/main" xmlns="" id="{FC9E8AF2-BC97-403A-9DE2-158B2FABB55E}"/>
+                <a16:creationId xmlns="" xmlns:a16="http://schemas.microsoft.com/office/drawing/2014/main" id="{FC9E8AF2-BC97-403A-9DE2-158B2FABB55E}"/>
               </a:ext>
             </a:extLst>
           </p:cNvPr>
@@ -6592,7 +6594,7 @@
           <p:nvPr>
             <p:extLst>
               <p:ext uri="{D42A27DB-BD31-4B8C-83A1-F6EECF244321}">
-                <p14:modId xmlns:p14="http://schemas.microsoft.com/office/powerpoint/2010/main" xmlns="" val="1280430241"/>
+                <p14:modId xmlns="" xmlns:p14="http://schemas.microsoft.com/office/powerpoint/2010/main" val="1280430241"/>
               </p:ext>
             </p:extLst>
           </p:nvPr>
@@ -6611,14 +6613,14 @@
                 <a:gridCol w="4792631">
                   <a:extLst>
                     <a:ext uri="{9D8B030D-6E8A-4147-A177-3AD203B41FA5}">
-                      <a16:colId xmlns:a16="http://schemas.microsoft.com/office/drawing/2014/main" xmlns="" val="664462760"/>
+                      <a16:colId xmlns="" xmlns:a16="http://schemas.microsoft.com/office/drawing/2014/main" val="664462760"/>
                     </a:ext>
                   </a:extLst>
                 </a:gridCol>
                 <a:gridCol w="5323924">
                   <a:extLst>
                     <a:ext uri="{9D8B030D-6E8A-4147-A177-3AD203B41FA5}">
-                      <a16:colId xmlns:a16="http://schemas.microsoft.com/office/drawing/2014/main" xmlns="" val="3161920122"/>
+                      <a16:colId xmlns="" xmlns:a16="http://schemas.microsoft.com/office/drawing/2014/main" val="3161920122"/>
                     </a:ext>
                   </a:extLst>
                 </a:gridCol>
@@ -6788,7 +6790,7 @@
                 </a:tc>
                 <a:extLst>
                   <a:ext uri="{0D108BD9-81ED-4DB2-BD59-A6C34878D82A}">
-                    <a16:rowId xmlns:a16="http://schemas.microsoft.com/office/drawing/2014/main" xmlns="" val="3970375590"/>
+                    <a16:rowId xmlns="" xmlns:a16="http://schemas.microsoft.com/office/drawing/2014/main" val="3970375590"/>
                   </a:ext>
                 </a:extLst>
               </a:tr>
@@ -6969,7 +6971,7 @@
                 </a:tc>
                 <a:extLst>
                   <a:ext uri="{0D108BD9-81ED-4DB2-BD59-A6C34878D82A}">
-                    <a16:rowId xmlns:a16="http://schemas.microsoft.com/office/drawing/2014/main" xmlns="" val="1061963206"/>
+                    <a16:rowId xmlns="" xmlns:a16="http://schemas.microsoft.com/office/drawing/2014/main" val="1061963206"/>
                   </a:ext>
                 </a:extLst>
               </a:tr>
@@ -7195,7 +7197,7 @@
                 </a:tc>
                 <a:extLst>
                   <a:ext uri="{0D108BD9-81ED-4DB2-BD59-A6C34878D82A}">
-                    <a16:rowId xmlns:a16="http://schemas.microsoft.com/office/drawing/2014/main" xmlns="" val="4281332351"/>
+                    <a16:rowId xmlns="" xmlns:a16="http://schemas.microsoft.com/office/drawing/2014/main" val="4281332351"/>
                   </a:ext>
                 </a:extLst>
               </a:tr>
@@ -7443,7 +7445,7 @@
           <p:cNvPr id="9" name="TextBox 8">
             <a:extLst>
               <a:ext uri="{FF2B5EF4-FFF2-40B4-BE49-F238E27FC236}">
-                <a16:creationId xmlns:a16="http://schemas.microsoft.com/office/drawing/2014/main" xmlns="" id="{7E80750E-A436-41C1-8B33-E28CD8A4BF62}"/>
+                <a16:creationId xmlns="" xmlns:a16="http://schemas.microsoft.com/office/drawing/2014/main" id="{7E80750E-A436-41C1-8B33-E28CD8A4BF62}"/>
               </a:ext>
             </a:extLst>
           </p:cNvPr>
@@ -7481,7 +7483,7 @@
           <p:cNvPr id="10" name="직선 연결선 9">
             <a:extLst>
               <a:ext uri="{FF2B5EF4-FFF2-40B4-BE49-F238E27FC236}">
-                <a16:creationId xmlns:a16="http://schemas.microsoft.com/office/drawing/2014/main" xmlns="" id="{6B6164DE-77B2-48CE-B1F2-AD10EAE6FA90}"/>
+                <a16:creationId xmlns="" xmlns:a16="http://schemas.microsoft.com/office/drawing/2014/main" id="{6B6164DE-77B2-48CE-B1F2-AD10EAE6FA90}"/>
               </a:ext>
             </a:extLst>
           </p:cNvPr>
@@ -7525,7 +7527,7 @@
           <p:cNvPr id="14" name="TextBox 13">
             <a:extLst>
               <a:ext uri="{FF2B5EF4-FFF2-40B4-BE49-F238E27FC236}">
-                <a16:creationId xmlns:a16="http://schemas.microsoft.com/office/drawing/2014/main" xmlns="" id="{1F2CD3F4-1561-42B0-AA6A-4E5C93318ACB}"/>
+                <a16:creationId xmlns="" xmlns:a16="http://schemas.microsoft.com/office/drawing/2014/main" id="{1F2CD3F4-1561-42B0-AA6A-4E5C93318ACB}"/>
               </a:ext>
             </a:extLst>
           </p:cNvPr>
@@ -7566,7 +7568,7 @@
           <p:cNvPr id="19" name="직선 연결선 18">
             <a:extLst>
               <a:ext uri="{FF2B5EF4-FFF2-40B4-BE49-F238E27FC236}">
-                <a16:creationId xmlns:a16="http://schemas.microsoft.com/office/drawing/2014/main" xmlns="" id="{B8096EF7-E44C-4172-8097-E696F89C731E}"/>
+                <a16:creationId xmlns="" xmlns:a16="http://schemas.microsoft.com/office/drawing/2014/main" id="{B8096EF7-E44C-4172-8097-E696F89C731E}"/>
               </a:ext>
             </a:extLst>
           </p:cNvPr>
@@ -7612,7 +7614,7 @@
           <p:cNvPr id="17" name="TextBox 16">
             <a:extLst>
               <a:ext uri="{FF2B5EF4-FFF2-40B4-BE49-F238E27FC236}">
-                <a16:creationId xmlns:a16="http://schemas.microsoft.com/office/drawing/2014/main" xmlns="" id="{30389FF9-DEDC-4E6E-BCB8-F7A136977992}"/>
+                <a16:creationId xmlns="" xmlns:a16="http://schemas.microsoft.com/office/drawing/2014/main" id="{30389FF9-DEDC-4E6E-BCB8-F7A136977992}"/>
               </a:ext>
             </a:extLst>
           </p:cNvPr>
@@ -7660,7 +7662,7 @@
           <p:cNvPr id="20" name="TextBox 19">
             <a:extLst>
               <a:ext uri="{FF2B5EF4-FFF2-40B4-BE49-F238E27FC236}">
-                <a16:creationId xmlns:a16="http://schemas.microsoft.com/office/drawing/2014/main" xmlns="" id="{D37AE9C0-91C0-4319-8B16-155DEB59A5D3}"/>
+                <a16:creationId xmlns="" xmlns:a16="http://schemas.microsoft.com/office/drawing/2014/main" id="{D37AE9C0-91C0-4319-8B16-155DEB59A5D3}"/>
               </a:ext>
             </a:extLst>
           </p:cNvPr>
@@ -7700,7 +7702,7 @@
     </p:spTree>
     <p:extLst>
       <p:ext uri="{BB962C8B-B14F-4D97-AF65-F5344CB8AC3E}">
-        <p14:creationId xmlns:p14="http://schemas.microsoft.com/office/powerpoint/2010/main" xmlns="" val="2060300941"/>
+        <p14:creationId xmlns="" xmlns:p14="http://schemas.microsoft.com/office/powerpoint/2010/main" val="2060300941"/>
       </p:ext>
     </p:extLst>
   </p:cSld>
@@ -7739,7 +7741,7 @@
           <p:cNvPr id="2" name="직사각형 1">
             <a:extLst>
               <a:ext uri="{FF2B5EF4-FFF2-40B4-BE49-F238E27FC236}">
-                <a16:creationId xmlns:a16="http://schemas.microsoft.com/office/drawing/2014/main" xmlns="" id="{72070133-B364-4648-B5B7-60879ABB5B30}"/>
+                <a16:creationId xmlns="" xmlns:a16="http://schemas.microsoft.com/office/drawing/2014/main" id="{72070133-B364-4648-B5B7-60879ABB5B30}"/>
               </a:ext>
             </a:extLst>
           </p:cNvPr>
@@ -7807,7 +7809,2085 @@
           <p:cNvPr id="3" name="TextBox 2">
             <a:extLst>
               <a:ext uri="{FF2B5EF4-FFF2-40B4-BE49-F238E27FC236}">
-                <a16:creationId xmlns:a16="http://schemas.microsoft.com/office/drawing/2014/main" xmlns="" id="{046E9738-F6F0-4607-9DD9-40CC81694A89}"/>
+                <a16:creationId xmlns="" xmlns:a16="http://schemas.microsoft.com/office/drawing/2014/main" id="{046E9738-F6F0-4607-9DD9-40CC81694A89}"/>
+              </a:ext>
+            </a:extLst>
+          </p:cNvPr>
+          <p:cNvSpPr txBox="1"/>
+          <p:nvPr/>
+        </p:nvSpPr>
+        <p:spPr>
+          <a:xfrm>
+            <a:off x="351014" y="233009"/>
+            <a:ext cx="8790983" cy="646193"/>
+          </a:xfrm>
+          <a:prstGeom prst="rect">
+            <a:avLst/>
+          </a:prstGeom>
+          <a:noFill/>
+        </p:spPr>
+        <p:txBody>
+          <a:bodyPr wrap="none" lIns="91440" tIns="45720" rIns="91440" bIns="45720" rtlCol="0" anchor="t">
+            <a:noAutofit/>
+          </a:bodyPr>
+          <a:lstStyle/>
+          <a:p>
+            <a:pPr>
+              <a:lnSpc>
+                <a:spcPct val="110000"/>
+              </a:lnSpc>
+            </a:pPr>
+            <a:r>
+              <a:rPr lang="en-US" altLang="ko-KR" sz="4000" spc="-300" dirty="0" err="1" smtClean="0">
+                <a:ln>
+                  <a:solidFill>
+                    <a:srgbClr val="4472C4">
+                      <a:shade val="50000"/>
+                      <a:alpha val="0"/>
+                    </a:srgbClr>
+                  </a:solidFill>
+                </a:ln>
+                <a:solidFill>
+                  <a:schemeClr val="bg1"/>
+                </a:solidFill>
+                <a:latin typeface="SpoqaHanSans-Bold"/>
+                <a:ea typeface="SpoqaHanSans-Bold"/>
+              </a:rPr>
+              <a:t>프로젝트</a:t>
+            </a:r>
+            <a:r>
+              <a:rPr lang="en-US" altLang="ko-KR" sz="4000" spc="-300" dirty="0" smtClean="0">
+                <a:ln>
+                  <a:solidFill>
+                    <a:srgbClr val="4472C4">
+                      <a:shade val="50000"/>
+                      <a:alpha val="0"/>
+                    </a:srgbClr>
+                  </a:solidFill>
+                </a:ln>
+                <a:solidFill>
+                  <a:schemeClr val="bg1"/>
+                </a:solidFill>
+                <a:latin typeface="SpoqaHanSans-Bold"/>
+                <a:ea typeface="SpoqaHanSans-Bold"/>
+              </a:rPr>
+              <a:t> </a:t>
+            </a:r>
+            <a:r>
+              <a:rPr lang="en-US" altLang="ko-KR" sz="4000" spc="-300" dirty="0" err="1" smtClean="0">
+                <a:ln>
+                  <a:solidFill>
+                    <a:srgbClr val="4472C4">
+                      <a:shade val="50000"/>
+                      <a:alpha val="0"/>
+                    </a:srgbClr>
+                  </a:solidFill>
+                </a:ln>
+                <a:solidFill>
+                  <a:schemeClr val="bg1"/>
+                </a:solidFill>
+                <a:latin typeface="SpoqaHanSans-Bold"/>
+                <a:ea typeface="SpoqaHanSans-Bold"/>
+              </a:rPr>
+              <a:t>결과물</a:t>
+            </a:r>
+            <a:r>
+              <a:rPr lang="en-US" altLang="ko-KR" sz="4000" spc="-300" dirty="0" smtClean="0">
+                <a:ln>
+                  <a:solidFill>
+                    <a:srgbClr val="4472C4">
+                      <a:shade val="50000"/>
+                      <a:alpha val="0"/>
+                    </a:srgbClr>
+                  </a:solidFill>
+                </a:ln>
+                <a:solidFill>
+                  <a:schemeClr val="bg1"/>
+                </a:solidFill>
+                <a:latin typeface="SpoqaHanSans-Bold"/>
+                <a:ea typeface="SpoqaHanSans-Bold"/>
+              </a:rPr>
+              <a:t> </a:t>
+            </a:r>
+            <a:r>
+              <a:rPr lang="en-US" altLang="ko-KR" sz="4000" spc="-300" dirty="0" err="1" smtClean="0">
+                <a:ln>
+                  <a:solidFill>
+                    <a:srgbClr val="4472C4">
+                      <a:shade val="50000"/>
+                      <a:alpha val="0"/>
+                    </a:srgbClr>
+                  </a:solidFill>
+                </a:ln>
+                <a:solidFill>
+                  <a:schemeClr val="bg1"/>
+                </a:solidFill>
+                <a:latin typeface="SpoqaHanSans-Bold"/>
+                <a:ea typeface="SpoqaHanSans-Bold"/>
+              </a:rPr>
+              <a:t>비교</a:t>
+            </a:r>
+            <a:endParaRPr lang="en-US" altLang="ko-KR" sz="4000" spc="-300" dirty="0">
+              <a:ln>
+                <a:solidFill>
+                  <a:srgbClr val="4472C4">
+                    <a:shade val="50000"/>
+                    <a:alpha val="0"/>
+                  </a:srgbClr>
+                </a:solidFill>
+              </a:ln>
+              <a:solidFill>
+                <a:schemeClr val="bg1"/>
+              </a:solidFill>
+              <a:latin typeface="SpoqaHanSans-Bold"/>
+              <a:ea typeface="SpoqaHanSans-Bold" panose="020B0800000000000000" pitchFamily="50" charset="-127"/>
+            </a:endParaRPr>
+          </a:p>
+        </p:txBody>
+      </p:sp>
+      <p:pic>
+        <p:nvPicPr>
+          <p:cNvPr id="6" name="그림 5">
+            <a:extLst>
+              <a:ext uri="{FF2B5EF4-FFF2-40B4-BE49-F238E27FC236}">
+                <a16:creationId xmlns="" xmlns:a16="http://schemas.microsoft.com/office/drawing/2014/main" id="{76250358-C71A-44D4-9503-5BF52895BA57}"/>
+              </a:ext>
+            </a:extLst>
+          </p:cNvPr>
+          <p:cNvPicPr>
+            <a:picLocks noChangeAspect="1"/>
+          </p:cNvPicPr>
+          <p:nvPr/>
+        </p:nvPicPr>
+        <p:blipFill>
+          <a:blip r:embed="rId2"/>
+          <a:stretch>
+            <a:fillRect/>
+          </a:stretch>
+        </p:blipFill>
+        <p:spPr>
+          <a:xfrm>
+            <a:off x="148833" y="2578640"/>
+            <a:ext cx="4265374" cy="2065153"/>
+          </a:xfrm>
+          <a:prstGeom prst="rect">
+            <a:avLst/>
+          </a:prstGeom>
+        </p:spPr>
+      </p:pic>
+      <p:sp>
+        <p:nvSpPr>
+          <p:cNvPr id="7" name="화살표: 오른쪽 11">
+            <a:extLst>
+              <a:ext uri="{FF2B5EF4-FFF2-40B4-BE49-F238E27FC236}">
+                <a16:creationId xmlns="" xmlns:a16="http://schemas.microsoft.com/office/drawing/2014/main" id="{30CD89BF-6867-4DEC-A584-D044116DB39A}"/>
+              </a:ext>
+            </a:extLst>
+          </p:cNvPr>
+          <p:cNvSpPr/>
+          <p:nvPr/>
+        </p:nvSpPr>
+        <p:spPr>
+          <a:xfrm>
+            <a:off x="4680000" y="3099600"/>
+            <a:ext cx="1876091" cy="1151412"/>
+          </a:xfrm>
+          <a:prstGeom prst="rightArrow">
+            <a:avLst/>
+          </a:prstGeom>
+          <a:solidFill>
+            <a:srgbClr val="3C3C3C"/>
+          </a:solidFill>
+        </p:spPr>
+        <p:txBody>
+          <a:bodyPr wrap="none" rtlCol="0" anchor="ctr">
+            <a:noAutofit/>
+          </a:bodyPr>
+          <a:lstStyle/>
+          <a:p>
+            <a:pPr algn="ctr">
+              <a:lnSpc>
+                <a:spcPct val="110000"/>
+              </a:lnSpc>
+            </a:pPr>
+            <a:endParaRPr lang="ko-KR" altLang="en-US" sz="2000" dirty="0">
+              <a:ln>
+                <a:solidFill>
+                  <a:schemeClr val="accent1">
+                    <a:shade val="50000"/>
+                    <a:alpha val="0"/>
+                  </a:schemeClr>
+                </a:solidFill>
+              </a:ln>
+              <a:solidFill>
+                <a:srgbClr val="FFFFFF"/>
+              </a:solidFill>
+              <a:latin typeface="SpoqaHanSans-Bold" panose="020B0800000000000000" pitchFamily="50" charset="-127"/>
+              <a:ea typeface="SpoqaHanSans-Bold" panose="020B0800000000000000" pitchFamily="50" charset="-127"/>
+            </a:endParaRPr>
+          </a:p>
+        </p:txBody>
+      </p:sp>
+      <p:pic>
+        <p:nvPicPr>
+          <p:cNvPr id="8" name="그림 7">
+            <a:extLst>
+              <a:ext uri="{FF2B5EF4-FFF2-40B4-BE49-F238E27FC236}">
+                <a16:creationId xmlns="" xmlns:a16="http://schemas.microsoft.com/office/drawing/2014/main" id="{CEA99C9C-1BD7-4A0E-A157-6F17EF01D8A7}"/>
+              </a:ext>
+            </a:extLst>
+          </p:cNvPr>
+          <p:cNvPicPr>
+            <a:picLocks noChangeAspect="1"/>
+          </p:cNvPicPr>
+          <p:nvPr/>
+        </p:nvPicPr>
+        <p:blipFill>
+          <a:blip r:embed="rId3"/>
+          <a:stretch>
+            <a:fillRect/>
+          </a:stretch>
+        </p:blipFill>
+        <p:spPr>
+          <a:xfrm>
+            <a:off x="7148532" y="2374026"/>
+            <a:ext cx="4391045" cy="2492699"/>
+          </a:xfrm>
+          <a:prstGeom prst="rect">
+            <a:avLst/>
+          </a:prstGeom>
+        </p:spPr>
+      </p:pic>
+    </p:spTree>
+    <p:extLst>
+      <p:ext uri="{BB962C8B-B14F-4D97-AF65-F5344CB8AC3E}">
+        <p14:creationId xmlns="" xmlns:p14="http://schemas.microsoft.com/office/powerpoint/2010/main" val="4141249237"/>
+      </p:ext>
+    </p:extLst>
+  </p:cSld>
+  <p:clrMapOvr>
+    <a:masterClrMapping/>
+  </p:clrMapOvr>
+  <p:timing>
+    <p:tnLst>
+      <p:par>
+        <p:cTn id="1" dur="indefinite" restart="never" nodeType="tmRoot"/>
+      </p:par>
+    </p:tnLst>
+  </p:timing>
+</p:sld>
+</file>
+
+<file path=ppt/slides/slide19.xml><?xml version="1.0" encoding="utf-8"?>
+<p:sld xmlns:a="http://schemas.openxmlformats.org/drawingml/2006/main" xmlns:r="http://schemas.openxmlformats.org/officeDocument/2006/relationships" xmlns:p="http://schemas.openxmlformats.org/presentationml/2006/main">
+  <p:cSld>
+    <p:spTree>
+      <p:nvGrpSpPr>
+        <p:cNvPr id="1" name=""/>
+        <p:cNvGrpSpPr/>
+        <p:nvPr/>
+      </p:nvGrpSpPr>
+      <p:grpSpPr>
+        <a:xfrm>
+          <a:off x="0" y="0"/>
+          <a:ext cx="0" cy="0"/>
+          <a:chOff x="0" y="0"/>
+          <a:chExt cx="0" cy="0"/>
+        </a:xfrm>
+      </p:grpSpPr>
+      <p:sp>
+        <p:nvSpPr>
+          <p:cNvPr id="2" name="직사각형 1">
+            <a:extLst>
+              <a:ext uri="{FF2B5EF4-FFF2-40B4-BE49-F238E27FC236}">
+                <a16:creationId xmlns="" xmlns:a16="http://schemas.microsoft.com/office/drawing/2014/main" id="{72070133-B364-4648-B5B7-60879ABB5B30}"/>
+              </a:ext>
+            </a:extLst>
+          </p:cNvPr>
+          <p:cNvSpPr/>
+          <p:nvPr/>
+        </p:nvSpPr>
+        <p:spPr>
+          <a:xfrm>
+            <a:off x="0" y="0"/>
+            <a:ext cx="12192000" cy="1168366"/>
+          </a:xfrm>
+          <a:prstGeom prst="rect">
+            <a:avLst/>
+          </a:prstGeom>
+          <a:gradFill>
+            <a:gsLst>
+              <a:gs pos="0">
+                <a:schemeClr val="tx1">
+                  <a:lumMod val="75000"/>
+                  <a:lumOff val="25000"/>
+                </a:schemeClr>
+              </a:gs>
+              <a:gs pos="54000">
+                <a:schemeClr val="tx1">
+                  <a:lumMod val="85000"/>
+                  <a:lumOff val="15000"/>
+                </a:schemeClr>
+              </a:gs>
+            </a:gsLst>
+            <a:path path="circle">
+              <a:fillToRect l="100000" b="100000"/>
+            </a:path>
+          </a:gradFill>
+          <a:ln>
+            <a:noFill/>
+          </a:ln>
+        </p:spPr>
+        <p:style>
+          <a:lnRef idx="2">
+            <a:schemeClr val="accent1">
+              <a:shade val="50000"/>
+            </a:schemeClr>
+          </a:lnRef>
+          <a:fillRef idx="1">
+            <a:schemeClr val="accent1"/>
+          </a:fillRef>
+          <a:effectRef idx="0">
+            <a:schemeClr val="accent1"/>
+          </a:effectRef>
+          <a:fontRef idx="minor">
+            <a:schemeClr val="lt1"/>
+          </a:fontRef>
+        </p:style>
+        <p:txBody>
+          <a:bodyPr rtlCol="0" anchor="ctr"/>
+          <a:lstStyle/>
+          <a:p>
+            <a:pPr algn="ctr"/>
+            <a:endParaRPr lang="ko-KR" altLang="en-US"/>
+          </a:p>
+        </p:txBody>
+      </p:sp>
+      <p:sp>
+        <p:nvSpPr>
+          <p:cNvPr id="3" name="TextBox 2">
+            <a:extLst>
+              <a:ext uri="{FF2B5EF4-FFF2-40B4-BE49-F238E27FC236}">
+                <a16:creationId xmlns="" xmlns:a16="http://schemas.microsoft.com/office/drawing/2014/main" id="{046E9738-F6F0-4607-9DD9-40CC81694A89}"/>
+              </a:ext>
+            </a:extLst>
+          </p:cNvPr>
+          <p:cNvSpPr txBox="1"/>
+          <p:nvPr/>
+        </p:nvSpPr>
+        <p:spPr>
+          <a:xfrm>
+            <a:off x="351014" y="233009"/>
+            <a:ext cx="8790983" cy="646193"/>
+          </a:xfrm>
+          <a:prstGeom prst="rect">
+            <a:avLst/>
+          </a:prstGeom>
+          <a:noFill/>
+        </p:spPr>
+        <p:txBody>
+          <a:bodyPr wrap="none" lIns="91440" tIns="45720" rIns="91440" bIns="45720" rtlCol="0" anchor="t">
+            <a:noAutofit/>
+          </a:bodyPr>
+          <a:lstStyle/>
+          <a:p>
+            <a:pPr>
+              <a:lnSpc>
+                <a:spcPct val="110000"/>
+              </a:lnSpc>
+            </a:pPr>
+            <a:r>
+              <a:rPr lang="en-US" altLang="ko-KR" sz="4000" spc="-300" dirty="0" err="1" smtClean="0">
+                <a:ln>
+                  <a:solidFill>
+                    <a:srgbClr val="4472C4">
+                      <a:shade val="50000"/>
+                      <a:alpha val="0"/>
+                    </a:srgbClr>
+                  </a:solidFill>
+                </a:ln>
+                <a:solidFill>
+                  <a:schemeClr val="bg1"/>
+                </a:solidFill>
+                <a:latin typeface="SpoqaHanSans-Bold"/>
+                <a:ea typeface="SpoqaHanSans-Bold"/>
+              </a:rPr>
+              <a:t>프로젝트</a:t>
+            </a:r>
+            <a:r>
+              <a:rPr lang="en-US" altLang="ko-KR" sz="4000" spc="-300" dirty="0" smtClean="0">
+                <a:ln>
+                  <a:solidFill>
+                    <a:srgbClr val="4472C4">
+                      <a:shade val="50000"/>
+                      <a:alpha val="0"/>
+                    </a:srgbClr>
+                  </a:solidFill>
+                </a:ln>
+                <a:solidFill>
+                  <a:schemeClr val="bg1"/>
+                </a:solidFill>
+                <a:latin typeface="SpoqaHanSans-Bold"/>
+                <a:ea typeface="SpoqaHanSans-Bold"/>
+              </a:rPr>
+              <a:t> </a:t>
+            </a:r>
+            <a:r>
+              <a:rPr lang="en-US" altLang="ko-KR" sz="4000" spc="-300" dirty="0" err="1" smtClean="0">
+                <a:ln>
+                  <a:solidFill>
+                    <a:srgbClr val="4472C4">
+                      <a:shade val="50000"/>
+                      <a:alpha val="0"/>
+                    </a:srgbClr>
+                  </a:solidFill>
+                </a:ln>
+                <a:solidFill>
+                  <a:schemeClr val="bg1"/>
+                </a:solidFill>
+                <a:latin typeface="SpoqaHanSans-Bold"/>
+                <a:ea typeface="SpoqaHanSans-Bold"/>
+              </a:rPr>
+              <a:t>결과물</a:t>
+            </a:r>
+            <a:r>
+              <a:rPr lang="en-US" altLang="ko-KR" sz="4000" spc="-300" dirty="0" smtClean="0">
+                <a:ln>
+                  <a:solidFill>
+                    <a:srgbClr val="4472C4">
+                      <a:shade val="50000"/>
+                      <a:alpha val="0"/>
+                    </a:srgbClr>
+                  </a:solidFill>
+                </a:ln>
+                <a:solidFill>
+                  <a:schemeClr val="bg1"/>
+                </a:solidFill>
+                <a:latin typeface="SpoqaHanSans-Bold"/>
+                <a:ea typeface="SpoqaHanSans-Bold"/>
+              </a:rPr>
+              <a:t> </a:t>
+            </a:r>
+            <a:r>
+              <a:rPr lang="en-US" altLang="ko-KR" sz="4000" spc="-300" dirty="0" err="1" smtClean="0">
+                <a:ln>
+                  <a:solidFill>
+                    <a:srgbClr val="4472C4">
+                      <a:shade val="50000"/>
+                      <a:alpha val="0"/>
+                    </a:srgbClr>
+                  </a:solidFill>
+                </a:ln>
+                <a:solidFill>
+                  <a:schemeClr val="bg1"/>
+                </a:solidFill>
+                <a:latin typeface="SpoqaHanSans-Bold"/>
+                <a:ea typeface="SpoqaHanSans-Bold"/>
+              </a:rPr>
+              <a:t>비교</a:t>
+            </a:r>
+            <a:endParaRPr lang="en-US" altLang="ko-KR" sz="4000" spc="-300" dirty="0">
+              <a:ln>
+                <a:solidFill>
+                  <a:srgbClr val="4472C4">
+                    <a:shade val="50000"/>
+                    <a:alpha val="0"/>
+                  </a:srgbClr>
+                </a:solidFill>
+              </a:ln>
+              <a:solidFill>
+                <a:schemeClr val="bg1"/>
+              </a:solidFill>
+              <a:latin typeface="SpoqaHanSans-Bold"/>
+              <a:ea typeface="SpoqaHanSans-Bold" panose="020B0800000000000000" pitchFamily="50" charset="-127"/>
+            </a:endParaRPr>
+          </a:p>
+        </p:txBody>
+      </p:sp>
+      <p:sp>
+        <p:nvSpPr>
+          <p:cNvPr id="7" name="화살표: 오른쪽 11">
+            <a:extLst>
+              <a:ext uri="{FF2B5EF4-FFF2-40B4-BE49-F238E27FC236}">
+                <a16:creationId xmlns="" xmlns:a16="http://schemas.microsoft.com/office/drawing/2014/main" id="{30CD89BF-6867-4DEC-A584-D044116DB39A}"/>
+              </a:ext>
+            </a:extLst>
+          </p:cNvPr>
+          <p:cNvSpPr/>
+          <p:nvPr/>
+        </p:nvSpPr>
+        <p:spPr>
+          <a:xfrm>
+            <a:off x="4679628" y="3099416"/>
+            <a:ext cx="1876091" cy="1151412"/>
+          </a:xfrm>
+          <a:prstGeom prst="rightArrow">
+            <a:avLst/>
+          </a:prstGeom>
+          <a:solidFill>
+            <a:srgbClr val="3C3C3C"/>
+          </a:solidFill>
+        </p:spPr>
+        <p:txBody>
+          <a:bodyPr wrap="none" rtlCol="0" anchor="ctr">
+            <a:noAutofit/>
+          </a:bodyPr>
+          <a:lstStyle/>
+          <a:p>
+            <a:pPr algn="ctr">
+              <a:lnSpc>
+                <a:spcPct val="110000"/>
+              </a:lnSpc>
+            </a:pPr>
+            <a:endParaRPr lang="ko-KR" altLang="en-US" sz="2000" dirty="0">
+              <a:ln>
+                <a:solidFill>
+                  <a:schemeClr val="accent1">
+                    <a:shade val="50000"/>
+                    <a:alpha val="0"/>
+                  </a:schemeClr>
+                </a:solidFill>
+              </a:ln>
+              <a:solidFill>
+                <a:srgbClr val="FFFFFF"/>
+              </a:solidFill>
+              <a:latin typeface="SpoqaHanSans-Bold" panose="020B0800000000000000" pitchFamily="50" charset="-127"/>
+              <a:ea typeface="SpoqaHanSans-Bold" panose="020B0800000000000000" pitchFamily="50" charset="-127"/>
+            </a:endParaRPr>
+          </a:p>
+        </p:txBody>
+      </p:sp>
+      <p:pic>
+        <p:nvPicPr>
+          <p:cNvPr id="9" name="Picture 5" descr="C:\Users\egenglish\Desktop\수업\오픈소스\피피티\https___mariadb.com_wp-content_uploads_2019_11_mariadb-logo-vert_black-transparent.png"/>
+          <p:cNvPicPr>
+            <a:picLocks noChangeAspect="1" noChangeArrowheads="1"/>
+          </p:cNvPicPr>
+          <p:nvPr/>
+        </p:nvPicPr>
+        <p:blipFill>
+          <a:blip r:embed="rId2" cstate="print"/>
+          <a:srcRect/>
+          <a:stretch>
+            <a:fillRect/>
+          </a:stretch>
+        </p:blipFill>
+        <p:spPr bwMode="auto">
+          <a:xfrm>
+            <a:off x="781930" y="2604752"/>
+            <a:ext cx="2613912" cy="2130712"/>
+          </a:xfrm>
+          <a:prstGeom prst="rect">
+            <a:avLst/>
+          </a:prstGeom>
+          <a:noFill/>
+        </p:spPr>
+      </p:pic>
+      <p:pic>
+        <p:nvPicPr>
+          <p:cNvPr id="1027" name="Picture 3" descr="C:\Users\egenglish\Desktop\수업\오픈소스\찐막\OPENSOURCE16\ppt\image\pngegg.png"/>
+          <p:cNvPicPr>
+            <a:picLocks noChangeAspect="1" noChangeArrowheads="1"/>
+          </p:cNvPicPr>
+          <p:nvPr/>
+        </p:nvPicPr>
+        <p:blipFill>
+          <a:blip r:embed="rId3"/>
+          <a:srcRect/>
+          <a:stretch>
+            <a:fillRect/>
+          </a:stretch>
+        </p:blipFill>
+        <p:spPr bwMode="auto">
+          <a:xfrm>
+            <a:off x="7151675" y="1971767"/>
+            <a:ext cx="4720412" cy="3540309"/>
+          </a:xfrm>
+          <a:prstGeom prst="rect">
+            <a:avLst/>
+          </a:prstGeom>
+          <a:noFill/>
+        </p:spPr>
+      </p:pic>
+    </p:spTree>
+    <p:extLst>
+      <p:ext uri="{BB962C8B-B14F-4D97-AF65-F5344CB8AC3E}">
+        <p14:creationId xmlns="" xmlns:p14="http://schemas.microsoft.com/office/powerpoint/2010/main" val="4141249237"/>
+      </p:ext>
+    </p:extLst>
+  </p:cSld>
+  <p:clrMapOvr>
+    <a:masterClrMapping/>
+  </p:clrMapOvr>
+  <p:timing>
+    <p:tnLst>
+      <p:par>
+        <p:cTn id="1" dur="indefinite" restart="never" nodeType="tmRoot"/>
+      </p:par>
+    </p:tnLst>
+  </p:timing>
+</p:sld>
+</file>
+
+<file path=ppt/slides/slide2.xml><?xml version="1.0" encoding="utf-8"?>
+<p:sld xmlns:a="http://schemas.openxmlformats.org/drawingml/2006/main" xmlns:r="http://schemas.openxmlformats.org/officeDocument/2006/relationships" xmlns:p="http://schemas.openxmlformats.org/presentationml/2006/main">
+  <p:cSld>
+    <p:spTree>
+      <p:nvGrpSpPr>
+        <p:cNvPr id="1" name=""/>
+        <p:cNvGrpSpPr/>
+        <p:nvPr/>
+      </p:nvGrpSpPr>
+      <p:grpSpPr>
+        <a:xfrm>
+          <a:off x="0" y="0"/>
+          <a:ext cx="0" cy="0"/>
+          <a:chOff x="0" y="0"/>
+          <a:chExt cx="0" cy="0"/>
+        </a:xfrm>
+      </p:grpSpPr>
+      <p:sp>
+        <p:nvSpPr>
+          <p:cNvPr id="2" name="직사각형 1">
+            <a:extLst>
+              <a:ext uri="{FF2B5EF4-FFF2-40B4-BE49-F238E27FC236}">
+                <a16:creationId xmlns="" xmlns:a16="http://schemas.microsoft.com/office/drawing/2014/main" id="{11A62586-B708-4471-8640-ED72F76F9C56}"/>
+              </a:ext>
+            </a:extLst>
+          </p:cNvPr>
+          <p:cNvSpPr/>
+          <p:nvPr/>
+        </p:nvSpPr>
+        <p:spPr>
+          <a:xfrm>
+            <a:off x="0" y="0"/>
+            <a:ext cx="3495554" cy="6858000"/>
+          </a:xfrm>
+          <a:prstGeom prst="rect">
+            <a:avLst/>
+          </a:prstGeom>
+          <a:gradFill>
+            <a:gsLst>
+              <a:gs pos="0">
+                <a:schemeClr val="tx1">
+                  <a:lumMod val="75000"/>
+                  <a:lumOff val="25000"/>
+                </a:schemeClr>
+              </a:gs>
+              <a:gs pos="54000">
+                <a:schemeClr val="tx1">
+                  <a:lumMod val="85000"/>
+                  <a:lumOff val="15000"/>
+                </a:schemeClr>
+              </a:gs>
+            </a:gsLst>
+            <a:path path="circle">
+              <a:fillToRect l="100000" b="100000"/>
+            </a:path>
+          </a:gradFill>
+          <a:ln>
+            <a:noFill/>
+          </a:ln>
+        </p:spPr>
+        <p:style>
+          <a:lnRef idx="2">
+            <a:schemeClr val="accent1">
+              <a:shade val="50000"/>
+            </a:schemeClr>
+          </a:lnRef>
+          <a:fillRef idx="1">
+            <a:schemeClr val="accent1"/>
+          </a:fillRef>
+          <a:effectRef idx="0">
+            <a:schemeClr val="accent1"/>
+          </a:effectRef>
+          <a:fontRef idx="minor">
+            <a:schemeClr val="lt1"/>
+          </a:fontRef>
+        </p:style>
+        <p:txBody>
+          <a:bodyPr rtlCol="0" anchor="ctr"/>
+          <a:lstStyle/>
+          <a:p>
+            <a:pPr algn="ctr"/>
+            <a:endParaRPr lang="ko-KR" altLang="en-US"/>
+          </a:p>
+        </p:txBody>
+      </p:sp>
+      <p:sp>
+        <p:nvSpPr>
+          <p:cNvPr id="3" name="TextBox 2">
+            <a:extLst>
+              <a:ext uri="{FF2B5EF4-FFF2-40B4-BE49-F238E27FC236}">
+                <a16:creationId xmlns="" xmlns:a16="http://schemas.microsoft.com/office/drawing/2014/main" id="{988CFF69-148F-4807-9880-44F95FE3A9DC}"/>
+              </a:ext>
+            </a:extLst>
+          </p:cNvPr>
+          <p:cNvSpPr txBox="1"/>
+          <p:nvPr/>
+        </p:nvSpPr>
+        <p:spPr>
+          <a:xfrm>
+            <a:off x="546886" y="777493"/>
+            <a:ext cx="2401759" cy="2104603"/>
+          </a:xfrm>
+          <a:prstGeom prst="rect">
+            <a:avLst/>
+          </a:prstGeom>
+          <a:noFill/>
+        </p:spPr>
+        <p:txBody>
+          <a:bodyPr wrap="none" rtlCol="0">
+            <a:noAutofit/>
+          </a:bodyPr>
+          <a:lstStyle/>
+          <a:p>
+            <a:pPr>
+              <a:lnSpc>
+                <a:spcPct val="110000"/>
+              </a:lnSpc>
+            </a:pPr>
+            <a:r>
+              <a:rPr lang="ko-KR" altLang="en-US" sz="4000" spc="-300" dirty="0">
+                <a:ln>
+                  <a:solidFill>
+                    <a:schemeClr val="accent1">
+                      <a:shade val="50000"/>
+                      <a:alpha val="0"/>
+                    </a:schemeClr>
+                  </a:solidFill>
+                </a:ln>
+                <a:solidFill>
+                  <a:schemeClr val="bg1"/>
+                </a:solidFill>
+                <a:latin typeface="SpoqaHanSans-Bold" panose="020B0800000000000000" pitchFamily="50" charset="-127"/>
+                <a:ea typeface="SpoqaHanSans-Bold" panose="020B0800000000000000" pitchFamily="50" charset="-127"/>
+              </a:rPr>
+              <a:t>선정 이유</a:t>
+            </a:r>
+          </a:p>
+        </p:txBody>
+      </p:sp>
+      <p:sp>
+        <p:nvSpPr>
+          <p:cNvPr id="4" name="TextBox 3">
+            <a:extLst>
+              <a:ext uri="{FF2B5EF4-FFF2-40B4-BE49-F238E27FC236}">
+                <a16:creationId xmlns="" xmlns:a16="http://schemas.microsoft.com/office/drawing/2014/main" id="{392523DE-E429-4729-B40E-C98AD1714AC6}"/>
+              </a:ext>
+            </a:extLst>
+          </p:cNvPr>
+          <p:cNvSpPr txBox="1"/>
+          <p:nvPr/>
+        </p:nvSpPr>
+        <p:spPr>
+          <a:xfrm>
+            <a:off x="551966" y="1434583"/>
+            <a:ext cx="2540655" cy="323097"/>
+          </a:xfrm>
+          <a:prstGeom prst="rect">
+            <a:avLst/>
+          </a:prstGeom>
+          <a:noFill/>
+        </p:spPr>
+        <p:txBody>
+          <a:bodyPr wrap="none" lIns="91440" tIns="45720" rIns="91440" bIns="45720" rtlCol="0" anchor="t">
+            <a:noAutofit/>
+          </a:bodyPr>
+          <a:lstStyle/>
+          <a:p>
+            <a:pPr>
+              <a:lnSpc>
+                <a:spcPct val="110000"/>
+              </a:lnSpc>
+            </a:pPr>
+            <a:endParaRPr lang="en-US" altLang="ko-KR" spc="-100" dirty="0">
+              <a:ln>
+                <a:solidFill>
+                  <a:srgbClr val="4472C4">
+                    <a:shade val="50000"/>
+                    <a:alpha val="0"/>
+                  </a:srgbClr>
+                </a:solidFill>
+              </a:ln>
+              <a:solidFill>
+                <a:schemeClr val="bg1"/>
+              </a:solidFill>
+              <a:latin typeface="SpoqaHanSans-Light" panose="020B0300000000000000" pitchFamily="50" charset="-127"/>
+              <a:ea typeface="SpoqaHanSans-Light" panose="020B0300000000000000" pitchFamily="50" charset="-127"/>
+            </a:endParaRPr>
+          </a:p>
+          <a:p>
+            <a:pPr>
+              <a:lnSpc>
+                <a:spcPct val="110000"/>
+              </a:lnSpc>
+            </a:pPr>
+            <a:endParaRPr lang="ko-KR" altLang="en-US" spc="-100" dirty="0">
+              <a:ln>
+                <a:solidFill>
+                  <a:schemeClr val="accent1">
+                    <a:shade val="50000"/>
+                    <a:alpha val="0"/>
+                  </a:schemeClr>
+                </a:solidFill>
+              </a:ln>
+              <a:solidFill>
+                <a:schemeClr val="bg1"/>
+              </a:solidFill>
+              <a:latin typeface="SpoqaHanSans-Light" panose="020B0300000000000000" pitchFamily="50" charset="-127"/>
+              <a:ea typeface="SpoqaHanSans-Light" panose="020B0300000000000000" pitchFamily="50" charset="-127"/>
+            </a:endParaRPr>
+          </a:p>
+        </p:txBody>
+      </p:sp>
+      <p:grpSp>
+        <p:nvGrpSpPr>
+          <p:cNvPr id="11" name="그룹 11">
+            <a:extLst>
+              <a:ext uri="{FF2B5EF4-FFF2-40B4-BE49-F238E27FC236}">
+                <a16:creationId xmlns="" xmlns:a16="http://schemas.microsoft.com/office/drawing/2014/main" id="{3C4EB2F0-389E-44FF-AA24-37B6C9B4DC76}"/>
+              </a:ext>
+            </a:extLst>
+          </p:cNvPr>
+          <p:cNvGrpSpPr/>
+          <p:nvPr/>
+        </p:nvGrpSpPr>
+        <p:grpSpPr>
+          <a:xfrm>
+            <a:off x="4672349" y="777493"/>
+            <a:ext cx="4911489" cy="1329099"/>
+            <a:chOff x="4602901" y="777493"/>
+            <a:chExt cx="4911489" cy="1329099"/>
+          </a:xfrm>
+        </p:grpSpPr>
+        <p:sp>
+          <p:nvSpPr>
+            <p:cNvPr id="5" name="TextBox 4">
+              <a:extLst>
+                <a:ext uri="{FF2B5EF4-FFF2-40B4-BE49-F238E27FC236}">
+                  <a16:creationId xmlns="" xmlns:a16="http://schemas.microsoft.com/office/drawing/2014/main" id="{AF3AF097-9362-4F73-9EAD-0944B4D4BA4F}"/>
+                </a:ext>
+              </a:extLst>
+            </p:cNvPr>
+            <p:cNvSpPr txBox="1"/>
+            <p:nvPr/>
+          </p:nvSpPr>
+          <p:spPr>
+            <a:xfrm>
+              <a:off x="4602901" y="777493"/>
+              <a:ext cx="4726293" cy="838174"/>
+            </a:xfrm>
+            <a:prstGeom prst="rect">
+              <a:avLst/>
+            </a:prstGeom>
+            <a:noFill/>
+          </p:spPr>
+          <p:txBody>
+            <a:bodyPr wrap="none" rtlCol="0" anchor="t">
+              <a:noAutofit/>
+            </a:bodyPr>
+            <a:lstStyle/>
+            <a:p>
+              <a:pPr>
+                <a:lnSpc>
+                  <a:spcPct val="110000"/>
+                </a:lnSpc>
+              </a:pPr>
+              <a:r>
+                <a:rPr lang="en-US" altLang="ko-KR" sz="2500" spc="-200" dirty="0">
+                  <a:ln>
+                    <a:solidFill>
+                      <a:schemeClr val="accent1">
+                        <a:shade val="50000"/>
+                        <a:alpha val="0"/>
+                      </a:schemeClr>
+                    </a:solidFill>
+                  </a:ln>
+                  <a:solidFill>
+                    <a:schemeClr val="tx1">
+                      <a:lumMod val="75000"/>
+                      <a:lumOff val="25000"/>
+                    </a:schemeClr>
+                  </a:solidFill>
+                  <a:latin typeface="Spoqa Han Sans Neo Medium" pitchFamily="2" charset="0"/>
+                  <a:ea typeface="Spoqa Han Sans Neo Medium" pitchFamily="2" charset="0"/>
+                </a:rPr>
+                <a:t>COVID – 19 </a:t>
+              </a:r>
+              <a:r>
+                <a:rPr lang="ko-KR" altLang="en-US" sz="2500" spc="-200" dirty="0">
+                  <a:ln>
+                    <a:solidFill>
+                      <a:schemeClr val="accent1">
+                        <a:shade val="50000"/>
+                        <a:alpha val="0"/>
+                      </a:schemeClr>
+                    </a:solidFill>
+                  </a:ln>
+                  <a:solidFill>
+                    <a:schemeClr val="tx1">
+                      <a:lumMod val="75000"/>
+                      <a:lumOff val="25000"/>
+                    </a:schemeClr>
+                  </a:solidFill>
+                  <a:latin typeface="Spoqa Han Sans Neo Medium" pitchFamily="2" charset="0"/>
+                  <a:ea typeface="Spoqa Han Sans Neo Medium" pitchFamily="2" charset="0"/>
+                </a:rPr>
+                <a:t>로 집에 있는 시간이 많아져</a:t>
+              </a:r>
+              <a:r>
+                <a:rPr lang="en-US" altLang="ko-KR" sz="2500" spc="-200" dirty="0">
+                  <a:ln>
+                    <a:solidFill>
+                      <a:schemeClr val="accent1">
+                        <a:shade val="50000"/>
+                        <a:alpha val="0"/>
+                      </a:schemeClr>
+                    </a:solidFill>
+                  </a:ln>
+                  <a:solidFill>
+                    <a:schemeClr val="tx1">
+                      <a:lumMod val="75000"/>
+                      <a:lumOff val="25000"/>
+                    </a:schemeClr>
+                  </a:solidFill>
+                  <a:latin typeface="Spoqa Han Sans Neo Medium" pitchFamily="2" charset="0"/>
+                  <a:ea typeface="Spoqa Han Sans Neo Medium" pitchFamily="2" charset="0"/>
+                </a:rPr>
+                <a:t> </a:t>
+              </a:r>
+              <a:r>
+                <a:rPr lang="ko-KR" altLang="en-US" sz="2500" spc="-200" dirty="0">
+                  <a:ln>
+                    <a:solidFill>
+                      <a:schemeClr val="accent1">
+                        <a:shade val="50000"/>
+                        <a:alpha val="0"/>
+                      </a:schemeClr>
+                    </a:solidFill>
+                  </a:ln>
+                  <a:solidFill>
+                    <a:schemeClr val="tx1">
+                      <a:lumMod val="75000"/>
+                      <a:lumOff val="25000"/>
+                    </a:schemeClr>
+                  </a:solidFill>
+                  <a:latin typeface="Spoqa Han Sans Neo Medium" pitchFamily="2" charset="0"/>
+                  <a:ea typeface="Spoqa Han Sans Neo Medium" pitchFamily="2" charset="0"/>
+                </a:rPr>
+                <a:t>대면 강의보다 </a:t>
+              </a:r>
+              <a:endParaRPr lang="en-US" altLang="ko-KR" sz="2500" spc="-200" dirty="0">
+                <a:ln>
+                  <a:solidFill>
+                    <a:schemeClr val="accent1">
+                      <a:shade val="50000"/>
+                      <a:alpha val="0"/>
+                    </a:schemeClr>
+                  </a:solidFill>
+                </a:ln>
+                <a:solidFill>
+                  <a:schemeClr val="tx1">
+                    <a:lumMod val="75000"/>
+                    <a:lumOff val="25000"/>
+                  </a:schemeClr>
+                </a:solidFill>
+                <a:latin typeface="Spoqa Han Sans Neo Medium" pitchFamily="2" charset="0"/>
+                <a:ea typeface="Spoqa Han Sans Neo Medium" pitchFamily="2" charset="0"/>
+              </a:endParaRPr>
+            </a:p>
+            <a:p>
+              <a:pPr>
+                <a:lnSpc>
+                  <a:spcPct val="110000"/>
+                </a:lnSpc>
+              </a:pPr>
+              <a:r>
+                <a:rPr lang="ko-KR" altLang="en-US" sz="2500" spc="-200" dirty="0">
+                  <a:ln>
+                    <a:solidFill>
+                      <a:schemeClr val="accent1">
+                        <a:shade val="50000"/>
+                        <a:alpha val="0"/>
+                      </a:schemeClr>
+                    </a:solidFill>
+                  </a:ln>
+                  <a:solidFill>
+                    <a:schemeClr val="tx1">
+                      <a:lumMod val="75000"/>
+                      <a:lumOff val="25000"/>
+                    </a:schemeClr>
+                  </a:solidFill>
+                  <a:latin typeface="Spoqa Han Sans Neo Medium" pitchFamily="2" charset="0"/>
+                  <a:ea typeface="Spoqa Han Sans Neo Medium" pitchFamily="2" charset="0"/>
+                </a:rPr>
+                <a:t>온라인 강의가</a:t>
+              </a:r>
+              <a:r>
+                <a:rPr lang="en-US" altLang="ko-KR" sz="2500" spc="-200" dirty="0">
+                  <a:ln>
+                    <a:solidFill>
+                      <a:schemeClr val="accent1">
+                        <a:shade val="50000"/>
+                        <a:alpha val="0"/>
+                      </a:schemeClr>
+                    </a:solidFill>
+                  </a:ln>
+                  <a:solidFill>
+                    <a:schemeClr val="tx1">
+                      <a:lumMod val="75000"/>
+                      <a:lumOff val="25000"/>
+                    </a:schemeClr>
+                  </a:solidFill>
+                  <a:latin typeface="Spoqa Han Sans Neo Medium" pitchFamily="2" charset="0"/>
+                  <a:ea typeface="Spoqa Han Sans Neo Medium" pitchFamily="2" charset="0"/>
+                </a:rPr>
+                <a:t> </a:t>
+              </a:r>
+              <a:r>
+                <a:rPr lang="ko-KR" altLang="en-US" sz="2500" spc="-200" dirty="0">
+                  <a:ln>
+                    <a:solidFill>
+                      <a:schemeClr val="accent1">
+                        <a:shade val="50000"/>
+                        <a:alpha val="0"/>
+                      </a:schemeClr>
+                    </a:solidFill>
+                  </a:ln>
+                  <a:solidFill>
+                    <a:schemeClr val="tx1">
+                      <a:lumMod val="75000"/>
+                      <a:lumOff val="25000"/>
+                    </a:schemeClr>
+                  </a:solidFill>
+                  <a:latin typeface="Spoqa Han Sans Neo Medium" pitchFamily="2" charset="0"/>
+                  <a:ea typeface="Spoqa Han Sans Neo Medium" pitchFamily="2" charset="0"/>
+                </a:rPr>
+                <a:t>늘었음</a:t>
+              </a:r>
+            </a:p>
+          </p:txBody>
+        </p:sp>
+        <p:sp>
+          <p:nvSpPr>
+            <p:cNvPr id="6" name="TextBox 5">
+              <a:extLst>
+                <a:ext uri="{FF2B5EF4-FFF2-40B4-BE49-F238E27FC236}">
+                  <a16:creationId xmlns="" xmlns:a16="http://schemas.microsoft.com/office/drawing/2014/main" id="{8BE155AA-8194-49BE-BC6B-06787A92C3A5}"/>
+                </a:ext>
+              </a:extLst>
+            </p:cNvPr>
+            <p:cNvSpPr txBox="1"/>
+            <p:nvPr/>
+          </p:nvSpPr>
+          <p:spPr>
+            <a:xfrm>
+              <a:off x="4602901" y="1709258"/>
+              <a:ext cx="4911489" cy="397334"/>
+            </a:xfrm>
+            <a:prstGeom prst="rect">
+              <a:avLst/>
+            </a:prstGeom>
+            <a:noFill/>
+          </p:spPr>
+          <p:txBody>
+            <a:bodyPr wrap="none" rtlCol="0" anchor="t">
+              <a:noAutofit/>
+            </a:bodyPr>
+            <a:lstStyle/>
+            <a:p>
+              <a:pPr>
+                <a:lnSpc>
+                  <a:spcPct val="110000"/>
+                </a:lnSpc>
+              </a:pPr>
+              <a:r>
+                <a:rPr lang="ko-KR" altLang="en-US" spc="-100" dirty="0" err="1">
+                  <a:ln>
+                    <a:solidFill>
+                      <a:schemeClr val="accent1">
+                        <a:shade val="50000"/>
+                        <a:alpha val="0"/>
+                      </a:schemeClr>
+                    </a:solidFill>
+                  </a:ln>
+                  <a:solidFill>
+                    <a:schemeClr val="tx1">
+                      <a:lumMod val="75000"/>
+                      <a:lumOff val="25000"/>
+                    </a:schemeClr>
+                  </a:solidFill>
+                  <a:latin typeface="SpoqaHanSans-Light" panose="020B0300000000000000" pitchFamily="50" charset="-127"/>
+                  <a:ea typeface="SpoqaHanSans-Light" panose="020B0300000000000000" pitchFamily="50" charset="-127"/>
+                </a:rPr>
+                <a:t>모바일보다</a:t>
+              </a:r>
+              <a:r>
+                <a:rPr lang="ko-KR" altLang="en-US" spc="-100" dirty="0">
+                  <a:ln>
+                    <a:solidFill>
+                      <a:schemeClr val="accent1">
+                        <a:shade val="50000"/>
+                        <a:alpha val="0"/>
+                      </a:schemeClr>
+                    </a:solidFill>
+                  </a:ln>
+                  <a:solidFill>
+                    <a:schemeClr val="tx1">
+                      <a:lumMod val="75000"/>
+                      <a:lumOff val="25000"/>
+                    </a:schemeClr>
+                  </a:solidFill>
+                  <a:latin typeface="SpoqaHanSans-Light" panose="020B0300000000000000" pitchFamily="50" charset="-127"/>
+                  <a:ea typeface="SpoqaHanSans-Light" panose="020B0300000000000000" pitchFamily="50" charset="-127"/>
+                </a:rPr>
+                <a:t> </a:t>
+              </a:r>
+              <a:r>
+                <a:rPr lang="en-US" altLang="ko-KR" spc="-100" dirty="0">
+                  <a:ln>
+                    <a:solidFill>
+                      <a:schemeClr val="accent1">
+                        <a:shade val="50000"/>
+                        <a:alpha val="0"/>
+                      </a:schemeClr>
+                    </a:solidFill>
+                  </a:ln>
+                  <a:solidFill>
+                    <a:schemeClr val="tx1">
+                      <a:lumMod val="75000"/>
+                      <a:lumOff val="25000"/>
+                    </a:schemeClr>
+                  </a:solidFill>
+                  <a:latin typeface="SpoqaHanSans-Light" panose="020B0300000000000000" pitchFamily="50" charset="-127"/>
+                  <a:ea typeface="SpoqaHanSans-Light" panose="020B0300000000000000" pitchFamily="50" charset="-127"/>
+                </a:rPr>
+                <a:t>PC </a:t>
+              </a:r>
+              <a:r>
+                <a:rPr lang="ko-KR" altLang="en-US" spc="-100" dirty="0">
+                  <a:ln>
+                    <a:solidFill>
+                      <a:schemeClr val="accent1">
+                        <a:shade val="50000"/>
+                        <a:alpha val="0"/>
+                      </a:schemeClr>
+                    </a:solidFill>
+                  </a:ln>
+                  <a:solidFill>
+                    <a:schemeClr val="tx1">
+                      <a:lumMod val="75000"/>
+                      <a:lumOff val="25000"/>
+                    </a:schemeClr>
+                  </a:solidFill>
+                  <a:latin typeface="SpoqaHanSans-Light" panose="020B0300000000000000" pitchFamily="50" charset="-127"/>
+                  <a:ea typeface="SpoqaHanSans-Light" panose="020B0300000000000000" pitchFamily="50" charset="-127"/>
+                </a:rPr>
+                <a:t>를 많이 사용하게 됨</a:t>
+              </a:r>
+            </a:p>
+          </p:txBody>
+        </p:sp>
+      </p:grpSp>
+      <p:grpSp>
+        <p:nvGrpSpPr>
+          <p:cNvPr id="12" name="그룹 10">
+            <a:extLst>
+              <a:ext uri="{FF2B5EF4-FFF2-40B4-BE49-F238E27FC236}">
+                <a16:creationId xmlns="" xmlns:a16="http://schemas.microsoft.com/office/drawing/2014/main" id="{47838B9D-01CB-4D32-80E7-D56CEB22CE13}"/>
+              </a:ext>
+            </a:extLst>
+          </p:cNvPr>
+          <p:cNvGrpSpPr/>
+          <p:nvPr/>
+        </p:nvGrpSpPr>
+        <p:grpSpPr>
+          <a:xfrm>
+            <a:off x="4667269" y="2704825"/>
+            <a:ext cx="4911489" cy="1329099"/>
+            <a:chOff x="4602901" y="2463009"/>
+            <a:chExt cx="4911489" cy="1329099"/>
+          </a:xfrm>
+        </p:grpSpPr>
+        <p:sp>
+          <p:nvSpPr>
+            <p:cNvPr id="7" name="TextBox 6">
+              <a:extLst>
+                <a:ext uri="{FF2B5EF4-FFF2-40B4-BE49-F238E27FC236}">
+                  <a16:creationId xmlns="" xmlns:a16="http://schemas.microsoft.com/office/drawing/2014/main" id="{60D79912-AF9F-4A6C-8ADA-DA2A138A4E78}"/>
+                </a:ext>
+              </a:extLst>
+            </p:cNvPr>
+            <p:cNvSpPr txBox="1"/>
+            <p:nvPr/>
+          </p:nvSpPr>
+          <p:spPr>
+            <a:xfrm>
+              <a:off x="4602901" y="2463009"/>
+              <a:ext cx="4726293" cy="838174"/>
+            </a:xfrm>
+            <a:prstGeom prst="rect">
+              <a:avLst/>
+            </a:prstGeom>
+            <a:noFill/>
+          </p:spPr>
+          <p:txBody>
+            <a:bodyPr wrap="none" rtlCol="0" anchor="t">
+              <a:noAutofit/>
+            </a:bodyPr>
+            <a:lstStyle/>
+            <a:p>
+              <a:pPr>
+                <a:lnSpc>
+                  <a:spcPct val="110000"/>
+                </a:lnSpc>
+              </a:pPr>
+              <a:r>
+                <a:rPr lang="ko-KR" altLang="en-US" sz="2500" spc="-200" dirty="0">
+                  <a:ln>
+                    <a:solidFill>
+                      <a:schemeClr val="accent1">
+                        <a:shade val="50000"/>
+                        <a:alpha val="0"/>
+                      </a:schemeClr>
+                    </a:solidFill>
+                  </a:ln>
+                  <a:solidFill>
+                    <a:schemeClr val="tx1">
+                      <a:lumMod val="75000"/>
+                      <a:lumOff val="25000"/>
+                    </a:schemeClr>
+                  </a:solidFill>
+                  <a:latin typeface="Spoqa Han Sans Neo Medium" pitchFamily="2" charset="0"/>
+                  <a:ea typeface="Spoqa Han Sans Neo Medium" pitchFamily="2" charset="0"/>
+                </a:rPr>
+                <a:t>온라인 강의는 이전보다 증가하였으나</a:t>
+              </a:r>
+              <a:r>
+                <a:rPr lang="en-US" altLang="ko-KR" sz="2500" spc="-200" dirty="0">
+                  <a:ln>
+                    <a:solidFill>
+                      <a:schemeClr val="accent1">
+                        <a:shade val="50000"/>
+                        <a:alpha val="0"/>
+                      </a:schemeClr>
+                    </a:solidFill>
+                  </a:ln>
+                  <a:solidFill>
+                    <a:schemeClr val="tx1">
+                      <a:lumMod val="75000"/>
+                      <a:lumOff val="25000"/>
+                    </a:schemeClr>
+                  </a:solidFill>
+                  <a:latin typeface="Spoqa Han Sans Neo Medium" pitchFamily="2" charset="0"/>
+                  <a:ea typeface="Spoqa Han Sans Neo Medium" pitchFamily="2" charset="0"/>
+                </a:rPr>
+                <a:t>, </a:t>
+              </a:r>
+              <a:r>
+                <a:rPr lang="ko-KR" altLang="en-US" sz="2500" spc="-200" dirty="0">
+                  <a:ln>
+                    <a:solidFill>
+                      <a:schemeClr val="accent1">
+                        <a:shade val="50000"/>
+                        <a:alpha val="0"/>
+                      </a:schemeClr>
+                    </a:solidFill>
+                  </a:ln>
+                  <a:solidFill>
+                    <a:schemeClr val="tx1">
+                      <a:lumMod val="75000"/>
+                      <a:lumOff val="25000"/>
+                    </a:schemeClr>
+                  </a:solidFill>
+                  <a:latin typeface="Spoqa Han Sans Neo Medium" pitchFamily="2" charset="0"/>
+                  <a:ea typeface="Spoqa Han Sans Neo Medium" pitchFamily="2" charset="0"/>
+                </a:rPr>
+                <a:t>블랙보드의</a:t>
+              </a:r>
+              <a:endParaRPr lang="en-US" altLang="ko-KR" sz="2500" spc="-200" dirty="0">
+                <a:ln>
+                  <a:solidFill>
+                    <a:schemeClr val="accent1">
+                      <a:shade val="50000"/>
+                      <a:alpha val="0"/>
+                    </a:schemeClr>
+                  </a:solidFill>
+                </a:ln>
+                <a:solidFill>
+                  <a:schemeClr val="tx1">
+                    <a:lumMod val="75000"/>
+                    <a:lumOff val="25000"/>
+                  </a:schemeClr>
+                </a:solidFill>
+                <a:latin typeface="Spoqa Han Sans Neo Medium" pitchFamily="2" charset="0"/>
+                <a:ea typeface="Spoqa Han Sans Neo Medium" pitchFamily="2" charset="0"/>
+              </a:endParaRPr>
+            </a:p>
+            <a:p>
+              <a:pPr>
+                <a:lnSpc>
+                  <a:spcPct val="110000"/>
+                </a:lnSpc>
+              </a:pPr>
+              <a:r>
+                <a:rPr lang="ko-KR" altLang="en-US" sz="2500" spc="-200" dirty="0">
+                  <a:ln>
+                    <a:solidFill>
+                      <a:schemeClr val="accent1">
+                        <a:shade val="50000"/>
+                        <a:alpha val="0"/>
+                      </a:schemeClr>
+                    </a:solidFill>
+                  </a:ln>
+                  <a:solidFill>
+                    <a:schemeClr val="tx1">
+                      <a:lumMod val="75000"/>
+                      <a:lumOff val="25000"/>
+                    </a:schemeClr>
+                  </a:solidFill>
+                  <a:latin typeface="Spoqa Han Sans Neo Medium" pitchFamily="2" charset="0"/>
+                  <a:ea typeface="Spoqa Han Sans Neo Medium" pitchFamily="2" charset="0"/>
+                </a:rPr>
+                <a:t>시스템은 예전과 그대로임</a:t>
+              </a:r>
+            </a:p>
+          </p:txBody>
+        </p:sp>
+        <p:sp>
+          <p:nvSpPr>
+            <p:cNvPr id="8" name="TextBox 7">
+              <a:extLst>
+                <a:ext uri="{FF2B5EF4-FFF2-40B4-BE49-F238E27FC236}">
+                  <a16:creationId xmlns="" xmlns:a16="http://schemas.microsoft.com/office/drawing/2014/main" id="{7820947D-ACAF-4042-931F-296B77339F23}"/>
+                </a:ext>
+              </a:extLst>
+            </p:cNvPr>
+            <p:cNvSpPr txBox="1"/>
+            <p:nvPr/>
+          </p:nvSpPr>
+          <p:spPr>
+            <a:xfrm>
+              <a:off x="4602901" y="3394774"/>
+              <a:ext cx="4911489" cy="397334"/>
+            </a:xfrm>
+            <a:prstGeom prst="rect">
+              <a:avLst/>
+            </a:prstGeom>
+            <a:noFill/>
+          </p:spPr>
+          <p:txBody>
+            <a:bodyPr wrap="none" rtlCol="0" anchor="t">
+              <a:noAutofit/>
+            </a:bodyPr>
+            <a:lstStyle/>
+            <a:p>
+              <a:pPr>
+                <a:lnSpc>
+                  <a:spcPct val="110000"/>
+                </a:lnSpc>
+              </a:pPr>
+              <a:r>
+                <a:rPr lang="ko-KR" altLang="en-US" spc="-100" dirty="0">
+                  <a:ln>
+                    <a:solidFill>
+                      <a:schemeClr val="accent1">
+                        <a:shade val="50000"/>
+                        <a:alpha val="0"/>
+                      </a:schemeClr>
+                    </a:solidFill>
+                  </a:ln>
+                  <a:solidFill>
+                    <a:schemeClr val="tx1">
+                      <a:lumMod val="75000"/>
+                      <a:lumOff val="25000"/>
+                    </a:schemeClr>
+                  </a:solidFill>
+                  <a:latin typeface="SpoqaHanSans-Light" panose="020B0300000000000000" pitchFamily="50" charset="-127"/>
+                  <a:ea typeface="SpoqaHanSans-Light" panose="020B0300000000000000" pitchFamily="50" charset="-127"/>
+                </a:rPr>
+                <a:t>블랙보드 캘린더를 이용해</a:t>
+              </a:r>
+              <a:r>
+                <a:rPr lang="en-US" altLang="ko-KR" spc="-100" dirty="0">
+                  <a:ln>
+                    <a:solidFill>
+                      <a:schemeClr val="accent1">
+                        <a:shade val="50000"/>
+                        <a:alpha val="0"/>
+                      </a:schemeClr>
+                    </a:solidFill>
+                  </a:ln>
+                  <a:solidFill>
+                    <a:schemeClr val="tx1">
+                      <a:lumMod val="75000"/>
+                      <a:lumOff val="25000"/>
+                    </a:schemeClr>
+                  </a:solidFill>
+                  <a:latin typeface="SpoqaHanSans-Light" panose="020B0300000000000000" pitchFamily="50" charset="-127"/>
+                  <a:ea typeface="SpoqaHanSans-Light" panose="020B0300000000000000" pitchFamily="50" charset="-127"/>
+                </a:rPr>
+                <a:t>, </a:t>
+              </a:r>
+              <a:r>
+                <a:rPr lang="ko-KR" altLang="en-US" spc="-100" dirty="0">
+                  <a:ln>
+                    <a:solidFill>
+                      <a:schemeClr val="accent1">
+                        <a:shade val="50000"/>
+                        <a:alpha val="0"/>
+                      </a:schemeClr>
+                    </a:solidFill>
+                  </a:ln>
+                  <a:solidFill>
+                    <a:schemeClr val="tx1">
+                      <a:lumMod val="75000"/>
+                      <a:lumOff val="25000"/>
+                    </a:schemeClr>
+                  </a:solidFill>
+                  <a:latin typeface="SpoqaHanSans-Light" panose="020B0300000000000000" pitchFamily="50" charset="-127"/>
+                  <a:ea typeface="SpoqaHanSans-Light" panose="020B0300000000000000" pitchFamily="50" charset="-127"/>
+                </a:rPr>
+                <a:t>전반적인 일정관리가 어려움</a:t>
+              </a:r>
+            </a:p>
+          </p:txBody>
+        </p:sp>
+      </p:grpSp>
+      <p:grpSp>
+        <p:nvGrpSpPr>
+          <p:cNvPr id="13" name="그룹 12">
+            <a:extLst>
+              <a:ext uri="{FF2B5EF4-FFF2-40B4-BE49-F238E27FC236}">
+                <a16:creationId xmlns="" xmlns:a16="http://schemas.microsoft.com/office/drawing/2014/main" id="{99ACA6B8-E117-4FB4-926D-0139DCB2ADB9}"/>
+              </a:ext>
+            </a:extLst>
+          </p:cNvPr>
+          <p:cNvGrpSpPr/>
+          <p:nvPr/>
+        </p:nvGrpSpPr>
+        <p:grpSpPr>
+          <a:xfrm>
+            <a:off x="4672349" y="4682956"/>
+            <a:ext cx="4911489" cy="1329099"/>
+            <a:chOff x="4602901" y="4242116"/>
+            <a:chExt cx="4911489" cy="1329099"/>
+          </a:xfrm>
+        </p:grpSpPr>
+        <p:sp>
+          <p:nvSpPr>
+            <p:cNvPr id="9" name="TextBox 8">
+              <a:extLst>
+                <a:ext uri="{FF2B5EF4-FFF2-40B4-BE49-F238E27FC236}">
+                  <a16:creationId xmlns="" xmlns:a16="http://schemas.microsoft.com/office/drawing/2014/main" id="{801F9362-5707-46BA-A63A-3EFFE07379DF}"/>
+                </a:ext>
+              </a:extLst>
+            </p:cNvPr>
+            <p:cNvSpPr txBox="1"/>
+            <p:nvPr/>
+          </p:nvSpPr>
+          <p:spPr>
+            <a:xfrm>
+              <a:off x="4602901" y="4242116"/>
+              <a:ext cx="4726293" cy="838174"/>
+            </a:xfrm>
+            <a:prstGeom prst="rect">
+              <a:avLst/>
+            </a:prstGeom>
+            <a:noFill/>
+          </p:spPr>
+          <p:txBody>
+            <a:bodyPr wrap="none" rtlCol="0" anchor="t">
+              <a:noAutofit/>
+            </a:bodyPr>
+            <a:lstStyle/>
+            <a:p>
+              <a:pPr>
+                <a:lnSpc>
+                  <a:spcPct val="110000"/>
+                </a:lnSpc>
+              </a:pPr>
+              <a:r>
+                <a:rPr lang="ko-KR" altLang="en-US" sz="2500" spc="-200" dirty="0">
+                  <a:ln>
+                    <a:solidFill>
+                      <a:schemeClr val="accent1">
+                        <a:shade val="50000"/>
+                        <a:alpha val="0"/>
+                      </a:schemeClr>
+                    </a:solidFill>
+                  </a:ln>
+                  <a:solidFill>
+                    <a:schemeClr val="tx1">
+                      <a:lumMod val="75000"/>
+                      <a:lumOff val="25000"/>
+                    </a:schemeClr>
+                  </a:solidFill>
+                  <a:latin typeface="Spoqa Han Sans Neo Medium" pitchFamily="2" charset="0"/>
+                  <a:ea typeface="Spoqa Han Sans Neo Medium" pitchFamily="2" charset="0"/>
+                </a:rPr>
+                <a:t>개인일정을 관리하면서도</a:t>
+              </a:r>
+              <a:r>
+                <a:rPr lang="en-US" altLang="ko-KR" sz="2500" spc="-200" dirty="0">
+                  <a:ln>
+                    <a:solidFill>
+                      <a:schemeClr val="accent1">
+                        <a:shade val="50000"/>
+                        <a:alpha val="0"/>
+                      </a:schemeClr>
+                    </a:solidFill>
+                  </a:ln>
+                  <a:solidFill>
+                    <a:schemeClr val="tx1">
+                      <a:lumMod val="75000"/>
+                      <a:lumOff val="25000"/>
+                    </a:schemeClr>
+                  </a:solidFill>
+                  <a:latin typeface="Spoqa Han Sans Neo Medium" pitchFamily="2" charset="0"/>
+                  <a:ea typeface="Spoqa Han Sans Neo Medium" pitchFamily="2" charset="0"/>
+                </a:rPr>
+                <a:t>, </a:t>
+              </a:r>
+              <a:r>
+                <a:rPr lang="ko-KR" altLang="en-US" sz="2500" spc="-200" dirty="0">
+                  <a:ln>
+                    <a:solidFill>
+                      <a:schemeClr val="accent1">
+                        <a:shade val="50000"/>
+                        <a:alpha val="0"/>
+                      </a:schemeClr>
+                    </a:solidFill>
+                  </a:ln>
+                  <a:solidFill>
+                    <a:schemeClr val="tx1">
+                      <a:lumMod val="75000"/>
+                      <a:lumOff val="25000"/>
+                    </a:schemeClr>
+                  </a:solidFill>
+                  <a:latin typeface="Spoqa Han Sans Neo Medium" pitchFamily="2" charset="0"/>
+                  <a:ea typeface="Spoqa Han Sans Neo Medium" pitchFamily="2" charset="0"/>
+                </a:rPr>
+                <a:t>학교 일정 등이 연동되는</a:t>
+              </a:r>
+              <a:endParaRPr lang="en-US" altLang="ko-KR" sz="2500" spc="-200" dirty="0">
+                <a:ln>
+                  <a:solidFill>
+                    <a:schemeClr val="accent1">
+                      <a:shade val="50000"/>
+                      <a:alpha val="0"/>
+                    </a:schemeClr>
+                  </a:solidFill>
+                </a:ln>
+                <a:solidFill>
+                  <a:schemeClr val="tx1">
+                    <a:lumMod val="75000"/>
+                    <a:lumOff val="25000"/>
+                  </a:schemeClr>
+                </a:solidFill>
+                <a:latin typeface="Spoqa Han Sans Neo Medium" pitchFamily="2" charset="0"/>
+                <a:ea typeface="Spoqa Han Sans Neo Medium" pitchFamily="2" charset="0"/>
+              </a:endParaRPr>
+            </a:p>
+            <a:p>
+              <a:pPr>
+                <a:lnSpc>
+                  <a:spcPct val="110000"/>
+                </a:lnSpc>
+              </a:pPr>
+              <a:r>
+                <a:rPr lang="ko-KR" altLang="en-US" sz="2500" spc="-200" dirty="0">
+                  <a:ln>
+                    <a:solidFill>
+                      <a:schemeClr val="accent1">
+                        <a:shade val="50000"/>
+                        <a:alpha val="0"/>
+                      </a:schemeClr>
+                    </a:solidFill>
+                  </a:ln>
+                  <a:solidFill>
+                    <a:schemeClr val="tx1">
+                      <a:lumMod val="75000"/>
+                      <a:lumOff val="25000"/>
+                    </a:schemeClr>
+                  </a:solidFill>
+                  <a:latin typeface="Spoqa Han Sans Neo Medium" pitchFamily="2" charset="0"/>
+                  <a:ea typeface="Spoqa Han Sans Neo Medium" pitchFamily="2" charset="0"/>
+                </a:rPr>
+                <a:t>스케줄러</a:t>
+              </a:r>
+              <a:r>
+                <a:rPr lang="en-US" altLang="ko-KR" sz="2500" spc="-200" dirty="0">
+                  <a:ln>
+                    <a:solidFill>
+                      <a:schemeClr val="accent1">
+                        <a:shade val="50000"/>
+                        <a:alpha val="0"/>
+                      </a:schemeClr>
+                    </a:solidFill>
+                  </a:ln>
+                  <a:solidFill>
+                    <a:schemeClr val="tx1">
+                      <a:lumMod val="75000"/>
+                      <a:lumOff val="25000"/>
+                    </a:schemeClr>
+                  </a:solidFill>
+                  <a:latin typeface="Spoqa Han Sans Neo Medium" pitchFamily="2" charset="0"/>
+                  <a:ea typeface="Spoqa Han Sans Neo Medium" pitchFamily="2" charset="0"/>
+                </a:rPr>
+                <a:t>, </a:t>
+              </a:r>
+              <a:r>
+                <a:rPr lang="ko-KR" altLang="en-US" sz="2500" spc="-200" dirty="0" err="1">
+                  <a:ln>
+                    <a:solidFill>
+                      <a:schemeClr val="accent1">
+                        <a:shade val="50000"/>
+                        <a:alpha val="0"/>
+                      </a:schemeClr>
+                    </a:solidFill>
+                  </a:ln>
+                  <a:solidFill>
+                    <a:schemeClr val="tx1">
+                      <a:lumMod val="75000"/>
+                      <a:lumOff val="25000"/>
+                    </a:schemeClr>
+                  </a:solidFill>
+                  <a:latin typeface="Spoqa Han Sans Neo Medium" pitchFamily="2" charset="0"/>
+                  <a:ea typeface="Spoqa Han Sans Neo Medium" pitchFamily="2" charset="0"/>
+                </a:rPr>
+                <a:t>플래너가</a:t>
+              </a:r>
+              <a:r>
+                <a:rPr lang="ko-KR" altLang="en-US" sz="2500" spc="-200" dirty="0">
+                  <a:ln>
+                    <a:solidFill>
+                      <a:schemeClr val="accent1">
+                        <a:shade val="50000"/>
+                        <a:alpha val="0"/>
+                      </a:schemeClr>
+                    </a:solidFill>
+                  </a:ln>
+                  <a:solidFill>
+                    <a:schemeClr val="tx1">
+                      <a:lumMod val="75000"/>
+                      <a:lumOff val="25000"/>
+                    </a:schemeClr>
+                  </a:solidFill>
+                  <a:latin typeface="Spoqa Han Sans Neo Medium" pitchFamily="2" charset="0"/>
+                  <a:ea typeface="Spoqa Han Sans Neo Medium" pitchFamily="2" charset="0"/>
+                </a:rPr>
+                <a:t> 필요함 </a:t>
+              </a:r>
+            </a:p>
+          </p:txBody>
+        </p:sp>
+        <p:sp>
+          <p:nvSpPr>
+            <p:cNvPr id="10" name="TextBox 9">
+              <a:extLst>
+                <a:ext uri="{FF2B5EF4-FFF2-40B4-BE49-F238E27FC236}">
+                  <a16:creationId xmlns="" xmlns:a16="http://schemas.microsoft.com/office/drawing/2014/main" id="{5AD557C9-0EEB-46CC-BFCD-F4E84813A48B}"/>
+                </a:ext>
+              </a:extLst>
+            </p:cNvPr>
+            <p:cNvSpPr txBox="1"/>
+            <p:nvPr/>
+          </p:nvSpPr>
+          <p:spPr>
+            <a:xfrm>
+              <a:off x="4602901" y="5173881"/>
+              <a:ext cx="4911489" cy="397334"/>
+            </a:xfrm>
+            <a:prstGeom prst="rect">
+              <a:avLst/>
+            </a:prstGeom>
+            <a:noFill/>
+          </p:spPr>
+          <p:txBody>
+            <a:bodyPr wrap="none" rtlCol="0" anchor="t">
+              <a:noAutofit/>
+            </a:bodyPr>
+            <a:lstStyle/>
+            <a:p>
+              <a:pPr>
+                <a:lnSpc>
+                  <a:spcPct val="110000"/>
+                </a:lnSpc>
+              </a:pPr>
+              <a:r>
+                <a:rPr lang="ko-KR" altLang="en-US" spc="-100" dirty="0">
+                  <a:ln>
+                    <a:solidFill>
+                      <a:schemeClr val="accent1">
+                        <a:shade val="50000"/>
+                        <a:alpha val="0"/>
+                      </a:schemeClr>
+                    </a:solidFill>
+                  </a:ln>
+                  <a:solidFill>
+                    <a:schemeClr val="tx1">
+                      <a:lumMod val="75000"/>
+                      <a:lumOff val="25000"/>
+                    </a:schemeClr>
+                  </a:solidFill>
+                  <a:latin typeface="SpoqaHanSans-Light" panose="020B0300000000000000" pitchFamily="50" charset="-127"/>
+                  <a:ea typeface="SpoqaHanSans-Light" panose="020B0300000000000000" pitchFamily="50" charset="-127"/>
+                </a:rPr>
+                <a:t>학교 일정과</a:t>
+              </a:r>
+              <a:r>
+                <a:rPr lang="en-US" altLang="ko-KR" spc="-100" dirty="0">
+                  <a:ln>
+                    <a:solidFill>
+                      <a:schemeClr val="accent1">
+                        <a:shade val="50000"/>
+                        <a:alpha val="0"/>
+                      </a:schemeClr>
+                    </a:solidFill>
+                  </a:ln>
+                  <a:solidFill>
+                    <a:schemeClr val="tx1">
+                      <a:lumMod val="75000"/>
+                      <a:lumOff val="25000"/>
+                    </a:schemeClr>
+                  </a:solidFill>
+                  <a:latin typeface="SpoqaHanSans-Light" panose="020B0300000000000000" pitchFamily="50" charset="-127"/>
+                  <a:ea typeface="SpoqaHanSans-Light" panose="020B0300000000000000" pitchFamily="50" charset="-127"/>
+                </a:rPr>
+                <a:t>, </a:t>
+              </a:r>
+              <a:r>
+                <a:rPr lang="ko-KR" altLang="en-US" spc="-100" dirty="0">
+                  <a:ln>
+                    <a:solidFill>
+                      <a:schemeClr val="accent1">
+                        <a:shade val="50000"/>
+                        <a:alpha val="0"/>
+                      </a:schemeClr>
+                    </a:solidFill>
+                  </a:ln>
+                  <a:solidFill>
+                    <a:schemeClr val="tx1">
+                      <a:lumMod val="75000"/>
+                      <a:lumOff val="25000"/>
+                    </a:schemeClr>
+                  </a:solidFill>
+                  <a:latin typeface="SpoqaHanSans-Light" panose="020B0300000000000000" pitchFamily="50" charset="-127"/>
+                  <a:ea typeface="SpoqaHanSans-Light" panose="020B0300000000000000" pitchFamily="50" charset="-127"/>
+                </a:rPr>
+                <a:t>블랙보드가 연동이 된다면</a:t>
+              </a:r>
+              <a:r>
+                <a:rPr lang="en-US" altLang="ko-KR" spc="-100" dirty="0">
+                  <a:ln>
+                    <a:solidFill>
+                      <a:schemeClr val="accent1">
+                        <a:shade val="50000"/>
+                        <a:alpha val="0"/>
+                      </a:schemeClr>
+                    </a:solidFill>
+                  </a:ln>
+                  <a:solidFill>
+                    <a:schemeClr val="tx1">
+                      <a:lumMod val="75000"/>
+                      <a:lumOff val="25000"/>
+                    </a:schemeClr>
+                  </a:solidFill>
+                  <a:latin typeface="SpoqaHanSans-Light" panose="020B0300000000000000" pitchFamily="50" charset="-127"/>
+                  <a:ea typeface="SpoqaHanSans-Light" panose="020B0300000000000000" pitchFamily="50" charset="-127"/>
+                </a:rPr>
+                <a:t>, </a:t>
+              </a:r>
+              <a:r>
+                <a:rPr lang="ko-KR" altLang="en-US" spc="-100" dirty="0">
+                  <a:ln>
+                    <a:solidFill>
+                      <a:schemeClr val="accent1">
+                        <a:shade val="50000"/>
+                        <a:alpha val="0"/>
+                      </a:schemeClr>
+                    </a:solidFill>
+                  </a:ln>
+                  <a:solidFill>
+                    <a:schemeClr val="tx1">
+                      <a:lumMod val="75000"/>
+                      <a:lumOff val="25000"/>
+                    </a:schemeClr>
+                  </a:solidFill>
+                  <a:latin typeface="SpoqaHanSans-Light" panose="020B0300000000000000" pitchFamily="50" charset="-127"/>
+                  <a:ea typeface="SpoqaHanSans-Light" panose="020B0300000000000000" pitchFamily="50" charset="-127"/>
+                </a:rPr>
+                <a:t>매우 편리할 것</a:t>
+              </a:r>
+              <a:endParaRPr lang="en-US" altLang="ko-KR" spc="-100" dirty="0">
+                <a:ln>
+                  <a:solidFill>
+                    <a:schemeClr val="accent1">
+                      <a:shade val="50000"/>
+                      <a:alpha val="0"/>
+                    </a:schemeClr>
+                  </a:solidFill>
+                </a:ln>
+                <a:solidFill>
+                  <a:schemeClr val="tx1">
+                    <a:lumMod val="75000"/>
+                    <a:lumOff val="25000"/>
+                  </a:schemeClr>
+                </a:solidFill>
+                <a:latin typeface="SpoqaHanSans-Light" panose="020B0300000000000000" pitchFamily="50" charset="-127"/>
+                <a:ea typeface="SpoqaHanSans-Light" panose="020B0300000000000000" pitchFamily="50" charset="-127"/>
+              </a:endParaRPr>
+            </a:p>
+            <a:p>
+              <a:pPr>
+                <a:lnSpc>
+                  <a:spcPct val="110000"/>
+                </a:lnSpc>
+              </a:pPr>
+              <a:endParaRPr lang="ko-KR" altLang="en-US" spc="-100" dirty="0">
+                <a:ln>
+                  <a:solidFill>
+                    <a:schemeClr val="accent1">
+                      <a:shade val="50000"/>
+                      <a:alpha val="0"/>
+                    </a:schemeClr>
+                  </a:solidFill>
+                </a:ln>
+                <a:solidFill>
+                  <a:schemeClr val="tx1">
+                    <a:lumMod val="75000"/>
+                    <a:lumOff val="25000"/>
+                  </a:schemeClr>
+                </a:solidFill>
+                <a:latin typeface="SpoqaHanSans-Light" panose="020B0300000000000000" pitchFamily="50" charset="-127"/>
+                <a:ea typeface="SpoqaHanSans-Light" panose="020B0300000000000000" pitchFamily="50" charset="-127"/>
+              </a:endParaRPr>
+            </a:p>
+          </p:txBody>
+        </p:sp>
+      </p:grpSp>
+      <p:grpSp>
+        <p:nvGrpSpPr>
+          <p:cNvPr id="14" name="그룹 16">
+            <a:extLst>
+              <a:ext uri="{FF2B5EF4-FFF2-40B4-BE49-F238E27FC236}">
+                <a16:creationId xmlns="" xmlns:a16="http://schemas.microsoft.com/office/drawing/2014/main" id="{596AF779-06A3-4E89-82D4-B3E821D83502}"/>
+              </a:ext>
+            </a:extLst>
+          </p:cNvPr>
+          <p:cNvGrpSpPr/>
+          <p:nvPr/>
+        </p:nvGrpSpPr>
+        <p:grpSpPr>
+          <a:xfrm>
+            <a:off x="4780344" y="2419109"/>
+            <a:ext cx="6528122" cy="1956121"/>
+            <a:chOff x="4780344" y="2419109"/>
+            <a:chExt cx="5683170" cy="1956121"/>
+          </a:xfrm>
+        </p:grpSpPr>
+        <p:cxnSp>
+          <p:nvCxnSpPr>
+            <p:cNvPr id="15" name="직선 연결선 14">
+              <a:extLst>
+                <a:ext uri="{FF2B5EF4-FFF2-40B4-BE49-F238E27FC236}">
+                  <a16:creationId xmlns="" xmlns:a16="http://schemas.microsoft.com/office/drawing/2014/main" id="{0F09DE89-05D8-4C00-B13B-1E86BD2B1E15}"/>
+                </a:ext>
+              </a:extLst>
+            </p:cNvPr>
+            <p:cNvCxnSpPr/>
+            <p:nvPr/>
+          </p:nvCxnSpPr>
+          <p:spPr>
+            <a:xfrm>
+              <a:off x="4780344" y="2419109"/>
+              <a:ext cx="5683170" cy="0"/>
+            </a:xfrm>
+            <a:prstGeom prst="line">
+              <a:avLst/>
+            </a:prstGeom>
+            <a:ln>
+              <a:solidFill>
+                <a:schemeClr val="tx1">
+                  <a:lumMod val="50000"/>
+                  <a:lumOff val="50000"/>
+                </a:schemeClr>
+              </a:solidFill>
+            </a:ln>
+          </p:spPr>
+          <p:style>
+            <a:lnRef idx="1">
+              <a:schemeClr val="accent1"/>
+            </a:lnRef>
+            <a:fillRef idx="0">
+              <a:schemeClr val="accent1"/>
+            </a:fillRef>
+            <a:effectRef idx="0">
+              <a:schemeClr val="accent1"/>
+            </a:effectRef>
+            <a:fontRef idx="minor">
+              <a:schemeClr val="tx1"/>
+            </a:fontRef>
+          </p:style>
+        </p:cxnSp>
+        <p:cxnSp>
+          <p:nvCxnSpPr>
+            <p:cNvPr id="16" name="직선 연결선 15">
+              <a:extLst>
+                <a:ext uri="{FF2B5EF4-FFF2-40B4-BE49-F238E27FC236}">
+                  <a16:creationId xmlns="" xmlns:a16="http://schemas.microsoft.com/office/drawing/2014/main" id="{8AD7F6C3-87E0-47D0-9FF0-89E7C39554B7}"/>
+                </a:ext>
+              </a:extLst>
+            </p:cNvPr>
+            <p:cNvCxnSpPr/>
+            <p:nvPr/>
+          </p:nvCxnSpPr>
+          <p:spPr>
+            <a:xfrm>
+              <a:off x="4780344" y="4375230"/>
+              <a:ext cx="5683170" cy="0"/>
+            </a:xfrm>
+            <a:prstGeom prst="line">
+              <a:avLst/>
+            </a:prstGeom>
+            <a:ln>
+              <a:solidFill>
+                <a:schemeClr val="tx1">
+                  <a:lumMod val="50000"/>
+                  <a:lumOff val="50000"/>
+                </a:schemeClr>
+              </a:solidFill>
+            </a:ln>
+          </p:spPr>
+          <p:style>
+            <a:lnRef idx="1">
+              <a:schemeClr val="accent1"/>
+            </a:lnRef>
+            <a:fillRef idx="0">
+              <a:schemeClr val="accent1"/>
+            </a:fillRef>
+            <a:effectRef idx="0">
+              <a:schemeClr val="accent1"/>
+            </a:effectRef>
+            <a:fontRef idx="minor">
+              <a:schemeClr val="tx1"/>
+            </a:fontRef>
+          </p:style>
+        </p:cxnSp>
+      </p:grpSp>
+    </p:spTree>
+    <p:extLst>
+      <p:ext uri="{BB962C8B-B14F-4D97-AF65-F5344CB8AC3E}">
+        <p14:creationId xmlns="" xmlns:p14="http://schemas.microsoft.com/office/powerpoint/2010/main" val="3740041879"/>
+      </p:ext>
+    </p:extLst>
+  </p:cSld>
+  <p:clrMapOvr>
+    <a:masterClrMapping/>
+  </p:clrMapOvr>
+  <p:timing>
+    <p:tnLst>
+      <p:par>
+        <p:cTn id="1" dur="indefinite" restart="never" nodeType="tmRoot"/>
+      </p:par>
+    </p:tnLst>
+  </p:timing>
+</p:sld>
+</file>
+
+<file path=ppt/slides/slide20.xml><?xml version="1.0" encoding="utf-8"?>
+<p:sld xmlns:a="http://schemas.openxmlformats.org/drawingml/2006/main" xmlns:r="http://schemas.openxmlformats.org/officeDocument/2006/relationships" xmlns:p="http://schemas.openxmlformats.org/presentationml/2006/main">
+  <p:cSld>
+    <p:spTree>
+      <p:nvGrpSpPr>
+        <p:cNvPr id="1" name=""/>
+        <p:cNvGrpSpPr/>
+        <p:nvPr/>
+      </p:nvGrpSpPr>
+      <p:grpSpPr>
+        <a:xfrm>
+          <a:off x="0" y="0"/>
+          <a:ext cx="0" cy="0"/>
+          <a:chOff x="0" y="0"/>
+          <a:chExt cx="0" cy="0"/>
+        </a:xfrm>
+      </p:grpSpPr>
+      <p:sp>
+        <p:nvSpPr>
+          <p:cNvPr id="2" name="직사각형 1">
+            <a:extLst>
+              <a:ext uri="{FF2B5EF4-FFF2-40B4-BE49-F238E27FC236}">
+                <a16:creationId xmlns="" xmlns:a16="http://schemas.microsoft.com/office/drawing/2014/main" id="{72070133-B364-4648-B5B7-60879ABB5B30}"/>
+              </a:ext>
+            </a:extLst>
+          </p:cNvPr>
+          <p:cNvSpPr/>
+          <p:nvPr/>
+        </p:nvSpPr>
+        <p:spPr>
+          <a:xfrm>
+            <a:off x="0" y="0"/>
+            <a:ext cx="12192000" cy="1168366"/>
+          </a:xfrm>
+          <a:prstGeom prst="rect">
+            <a:avLst/>
+          </a:prstGeom>
+          <a:gradFill>
+            <a:gsLst>
+              <a:gs pos="0">
+                <a:schemeClr val="tx1">
+                  <a:lumMod val="75000"/>
+                  <a:lumOff val="25000"/>
+                </a:schemeClr>
+              </a:gs>
+              <a:gs pos="54000">
+                <a:schemeClr val="tx1">
+                  <a:lumMod val="85000"/>
+                  <a:lumOff val="15000"/>
+                </a:schemeClr>
+              </a:gs>
+            </a:gsLst>
+            <a:path path="circle">
+              <a:fillToRect l="100000" b="100000"/>
+            </a:path>
+          </a:gradFill>
+          <a:ln>
+            <a:noFill/>
+          </a:ln>
+        </p:spPr>
+        <p:style>
+          <a:lnRef idx="2">
+            <a:schemeClr val="accent1">
+              <a:shade val="50000"/>
+            </a:schemeClr>
+          </a:lnRef>
+          <a:fillRef idx="1">
+            <a:schemeClr val="accent1"/>
+          </a:fillRef>
+          <a:effectRef idx="0">
+            <a:schemeClr val="accent1"/>
+          </a:effectRef>
+          <a:fontRef idx="minor">
+            <a:schemeClr val="lt1"/>
+          </a:fontRef>
+        </p:style>
+        <p:txBody>
+          <a:bodyPr rtlCol="0" anchor="ctr"/>
+          <a:lstStyle/>
+          <a:p>
+            <a:pPr algn="ctr"/>
+            <a:endParaRPr lang="ko-KR" altLang="en-US"/>
+          </a:p>
+        </p:txBody>
+      </p:sp>
+      <p:sp>
+        <p:nvSpPr>
+          <p:cNvPr id="3" name="TextBox 2">
+            <a:extLst>
+              <a:ext uri="{FF2B5EF4-FFF2-40B4-BE49-F238E27FC236}">
+                <a16:creationId xmlns="" xmlns:a16="http://schemas.microsoft.com/office/drawing/2014/main" id="{046E9738-F6F0-4607-9DD9-40CC81694A89}"/>
               </a:ext>
             </a:extLst>
           </p:cNvPr>
@@ -8042,7 +10122,7 @@
           <p:cNvPr id="5" name="표 5">
             <a:extLst>
               <a:ext uri="{FF2B5EF4-FFF2-40B4-BE49-F238E27FC236}">
-                <a16:creationId xmlns:a16="http://schemas.microsoft.com/office/drawing/2014/main" xmlns="" id="{FC9E8AF2-BC97-403A-9DE2-158B2FABB55E}"/>
+                <a16:creationId xmlns="" xmlns:a16="http://schemas.microsoft.com/office/drawing/2014/main" id="{FC9E8AF2-BC97-403A-9DE2-158B2FABB55E}"/>
               </a:ext>
             </a:extLst>
           </p:cNvPr>
@@ -8052,7 +10132,7 @@
           <p:nvPr>
             <p:extLst>
               <p:ext uri="{D42A27DB-BD31-4B8C-83A1-F6EECF244321}">
-                <p14:modId xmlns:p14="http://schemas.microsoft.com/office/powerpoint/2010/main" xmlns="" val="535676568"/>
+                <p14:modId xmlns="" xmlns:p14="http://schemas.microsoft.com/office/powerpoint/2010/main" val="535676568"/>
               </p:ext>
             </p:extLst>
           </p:nvPr>
@@ -8071,14 +10151,14 @@
                 <a:gridCol w="3801182">
                   <a:extLst>
                     <a:ext uri="{9D8B030D-6E8A-4147-A177-3AD203B41FA5}">
-                      <a16:colId xmlns:a16="http://schemas.microsoft.com/office/drawing/2014/main" xmlns="" val="664462760"/>
+                      <a16:colId xmlns="" xmlns:a16="http://schemas.microsoft.com/office/drawing/2014/main" val="664462760"/>
                     </a:ext>
                   </a:extLst>
                 </a:gridCol>
                 <a:gridCol w="6797544">
                   <a:extLst>
                     <a:ext uri="{9D8B030D-6E8A-4147-A177-3AD203B41FA5}">
-                      <a16:colId xmlns:a16="http://schemas.microsoft.com/office/drawing/2014/main" xmlns="" val="3161920122"/>
+                      <a16:colId xmlns="" xmlns:a16="http://schemas.microsoft.com/office/drawing/2014/main" val="3161920122"/>
                     </a:ext>
                   </a:extLst>
                 </a:gridCol>
@@ -8231,7 +10311,7 @@
                 </a:tc>
                 <a:extLst>
                   <a:ext uri="{0D108BD9-81ED-4DB2-BD59-A6C34878D82A}">
-                    <a16:rowId xmlns:a16="http://schemas.microsoft.com/office/drawing/2014/main" xmlns="" val="3970375590"/>
+                    <a16:rowId xmlns="" xmlns:a16="http://schemas.microsoft.com/office/drawing/2014/main" val="3970375590"/>
                   </a:ext>
                 </a:extLst>
               </a:tr>
@@ -8306,22 +10386,37 @@
                     <a:p>
                       <a:pPr algn="l" latinLnBrk="1"/>
                       <a:r>
-                        <a:rPr lang="en-US" altLang="ko-KR" dirty="0" smtClean="0"/>
+                        <a:rPr lang="en-US" altLang="ko-KR" dirty="0" smtClean="0">
+                          <a:latin typeface="Spoqa Han Sans Neo Medium" pitchFamily="2" charset="0"/>
+                          <a:ea typeface="Spoqa Han Sans Neo Medium" pitchFamily="2" charset="0"/>
+                        </a:rPr>
                         <a:t>APP </a:t>
                       </a:r>
                       <a:r>
-                        <a:rPr lang="ko-KR" altLang="en-US" dirty="0" smtClean="0"/>
+                        <a:rPr lang="ko-KR" altLang="en-US" dirty="0" smtClean="0">
+                          <a:latin typeface="Spoqa Han Sans Neo Medium" pitchFamily="2" charset="0"/>
+                          <a:ea typeface="Spoqa Han Sans Neo Medium" pitchFamily="2" charset="0"/>
+                        </a:rPr>
                         <a:t>전체의 응답을 받는 컨트롤러</a:t>
                       </a:r>
                       <a:r>
-                        <a:rPr lang="en-US" altLang="ko-KR" dirty="0" smtClean="0"/>
+                        <a:rPr lang="en-US" altLang="ko-KR" dirty="0" smtClean="0">
+                          <a:latin typeface="Spoqa Han Sans Neo Medium" pitchFamily="2" charset="0"/>
+                          <a:ea typeface="Spoqa Han Sans Neo Medium" pitchFamily="2" charset="0"/>
+                        </a:rPr>
                         <a:t>, UI </a:t>
                       </a:r>
                       <a:r>
-                        <a:rPr lang="ko-KR" altLang="en-US" dirty="0" smtClean="0"/>
+                        <a:rPr lang="ko-KR" altLang="en-US" dirty="0" smtClean="0">
+                          <a:latin typeface="Spoqa Han Sans Neo Medium" pitchFamily="2" charset="0"/>
+                          <a:ea typeface="Spoqa Han Sans Neo Medium" pitchFamily="2" charset="0"/>
+                        </a:rPr>
                         <a:t>의 버튼 응답을 처리함</a:t>
                       </a:r>
-                      <a:endParaRPr lang="ko-KR" altLang="en-US" dirty="0"/>
+                      <a:endParaRPr lang="ko-KR" altLang="en-US" dirty="0">
+                        <a:latin typeface="Spoqa Han Sans Neo Medium" pitchFamily="2" charset="0"/>
+                        <a:ea typeface="Spoqa Han Sans Neo Medium" pitchFamily="2" charset="0"/>
+                      </a:endParaRPr>
                     </a:p>
                   </a:txBody>
                   <a:tcPr anchor="ctr">
@@ -8368,7 +10463,7 @@
                 </a:tc>
                 <a:extLst>
                   <a:ext uri="{0D108BD9-81ED-4DB2-BD59-A6C34878D82A}">
-                    <a16:rowId xmlns:a16="http://schemas.microsoft.com/office/drawing/2014/main" xmlns="" val="1061963206"/>
+                    <a16:rowId xmlns="" xmlns:a16="http://schemas.microsoft.com/office/drawing/2014/main" val="1061963206"/>
                   </a:ext>
                 </a:extLst>
               </a:tr>
@@ -8448,57 +10543,114 @@
                     <a:p>
                       <a:pPr algn="l" latinLnBrk="1"/>
                       <a:r>
-                        <a:rPr lang="en-US" altLang="ko-KR" dirty="0" smtClean="0"/>
+                        <a:rPr lang="en-US" altLang="ko-KR" dirty="0" smtClean="0">
+                          <a:latin typeface="Spoqa Han Sans Neo Medium" pitchFamily="2" charset="0"/>
+                          <a:ea typeface="Spoqa Han Sans Neo Medium" pitchFamily="2" charset="0"/>
+                        </a:rPr>
                         <a:t>SQL </a:t>
                       </a:r>
                       <a:r>
-                        <a:rPr lang="en-US" altLang="ko-KR" dirty="0" err="1" smtClean="0"/>
+                        <a:rPr lang="en-US" altLang="ko-KR" dirty="0" err="1" smtClean="0">
+                          <a:latin typeface="Spoqa Han Sans Neo Medium" pitchFamily="2" charset="0"/>
+                          <a:ea typeface="Spoqa Han Sans Neo Medium" pitchFamily="2" charset="0"/>
+                        </a:rPr>
                         <a:t>lite</a:t>
                       </a:r>
                       <a:r>
-                        <a:rPr lang="en-US" altLang="ko-KR" dirty="0" smtClean="0"/>
+                        <a:rPr lang="en-US" altLang="ko-KR" dirty="0" smtClean="0">
+                          <a:latin typeface="Spoqa Han Sans Neo Medium" pitchFamily="2" charset="0"/>
+                          <a:ea typeface="Spoqa Han Sans Neo Medium" pitchFamily="2" charset="0"/>
+                        </a:rPr>
                         <a:t> </a:t>
                       </a:r>
                       <a:r>
-                        <a:rPr lang="ko-KR" altLang="en-US" dirty="0" smtClean="0"/>
+                        <a:rPr lang="ko-KR" altLang="en-US" dirty="0" smtClean="0">
+                          <a:latin typeface="Spoqa Han Sans Neo Medium" pitchFamily="2" charset="0"/>
+                          <a:ea typeface="Spoqa Han Sans Neo Medium" pitchFamily="2" charset="0"/>
+                        </a:rPr>
                         <a:t>와 연결하여 데이터 저장</a:t>
                       </a:r>
                       <a:r>
-                        <a:rPr lang="en-US" altLang="ko-KR" dirty="0" smtClean="0"/>
+                        <a:rPr lang="en-US" altLang="ko-KR" dirty="0" smtClean="0">
+                          <a:latin typeface="Spoqa Han Sans Neo Medium" pitchFamily="2" charset="0"/>
+                          <a:ea typeface="Spoqa Han Sans Neo Medium" pitchFamily="2" charset="0"/>
+                        </a:rPr>
                         <a:t>, </a:t>
                       </a:r>
                       <a:r>
-                        <a:rPr lang="ko-KR" altLang="en-US" dirty="0" err="1" smtClean="0"/>
+                        <a:rPr lang="ko-KR" altLang="en-US" dirty="0" err="1" smtClean="0">
+                          <a:latin typeface="Spoqa Han Sans Neo Medium" pitchFamily="2" charset="0"/>
+                          <a:ea typeface="Spoqa Han Sans Neo Medium" pitchFamily="2" charset="0"/>
+                        </a:rPr>
                         <a:t>실행시</a:t>
                       </a:r>
                       <a:r>
-                        <a:rPr lang="ko-KR" altLang="en-US" dirty="0" smtClean="0"/>
+                        <a:rPr lang="ko-KR" altLang="en-US" dirty="0" smtClean="0">
+                          <a:latin typeface="Spoqa Han Sans Neo Medium" pitchFamily="2" charset="0"/>
+                          <a:ea typeface="Spoqa Han Sans Neo Medium" pitchFamily="2" charset="0"/>
+                        </a:rPr>
                         <a:t> 데이터 복원</a:t>
                       </a:r>
                       <a:r>
-                        <a:rPr lang="en-US" altLang="ko-KR" dirty="0" smtClean="0"/>
+                        <a:rPr lang="en-US" altLang="ko-KR" dirty="0" smtClean="0">
+                          <a:latin typeface="Spoqa Han Sans Neo Medium" pitchFamily="2" charset="0"/>
+                          <a:ea typeface="Spoqa Han Sans Neo Medium" pitchFamily="2" charset="0"/>
+                        </a:rPr>
                         <a:t>, </a:t>
                       </a:r>
+                      <a:r>
+                        <a:rPr lang="ko-KR" altLang="en-US" dirty="0" err="1" smtClean="0">
+                          <a:latin typeface="Spoqa Han Sans Neo Medium" pitchFamily="2" charset="0"/>
+                          <a:ea typeface="Spoqa Han Sans Neo Medium" pitchFamily="2" charset="0"/>
+                        </a:rPr>
+                        <a:t>셀레니움</a:t>
+                      </a:r>
+                      <a:r>
+                        <a:rPr lang="ko-KR" altLang="en-US" dirty="0" smtClean="0">
+                          <a:latin typeface="Spoqa Han Sans Neo Medium" pitchFamily="2" charset="0"/>
+                          <a:ea typeface="Spoqa Han Sans Neo Medium" pitchFamily="2" charset="0"/>
+                        </a:rPr>
+                        <a:t> </a:t>
+                      </a:r>
+                      <a:endParaRPr lang="en-US" altLang="ko-KR" dirty="0" smtClean="0">
+                        <a:latin typeface="Spoqa Han Sans Neo Medium" pitchFamily="2" charset="0"/>
+                        <a:ea typeface="Spoqa Han Sans Neo Medium" pitchFamily="2" charset="0"/>
+                      </a:endParaRPr>
                     </a:p>
                     <a:p>
                       <a:pPr algn="l" latinLnBrk="1"/>
                       <a:r>
-                        <a:rPr lang="ko-KR" altLang="en-US" dirty="0" err="1" smtClean="0"/>
-                        <a:t>셀레니움</a:t>
+                        <a:rPr lang="ko-KR" altLang="en-US" dirty="0" smtClean="0">
+                          <a:latin typeface="Spoqa Han Sans Neo Medium" pitchFamily="2" charset="0"/>
+                          <a:ea typeface="Spoqa Han Sans Neo Medium" pitchFamily="2" charset="0"/>
+                        </a:rPr>
+                        <a:t>데이터 </a:t>
                       </a:r>
                       <a:r>
-                        <a:rPr lang="ko-KR" altLang="en-US" dirty="0" smtClean="0"/>
-                        <a:t> 데이터 연동 등</a:t>
+                        <a:rPr lang="ko-KR" altLang="en-US" dirty="0" smtClean="0">
+                          <a:latin typeface="Spoqa Han Sans Neo Medium" pitchFamily="2" charset="0"/>
+                          <a:ea typeface="Spoqa Han Sans Neo Medium" pitchFamily="2" charset="0"/>
+                        </a:rPr>
+                        <a:t>연동 등</a:t>
                       </a:r>
                       <a:r>
-                        <a:rPr lang="en-US" altLang="ko-KR" dirty="0" smtClean="0"/>
+                        <a:rPr lang="en-US" altLang="ko-KR" dirty="0" smtClean="0">
+                          <a:latin typeface="Spoqa Han Sans Neo Medium" pitchFamily="2" charset="0"/>
+                          <a:ea typeface="Spoqa Han Sans Neo Medium" pitchFamily="2" charset="0"/>
+                        </a:rPr>
                         <a:t>, </a:t>
                       </a:r>
                       <a:r>
-                        <a:rPr lang="ko-KR" altLang="en-US" dirty="0" smtClean="0"/>
+                        <a:rPr lang="ko-KR" altLang="en-US" dirty="0" smtClean="0">
+                          <a:latin typeface="Spoqa Han Sans Neo Medium" pitchFamily="2" charset="0"/>
+                          <a:ea typeface="Spoqa Han Sans Neo Medium" pitchFamily="2" charset="0"/>
+                        </a:rPr>
                         <a:t>데이터 관련 내용을 담당</a:t>
                       </a:r>
-                      <a:endParaRPr lang="ko-KR" altLang="en-US" dirty="0"/>
+                      <a:endParaRPr lang="ko-KR" altLang="en-US" dirty="0">
+                        <a:latin typeface="Spoqa Han Sans Neo Medium" pitchFamily="2" charset="0"/>
+                        <a:ea typeface="Spoqa Han Sans Neo Medium" pitchFamily="2" charset="0"/>
+                      </a:endParaRPr>
                     </a:p>
                   </a:txBody>
                   <a:tcPr anchor="ctr">
@@ -8545,7 +10697,7 @@
                 </a:tc>
                 <a:extLst>
                   <a:ext uri="{0D108BD9-81ED-4DB2-BD59-A6C34878D82A}">
-                    <a16:rowId xmlns:a16="http://schemas.microsoft.com/office/drawing/2014/main" xmlns="" val="4281332351"/>
+                    <a16:rowId xmlns="" xmlns:a16="http://schemas.microsoft.com/office/drawing/2014/main" val="4281332351"/>
                   </a:ext>
                 </a:extLst>
               </a:tr>
@@ -8627,28 +10779,56 @@
                         <a:buNone/>
                       </a:pPr>
                       <a:r>
-                        <a:rPr lang="ko-KR" altLang="en-US" dirty="0" smtClean="0"/>
+                        <a:rPr lang="ko-KR" altLang="en-US" dirty="0" smtClean="0">
+                          <a:latin typeface="Spoqa Han Sans Neo Medium" pitchFamily="2" charset="0"/>
+                          <a:ea typeface="Spoqa Han Sans Neo Medium" pitchFamily="2" charset="0"/>
+                        </a:rPr>
                         <a:t>날짜 변경</a:t>
                       </a:r>
                       <a:r>
-                        <a:rPr lang="en-US" altLang="ko-KR" dirty="0" smtClean="0"/>
+                        <a:rPr lang="en-US" altLang="ko-KR" dirty="0" smtClean="0">
+                          <a:latin typeface="Spoqa Han Sans Neo Medium" pitchFamily="2" charset="0"/>
+                          <a:ea typeface="Spoqa Han Sans Neo Medium" pitchFamily="2" charset="0"/>
+                        </a:rPr>
                         <a:t>, </a:t>
                       </a:r>
                       <a:r>
-                        <a:rPr lang="ko-KR" altLang="en-US" dirty="0" smtClean="0"/>
+                        <a:rPr lang="ko-KR" altLang="en-US" dirty="0" smtClean="0">
+                          <a:latin typeface="Spoqa Han Sans Neo Medium" pitchFamily="2" charset="0"/>
+                          <a:ea typeface="Spoqa Han Sans Neo Medium" pitchFamily="2" charset="0"/>
+                        </a:rPr>
                         <a:t>시간 변경 캘린더 삭제 등의 캘린더 이벤트를 받아 </a:t>
                       </a:r>
-                      <a:endParaRPr lang="en-US" altLang="ko-KR" dirty="0" smtClean="0"/>
+                      <a:r>
+                        <a:rPr lang="en-US" altLang="ko-KR" baseline="0" dirty="0" smtClean="0">
+                          <a:latin typeface="Spoqa Han Sans Neo Medium" pitchFamily="2" charset="0"/>
+                          <a:ea typeface="Spoqa Han Sans Neo Medium" pitchFamily="2" charset="0"/>
+                        </a:rPr>
+                        <a:t> </a:t>
+                      </a:r>
                     </a:p>
                     <a:p>
                       <a:pPr lvl="0" algn="l">
                         <a:buNone/>
                       </a:pPr>
                       <a:r>
-                        <a:rPr lang="ko-KR" altLang="en-US" dirty="0" smtClean="0"/>
-                        <a:t>처리해주는 클래스</a:t>
+                        <a:rPr lang="ko-KR" altLang="en-US" dirty="0" smtClean="0">
+                          <a:latin typeface="Spoqa Han Sans Neo Medium" pitchFamily="2" charset="0"/>
+                          <a:ea typeface="Spoqa Han Sans Neo Medium" pitchFamily="2" charset="0"/>
+                        </a:rPr>
+                        <a:t>처리하는 </a:t>
                       </a:r>
-                      <a:endParaRPr lang="ko-KR" altLang="en-US" dirty="0"/>
+                      <a:r>
+                        <a:rPr lang="ko-KR" altLang="en-US" dirty="0" smtClean="0">
+                          <a:latin typeface="Spoqa Han Sans Neo Medium" pitchFamily="2" charset="0"/>
+                          <a:ea typeface="Spoqa Han Sans Neo Medium" pitchFamily="2" charset="0"/>
+                        </a:rPr>
+                        <a:t>클래스</a:t>
+                      </a:r>
+                      <a:endParaRPr lang="ko-KR" altLang="en-US" dirty="0">
+                        <a:latin typeface="Spoqa Han Sans Neo Medium" pitchFamily="2" charset="0"/>
+                        <a:ea typeface="Spoqa Han Sans Neo Medium" pitchFamily="2" charset="0"/>
+                      </a:endParaRPr>
                     </a:p>
                   </a:txBody>
                   <a:tcPr anchor="ctr">
@@ -8695,7 +10875,7 @@
                 </a:tc>
                 <a:extLst>
                   <a:ext uri="{0D108BD9-81ED-4DB2-BD59-A6C34878D82A}">
-                    <a16:rowId xmlns:a16="http://schemas.microsoft.com/office/drawing/2014/main" xmlns="" val="3488279378"/>
+                    <a16:rowId xmlns="" xmlns:a16="http://schemas.microsoft.com/office/drawing/2014/main" val="3488279378"/>
                   </a:ext>
                 </a:extLst>
               </a:tr>
@@ -8777,26 +10957,67 @@
                         <a:buNone/>
                       </a:pPr>
                       <a:r>
-                        <a:rPr lang="ko-KR" altLang="en-US" dirty="0" smtClean="0"/>
+                        <a:rPr lang="ko-KR" altLang="en-US" dirty="0" smtClean="0">
+                          <a:latin typeface="Spoqa Han Sans Neo Medium" pitchFamily="2" charset="0"/>
+                          <a:ea typeface="Spoqa Han Sans Neo Medium" pitchFamily="2" charset="0"/>
+                        </a:rPr>
                         <a:t>캘린더 메인 부분으로</a:t>
                       </a:r>
                       <a:r>
-                        <a:rPr lang="en-US" altLang="ko-KR" dirty="0" smtClean="0"/>
+                        <a:rPr lang="en-US" altLang="ko-KR" dirty="0" smtClean="0">
+                          <a:latin typeface="Spoqa Han Sans Neo Medium" pitchFamily="2" charset="0"/>
+                          <a:ea typeface="Spoqa Han Sans Neo Medium" pitchFamily="2" charset="0"/>
+                        </a:rPr>
                         <a:t>, </a:t>
                       </a:r>
                       <a:r>
-                        <a:rPr lang="ko-KR" altLang="en-US" dirty="0" smtClean="0"/>
+                        <a:rPr lang="ko-KR" altLang="en-US" dirty="0" smtClean="0">
+                          <a:latin typeface="Spoqa Han Sans Neo Medium" pitchFamily="2" charset="0"/>
+                          <a:ea typeface="Spoqa Han Sans Neo Medium" pitchFamily="2" charset="0"/>
+                        </a:rPr>
                         <a:t>위의 </a:t>
                       </a:r>
                       <a:r>
-                        <a:rPr lang="en-US" altLang="ko-KR" dirty="0" smtClean="0"/>
+                        <a:rPr lang="en-US" altLang="ko-KR" dirty="0" smtClean="0">
+                          <a:latin typeface="Spoqa Han Sans Neo Medium" pitchFamily="2" charset="0"/>
+                          <a:ea typeface="Spoqa Han Sans Neo Medium" pitchFamily="2" charset="0"/>
+                        </a:rPr>
                         <a:t>Main </a:t>
                       </a:r>
                       <a:r>
-                        <a:rPr lang="ko-KR" altLang="en-US" dirty="0" smtClean="0"/>
-                        <a:t>에서 캘린더 설정이 완료되고 캘린더가 실행됨</a:t>
+                        <a:rPr lang="ko-KR" altLang="en-US" dirty="0" smtClean="0">
+                          <a:latin typeface="Spoqa Han Sans Neo Medium" pitchFamily="2" charset="0"/>
+                          <a:ea typeface="Spoqa Han Sans Neo Medium" pitchFamily="2" charset="0"/>
+                        </a:rPr>
+                        <a:t>에서 캘린더 설정이 완료되고 </a:t>
                       </a:r>
-                      <a:endParaRPr lang="ko-KR" altLang="en-US" dirty="0"/>
+                      <a:endParaRPr lang="en-US" altLang="ko-KR" dirty="0" smtClean="0">
+                        <a:latin typeface="Spoqa Han Sans Neo Medium" pitchFamily="2" charset="0"/>
+                        <a:ea typeface="Spoqa Han Sans Neo Medium" pitchFamily="2" charset="0"/>
+                      </a:endParaRPr>
+                    </a:p>
+                    <a:p>
+                      <a:pPr lvl="0" algn="l">
+                        <a:buNone/>
+                      </a:pPr>
+                      <a:r>
+                        <a:rPr lang="ko-KR" altLang="en-US" dirty="0" smtClean="0">
+                          <a:latin typeface="Spoqa Han Sans Neo Medium" pitchFamily="2" charset="0"/>
+                          <a:ea typeface="Spoqa Han Sans Neo Medium" pitchFamily="2" charset="0"/>
+                        </a:rPr>
+                        <a:t>캘린더가 </a:t>
+                      </a:r>
+                      <a:r>
+                        <a:rPr lang="ko-KR" altLang="en-US" dirty="0" smtClean="0">
+                          <a:latin typeface="Spoqa Han Sans Neo Medium" pitchFamily="2" charset="0"/>
+                          <a:ea typeface="Spoqa Han Sans Neo Medium" pitchFamily="2" charset="0"/>
+                        </a:rPr>
+                        <a:t>실행됨</a:t>
+                      </a:r>
+                      <a:endParaRPr lang="ko-KR" altLang="en-US" dirty="0">
+                        <a:latin typeface="Spoqa Han Sans Neo Medium" pitchFamily="2" charset="0"/>
+                        <a:ea typeface="Spoqa Han Sans Neo Medium" pitchFamily="2" charset="0"/>
+                      </a:endParaRPr>
                     </a:p>
                   </a:txBody>
                   <a:tcPr anchor="ctr">
@@ -8843,7 +11064,7 @@
                 </a:tc>
                 <a:extLst>
                   <a:ext uri="{0D108BD9-81ED-4DB2-BD59-A6C34878D82A}">
-                    <a16:rowId xmlns:a16="http://schemas.microsoft.com/office/drawing/2014/main" xmlns="" val="1109085182"/>
+                    <a16:rowId xmlns="" xmlns:a16="http://schemas.microsoft.com/office/drawing/2014/main" val="1109085182"/>
                   </a:ext>
                 </a:extLst>
               </a:tr>
@@ -8925,26 +11146,44 @@
                         <a:buNone/>
                       </a:pPr>
                       <a:r>
-                        <a:rPr lang="en-US" altLang="ko-KR" dirty="0"/>
+                        <a:rPr lang="en-US" altLang="ko-KR" dirty="0">
+                          <a:latin typeface="Spoqa Han Sans Neo Medium" pitchFamily="2" charset="0"/>
+                          <a:ea typeface="Spoqa Han Sans Neo Medium" pitchFamily="2" charset="0"/>
+                        </a:rPr>
                         <a:t>Scenebuilder</a:t>
                       </a:r>
                       <a:r>
-                        <a:rPr lang="ko-KR" altLang="en-US" dirty="0"/>
+                        <a:rPr lang="ko-KR" altLang="en-US" dirty="0">
+                          <a:latin typeface="Spoqa Han Sans Neo Medium" pitchFamily="2" charset="0"/>
+                          <a:ea typeface="Spoqa Han Sans Neo Medium" pitchFamily="2" charset="0"/>
+                        </a:rPr>
                         <a:t>로 작업해 나온 </a:t>
                       </a:r>
                       <a:r>
-                        <a:rPr lang="en-US" altLang="ko-KR" dirty="0"/>
+                        <a:rPr lang="en-US" altLang="ko-KR" dirty="0">
+                          <a:latin typeface="Spoqa Han Sans Neo Medium" pitchFamily="2" charset="0"/>
+                          <a:ea typeface="Spoqa Han Sans Neo Medium" pitchFamily="2" charset="0"/>
+                        </a:rPr>
                         <a:t>FXML</a:t>
                       </a:r>
                       <a:r>
-                        <a:rPr lang="ko-KR" altLang="en-US" dirty="0"/>
+                        <a:rPr lang="ko-KR" altLang="en-US" dirty="0">
+                          <a:latin typeface="Spoqa Han Sans Neo Medium" pitchFamily="2" charset="0"/>
+                          <a:ea typeface="Spoqa Han Sans Neo Medium" pitchFamily="2" charset="0"/>
+                        </a:rPr>
                         <a:t>파일에 이벤트 핸들러를 작성하여 저장</a:t>
                       </a:r>
                       <a:r>
-                        <a:rPr lang="en-US" altLang="ko-KR" dirty="0"/>
+                        <a:rPr lang="en-US" altLang="ko-KR" dirty="0">
+                          <a:latin typeface="Spoqa Han Sans Neo Medium" pitchFamily="2" charset="0"/>
+                          <a:ea typeface="Spoqa Han Sans Neo Medium" pitchFamily="2" charset="0"/>
+                        </a:rPr>
                         <a:t>.</a:t>
                       </a:r>
-                      <a:endParaRPr lang="ko-KR" altLang="en-US" dirty="0"/>
+                      <a:endParaRPr lang="ko-KR" altLang="en-US" dirty="0">
+                        <a:latin typeface="Spoqa Han Sans Neo Medium" pitchFamily="2" charset="0"/>
+                        <a:ea typeface="Spoqa Han Sans Neo Medium" pitchFamily="2" charset="0"/>
+                      </a:endParaRPr>
                     </a:p>
                   </a:txBody>
                   <a:tcPr anchor="ctr">
@@ -8991,7 +11230,7 @@
                 </a:tc>
                 <a:extLst>
                   <a:ext uri="{0D108BD9-81ED-4DB2-BD59-A6C34878D82A}">
-                    <a16:rowId xmlns:a16="http://schemas.microsoft.com/office/drawing/2014/main" xmlns="" val="2001047791"/>
+                    <a16:rowId xmlns="" xmlns:a16="http://schemas.microsoft.com/office/drawing/2014/main" val="2001047791"/>
                   </a:ext>
                 </a:extLst>
               </a:tr>
@@ -9073,7 +11312,10 @@
                         <a:buNone/>
                       </a:pPr>
                       <a:r>
-                        <a:rPr lang="ko-KR" altLang="en-US" dirty="0"/>
+                        <a:rPr lang="ko-KR" altLang="en-US" dirty="0">
+                          <a:latin typeface="Spoqa Han Sans Neo Medium" pitchFamily="2" charset="0"/>
+                          <a:ea typeface="Spoqa Han Sans Neo Medium" pitchFamily="2" charset="0"/>
+                        </a:rPr>
                         <a:t>블랙보드, 학사일정 데이터를 읽어와 데이터셋 클래스에 알맞은 형식으로 저장.</a:t>
                       </a:r>
                     </a:p>
@@ -9122,7 +11364,7 @@
                 </a:tc>
                 <a:extLst>
                   <a:ext uri="{0D108BD9-81ED-4DB2-BD59-A6C34878D82A}">
-                    <a16:rowId xmlns:a16="http://schemas.microsoft.com/office/drawing/2014/main" xmlns="" val="1854255413"/>
+                    <a16:rowId xmlns="" xmlns:a16="http://schemas.microsoft.com/office/drawing/2014/main" val="1854255413"/>
                   </a:ext>
                 </a:extLst>
               </a:tr>
@@ -9133,7 +11375,7 @@
     </p:spTree>
     <p:extLst>
       <p:ext uri="{BB962C8B-B14F-4D97-AF65-F5344CB8AC3E}">
-        <p14:creationId xmlns:p14="http://schemas.microsoft.com/office/powerpoint/2010/main" xmlns="" val="4141249237"/>
+        <p14:creationId xmlns="" xmlns:p14="http://schemas.microsoft.com/office/powerpoint/2010/main" val="4141249237"/>
       </p:ext>
     </p:extLst>
   </p:cSld>
@@ -9150,7 +11392,7 @@
 </p:sld>
 </file>
 
-<file path=ppt/slides/slide19.xml><?xml version="1.0" encoding="utf-8"?>
+<file path=ppt/slides/slide21.xml><?xml version="1.0" encoding="utf-8"?>
 <p:sld xmlns:a="http://schemas.openxmlformats.org/drawingml/2006/main" xmlns:r="http://schemas.openxmlformats.org/officeDocument/2006/relationships" xmlns:p="http://schemas.openxmlformats.org/presentationml/2006/main">
   <p:cSld>
     <p:spTree>
@@ -9172,7 +11414,7 @@
           <p:cNvPr id="2" name="직사각형 1">
             <a:extLst>
               <a:ext uri="{FF2B5EF4-FFF2-40B4-BE49-F238E27FC236}">
-                <a16:creationId xmlns:a16="http://schemas.microsoft.com/office/drawing/2014/main" xmlns="" id="{11A62586-B708-4471-8640-ED72F76F9C56}"/>
+                <a16:creationId xmlns="" xmlns:a16="http://schemas.microsoft.com/office/drawing/2014/main" id="{11A62586-B708-4471-8640-ED72F76F9C56}"/>
               </a:ext>
             </a:extLst>
           </p:cNvPr>
@@ -9240,7 +11482,7 @@
           <p:cNvPr id="3" name="TextBox 2">
             <a:extLst>
               <a:ext uri="{FF2B5EF4-FFF2-40B4-BE49-F238E27FC236}">
-                <a16:creationId xmlns:a16="http://schemas.microsoft.com/office/drawing/2014/main" xmlns="" id="{988CFF69-148F-4807-9880-44F95FE3A9DC}"/>
+                <a16:creationId xmlns="" xmlns:a16="http://schemas.microsoft.com/office/drawing/2014/main" id="{988CFF69-148F-4807-9880-44F95FE3A9DC}"/>
               </a:ext>
             </a:extLst>
           </p:cNvPr>
@@ -9322,7 +11564,7 @@
           <p:cNvPr id="4" name="TextBox 3">
             <a:extLst>
               <a:ext uri="{FF2B5EF4-FFF2-40B4-BE49-F238E27FC236}">
-                <a16:creationId xmlns:a16="http://schemas.microsoft.com/office/drawing/2014/main" xmlns="" id="{392523DE-E429-4729-B40E-C98AD1714AC6}"/>
+                <a16:creationId xmlns="" xmlns:a16="http://schemas.microsoft.com/office/drawing/2014/main" id="{392523DE-E429-4729-B40E-C98AD1714AC6}"/>
               </a:ext>
             </a:extLst>
           </p:cNvPr>
@@ -9540,7 +11782,7 @@
           <p:cNvPr id="7" name="그림 7">
             <a:extLst>
               <a:ext uri="{FF2B5EF4-FFF2-40B4-BE49-F238E27FC236}">
-                <a16:creationId xmlns:a16="http://schemas.microsoft.com/office/drawing/2014/main" xmlns="" id="{CEA99C9C-1BD7-4A0E-A157-6F17EF01D8A7}"/>
+                <a16:creationId xmlns="" xmlns:a16="http://schemas.microsoft.com/office/drawing/2014/main" id="{CEA99C9C-1BD7-4A0E-A157-6F17EF01D8A7}"/>
               </a:ext>
             </a:extLst>
           </p:cNvPr>
@@ -9568,7 +11810,7 @@
     </p:spTree>
     <p:extLst>
       <p:ext uri="{BB962C8B-B14F-4D97-AF65-F5344CB8AC3E}">
-        <p14:creationId xmlns:p14="http://schemas.microsoft.com/office/powerpoint/2010/main" xmlns="" val="2238419840"/>
+        <p14:creationId xmlns="" xmlns:p14="http://schemas.microsoft.com/office/powerpoint/2010/main" val="2238419840"/>
       </p:ext>
     </p:extLst>
   </p:cSld>
@@ -9585,7 +11827,7 @@
 </p:sld>
 </file>
 
-<file path=ppt/slides/slide2.xml><?xml version="1.0" encoding="utf-8"?>
+<file path=ppt/slides/slide22.xml><?xml version="1.0" encoding="utf-8"?>
 <p:sld xmlns:a="http://schemas.openxmlformats.org/drawingml/2006/main" xmlns:r="http://schemas.openxmlformats.org/officeDocument/2006/relationships" xmlns:p="http://schemas.openxmlformats.org/presentationml/2006/main">
   <p:cSld>
     <p:spTree>
@@ -9607,1375 +11849,7 @@
           <p:cNvPr id="2" name="직사각형 1">
             <a:extLst>
               <a:ext uri="{FF2B5EF4-FFF2-40B4-BE49-F238E27FC236}">
-                <a16:creationId xmlns:a16="http://schemas.microsoft.com/office/drawing/2014/main" xmlns="" id="{11A62586-B708-4471-8640-ED72F76F9C56}"/>
-              </a:ext>
-            </a:extLst>
-          </p:cNvPr>
-          <p:cNvSpPr/>
-          <p:nvPr/>
-        </p:nvSpPr>
-        <p:spPr>
-          <a:xfrm>
-            <a:off x="0" y="0"/>
-            <a:ext cx="3495554" cy="6858000"/>
-          </a:xfrm>
-          <a:prstGeom prst="rect">
-            <a:avLst/>
-          </a:prstGeom>
-          <a:gradFill>
-            <a:gsLst>
-              <a:gs pos="0">
-                <a:schemeClr val="tx1">
-                  <a:lumMod val="75000"/>
-                  <a:lumOff val="25000"/>
-                </a:schemeClr>
-              </a:gs>
-              <a:gs pos="54000">
-                <a:schemeClr val="tx1">
-                  <a:lumMod val="85000"/>
-                  <a:lumOff val="15000"/>
-                </a:schemeClr>
-              </a:gs>
-            </a:gsLst>
-            <a:path path="circle">
-              <a:fillToRect l="100000" b="100000"/>
-            </a:path>
-          </a:gradFill>
-          <a:ln>
-            <a:noFill/>
-          </a:ln>
-        </p:spPr>
-        <p:style>
-          <a:lnRef idx="2">
-            <a:schemeClr val="accent1">
-              <a:shade val="50000"/>
-            </a:schemeClr>
-          </a:lnRef>
-          <a:fillRef idx="1">
-            <a:schemeClr val="accent1"/>
-          </a:fillRef>
-          <a:effectRef idx="0">
-            <a:schemeClr val="accent1"/>
-          </a:effectRef>
-          <a:fontRef idx="minor">
-            <a:schemeClr val="lt1"/>
-          </a:fontRef>
-        </p:style>
-        <p:txBody>
-          <a:bodyPr rtlCol="0" anchor="ctr"/>
-          <a:lstStyle/>
-          <a:p>
-            <a:pPr algn="ctr"/>
-            <a:endParaRPr lang="ko-KR" altLang="en-US"/>
-          </a:p>
-        </p:txBody>
-      </p:sp>
-      <p:sp>
-        <p:nvSpPr>
-          <p:cNvPr id="3" name="TextBox 2">
-            <a:extLst>
-              <a:ext uri="{FF2B5EF4-FFF2-40B4-BE49-F238E27FC236}">
-                <a16:creationId xmlns:a16="http://schemas.microsoft.com/office/drawing/2014/main" xmlns="" id="{988CFF69-148F-4807-9880-44F95FE3A9DC}"/>
-              </a:ext>
-            </a:extLst>
-          </p:cNvPr>
-          <p:cNvSpPr txBox="1"/>
-          <p:nvPr/>
-        </p:nvSpPr>
-        <p:spPr>
-          <a:xfrm>
-            <a:off x="546886" y="777493"/>
-            <a:ext cx="2401759" cy="2104603"/>
-          </a:xfrm>
-          <a:prstGeom prst="rect">
-            <a:avLst/>
-          </a:prstGeom>
-          <a:noFill/>
-        </p:spPr>
-        <p:txBody>
-          <a:bodyPr wrap="none" rtlCol="0">
-            <a:noAutofit/>
-          </a:bodyPr>
-          <a:lstStyle/>
-          <a:p>
-            <a:pPr>
-              <a:lnSpc>
-                <a:spcPct val="110000"/>
-              </a:lnSpc>
-            </a:pPr>
-            <a:r>
-              <a:rPr lang="ko-KR" altLang="en-US" sz="4000" spc="-300" dirty="0">
-                <a:ln>
-                  <a:solidFill>
-                    <a:schemeClr val="accent1">
-                      <a:shade val="50000"/>
-                      <a:alpha val="0"/>
-                    </a:schemeClr>
-                  </a:solidFill>
-                </a:ln>
-                <a:solidFill>
-                  <a:schemeClr val="bg1"/>
-                </a:solidFill>
-                <a:latin typeface="SpoqaHanSans-Bold" panose="020B0800000000000000" pitchFamily="50" charset="-127"/>
-                <a:ea typeface="SpoqaHanSans-Bold" panose="020B0800000000000000" pitchFamily="50" charset="-127"/>
-              </a:rPr>
-              <a:t>선정 이유</a:t>
-            </a:r>
-          </a:p>
-        </p:txBody>
-      </p:sp>
-      <p:sp>
-        <p:nvSpPr>
-          <p:cNvPr id="4" name="TextBox 3">
-            <a:extLst>
-              <a:ext uri="{FF2B5EF4-FFF2-40B4-BE49-F238E27FC236}">
-                <a16:creationId xmlns:a16="http://schemas.microsoft.com/office/drawing/2014/main" xmlns="" id="{392523DE-E429-4729-B40E-C98AD1714AC6}"/>
-              </a:ext>
-            </a:extLst>
-          </p:cNvPr>
-          <p:cNvSpPr txBox="1"/>
-          <p:nvPr/>
-        </p:nvSpPr>
-        <p:spPr>
-          <a:xfrm>
-            <a:off x="551966" y="1434583"/>
-            <a:ext cx="2540655" cy="323097"/>
-          </a:xfrm>
-          <a:prstGeom prst="rect">
-            <a:avLst/>
-          </a:prstGeom>
-          <a:noFill/>
-        </p:spPr>
-        <p:txBody>
-          <a:bodyPr wrap="none" lIns="91440" tIns="45720" rIns="91440" bIns="45720" rtlCol="0" anchor="t">
-            <a:noAutofit/>
-          </a:bodyPr>
-          <a:lstStyle/>
-          <a:p>
-            <a:pPr>
-              <a:lnSpc>
-                <a:spcPct val="110000"/>
-              </a:lnSpc>
-            </a:pPr>
-            <a:endParaRPr lang="en-US" altLang="ko-KR" spc="-100" dirty="0">
-              <a:ln>
-                <a:solidFill>
-                  <a:srgbClr val="4472C4">
-                    <a:shade val="50000"/>
-                    <a:alpha val="0"/>
-                  </a:srgbClr>
-                </a:solidFill>
-              </a:ln>
-              <a:solidFill>
-                <a:schemeClr val="bg1"/>
-              </a:solidFill>
-              <a:latin typeface="SpoqaHanSans-Light" panose="020B0300000000000000" pitchFamily="50" charset="-127"/>
-              <a:ea typeface="SpoqaHanSans-Light" panose="020B0300000000000000" pitchFamily="50" charset="-127"/>
-            </a:endParaRPr>
-          </a:p>
-          <a:p>
-            <a:pPr>
-              <a:lnSpc>
-                <a:spcPct val="110000"/>
-              </a:lnSpc>
-            </a:pPr>
-            <a:endParaRPr lang="ko-KR" altLang="en-US" spc="-100" dirty="0">
-              <a:ln>
-                <a:solidFill>
-                  <a:schemeClr val="accent1">
-                    <a:shade val="50000"/>
-                    <a:alpha val="0"/>
-                  </a:schemeClr>
-                </a:solidFill>
-              </a:ln>
-              <a:solidFill>
-                <a:schemeClr val="bg1"/>
-              </a:solidFill>
-              <a:latin typeface="SpoqaHanSans-Light" panose="020B0300000000000000" pitchFamily="50" charset="-127"/>
-              <a:ea typeface="SpoqaHanSans-Light" panose="020B0300000000000000" pitchFamily="50" charset="-127"/>
-            </a:endParaRPr>
-          </a:p>
-        </p:txBody>
-      </p:sp>
-      <p:grpSp>
-        <p:nvGrpSpPr>
-          <p:cNvPr id="11" name="그룹 11">
-            <a:extLst>
-              <a:ext uri="{FF2B5EF4-FFF2-40B4-BE49-F238E27FC236}">
-                <a16:creationId xmlns:a16="http://schemas.microsoft.com/office/drawing/2014/main" xmlns="" id="{3C4EB2F0-389E-44FF-AA24-37B6C9B4DC76}"/>
-              </a:ext>
-            </a:extLst>
-          </p:cNvPr>
-          <p:cNvGrpSpPr/>
-          <p:nvPr/>
-        </p:nvGrpSpPr>
-        <p:grpSpPr>
-          <a:xfrm>
-            <a:off x="4672349" y="777493"/>
-            <a:ext cx="4911489" cy="1329099"/>
-            <a:chOff x="4602901" y="777493"/>
-            <a:chExt cx="4911489" cy="1329099"/>
-          </a:xfrm>
-        </p:grpSpPr>
-        <p:sp>
-          <p:nvSpPr>
-            <p:cNvPr id="5" name="TextBox 4">
-              <a:extLst>
-                <a:ext uri="{FF2B5EF4-FFF2-40B4-BE49-F238E27FC236}">
-                  <a16:creationId xmlns:a16="http://schemas.microsoft.com/office/drawing/2014/main" xmlns="" id="{AF3AF097-9362-4F73-9EAD-0944B4D4BA4F}"/>
-                </a:ext>
-              </a:extLst>
-            </p:cNvPr>
-            <p:cNvSpPr txBox="1"/>
-            <p:nvPr/>
-          </p:nvSpPr>
-          <p:spPr>
-            <a:xfrm>
-              <a:off x="4602901" y="777493"/>
-              <a:ext cx="4726293" cy="838174"/>
-            </a:xfrm>
-            <a:prstGeom prst="rect">
-              <a:avLst/>
-            </a:prstGeom>
-            <a:noFill/>
-          </p:spPr>
-          <p:txBody>
-            <a:bodyPr wrap="none" rtlCol="0" anchor="t">
-              <a:noAutofit/>
-            </a:bodyPr>
-            <a:lstStyle/>
-            <a:p>
-              <a:pPr>
-                <a:lnSpc>
-                  <a:spcPct val="110000"/>
-                </a:lnSpc>
-              </a:pPr>
-              <a:r>
-                <a:rPr lang="en-US" altLang="ko-KR" sz="2500" spc="-200" dirty="0">
-                  <a:ln>
-                    <a:solidFill>
-                      <a:schemeClr val="accent1">
-                        <a:shade val="50000"/>
-                        <a:alpha val="0"/>
-                      </a:schemeClr>
-                    </a:solidFill>
-                  </a:ln>
-                  <a:solidFill>
-                    <a:schemeClr val="tx1">
-                      <a:lumMod val="75000"/>
-                      <a:lumOff val="25000"/>
-                    </a:schemeClr>
-                  </a:solidFill>
-                  <a:latin typeface="Spoqa Han Sans Neo Medium" pitchFamily="2" charset="0"/>
-                  <a:ea typeface="Spoqa Han Sans Neo Medium" pitchFamily="2" charset="0"/>
-                </a:rPr>
-                <a:t>COVID – 19 </a:t>
-              </a:r>
-              <a:r>
-                <a:rPr lang="ko-KR" altLang="en-US" sz="2500" spc="-200" dirty="0">
-                  <a:ln>
-                    <a:solidFill>
-                      <a:schemeClr val="accent1">
-                        <a:shade val="50000"/>
-                        <a:alpha val="0"/>
-                      </a:schemeClr>
-                    </a:solidFill>
-                  </a:ln>
-                  <a:solidFill>
-                    <a:schemeClr val="tx1">
-                      <a:lumMod val="75000"/>
-                      <a:lumOff val="25000"/>
-                    </a:schemeClr>
-                  </a:solidFill>
-                  <a:latin typeface="Spoqa Han Sans Neo Medium" pitchFamily="2" charset="0"/>
-                  <a:ea typeface="Spoqa Han Sans Neo Medium" pitchFamily="2" charset="0"/>
-                </a:rPr>
-                <a:t>로 집에 있는 시간이 많아져</a:t>
-              </a:r>
-              <a:r>
-                <a:rPr lang="en-US" altLang="ko-KR" sz="2500" spc="-200" dirty="0">
-                  <a:ln>
-                    <a:solidFill>
-                      <a:schemeClr val="accent1">
-                        <a:shade val="50000"/>
-                        <a:alpha val="0"/>
-                      </a:schemeClr>
-                    </a:solidFill>
-                  </a:ln>
-                  <a:solidFill>
-                    <a:schemeClr val="tx1">
-                      <a:lumMod val="75000"/>
-                      <a:lumOff val="25000"/>
-                    </a:schemeClr>
-                  </a:solidFill>
-                  <a:latin typeface="Spoqa Han Sans Neo Medium" pitchFamily="2" charset="0"/>
-                  <a:ea typeface="Spoqa Han Sans Neo Medium" pitchFamily="2" charset="0"/>
-                </a:rPr>
-                <a:t> </a:t>
-              </a:r>
-              <a:r>
-                <a:rPr lang="ko-KR" altLang="en-US" sz="2500" spc="-200" dirty="0">
-                  <a:ln>
-                    <a:solidFill>
-                      <a:schemeClr val="accent1">
-                        <a:shade val="50000"/>
-                        <a:alpha val="0"/>
-                      </a:schemeClr>
-                    </a:solidFill>
-                  </a:ln>
-                  <a:solidFill>
-                    <a:schemeClr val="tx1">
-                      <a:lumMod val="75000"/>
-                      <a:lumOff val="25000"/>
-                    </a:schemeClr>
-                  </a:solidFill>
-                  <a:latin typeface="Spoqa Han Sans Neo Medium" pitchFamily="2" charset="0"/>
-                  <a:ea typeface="Spoqa Han Sans Neo Medium" pitchFamily="2" charset="0"/>
-                </a:rPr>
-                <a:t>대면 강의보다 </a:t>
-              </a:r>
-              <a:endParaRPr lang="en-US" altLang="ko-KR" sz="2500" spc="-200" dirty="0">
-                <a:ln>
-                  <a:solidFill>
-                    <a:schemeClr val="accent1">
-                      <a:shade val="50000"/>
-                      <a:alpha val="0"/>
-                    </a:schemeClr>
-                  </a:solidFill>
-                </a:ln>
-                <a:solidFill>
-                  <a:schemeClr val="tx1">
-                    <a:lumMod val="75000"/>
-                    <a:lumOff val="25000"/>
-                  </a:schemeClr>
-                </a:solidFill>
-                <a:latin typeface="Spoqa Han Sans Neo Medium" pitchFamily="2" charset="0"/>
-                <a:ea typeface="Spoqa Han Sans Neo Medium" pitchFamily="2" charset="0"/>
-              </a:endParaRPr>
-            </a:p>
-            <a:p>
-              <a:pPr>
-                <a:lnSpc>
-                  <a:spcPct val="110000"/>
-                </a:lnSpc>
-              </a:pPr>
-              <a:r>
-                <a:rPr lang="ko-KR" altLang="en-US" sz="2500" spc="-200" dirty="0">
-                  <a:ln>
-                    <a:solidFill>
-                      <a:schemeClr val="accent1">
-                        <a:shade val="50000"/>
-                        <a:alpha val="0"/>
-                      </a:schemeClr>
-                    </a:solidFill>
-                  </a:ln>
-                  <a:solidFill>
-                    <a:schemeClr val="tx1">
-                      <a:lumMod val="75000"/>
-                      <a:lumOff val="25000"/>
-                    </a:schemeClr>
-                  </a:solidFill>
-                  <a:latin typeface="Spoqa Han Sans Neo Medium" pitchFamily="2" charset="0"/>
-                  <a:ea typeface="Spoqa Han Sans Neo Medium" pitchFamily="2" charset="0"/>
-                </a:rPr>
-                <a:t>온라인 강의가</a:t>
-              </a:r>
-              <a:r>
-                <a:rPr lang="en-US" altLang="ko-KR" sz="2500" spc="-200" dirty="0">
-                  <a:ln>
-                    <a:solidFill>
-                      <a:schemeClr val="accent1">
-                        <a:shade val="50000"/>
-                        <a:alpha val="0"/>
-                      </a:schemeClr>
-                    </a:solidFill>
-                  </a:ln>
-                  <a:solidFill>
-                    <a:schemeClr val="tx1">
-                      <a:lumMod val="75000"/>
-                      <a:lumOff val="25000"/>
-                    </a:schemeClr>
-                  </a:solidFill>
-                  <a:latin typeface="Spoqa Han Sans Neo Medium" pitchFamily="2" charset="0"/>
-                  <a:ea typeface="Spoqa Han Sans Neo Medium" pitchFamily="2" charset="0"/>
-                </a:rPr>
-                <a:t> </a:t>
-              </a:r>
-              <a:r>
-                <a:rPr lang="ko-KR" altLang="en-US" sz="2500" spc="-200" dirty="0">
-                  <a:ln>
-                    <a:solidFill>
-                      <a:schemeClr val="accent1">
-                        <a:shade val="50000"/>
-                        <a:alpha val="0"/>
-                      </a:schemeClr>
-                    </a:solidFill>
-                  </a:ln>
-                  <a:solidFill>
-                    <a:schemeClr val="tx1">
-                      <a:lumMod val="75000"/>
-                      <a:lumOff val="25000"/>
-                    </a:schemeClr>
-                  </a:solidFill>
-                  <a:latin typeface="Spoqa Han Sans Neo Medium" pitchFamily="2" charset="0"/>
-                  <a:ea typeface="Spoqa Han Sans Neo Medium" pitchFamily="2" charset="0"/>
-                </a:rPr>
-                <a:t>늘었음</a:t>
-              </a:r>
-            </a:p>
-          </p:txBody>
-        </p:sp>
-        <p:sp>
-          <p:nvSpPr>
-            <p:cNvPr id="6" name="TextBox 5">
-              <a:extLst>
-                <a:ext uri="{FF2B5EF4-FFF2-40B4-BE49-F238E27FC236}">
-                  <a16:creationId xmlns:a16="http://schemas.microsoft.com/office/drawing/2014/main" xmlns="" id="{8BE155AA-8194-49BE-BC6B-06787A92C3A5}"/>
-                </a:ext>
-              </a:extLst>
-            </p:cNvPr>
-            <p:cNvSpPr txBox="1"/>
-            <p:nvPr/>
-          </p:nvSpPr>
-          <p:spPr>
-            <a:xfrm>
-              <a:off x="4602901" y="1709258"/>
-              <a:ext cx="4911489" cy="397334"/>
-            </a:xfrm>
-            <a:prstGeom prst="rect">
-              <a:avLst/>
-            </a:prstGeom>
-            <a:noFill/>
-          </p:spPr>
-          <p:txBody>
-            <a:bodyPr wrap="none" rtlCol="0" anchor="t">
-              <a:noAutofit/>
-            </a:bodyPr>
-            <a:lstStyle/>
-            <a:p>
-              <a:pPr>
-                <a:lnSpc>
-                  <a:spcPct val="110000"/>
-                </a:lnSpc>
-              </a:pPr>
-              <a:r>
-                <a:rPr lang="ko-KR" altLang="en-US" spc="-100" dirty="0" err="1">
-                  <a:ln>
-                    <a:solidFill>
-                      <a:schemeClr val="accent1">
-                        <a:shade val="50000"/>
-                        <a:alpha val="0"/>
-                      </a:schemeClr>
-                    </a:solidFill>
-                  </a:ln>
-                  <a:solidFill>
-                    <a:schemeClr val="tx1">
-                      <a:lumMod val="75000"/>
-                      <a:lumOff val="25000"/>
-                    </a:schemeClr>
-                  </a:solidFill>
-                  <a:latin typeface="SpoqaHanSans-Light" panose="020B0300000000000000" pitchFamily="50" charset="-127"/>
-                  <a:ea typeface="SpoqaHanSans-Light" panose="020B0300000000000000" pitchFamily="50" charset="-127"/>
-                </a:rPr>
-                <a:t>모바일보다</a:t>
-              </a:r>
-              <a:r>
-                <a:rPr lang="ko-KR" altLang="en-US" spc="-100" dirty="0">
-                  <a:ln>
-                    <a:solidFill>
-                      <a:schemeClr val="accent1">
-                        <a:shade val="50000"/>
-                        <a:alpha val="0"/>
-                      </a:schemeClr>
-                    </a:solidFill>
-                  </a:ln>
-                  <a:solidFill>
-                    <a:schemeClr val="tx1">
-                      <a:lumMod val="75000"/>
-                      <a:lumOff val="25000"/>
-                    </a:schemeClr>
-                  </a:solidFill>
-                  <a:latin typeface="SpoqaHanSans-Light" panose="020B0300000000000000" pitchFamily="50" charset="-127"/>
-                  <a:ea typeface="SpoqaHanSans-Light" panose="020B0300000000000000" pitchFamily="50" charset="-127"/>
-                </a:rPr>
-                <a:t> </a:t>
-              </a:r>
-              <a:r>
-                <a:rPr lang="en-US" altLang="ko-KR" spc="-100" dirty="0">
-                  <a:ln>
-                    <a:solidFill>
-                      <a:schemeClr val="accent1">
-                        <a:shade val="50000"/>
-                        <a:alpha val="0"/>
-                      </a:schemeClr>
-                    </a:solidFill>
-                  </a:ln>
-                  <a:solidFill>
-                    <a:schemeClr val="tx1">
-                      <a:lumMod val="75000"/>
-                      <a:lumOff val="25000"/>
-                    </a:schemeClr>
-                  </a:solidFill>
-                  <a:latin typeface="SpoqaHanSans-Light" panose="020B0300000000000000" pitchFamily="50" charset="-127"/>
-                  <a:ea typeface="SpoqaHanSans-Light" panose="020B0300000000000000" pitchFamily="50" charset="-127"/>
-                </a:rPr>
-                <a:t>PC </a:t>
-              </a:r>
-              <a:r>
-                <a:rPr lang="ko-KR" altLang="en-US" spc="-100" dirty="0">
-                  <a:ln>
-                    <a:solidFill>
-                      <a:schemeClr val="accent1">
-                        <a:shade val="50000"/>
-                        <a:alpha val="0"/>
-                      </a:schemeClr>
-                    </a:solidFill>
-                  </a:ln>
-                  <a:solidFill>
-                    <a:schemeClr val="tx1">
-                      <a:lumMod val="75000"/>
-                      <a:lumOff val="25000"/>
-                    </a:schemeClr>
-                  </a:solidFill>
-                  <a:latin typeface="SpoqaHanSans-Light" panose="020B0300000000000000" pitchFamily="50" charset="-127"/>
-                  <a:ea typeface="SpoqaHanSans-Light" panose="020B0300000000000000" pitchFamily="50" charset="-127"/>
-                </a:rPr>
-                <a:t>를 많이 사용하게 됨</a:t>
-              </a:r>
-            </a:p>
-          </p:txBody>
-        </p:sp>
-      </p:grpSp>
-      <p:grpSp>
-        <p:nvGrpSpPr>
-          <p:cNvPr id="12" name="그룹 10">
-            <a:extLst>
-              <a:ext uri="{FF2B5EF4-FFF2-40B4-BE49-F238E27FC236}">
-                <a16:creationId xmlns:a16="http://schemas.microsoft.com/office/drawing/2014/main" xmlns="" id="{47838B9D-01CB-4D32-80E7-D56CEB22CE13}"/>
-              </a:ext>
-            </a:extLst>
-          </p:cNvPr>
-          <p:cNvGrpSpPr/>
-          <p:nvPr/>
-        </p:nvGrpSpPr>
-        <p:grpSpPr>
-          <a:xfrm>
-            <a:off x="4667269" y="2704825"/>
-            <a:ext cx="4911489" cy="1329099"/>
-            <a:chOff x="4602901" y="2463009"/>
-            <a:chExt cx="4911489" cy="1329099"/>
-          </a:xfrm>
-        </p:grpSpPr>
-        <p:sp>
-          <p:nvSpPr>
-            <p:cNvPr id="7" name="TextBox 6">
-              <a:extLst>
-                <a:ext uri="{FF2B5EF4-FFF2-40B4-BE49-F238E27FC236}">
-                  <a16:creationId xmlns:a16="http://schemas.microsoft.com/office/drawing/2014/main" xmlns="" id="{60D79912-AF9F-4A6C-8ADA-DA2A138A4E78}"/>
-                </a:ext>
-              </a:extLst>
-            </p:cNvPr>
-            <p:cNvSpPr txBox="1"/>
-            <p:nvPr/>
-          </p:nvSpPr>
-          <p:spPr>
-            <a:xfrm>
-              <a:off x="4602901" y="2463009"/>
-              <a:ext cx="4726293" cy="838174"/>
-            </a:xfrm>
-            <a:prstGeom prst="rect">
-              <a:avLst/>
-            </a:prstGeom>
-            <a:noFill/>
-          </p:spPr>
-          <p:txBody>
-            <a:bodyPr wrap="none" rtlCol="0" anchor="t">
-              <a:noAutofit/>
-            </a:bodyPr>
-            <a:lstStyle/>
-            <a:p>
-              <a:pPr>
-                <a:lnSpc>
-                  <a:spcPct val="110000"/>
-                </a:lnSpc>
-              </a:pPr>
-              <a:r>
-                <a:rPr lang="ko-KR" altLang="en-US" sz="2500" spc="-200" dirty="0">
-                  <a:ln>
-                    <a:solidFill>
-                      <a:schemeClr val="accent1">
-                        <a:shade val="50000"/>
-                        <a:alpha val="0"/>
-                      </a:schemeClr>
-                    </a:solidFill>
-                  </a:ln>
-                  <a:solidFill>
-                    <a:schemeClr val="tx1">
-                      <a:lumMod val="75000"/>
-                      <a:lumOff val="25000"/>
-                    </a:schemeClr>
-                  </a:solidFill>
-                  <a:latin typeface="Spoqa Han Sans Neo Medium" pitchFamily="2" charset="0"/>
-                  <a:ea typeface="Spoqa Han Sans Neo Medium" pitchFamily="2" charset="0"/>
-                </a:rPr>
-                <a:t>온라인 강의는 이전보다 증가하였으나</a:t>
-              </a:r>
-              <a:r>
-                <a:rPr lang="en-US" altLang="ko-KR" sz="2500" spc="-200" dirty="0">
-                  <a:ln>
-                    <a:solidFill>
-                      <a:schemeClr val="accent1">
-                        <a:shade val="50000"/>
-                        <a:alpha val="0"/>
-                      </a:schemeClr>
-                    </a:solidFill>
-                  </a:ln>
-                  <a:solidFill>
-                    <a:schemeClr val="tx1">
-                      <a:lumMod val="75000"/>
-                      <a:lumOff val="25000"/>
-                    </a:schemeClr>
-                  </a:solidFill>
-                  <a:latin typeface="Spoqa Han Sans Neo Medium" pitchFamily="2" charset="0"/>
-                  <a:ea typeface="Spoqa Han Sans Neo Medium" pitchFamily="2" charset="0"/>
-                </a:rPr>
-                <a:t>, </a:t>
-              </a:r>
-              <a:r>
-                <a:rPr lang="ko-KR" altLang="en-US" sz="2500" spc="-200" dirty="0">
-                  <a:ln>
-                    <a:solidFill>
-                      <a:schemeClr val="accent1">
-                        <a:shade val="50000"/>
-                        <a:alpha val="0"/>
-                      </a:schemeClr>
-                    </a:solidFill>
-                  </a:ln>
-                  <a:solidFill>
-                    <a:schemeClr val="tx1">
-                      <a:lumMod val="75000"/>
-                      <a:lumOff val="25000"/>
-                    </a:schemeClr>
-                  </a:solidFill>
-                  <a:latin typeface="Spoqa Han Sans Neo Medium" pitchFamily="2" charset="0"/>
-                  <a:ea typeface="Spoqa Han Sans Neo Medium" pitchFamily="2" charset="0"/>
-                </a:rPr>
-                <a:t>블랙보드의</a:t>
-              </a:r>
-              <a:endParaRPr lang="en-US" altLang="ko-KR" sz="2500" spc="-200" dirty="0">
-                <a:ln>
-                  <a:solidFill>
-                    <a:schemeClr val="accent1">
-                      <a:shade val="50000"/>
-                      <a:alpha val="0"/>
-                    </a:schemeClr>
-                  </a:solidFill>
-                </a:ln>
-                <a:solidFill>
-                  <a:schemeClr val="tx1">
-                    <a:lumMod val="75000"/>
-                    <a:lumOff val="25000"/>
-                  </a:schemeClr>
-                </a:solidFill>
-                <a:latin typeface="Spoqa Han Sans Neo Medium" pitchFamily="2" charset="0"/>
-                <a:ea typeface="Spoqa Han Sans Neo Medium" pitchFamily="2" charset="0"/>
-              </a:endParaRPr>
-            </a:p>
-            <a:p>
-              <a:pPr>
-                <a:lnSpc>
-                  <a:spcPct val="110000"/>
-                </a:lnSpc>
-              </a:pPr>
-              <a:r>
-                <a:rPr lang="ko-KR" altLang="en-US" sz="2500" spc="-200" dirty="0">
-                  <a:ln>
-                    <a:solidFill>
-                      <a:schemeClr val="accent1">
-                        <a:shade val="50000"/>
-                        <a:alpha val="0"/>
-                      </a:schemeClr>
-                    </a:solidFill>
-                  </a:ln>
-                  <a:solidFill>
-                    <a:schemeClr val="tx1">
-                      <a:lumMod val="75000"/>
-                      <a:lumOff val="25000"/>
-                    </a:schemeClr>
-                  </a:solidFill>
-                  <a:latin typeface="Spoqa Han Sans Neo Medium" pitchFamily="2" charset="0"/>
-                  <a:ea typeface="Spoqa Han Sans Neo Medium" pitchFamily="2" charset="0"/>
-                </a:rPr>
-                <a:t>시스템은 예전과 그대로임</a:t>
-              </a:r>
-            </a:p>
-          </p:txBody>
-        </p:sp>
-        <p:sp>
-          <p:nvSpPr>
-            <p:cNvPr id="8" name="TextBox 7">
-              <a:extLst>
-                <a:ext uri="{FF2B5EF4-FFF2-40B4-BE49-F238E27FC236}">
-                  <a16:creationId xmlns:a16="http://schemas.microsoft.com/office/drawing/2014/main" xmlns="" id="{7820947D-ACAF-4042-931F-296B77339F23}"/>
-                </a:ext>
-              </a:extLst>
-            </p:cNvPr>
-            <p:cNvSpPr txBox="1"/>
-            <p:nvPr/>
-          </p:nvSpPr>
-          <p:spPr>
-            <a:xfrm>
-              <a:off x="4602901" y="3394774"/>
-              <a:ext cx="4911489" cy="397334"/>
-            </a:xfrm>
-            <a:prstGeom prst="rect">
-              <a:avLst/>
-            </a:prstGeom>
-            <a:noFill/>
-          </p:spPr>
-          <p:txBody>
-            <a:bodyPr wrap="none" rtlCol="0" anchor="t">
-              <a:noAutofit/>
-            </a:bodyPr>
-            <a:lstStyle/>
-            <a:p>
-              <a:pPr>
-                <a:lnSpc>
-                  <a:spcPct val="110000"/>
-                </a:lnSpc>
-              </a:pPr>
-              <a:r>
-                <a:rPr lang="ko-KR" altLang="en-US" spc="-100" dirty="0">
-                  <a:ln>
-                    <a:solidFill>
-                      <a:schemeClr val="accent1">
-                        <a:shade val="50000"/>
-                        <a:alpha val="0"/>
-                      </a:schemeClr>
-                    </a:solidFill>
-                  </a:ln>
-                  <a:solidFill>
-                    <a:schemeClr val="tx1">
-                      <a:lumMod val="75000"/>
-                      <a:lumOff val="25000"/>
-                    </a:schemeClr>
-                  </a:solidFill>
-                  <a:latin typeface="SpoqaHanSans-Light" panose="020B0300000000000000" pitchFamily="50" charset="-127"/>
-                  <a:ea typeface="SpoqaHanSans-Light" panose="020B0300000000000000" pitchFamily="50" charset="-127"/>
-                </a:rPr>
-                <a:t>블랙보드 캘린더를 이용해</a:t>
-              </a:r>
-              <a:r>
-                <a:rPr lang="en-US" altLang="ko-KR" spc="-100" dirty="0">
-                  <a:ln>
-                    <a:solidFill>
-                      <a:schemeClr val="accent1">
-                        <a:shade val="50000"/>
-                        <a:alpha val="0"/>
-                      </a:schemeClr>
-                    </a:solidFill>
-                  </a:ln>
-                  <a:solidFill>
-                    <a:schemeClr val="tx1">
-                      <a:lumMod val="75000"/>
-                      <a:lumOff val="25000"/>
-                    </a:schemeClr>
-                  </a:solidFill>
-                  <a:latin typeface="SpoqaHanSans-Light" panose="020B0300000000000000" pitchFamily="50" charset="-127"/>
-                  <a:ea typeface="SpoqaHanSans-Light" panose="020B0300000000000000" pitchFamily="50" charset="-127"/>
-                </a:rPr>
-                <a:t>, </a:t>
-              </a:r>
-              <a:r>
-                <a:rPr lang="ko-KR" altLang="en-US" spc="-100" dirty="0">
-                  <a:ln>
-                    <a:solidFill>
-                      <a:schemeClr val="accent1">
-                        <a:shade val="50000"/>
-                        <a:alpha val="0"/>
-                      </a:schemeClr>
-                    </a:solidFill>
-                  </a:ln>
-                  <a:solidFill>
-                    <a:schemeClr val="tx1">
-                      <a:lumMod val="75000"/>
-                      <a:lumOff val="25000"/>
-                    </a:schemeClr>
-                  </a:solidFill>
-                  <a:latin typeface="SpoqaHanSans-Light" panose="020B0300000000000000" pitchFamily="50" charset="-127"/>
-                  <a:ea typeface="SpoqaHanSans-Light" panose="020B0300000000000000" pitchFamily="50" charset="-127"/>
-                </a:rPr>
-                <a:t>전반적인 일정관리가 어려움</a:t>
-              </a:r>
-            </a:p>
-          </p:txBody>
-        </p:sp>
-      </p:grpSp>
-      <p:grpSp>
-        <p:nvGrpSpPr>
-          <p:cNvPr id="13" name="그룹 12">
-            <a:extLst>
-              <a:ext uri="{FF2B5EF4-FFF2-40B4-BE49-F238E27FC236}">
-                <a16:creationId xmlns:a16="http://schemas.microsoft.com/office/drawing/2014/main" xmlns="" id="{99ACA6B8-E117-4FB4-926D-0139DCB2ADB9}"/>
-              </a:ext>
-            </a:extLst>
-          </p:cNvPr>
-          <p:cNvGrpSpPr/>
-          <p:nvPr/>
-        </p:nvGrpSpPr>
-        <p:grpSpPr>
-          <a:xfrm>
-            <a:off x="4672349" y="4682956"/>
-            <a:ext cx="4911489" cy="1329099"/>
-            <a:chOff x="4602901" y="4242116"/>
-            <a:chExt cx="4911489" cy="1329099"/>
-          </a:xfrm>
-        </p:grpSpPr>
-        <p:sp>
-          <p:nvSpPr>
-            <p:cNvPr id="9" name="TextBox 8">
-              <a:extLst>
-                <a:ext uri="{FF2B5EF4-FFF2-40B4-BE49-F238E27FC236}">
-                  <a16:creationId xmlns:a16="http://schemas.microsoft.com/office/drawing/2014/main" xmlns="" id="{801F9362-5707-46BA-A63A-3EFFE07379DF}"/>
-                </a:ext>
-              </a:extLst>
-            </p:cNvPr>
-            <p:cNvSpPr txBox="1"/>
-            <p:nvPr/>
-          </p:nvSpPr>
-          <p:spPr>
-            <a:xfrm>
-              <a:off x="4602901" y="4242116"/>
-              <a:ext cx="4726293" cy="838174"/>
-            </a:xfrm>
-            <a:prstGeom prst="rect">
-              <a:avLst/>
-            </a:prstGeom>
-            <a:noFill/>
-          </p:spPr>
-          <p:txBody>
-            <a:bodyPr wrap="none" rtlCol="0" anchor="t">
-              <a:noAutofit/>
-            </a:bodyPr>
-            <a:lstStyle/>
-            <a:p>
-              <a:pPr>
-                <a:lnSpc>
-                  <a:spcPct val="110000"/>
-                </a:lnSpc>
-              </a:pPr>
-              <a:r>
-                <a:rPr lang="ko-KR" altLang="en-US" sz="2500" spc="-200" dirty="0">
-                  <a:ln>
-                    <a:solidFill>
-                      <a:schemeClr val="accent1">
-                        <a:shade val="50000"/>
-                        <a:alpha val="0"/>
-                      </a:schemeClr>
-                    </a:solidFill>
-                  </a:ln>
-                  <a:solidFill>
-                    <a:schemeClr val="tx1">
-                      <a:lumMod val="75000"/>
-                      <a:lumOff val="25000"/>
-                    </a:schemeClr>
-                  </a:solidFill>
-                  <a:latin typeface="Spoqa Han Sans Neo Medium" pitchFamily="2" charset="0"/>
-                  <a:ea typeface="Spoqa Han Sans Neo Medium" pitchFamily="2" charset="0"/>
-                </a:rPr>
-                <a:t>개인일정을 관리하면서도</a:t>
-              </a:r>
-              <a:r>
-                <a:rPr lang="en-US" altLang="ko-KR" sz="2500" spc="-200" dirty="0">
-                  <a:ln>
-                    <a:solidFill>
-                      <a:schemeClr val="accent1">
-                        <a:shade val="50000"/>
-                        <a:alpha val="0"/>
-                      </a:schemeClr>
-                    </a:solidFill>
-                  </a:ln>
-                  <a:solidFill>
-                    <a:schemeClr val="tx1">
-                      <a:lumMod val="75000"/>
-                      <a:lumOff val="25000"/>
-                    </a:schemeClr>
-                  </a:solidFill>
-                  <a:latin typeface="Spoqa Han Sans Neo Medium" pitchFamily="2" charset="0"/>
-                  <a:ea typeface="Spoqa Han Sans Neo Medium" pitchFamily="2" charset="0"/>
-                </a:rPr>
-                <a:t>, </a:t>
-              </a:r>
-              <a:r>
-                <a:rPr lang="ko-KR" altLang="en-US" sz="2500" spc="-200" dirty="0">
-                  <a:ln>
-                    <a:solidFill>
-                      <a:schemeClr val="accent1">
-                        <a:shade val="50000"/>
-                        <a:alpha val="0"/>
-                      </a:schemeClr>
-                    </a:solidFill>
-                  </a:ln>
-                  <a:solidFill>
-                    <a:schemeClr val="tx1">
-                      <a:lumMod val="75000"/>
-                      <a:lumOff val="25000"/>
-                    </a:schemeClr>
-                  </a:solidFill>
-                  <a:latin typeface="Spoqa Han Sans Neo Medium" pitchFamily="2" charset="0"/>
-                  <a:ea typeface="Spoqa Han Sans Neo Medium" pitchFamily="2" charset="0"/>
-                </a:rPr>
-                <a:t>학교 일정 등이 연동되는</a:t>
-              </a:r>
-              <a:endParaRPr lang="en-US" altLang="ko-KR" sz="2500" spc="-200" dirty="0">
-                <a:ln>
-                  <a:solidFill>
-                    <a:schemeClr val="accent1">
-                      <a:shade val="50000"/>
-                      <a:alpha val="0"/>
-                    </a:schemeClr>
-                  </a:solidFill>
-                </a:ln>
-                <a:solidFill>
-                  <a:schemeClr val="tx1">
-                    <a:lumMod val="75000"/>
-                    <a:lumOff val="25000"/>
-                  </a:schemeClr>
-                </a:solidFill>
-                <a:latin typeface="Spoqa Han Sans Neo Medium" pitchFamily="2" charset="0"/>
-                <a:ea typeface="Spoqa Han Sans Neo Medium" pitchFamily="2" charset="0"/>
-              </a:endParaRPr>
-            </a:p>
-            <a:p>
-              <a:pPr>
-                <a:lnSpc>
-                  <a:spcPct val="110000"/>
-                </a:lnSpc>
-              </a:pPr>
-              <a:r>
-                <a:rPr lang="ko-KR" altLang="en-US" sz="2500" spc="-200" dirty="0">
-                  <a:ln>
-                    <a:solidFill>
-                      <a:schemeClr val="accent1">
-                        <a:shade val="50000"/>
-                        <a:alpha val="0"/>
-                      </a:schemeClr>
-                    </a:solidFill>
-                  </a:ln>
-                  <a:solidFill>
-                    <a:schemeClr val="tx1">
-                      <a:lumMod val="75000"/>
-                      <a:lumOff val="25000"/>
-                    </a:schemeClr>
-                  </a:solidFill>
-                  <a:latin typeface="Spoqa Han Sans Neo Medium" pitchFamily="2" charset="0"/>
-                  <a:ea typeface="Spoqa Han Sans Neo Medium" pitchFamily="2" charset="0"/>
-                </a:rPr>
-                <a:t>스케줄러</a:t>
-              </a:r>
-              <a:r>
-                <a:rPr lang="en-US" altLang="ko-KR" sz="2500" spc="-200" dirty="0">
-                  <a:ln>
-                    <a:solidFill>
-                      <a:schemeClr val="accent1">
-                        <a:shade val="50000"/>
-                        <a:alpha val="0"/>
-                      </a:schemeClr>
-                    </a:solidFill>
-                  </a:ln>
-                  <a:solidFill>
-                    <a:schemeClr val="tx1">
-                      <a:lumMod val="75000"/>
-                      <a:lumOff val="25000"/>
-                    </a:schemeClr>
-                  </a:solidFill>
-                  <a:latin typeface="Spoqa Han Sans Neo Medium" pitchFamily="2" charset="0"/>
-                  <a:ea typeface="Spoqa Han Sans Neo Medium" pitchFamily="2" charset="0"/>
-                </a:rPr>
-                <a:t>, </a:t>
-              </a:r>
-              <a:r>
-                <a:rPr lang="ko-KR" altLang="en-US" sz="2500" spc="-200" dirty="0" err="1">
-                  <a:ln>
-                    <a:solidFill>
-                      <a:schemeClr val="accent1">
-                        <a:shade val="50000"/>
-                        <a:alpha val="0"/>
-                      </a:schemeClr>
-                    </a:solidFill>
-                  </a:ln>
-                  <a:solidFill>
-                    <a:schemeClr val="tx1">
-                      <a:lumMod val="75000"/>
-                      <a:lumOff val="25000"/>
-                    </a:schemeClr>
-                  </a:solidFill>
-                  <a:latin typeface="Spoqa Han Sans Neo Medium" pitchFamily="2" charset="0"/>
-                  <a:ea typeface="Spoqa Han Sans Neo Medium" pitchFamily="2" charset="0"/>
-                </a:rPr>
-                <a:t>플래너가</a:t>
-              </a:r>
-              <a:r>
-                <a:rPr lang="ko-KR" altLang="en-US" sz="2500" spc="-200" dirty="0">
-                  <a:ln>
-                    <a:solidFill>
-                      <a:schemeClr val="accent1">
-                        <a:shade val="50000"/>
-                        <a:alpha val="0"/>
-                      </a:schemeClr>
-                    </a:solidFill>
-                  </a:ln>
-                  <a:solidFill>
-                    <a:schemeClr val="tx1">
-                      <a:lumMod val="75000"/>
-                      <a:lumOff val="25000"/>
-                    </a:schemeClr>
-                  </a:solidFill>
-                  <a:latin typeface="Spoqa Han Sans Neo Medium" pitchFamily="2" charset="0"/>
-                  <a:ea typeface="Spoqa Han Sans Neo Medium" pitchFamily="2" charset="0"/>
-                </a:rPr>
-                <a:t> 필요함 </a:t>
-              </a:r>
-            </a:p>
-          </p:txBody>
-        </p:sp>
-        <p:sp>
-          <p:nvSpPr>
-            <p:cNvPr id="10" name="TextBox 9">
-              <a:extLst>
-                <a:ext uri="{FF2B5EF4-FFF2-40B4-BE49-F238E27FC236}">
-                  <a16:creationId xmlns:a16="http://schemas.microsoft.com/office/drawing/2014/main" xmlns="" id="{5AD557C9-0EEB-46CC-BFCD-F4E84813A48B}"/>
-                </a:ext>
-              </a:extLst>
-            </p:cNvPr>
-            <p:cNvSpPr txBox="1"/>
-            <p:nvPr/>
-          </p:nvSpPr>
-          <p:spPr>
-            <a:xfrm>
-              <a:off x="4602901" y="5173881"/>
-              <a:ext cx="4911489" cy="397334"/>
-            </a:xfrm>
-            <a:prstGeom prst="rect">
-              <a:avLst/>
-            </a:prstGeom>
-            <a:noFill/>
-          </p:spPr>
-          <p:txBody>
-            <a:bodyPr wrap="none" rtlCol="0" anchor="t">
-              <a:noAutofit/>
-            </a:bodyPr>
-            <a:lstStyle/>
-            <a:p>
-              <a:pPr>
-                <a:lnSpc>
-                  <a:spcPct val="110000"/>
-                </a:lnSpc>
-              </a:pPr>
-              <a:r>
-                <a:rPr lang="ko-KR" altLang="en-US" spc="-100" dirty="0">
-                  <a:ln>
-                    <a:solidFill>
-                      <a:schemeClr val="accent1">
-                        <a:shade val="50000"/>
-                        <a:alpha val="0"/>
-                      </a:schemeClr>
-                    </a:solidFill>
-                  </a:ln>
-                  <a:solidFill>
-                    <a:schemeClr val="tx1">
-                      <a:lumMod val="75000"/>
-                      <a:lumOff val="25000"/>
-                    </a:schemeClr>
-                  </a:solidFill>
-                  <a:latin typeface="SpoqaHanSans-Light" panose="020B0300000000000000" pitchFamily="50" charset="-127"/>
-                  <a:ea typeface="SpoqaHanSans-Light" panose="020B0300000000000000" pitchFamily="50" charset="-127"/>
-                </a:rPr>
-                <a:t>학교 일정과</a:t>
-              </a:r>
-              <a:r>
-                <a:rPr lang="en-US" altLang="ko-KR" spc="-100" dirty="0">
-                  <a:ln>
-                    <a:solidFill>
-                      <a:schemeClr val="accent1">
-                        <a:shade val="50000"/>
-                        <a:alpha val="0"/>
-                      </a:schemeClr>
-                    </a:solidFill>
-                  </a:ln>
-                  <a:solidFill>
-                    <a:schemeClr val="tx1">
-                      <a:lumMod val="75000"/>
-                      <a:lumOff val="25000"/>
-                    </a:schemeClr>
-                  </a:solidFill>
-                  <a:latin typeface="SpoqaHanSans-Light" panose="020B0300000000000000" pitchFamily="50" charset="-127"/>
-                  <a:ea typeface="SpoqaHanSans-Light" panose="020B0300000000000000" pitchFamily="50" charset="-127"/>
-                </a:rPr>
-                <a:t>, </a:t>
-              </a:r>
-              <a:r>
-                <a:rPr lang="ko-KR" altLang="en-US" spc="-100" dirty="0">
-                  <a:ln>
-                    <a:solidFill>
-                      <a:schemeClr val="accent1">
-                        <a:shade val="50000"/>
-                        <a:alpha val="0"/>
-                      </a:schemeClr>
-                    </a:solidFill>
-                  </a:ln>
-                  <a:solidFill>
-                    <a:schemeClr val="tx1">
-                      <a:lumMod val="75000"/>
-                      <a:lumOff val="25000"/>
-                    </a:schemeClr>
-                  </a:solidFill>
-                  <a:latin typeface="SpoqaHanSans-Light" panose="020B0300000000000000" pitchFamily="50" charset="-127"/>
-                  <a:ea typeface="SpoqaHanSans-Light" panose="020B0300000000000000" pitchFamily="50" charset="-127"/>
-                </a:rPr>
-                <a:t>블랙보드가 연동이 된다면</a:t>
-              </a:r>
-              <a:r>
-                <a:rPr lang="en-US" altLang="ko-KR" spc="-100" dirty="0">
-                  <a:ln>
-                    <a:solidFill>
-                      <a:schemeClr val="accent1">
-                        <a:shade val="50000"/>
-                        <a:alpha val="0"/>
-                      </a:schemeClr>
-                    </a:solidFill>
-                  </a:ln>
-                  <a:solidFill>
-                    <a:schemeClr val="tx1">
-                      <a:lumMod val="75000"/>
-                      <a:lumOff val="25000"/>
-                    </a:schemeClr>
-                  </a:solidFill>
-                  <a:latin typeface="SpoqaHanSans-Light" panose="020B0300000000000000" pitchFamily="50" charset="-127"/>
-                  <a:ea typeface="SpoqaHanSans-Light" panose="020B0300000000000000" pitchFamily="50" charset="-127"/>
-                </a:rPr>
-                <a:t>, </a:t>
-              </a:r>
-              <a:r>
-                <a:rPr lang="ko-KR" altLang="en-US" spc="-100" dirty="0">
-                  <a:ln>
-                    <a:solidFill>
-                      <a:schemeClr val="accent1">
-                        <a:shade val="50000"/>
-                        <a:alpha val="0"/>
-                      </a:schemeClr>
-                    </a:solidFill>
-                  </a:ln>
-                  <a:solidFill>
-                    <a:schemeClr val="tx1">
-                      <a:lumMod val="75000"/>
-                      <a:lumOff val="25000"/>
-                    </a:schemeClr>
-                  </a:solidFill>
-                  <a:latin typeface="SpoqaHanSans-Light" panose="020B0300000000000000" pitchFamily="50" charset="-127"/>
-                  <a:ea typeface="SpoqaHanSans-Light" panose="020B0300000000000000" pitchFamily="50" charset="-127"/>
-                </a:rPr>
-                <a:t>매우 편리할 것</a:t>
-              </a:r>
-              <a:endParaRPr lang="en-US" altLang="ko-KR" spc="-100" dirty="0">
-                <a:ln>
-                  <a:solidFill>
-                    <a:schemeClr val="accent1">
-                      <a:shade val="50000"/>
-                      <a:alpha val="0"/>
-                    </a:schemeClr>
-                  </a:solidFill>
-                </a:ln>
-                <a:solidFill>
-                  <a:schemeClr val="tx1">
-                    <a:lumMod val="75000"/>
-                    <a:lumOff val="25000"/>
-                  </a:schemeClr>
-                </a:solidFill>
-                <a:latin typeface="SpoqaHanSans-Light" panose="020B0300000000000000" pitchFamily="50" charset="-127"/>
-                <a:ea typeface="SpoqaHanSans-Light" panose="020B0300000000000000" pitchFamily="50" charset="-127"/>
-              </a:endParaRPr>
-            </a:p>
-            <a:p>
-              <a:pPr>
-                <a:lnSpc>
-                  <a:spcPct val="110000"/>
-                </a:lnSpc>
-              </a:pPr>
-              <a:endParaRPr lang="ko-KR" altLang="en-US" spc="-100" dirty="0">
-                <a:ln>
-                  <a:solidFill>
-                    <a:schemeClr val="accent1">
-                      <a:shade val="50000"/>
-                      <a:alpha val="0"/>
-                    </a:schemeClr>
-                  </a:solidFill>
-                </a:ln>
-                <a:solidFill>
-                  <a:schemeClr val="tx1">
-                    <a:lumMod val="75000"/>
-                    <a:lumOff val="25000"/>
-                  </a:schemeClr>
-                </a:solidFill>
-                <a:latin typeface="SpoqaHanSans-Light" panose="020B0300000000000000" pitchFamily="50" charset="-127"/>
-                <a:ea typeface="SpoqaHanSans-Light" panose="020B0300000000000000" pitchFamily="50" charset="-127"/>
-              </a:endParaRPr>
-            </a:p>
-          </p:txBody>
-        </p:sp>
-      </p:grpSp>
-      <p:grpSp>
-        <p:nvGrpSpPr>
-          <p:cNvPr id="14" name="그룹 16">
-            <a:extLst>
-              <a:ext uri="{FF2B5EF4-FFF2-40B4-BE49-F238E27FC236}">
-                <a16:creationId xmlns:a16="http://schemas.microsoft.com/office/drawing/2014/main" xmlns="" id="{596AF779-06A3-4E89-82D4-B3E821D83502}"/>
-              </a:ext>
-            </a:extLst>
-          </p:cNvPr>
-          <p:cNvGrpSpPr/>
-          <p:nvPr/>
-        </p:nvGrpSpPr>
-        <p:grpSpPr>
-          <a:xfrm>
-            <a:off x="4780344" y="2419109"/>
-            <a:ext cx="6528122" cy="1956121"/>
-            <a:chOff x="4780344" y="2419109"/>
-            <a:chExt cx="5683170" cy="1956121"/>
-          </a:xfrm>
-        </p:grpSpPr>
-        <p:cxnSp>
-          <p:nvCxnSpPr>
-            <p:cNvPr id="15" name="직선 연결선 14">
-              <a:extLst>
-                <a:ext uri="{FF2B5EF4-FFF2-40B4-BE49-F238E27FC236}">
-                  <a16:creationId xmlns:a16="http://schemas.microsoft.com/office/drawing/2014/main" xmlns="" id="{0F09DE89-05D8-4C00-B13B-1E86BD2B1E15}"/>
-                </a:ext>
-              </a:extLst>
-            </p:cNvPr>
-            <p:cNvCxnSpPr/>
-            <p:nvPr/>
-          </p:nvCxnSpPr>
-          <p:spPr>
-            <a:xfrm>
-              <a:off x="4780344" y="2419109"/>
-              <a:ext cx="5683170" cy="0"/>
-            </a:xfrm>
-            <a:prstGeom prst="line">
-              <a:avLst/>
-            </a:prstGeom>
-            <a:ln>
-              <a:solidFill>
-                <a:schemeClr val="tx1">
-                  <a:lumMod val="50000"/>
-                  <a:lumOff val="50000"/>
-                </a:schemeClr>
-              </a:solidFill>
-            </a:ln>
-          </p:spPr>
-          <p:style>
-            <a:lnRef idx="1">
-              <a:schemeClr val="accent1"/>
-            </a:lnRef>
-            <a:fillRef idx="0">
-              <a:schemeClr val="accent1"/>
-            </a:fillRef>
-            <a:effectRef idx="0">
-              <a:schemeClr val="accent1"/>
-            </a:effectRef>
-            <a:fontRef idx="minor">
-              <a:schemeClr val="tx1"/>
-            </a:fontRef>
-          </p:style>
-        </p:cxnSp>
-        <p:cxnSp>
-          <p:nvCxnSpPr>
-            <p:cNvPr id="16" name="직선 연결선 15">
-              <a:extLst>
-                <a:ext uri="{FF2B5EF4-FFF2-40B4-BE49-F238E27FC236}">
-                  <a16:creationId xmlns:a16="http://schemas.microsoft.com/office/drawing/2014/main" xmlns="" id="{8AD7F6C3-87E0-47D0-9FF0-89E7C39554B7}"/>
-                </a:ext>
-              </a:extLst>
-            </p:cNvPr>
-            <p:cNvCxnSpPr/>
-            <p:nvPr/>
-          </p:nvCxnSpPr>
-          <p:spPr>
-            <a:xfrm>
-              <a:off x="4780344" y="4375230"/>
-              <a:ext cx="5683170" cy="0"/>
-            </a:xfrm>
-            <a:prstGeom prst="line">
-              <a:avLst/>
-            </a:prstGeom>
-            <a:ln>
-              <a:solidFill>
-                <a:schemeClr val="tx1">
-                  <a:lumMod val="50000"/>
-                  <a:lumOff val="50000"/>
-                </a:schemeClr>
-              </a:solidFill>
-            </a:ln>
-          </p:spPr>
-          <p:style>
-            <a:lnRef idx="1">
-              <a:schemeClr val="accent1"/>
-            </a:lnRef>
-            <a:fillRef idx="0">
-              <a:schemeClr val="accent1"/>
-            </a:fillRef>
-            <a:effectRef idx="0">
-              <a:schemeClr val="accent1"/>
-            </a:effectRef>
-            <a:fontRef idx="minor">
-              <a:schemeClr val="tx1"/>
-            </a:fontRef>
-          </p:style>
-        </p:cxnSp>
-      </p:grpSp>
-    </p:spTree>
-    <p:extLst>
-      <p:ext uri="{BB962C8B-B14F-4D97-AF65-F5344CB8AC3E}">
-        <p14:creationId xmlns:p14="http://schemas.microsoft.com/office/powerpoint/2010/main" xmlns="" val="3740041879"/>
-      </p:ext>
-    </p:extLst>
-  </p:cSld>
-  <p:clrMapOvr>
-    <a:masterClrMapping/>
-  </p:clrMapOvr>
-  <p:timing>
-    <p:tnLst>
-      <p:par>
-        <p:cTn id="1" dur="indefinite" restart="never" nodeType="tmRoot"/>
-      </p:par>
-    </p:tnLst>
-  </p:timing>
-</p:sld>
-</file>
-
-<file path=ppt/slides/slide20.xml><?xml version="1.0" encoding="utf-8"?>
-<p:sld xmlns:a="http://schemas.openxmlformats.org/drawingml/2006/main" xmlns:r="http://schemas.openxmlformats.org/officeDocument/2006/relationships" xmlns:p="http://schemas.openxmlformats.org/presentationml/2006/main">
-  <p:cSld>
-    <p:spTree>
-      <p:nvGrpSpPr>
-        <p:cNvPr id="1" name=""/>
-        <p:cNvGrpSpPr/>
-        <p:nvPr/>
-      </p:nvGrpSpPr>
-      <p:grpSpPr>
-        <a:xfrm>
-          <a:off x="0" y="0"/>
-          <a:ext cx="0" cy="0"/>
-          <a:chOff x="0" y="0"/>
-          <a:chExt cx="0" cy="0"/>
-        </a:xfrm>
-      </p:grpSpPr>
-      <p:sp>
-        <p:nvSpPr>
-          <p:cNvPr id="2" name="직사각형 1">
-            <a:extLst>
-              <a:ext uri="{FF2B5EF4-FFF2-40B4-BE49-F238E27FC236}">
-                <a16:creationId xmlns:a16="http://schemas.microsoft.com/office/drawing/2014/main" xmlns="" id="{11A62586-B708-4471-8640-ED72F76F9C56}"/>
+                <a16:creationId xmlns="" xmlns:a16="http://schemas.microsoft.com/office/drawing/2014/main" id="{11A62586-B708-4471-8640-ED72F76F9C56}"/>
               </a:ext>
             </a:extLst>
           </p:cNvPr>
@@ -11043,7 +11917,7 @@
           <p:cNvPr id="3" name="TextBox 2">
             <a:extLst>
               <a:ext uri="{FF2B5EF4-FFF2-40B4-BE49-F238E27FC236}">
-                <a16:creationId xmlns:a16="http://schemas.microsoft.com/office/drawing/2014/main" xmlns="" id="{988CFF69-148F-4807-9880-44F95FE3A9DC}"/>
+                <a16:creationId xmlns="" xmlns:a16="http://schemas.microsoft.com/office/drawing/2014/main" id="{988CFF69-148F-4807-9880-44F95FE3A9DC}"/>
               </a:ext>
             </a:extLst>
           </p:cNvPr>
@@ -11125,7 +11999,7 @@
           <p:cNvPr id="4" name="TextBox 3">
             <a:extLst>
               <a:ext uri="{FF2B5EF4-FFF2-40B4-BE49-F238E27FC236}">
-                <a16:creationId xmlns:a16="http://schemas.microsoft.com/office/drawing/2014/main" xmlns="" id="{392523DE-E429-4729-B40E-C98AD1714AC6}"/>
+                <a16:creationId xmlns="" xmlns:a16="http://schemas.microsoft.com/office/drawing/2014/main" id="{392523DE-E429-4729-B40E-C98AD1714AC6}"/>
               </a:ext>
             </a:extLst>
           </p:cNvPr>
@@ -11528,7 +12402,7 @@
           <p:cNvPr id="6" name="그림 7">
             <a:extLst>
               <a:ext uri="{FF2B5EF4-FFF2-40B4-BE49-F238E27FC236}">
-                <a16:creationId xmlns:a16="http://schemas.microsoft.com/office/drawing/2014/main" xmlns="" id="{0204A60F-1069-4CAF-8ACC-F6A3A41E0AC1}"/>
+                <a16:creationId xmlns="" xmlns:a16="http://schemas.microsoft.com/office/drawing/2014/main" id="{0204A60F-1069-4CAF-8ACC-F6A3A41E0AC1}"/>
               </a:ext>
             </a:extLst>
           </p:cNvPr>
@@ -11558,7 +12432,7 @@
           <p:cNvPr id="9" name="그림 9">
             <a:extLst>
               <a:ext uri="{FF2B5EF4-FFF2-40B4-BE49-F238E27FC236}">
-                <a16:creationId xmlns:a16="http://schemas.microsoft.com/office/drawing/2014/main" xmlns="" id="{6BCEB630-8A04-41E8-943F-296AA3C12526}"/>
+                <a16:creationId xmlns="" xmlns:a16="http://schemas.microsoft.com/office/drawing/2014/main" id="{6BCEB630-8A04-41E8-943F-296AA3C12526}"/>
               </a:ext>
             </a:extLst>
           </p:cNvPr>
@@ -11588,7 +12462,7 @@
           <p:cNvPr id="11" name="그림 11">
             <a:extLst>
               <a:ext uri="{FF2B5EF4-FFF2-40B4-BE49-F238E27FC236}">
-                <a16:creationId xmlns:a16="http://schemas.microsoft.com/office/drawing/2014/main" xmlns="" id="{95F288A1-2A24-4F44-BF7C-AB5B17A7262A}"/>
+                <a16:creationId xmlns="" xmlns:a16="http://schemas.microsoft.com/office/drawing/2014/main" id="{95F288A1-2A24-4F44-BF7C-AB5B17A7262A}"/>
               </a:ext>
             </a:extLst>
           </p:cNvPr>
@@ -11616,7 +12490,7 @@
     </p:spTree>
     <p:extLst>
       <p:ext uri="{BB962C8B-B14F-4D97-AF65-F5344CB8AC3E}">
-        <p14:creationId xmlns:p14="http://schemas.microsoft.com/office/powerpoint/2010/main" xmlns="" val="1546803948"/>
+        <p14:creationId xmlns="" xmlns:p14="http://schemas.microsoft.com/office/powerpoint/2010/main" val="1546803948"/>
       </p:ext>
     </p:extLst>
   </p:cSld>
@@ -11633,7 +12507,7 @@
 </p:sld>
 </file>
 
-<file path=ppt/slides/slide21.xml><?xml version="1.0" encoding="utf-8"?>
+<file path=ppt/slides/slide23.xml><?xml version="1.0" encoding="utf-8"?>
 <p:sld xmlns:a="http://schemas.openxmlformats.org/drawingml/2006/main" xmlns:r="http://schemas.openxmlformats.org/officeDocument/2006/relationships" xmlns:p="http://schemas.openxmlformats.org/presentationml/2006/main">
   <p:cSld>
     <p:spTree>
@@ -11655,7 +12529,7 @@
           <p:cNvPr id="2" name="직사각형 1">
             <a:extLst>
               <a:ext uri="{FF2B5EF4-FFF2-40B4-BE49-F238E27FC236}">
-                <a16:creationId xmlns:a16="http://schemas.microsoft.com/office/drawing/2014/main" xmlns="" id="{11A62586-B708-4471-8640-ED72F76F9C56}"/>
+                <a16:creationId xmlns="" xmlns:a16="http://schemas.microsoft.com/office/drawing/2014/main" id="{11A62586-B708-4471-8640-ED72F76F9C56}"/>
               </a:ext>
             </a:extLst>
           </p:cNvPr>
@@ -11723,7 +12597,7 @@
           <p:cNvPr id="3" name="TextBox 2">
             <a:extLst>
               <a:ext uri="{FF2B5EF4-FFF2-40B4-BE49-F238E27FC236}">
-                <a16:creationId xmlns:a16="http://schemas.microsoft.com/office/drawing/2014/main" xmlns="" id="{988CFF69-148F-4807-9880-44F95FE3A9DC}"/>
+                <a16:creationId xmlns="" xmlns:a16="http://schemas.microsoft.com/office/drawing/2014/main" id="{988CFF69-148F-4807-9880-44F95FE3A9DC}"/>
               </a:ext>
             </a:extLst>
           </p:cNvPr>
@@ -11805,7 +12679,7 @@
           <p:cNvPr id="4" name="TextBox 3">
             <a:extLst>
               <a:ext uri="{FF2B5EF4-FFF2-40B4-BE49-F238E27FC236}">
-                <a16:creationId xmlns:a16="http://schemas.microsoft.com/office/drawing/2014/main" xmlns="" id="{392523DE-E429-4729-B40E-C98AD1714AC6}"/>
+                <a16:creationId xmlns="" xmlns:a16="http://schemas.microsoft.com/office/drawing/2014/main" id="{392523DE-E429-4729-B40E-C98AD1714AC6}"/>
               </a:ext>
             </a:extLst>
           </p:cNvPr>
@@ -12337,7 +13211,7 @@
           <p:cNvPr id="5" name="그림 6" descr="텍스트이(가) 표시된 사진&#10;&#10;자동 생성된 설명">
             <a:extLst>
               <a:ext uri="{FF2B5EF4-FFF2-40B4-BE49-F238E27FC236}">
-                <a16:creationId xmlns:a16="http://schemas.microsoft.com/office/drawing/2014/main" xmlns="" id="{80DF97E7-014B-4E90-AFE7-3CD31A57E900}"/>
+                <a16:creationId xmlns="" xmlns:a16="http://schemas.microsoft.com/office/drawing/2014/main" id="{80DF97E7-014B-4E90-AFE7-3CD31A57E900}"/>
               </a:ext>
             </a:extLst>
           </p:cNvPr>
@@ -12367,7 +13241,7 @@
           <p:cNvPr id="7" name="그림 7">
             <a:extLst>
               <a:ext uri="{FF2B5EF4-FFF2-40B4-BE49-F238E27FC236}">
-                <a16:creationId xmlns:a16="http://schemas.microsoft.com/office/drawing/2014/main" xmlns="" id="{E76DBD3C-378C-4AEC-8D8B-758F6C4BD9B7}"/>
+                <a16:creationId xmlns="" xmlns:a16="http://schemas.microsoft.com/office/drawing/2014/main" id="{E76DBD3C-378C-4AEC-8D8B-758F6C4BD9B7}"/>
               </a:ext>
             </a:extLst>
           </p:cNvPr>
@@ -12397,7 +13271,7 @@
           <p:cNvPr id="8" name="그림 9" descr="텍스트이(가) 표시된 사진&#10;&#10;자동 생성된 설명">
             <a:extLst>
               <a:ext uri="{FF2B5EF4-FFF2-40B4-BE49-F238E27FC236}">
-                <a16:creationId xmlns:a16="http://schemas.microsoft.com/office/drawing/2014/main" xmlns="" id="{01DB30CF-8C18-428B-A8C8-10A1C796EB6D}"/>
+                <a16:creationId xmlns="" xmlns:a16="http://schemas.microsoft.com/office/drawing/2014/main" id="{01DB30CF-8C18-428B-A8C8-10A1C796EB6D}"/>
               </a:ext>
             </a:extLst>
           </p:cNvPr>
@@ -12425,7 +13299,7 @@
     </p:spTree>
     <p:extLst>
       <p:ext uri="{BB962C8B-B14F-4D97-AF65-F5344CB8AC3E}">
-        <p14:creationId xmlns:p14="http://schemas.microsoft.com/office/powerpoint/2010/main" xmlns="" val="4217452232"/>
+        <p14:creationId xmlns="" xmlns:p14="http://schemas.microsoft.com/office/powerpoint/2010/main" val="4217452232"/>
       </p:ext>
     </p:extLst>
   </p:cSld>
@@ -12442,7 +13316,7 @@
 </p:sld>
 </file>
 
-<file path=ppt/slides/slide22.xml><?xml version="1.0" encoding="utf-8"?>
+<file path=ppt/slides/slide24.xml><?xml version="1.0" encoding="utf-8"?>
 <p:sld xmlns:a="http://schemas.openxmlformats.org/drawingml/2006/main" xmlns:r="http://schemas.openxmlformats.org/officeDocument/2006/relationships" xmlns:p="http://schemas.openxmlformats.org/presentationml/2006/main">
   <p:cSld>
     <p:spTree>
@@ -12464,7 +13338,7 @@
           <p:cNvPr id="2" name="직사각형 1">
             <a:extLst>
               <a:ext uri="{FF2B5EF4-FFF2-40B4-BE49-F238E27FC236}">
-                <a16:creationId xmlns:a16="http://schemas.microsoft.com/office/drawing/2014/main" xmlns="" id="{11A62586-B708-4471-8640-ED72F76F9C56}"/>
+                <a16:creationId xmlns="" xmlns:a16="http://schemas.microsoft.com/office/drawing/2014/main" id="{11A62586-B708-4471-8640-ED72F76F9C56}"/>
               </a:ext>
             </a:extLst>
           </p:cNvPr>
@@ -12532,7 +13406,7 @@
           <p:cNvPr id="3" name="TextBox 2">
             <a:extLst>
               <a:ext uri="{FF2B5EF4-FFF2-40B4-BE49-F238E27FC236}">
-                <a16:creationId xmlns:a16="http://schemas.microsoft.com/office/drawing/2014/main" xmlns="" id="{988CFF69-148F-4807-9880-44F95FE3A9DC}"/>
+                <a16:creationId xmlns="" xmlns:a16="http://schemas.microsoft.com/office/drawing/2014/main" id="{988CFF69-148F-4807-9880-44F95FE3A9DC}"/>
               </a:ext>
             </a:extLst>
           </p:cNvPr>
@@ -12614,7 +13488,7 @@
           <p:cNvPr id="4" name="TextBox 3">
             <a:extLst>
               <a:ext uri="{FF2B5EF4-FFF2-40B4-BE49-F238E27FC236}">
-                <a16:creationId xmlns:a16="http://schemas.microsoft.com/office/drawing/2014/main" xmlns="" id="{392523DE-E429-4729-B40E-C98AD1714AC6}"/>
+                <a16:creationId xmlns="" xmlns:a16="http://schemas.microsoft.com/office/drawing/2014/main" id="{392523DE-E429-4729-B40E-C98AD1714AC6}"/>
               </a:ext>
             </a:extLst>
           </p:cNvPr>
@@ -12839,7 +13713,7 @@
           <p:cNvPr id="5" name="그림 5">
             <a:extLst>
               <a:ext uri="{FF2B5EF4-FFF2-40B4-BE49-F238E27FC236}">
-                <a16:creationId xmlns:a16="http://schemas.microsoft.com/office/drawing/2014/main" xmlns="" id="{A5FD9A1A-70F0-487E-9D34-B94DEFA96F59}"/>
+                <a16:creationId xmlns="" xmlns:a16="http://schemas.microsoft.com/office/drawing/2014/main" id="{A5FD9A1A-70F0-487E-9D34-B94DEFA96F59}"/>
               </a:ext>
             </a:extLst>
           </p:cNvPr>
@@ -12867,7 +13741,7 @@
     </p:spTree>
     <p:extLst>
       <p:ext uri="{BB962C8B-B14F-4D97-AF65-F5344CB8AC3E}">
-        <p14:creationId xmlns:p14="http://schemas.microsoft.com/office/powerpoint/2010/main" xmlns="" val="3273413329"/>
+        <p14:creationId xmlns="" xmlns:p14="http://schemas.microsoft.com/office/powerpoint/2010/main" val="3273413329"/>
       </p:ext>
     </p:extLst>
   </p:cSld>
@@ -12884,7 +13758,7 @@
 </p:sld>
 </file>
 
-<file path=ppt/slides/slide23.xml><?xml version="1.0" encoding="utf-8"?>
+<file path=ppt/slides/slide25.xml><?xml version="1.0" encoding="utf-8"?>
 <p:sld xmlns:a="http://schemas.openxmlformats.org/drawingml/2006/main" xmlns:r="http://schemas.openxmlformats.org/officeDocument/2006/relationships" xmlns:p="http://schemas.openxmlformats.org/presentationml/2006/main">
   <p:cSld>
     <p:spTree>
@@ -12906,7 +13780,7 @@
           <p:cNvPr id="2" name="직사각형 1">
             <a:extLst>
               <a:ext uri="{FF2B5EF4-FFF2-40B4-BE49-F238E27FC236}">
-                <a16:creationId xmlns:a16="http://schemas.microsoft.com/office/drawing/2014/main" xmlns="" id="{11A62586-B708-4471-8640-ED72F76F9C56}"/>
+                <a16:creationId xmlns="" xmlns:a16="http://schemas.microsoft.com/office/drawing/2014/main" id="{11A62586-B708-4471-8640-ED72F76F9C56}"/>
               </a:ext>
             </a:extLst>
           </p:cNvPr>
@@ -12974,7 +13848,7 @@
           <p:cNvPr id="3" name="TextBox 2">
             <a:extLst>
               <a:ext uri="{FF2B5EF4-FFF2-40B4-BE49-F238E27FC236}">
-                <a16:creationId xmlns:a16="http://schemas.microsoft.com/office/drawing/2014/main" xmlns="" id="{988CFF69-148F-4807-9880-44F95FE3A9DC}"/>
+                <a16:creationId xmlns="" xmlns:a16="http://schemas.microsoft.com/office/drawing/2014/main" id="{988CFF69-148F-4807-9880-44F95FE3A9DC}"/>
               </a:ext>
             </a:extLst>
           </p:cNvPr>
@@ -13056,7 +13930,7 @@
           <p:cNvPr id="7" name="그림 7">
             <a:extLst>
               <a:ext uri="{FF2B5EF4-FFF2-40B4-BE49-F238E27FC236}">
-                <a16:creationId xmlns:a16="http://schemas.microsoft.com/office/drawing/2014/main" xmlns="" id="{33331509-1E9C-4CFD-9BD9-0AD7500CD0D5}"/>
+                <a16:creationId xmlns="" xmlns:a16="http://schemas.microsoft.com/office/drawing/2014/main" id="{33331509-1E9C-4CFD-9BD9-0AD7500CD0D5}"/>
               </a:ext>
             </a:extLst>
           </p:cNvPr>
@@ -13086,7 +13960,7 @@
           <p:cNvPr id="9" name="TextBox 8">
             <a:extLst>
               <a:ext uri="{FF2B5EF4-FFF2-40B4-BE49-F238E27FC236}">
-                <a16:creationId xmlns:a16="http://schemas.microsoft.com/office/drawing/2014/main" xmlns="" id="{AAD49B97-917E-4C3C-82B1-2B3F23B4CC1E}"/>
+                <a16:creationId xmlns="" xmlns:a16="http://schemas.microsoft.com/office/drawing/2014/main" id="{AAD49B97-917E-4C3C-82B1-2B3F23B4CC1E}"/>
               </a:ext>
             </a:extLst>
           </p:cNvPr>
@@ -13309,7 +14183,7 @@
     </p:spTree>
     <p:extLst>
       <p:ext uri="{BB962C8B-B14F-4D97-AF65-F5344CB8AC3E}">
-        <p14:creationId xmlns:p14="http://schemas.microsoft.com/office/powerpoint/2010/main" xmlns="" val="2544910838"/>
+        <p14:creationId xmlns="" xmlns:p14="http://schemas.microsoft.com/office/powerpoint/2010/main" val="2544910838"/>
       </p:ext>
     </p:extLst>
   </p:cSld>
@@ -13326,7 +14200,7 @@
 </p:sld>
 </file>
 
-<file path=ppt/slides/slide24.xml><?xml version="1.0" encoding="utf-8"?>
+<file path=ppt/slides/slide26.xml><?xml version="1.0" encoding="utf-8"?>
 <p:sld xmlns:a="http://schemas.openxmlformats.org/drawingml/2006/main" xmlns:r="http://schemas.openxmlformats.org/officeDocument/2006/relationships" xmlns:p="http://schemas.openxmlformats.org/presentationml/2006/main">
   <p:cSld>
     <p:spTree>
@@ -13348,7 +14222,7 @@
           <p:cNvPr id="2" name="직사각형 1">
             <a:extLst>
               <a:ext uri="{FF2B5EF4-FFF2-40B4-BE49-F238E27FC236}">
-                <a16:creationId xmlns:a16="http://schemas.microsoft.com/office/drawing/2014/main" xmlns="" id="{11A62586-B708-4471-8640-ED72F76F9C56}"/>
+                <a16:creationId xmlns="" xmlns:a16="http://schemas.microsoft.com/office/drawing/2014/main" id="{11A62586-B708-4471-8640-ED72F76F9C56}"/>
               </a:ext>
             </a:extLst>
           </p:cNvPr>
@@ -13416,7 +14290,7 @@
           <p:cNvPr id="3" name="TextBox 2">
             <a:extLst>
               <a:ext uri="{FF2B5EF4-FFF2-40B4-BE49-F238E27FC236}">
-                <a16:creationId xmlns:a16="http://schemas.microsoft.com/office/drawing/2014/main" xmlns="" id="{988CFF69-148F-4807-9880-44F95FE3A9DC}"/>
+                <a16:creationId xmlns="" xmlns:a16="http://schemas.microsoft.com/office/drawing/2014/main" id="{988CFF69-148F-4807-9880-44F95FE3A9DC}"/>
               </a:ext>
             </a:extLst>
           </p:cNvPr>
@@ -13498,7 +14372,7 @@
           <p:cNvPr id="4" name="TextBox 3">
             <a:extLst>
               <a:ext uri="{FF2B5EF4-FFF2-40B4-BE49-F238E27FC236}">
-                <a16:creationId xmlns:a16="http://schemas.microsoft.com/office/drawing/2014/main" xmlns="" id="{392523DE-E429-4729-B40E-C98AD1714AC6}"/>
+                <a16:creationId xmlns="" xmlns:a16="http://schemas.microsoft.com/office/drawing/2014/main" id="{392523DE-E429-4729-B40E-C98AD1714AC6}"/>
               </a:ext>
             </a:extLst>
           </p:cNvPr>
@@ -13753,7 +14627,7 @@
           <p:cNvPr id="5" name="그림 5">
             <a:extLst>
               <a:ext uri="{FF2B5EF4-FFF2-40B4-BE49-F238E27FC236}">
-                <a16:creationId xmlns:a16="http://schemas.microsoft.com/office/drawing/2014/main" xmlns="" id="{32A3164E-CAE4-4FB4-AD65-DDAE67CD3D52}"/>
+                <a16:creationId xmlns="" xmlns:a16="http://schemas.microsoft.com/office/drawing/2014/main" id="{32A3164E-CAE4-4FB4-AD65-DDAE67CD3D52}"/>
               </a:ext>
             </a:extLst>
           </p:cNvPr>
@@ -13781,7 +14655,7 @@
     </p:spTree>
     <p:extLst>
       <p:ext uri="{BB962C8B-B14F-4D97-AF65-F5344CB8AC3E}">
-        <p14:creationId xmlns:p14="http://schemas.microsoft.com/office/powerpoint/2010/main" xmlns="" val="2968782306"/>
+        <p14:creationId xmlns="" xmlns:p14="http://schemas.microsoft.com/office/powerpoint/2010/main" val="2968782306"/>
       </p:ext>
     </p:extLst>
   </p:cSld>
@@ -13798,7 +14672,7 @@
 </p:sld>
 </file>
 
-<file path=ppt/slides/slide25.xml><?xml version="1.0" encoding="utf-8"?>
+<file path=ppt/slides/slide27.xml><?xml version="1.0" encoding="utf-8"?>
 <p:sld xmlns:a="http://schemas.openxmlformats.org/drawingml/2006/main" xmlns:r="http://schemas.openxmlformats.org/officeDocument/2006/relationships" xmlns:p="http://schemas.openxmlformats.org/presentationml/2006/main">
   <p:cSld>
     <p:spTree>
@@ -13820,7 +14694,7 @@
           <p:cNvPr id="2" name="직사각형 1">
             <a:extLst>
               <a:ext uri="{FF2B5EF4-FFF2-40B4-BE49-F238E27FC236}">
-                <a16:creationId xmlns:a16="http://schemas.microsoft.com/office/drawing/2014/main" xmlns="" id="{72070133-B364-4648-B5B7-60879ABB5B30}"/>
+                <a16:creationId xmlns="" xmlns:a16="http://schemas.microsoft.com/office/drawing/2014/main" id="{72070133-B364-4648-B5B7-60879ABB5B30}"/>
               </a:ext>
             </a:extLst>
           </p:cNvPr>
@@ -13888,7 +14762,7 @@
           <p:cNvPr id="3" name="TextBox 2">
             <a:extLst>
               <a:ext uri="{FF2B5EF4-FFF2-40B4-BE49-F238E27FC236}">
-                <a16:creationId xmlns:a16="http://schemas.microsoft.com/office/drawing/2014/main" xmlns="" id="{046E9738-F6F0-4607-9DD9-40CC81694A89}"/>
+                <a16:creationId xmlns="" xmlns:a16="http://schemas.microsoft.com/office/drawing/2014/main" id="{046E9738-F6F0-4607-9DD9-40CC81694A89}"/>
               </a:ext>
             </a:extLst>
           </p:cNvPr>
@@ -13942,7 +14816,7 @@
           <p:cNvPr id="4" name="TextBox 3">
             <a:extLst>
               <a:ext uri="{FF2B5EF4-FFF2-40B4-BE49-F238E27FC236}">
-                <a16:creationId xmlns:a16="http://schemas.microsoft.com/office/drawing/2014/main" xmlns="" id="{A05F580B-8B8F-4BB8-AD4B-8AC827619861}"/>
+                <a16:creationId xmlns="" xmlns:a16="http://schemas.microsoft.com/office/drawing/2014/main" id="{A05F580B-8B8F-4BB8-AD4B-8AC827619861}"/>
               </a:ext>
             </a:extLst>
           </p:cNvPr>
@@ -13994,7 +14868,7 @@
           <p:cNvPr id="9" name="표 9">
             <a:extLst>
               <a:ext uri="{FF2B5EF4-FFF2-40B4-BE49-F238E27FC236}">
-                <a16:creationId xmlns:a16="http://schemas.microsoft.com/office/drawing/2014/main" xmlns="" id="{B9F6AEB8-936A-49D8-8616-46E172C0CFB4}"/>
+                <a16:creationId xmlns="" xmlns:a16="http://schemas.microsoft.com/office/drawing/2014/main" id="{B9F6AEB8-936A-49D8-8616-46E172C0CFB4}"/>
               </a:ext>
             </a:extLst>
           </p:cNvPr>
@@ -14004,7 +14878,7 @@
           <p:nvPr>
             <p:extLst>
               <p:ext uri="{D42A27DB-BD31-4B8C-83A1-F6EECF244321}">
-                <p14:modId xmlns:p14="http://schemas.microsoft.com/office/powerpoint/2010/main" xmlns="" val="3208619848"/>
+                <p14:modId xmlns="" xmlns:p14="http://schemas.microsoft.com/office/powerpoint/2010/main" val="3208619848"/>
               </p:ext>
             </p:extLst>
           </p:nvPr>
@@ -14023,14 +14897,14 @@
                 <a:gridCol w="2092643">
                   <a:extLst>
                     <a:ext uri="{9D8B030D-6E8A-4147-A177-3AD203B41FA5}">
-                      <a16:colId xmlns:a16="http://schemas.microsoft.com/office/drawing/2014/main" xmlns="" val="125502164"/>
+                      <a16:colId xmlns="" xmlns:a16="http://schemas.microsoft.com/office/drawing/2014/main" val="125502164"/>
                     </a:ext>
                   </a:extLst>
                 </a:gridCol>
                 <a:gridCol w="7182952">
                   <a:extLst>
                     <a:ext uri="{9D8B030D-6E8A-4147-A177-3AD203B41FA5}">
-                      <a16:colId xmlns:a16="http://schemas.microsoft.com/office/drawing/2014/main" xmlns="" val="3068378860"/>
+                      <a16:colId xmlns="" xmlns:a16="http://schemas.microsoft.com/office/drawing/2014/main" val="3068378860"/>
                     </a:ext>
                   </a:extLst>
                 </a:gridCol>
@@ -14102,7 +14976,7 @@
                 </a:tc>
                 <a:extLst>
                   <a:ext uri="{0D108BD9-81ED-4DB2-BD59-A6C34878D82A}">
-                    <a16:rowId xmlns:a16="http://schemas.microsoft.com/office/drawing/2014/main" xmlns="" val="1624258717"/>
+                    <a16:rowId xmlns="" xmlns:a16="http://schemas.microsoft.com/office/drawing/2014/main" val="1624258717"/>
                   </a:ext>
                 </a:extLst>
               </a:tr>
@@ -14290,7 +15164,7 @@
                 </a:tc>
                 <a:extLst>
                   <a:ext uri="{0D108BD9-81ED-4DB2-BD59-A6C34878D82A}">
-                    <a16:rowId xmlns:a16="http://schemas.microsoft.com/office/drawing/2014/main" xmlns="" val="995017088"/>
+                    <a16:rowId xmlns="" xmlns:a16="http://schemas.microsoft.com/office/drawing/2014/main" val="995017088"/>
                   </a:ext>
                 </a:extLst>
               </a:tr>
@@ -14408,7 +15282,7 @@
                 </a:tc>
                 <a:extLst>
                   <a:ext uri="{0D108BD9-81ED-4DB2-BD59-A6C34878D82A}">
-                    <a16:rowId xmlns:a16="http://schemas.microsoft.com/office/drawing/2014/main" xmlns="" val="3242367542"/>
+                    <a16:rowId xmlns="" xmlns:a16="http://schemas.microsoft.com/office/drawing/2014/main" val="3242367542"/>
                   </a:ext>
                 </a:extLst>
               </a:tr>
@@ -14529,7 +15403,7 @@
                 </a:tc>
                 <a:extLst>
                   <a:ext uri="{0D108BD9-81ED-4DB2-BD59-A6C34878D82A}">
-                    <a16:rowId xmlns:a16="http://schemas.microsoft.com/office/drawing/2014/main" xmlns="" val="1322465981"/>
+                    <a16:rowId xmlns="" xmlns:a16="http://schemas.microsoft.com/office/drawing/2014/main" val="1322465981"/>
                   </a:ext>
                 </a:extLst>
               </a:tr>
@@ -14542,7 +15416,7 @@
           <p:cNvPr id="10" name="TextBox 9">
             <a:extLst>
               <a:ext uri="{FF2B5EF4-FFF2-40B4-BE49-F238E27FC236}">
-                <a16:creationId xmlns:a16="http://schemas.microsoft.com/office/drawing/2014/main" xmlns="" id="{81CAB102-B5E3-4E20-98A5-65AF0528A0FE}"/>
+                <a16:creationId xmlns="" xmlns:a16="http://schemas.microsoft.com/office/drawing/2014/main" id="{81CAB102-B5E3-4E20-98A5-65AF0528A0FE}"/>
               </a:ext>
             </a:extLst>
           </p:cNvPr>
@@ -14587,7 +15461,7 @@
     </p:spTree>
     <p:extLst>
       <p:ext uri="{BB962C8B-B14F-4D97-AF65-F5344CB8AC3E}">
-        <p14:creationId xmlns:p14="http://schemas.microsoft.com/office/powerpoint/2010/main" xmlns="" val="2677067243"/>
+        <p14:creationId xmlns="" xmlns:p14="http://schemas.microsoft.com/office/powerpoint/2010/main" val="2677067243"/>
       </p:ext>
     </p:extLst>
   </p:cSld>
@@ -14604,7 +15478,7 @@
 </p:sld>
 </file>
 
-<file path=ppt/slides/slide26.xml><?xml version="1.0" encoding="utf-8"?>
+<file path=ppt/slides/slide28.xml><?xml version="1.0" encoding="utf-8"?>
 <p:sld xmlns:a="http://schemas.openxmlformats.org/drawingml/2006/main" xmlns:r="http://schemas.openxmlformats.org/officeDocument/2006/relationships" xmlns:p="http://schemas.openxmlformats.org/presentationml/2006/main">
   <p:cSld>
     <p:spTree>
@@ -14626,7 +15500,7 @@
           <p:cNvPr id="4" name="직사각형 3">
             <a:extLst>
               <a:ext uri="{FF2B5EF4-FFF2-40B4-BE49-F238E27FC236}">
-                <a16:creationId xmlns:a16="http://schemas.microsoft.com/office/drawing/2014/main" xmlns="" id="{A5F1230D-E167-4631-9FF0-6693B43B2EB4}"/>
+                <a16:creationId xmlns="" xmlns:a16="http://schemas.microsoft.com/office/drawing/2014/main" id="{A5F1230D-E167-4631-9FF0-6693B43B2EB4}"/>
               </a:ext>
             </a:extLst>
           </p:cNvPr>
@@ -14694,7 +15568,7 @@
           <p:cNvPr id="23" name="직선 연결선 22">
             <a:extLst>
               <a:ext uri="{FF2B5EF4-FFF2-40B4-BE49-F238E27FC236}">
-                <a16:creationId xmlns:a16="http://schemas.microsoft.com/office/drawing/2014/main" xmlns="" id="{51598C24-B97B-4C39-8E70-FF16D6EDE3C5}"/>
+                <a16:creationId xmlns="" xmlns:a16="http://schemas.microsoft.com/office/drawing/2014/main" id="{51598C24-B97B-4C39-8E70-FF16D6EDE3C5}"/>
               </a:ext>
             </a:extLst>
           </p:cNvPr>
@@ -14735,7 +15609,7 @@
           <p:cNvPr id="24" name="직선 연결선 23">
             <a:extLst>
               <a:ext uri="{FF2B5EF4-FFF2-40B4-BE49-F238E27FC236}">
-                <a16:creationId xmlns:a16="http://schemas.microsoft.com/office/drawing/2014/main" xmlns="" id="{99D0D74F-3BC7-44B8-BCD5-402872C490D0}"/>
+                <a16:creationId xmlns="" xmlns:a16="http://schemas.microsoft.com/office/drawing/2014/main" id="{99D0D74F-3BC7-44B8-BCD5-402872C490D0}"/>
               </a:ext>
             </a:extLst>
           </p:cNvPr>
@@ -14776,7 +15650,7 @@
           <p:cNvPr id="27" name="TextBox 26">
             <a:extLst>
               <a:ext uri="{FF2B5EF4-FFF2-40B4-BE49-F238E27FC236}">
-                <a16:creationId xmlns:a16="http://schemas.microsoft.com/office/drawing/2014/main" xmlns="" id="{10414E6C-FE57-4B60-9FE8-97135035557F}"/>
+                <a16:creationId xmlns="" xmlns:a16="http://schemas.microsoft.com/office/drawing/2014/main" id="{10414E6C-FE57-4B60-9FE8-97135035557F}"/>
               </a:ext>
             </a:extLst>
           </p:cNvPr>
@@ -14830,7 +15704,7 @@
           <p:cNvPr id="28" name="TextBox 27">
             <a:extLst>
               <a:ext uri="{FF2B5EF4-FFF2-40B4-BE49-F238E27FC236}">
-                <a16:creationId xmlns:a16="http://schemas.microsoft.com/office/drawing/2014/main" xmlns="" id="{0DF3FC17-D03B-44C4-A8CD-96514F944E81}"/>
+                <a16:creationId xmlns="" xmlns:a16="http://schemas.microsoft.com/office/drawing/2014/main" id="{0DF3FC17-D03B-44C4-A8CD-96514F944E81}"/>
               </a:ext>
             </a:extLst>
           </p:cNvPr>
@@ -14881,7 +15755,7 @@
     </p:spTree>
     <p:extLst>
       <p:ext uri="{BB962C8B-B14F-4D97-AF65-F5344CB8AC3E}">
-        <p14:creationId xmlns:p14="http://schemas.microsoft.com/office/powerpoint/2010/main" xmlns="" val="267635556"/>
+        <p14:creationId xmlns="" xmlns:p14="http://schemas.microsoft.com/office/powerpoint/2010/main" val="267635556"/>
       </p:ext>
     </p:extLst>
   </p:cSld>
@@ -14920,7 +15794,7 @@
           <p:cNvPr id="2" name="직사각형 1">
             <a:extLst>
               <a:ext uri="{FF2B5EF4-FFF2-40B4-BE49-F238E27FC236}">
-                <a16:creationId xmlns:a16="http://schemas.microsoft.com/office/drawing/2014/main" xmlns="" id="{72070133-B364-4648-B5B7-60879ABB5B30}"/>
+                <a16:creationId xmlns="" xmlns:a16="http://schemas.microsoft.com/office/drawing/2014/main" id="{72070133-B364-4648-B5B7-60879ABB5B30}"/>
               </a:ext>
             </a:extLst>
           </p:cNvPr>
@@ -14988,7 +15862,7 @@
           <p:cNvPr id="3" name="TextBox 2">
             <a:extLst>
               <a:ext uri="{FF2B5EF4-FFF2-40B4-BE49-F238E27FC236}">
-                <a16:creationId xmlns:a16="http://schemas.microsoft.com/office/drawing/2014/main" xmlns="" id="{046E9738-F6F0-4607-9DD9-40CC81694A89}"/>
+                <a16:creationId xmlns="" xmlns:a16="http://schemas.microsoft.com/office/drawing/2014/main" id="{046E9738-F6F0-4607-9DD9-40CC81694A89}"/>
               </a:ext>
             </a:extLst>
           </p:cNvPr>
@@ -15066,7 +15940,7 @@
           <p:cNvPr id="6" name="TextBox 5">
             <a:extLst>
               <a:ext uri="{FF2B5EF4-FFF2-40B4-BE49-F238E27FC236}">
-                <a16:creationId xmlns:a16="http://schemas.microsoft.com/office/drawing/2014/main" xmlns="" id="{DF51DE0B-B27E-46CE-BAB9-50DFD1B0F806}"/>
+                <a16:creationId xmlns="" xmlns:a16="http://schemas.microsoft.com/office/drawing/2014/main" id="{DF51DE0B-B27E-46CE-BAB9-50DFD1B0F806}"/>
               </a:ext>
             </a:extLst>
           </p:cNvPr>
@@ -15142,7 +16016,7 @@
           <p:cNvPr id="7" name="TextBox 6">
             <a:extLst>
               <a:ext uri="{FF2B5EF4-FFF2-40B4-BE49-F238E27FC236}">
-                <a16:creationId xmlns:a16="http://schemas.microsoft.com/office/drawing/2014/main" xmlns="" id="{970B0ED3-C126-4A43-9595-A94BEDBB454F}"/>
+                <a16:creationId xmlns="" xmlns:a16="http://schemas.microsoft.com/office/drawing/2014/main" id="{970B0ED3-C126-4A43-9595-A94BEDBB454F}"/>
               </a:ext>
             </a:extLst>
           </p:cNvPr>
@@ -15216,7 +16090,7 @@
           <p:cNvPr id="8" name="TextBox 7">
             <a:extLst>
               <a:ext uri="{FF2B5EF4-FFF2-40B4-BE49-F238E27FC236}">
-                <a16:creationId xmlns:a16="http://schemas.microsoft.com/office/drawing/2014/main" xmlns="" id="{BA83CFC8-53DE-40E9-B480-06E7354BBFBC}"/>
+                <a16:creationId xmlns="" xmlns:a16="http://schemas.microsoft.com/office/drawing/2014/main" id="{BA83CFC8-53DE-40E9-B480-06E7354BBFBC}"/>
               </a:ext>
             </a:extLst>
           </p:cNvPr>
@@ -15290,7 +16164,7 @@
           <p:cNvPr id="13" name="TextBox 12">
             <a:extLst>
               <a:ext uri="{FF2B5EF4-FFF2-40B4-BE49-F238E27FC236}">
-                <a16:creationId xmlns:a16="http://schemas.microsoft.com/office/drawing/2014/main" xmlns="" id="{3612C27D-7317-4B0D-B7A5-7F73369D55C0}"/>
+                <a16:creationId xmlns="" xmlns:a16="http://schemas.microsoft.com/office/drawing/2014/main" id="{3612C27D-7317-4B0D-B7A5-7F73369D55C0}"/>
               </a:ext>
             </a:extLst>
           </p:cNvPr>
@@ -15364,7 +16238,7 @@
           <p:cNvPr id="14" name="TextBox 13">
             <a:extLst>
               <a:ext uri="{FF2B5EF4-FFF2-40B4-BE49-F238E27FC236}">
-                <a16:creationId xmlns:a16="http://schemas.microsoft.com/office/drawing/2014/main" xmlns="" id="{970B0ED3-C126-4A43-9595-A94BEDBB454F}"/>
+                <a16:creationId xmlns="" xmlns:a16="http://schemas.microsoft.com/office/drawing/2014/main" id="{970B0ED3-C126-4A43-9595-A94BEDBB454F}"/>
               </a:ext>
             </a:extLst>
           </p:cNvPr>
@@ -15461,7 +16335,7 @@
     </p:spTree>
     <p:extLst>
       <p:ext uri="{BB962C8B-B14F-4D97-AF65-F5344CB8AC3E}">
-        <p14:creationId xmlns:p14="http://schemas.microsoft.com/office/powerpoint/2010/main" xmlns="" val="849144894"/>
+        <p14:creationId xmlns="" xmlns:p14="http://schemas.microsoft.com/office/powerpoint/2010/main" val="849144894"/>
       </p:ext>
     </p:extLst>
   </p:cSld>
@@ -15500,7 +16374,7 @@
           <p:cNvPr id="2" name="직사각형 1">
             <a:extLst>
               <a:ext uri="{FF2B5EF4-FFF2-40B4-BE49-F238E27FC236}">
-                <a16:creationId xmlns:a16="http://schemas.microsoft.com/office/drawing/2014/main" xmlns="" id="{11A62586-B708-4471-8640-ED72F76F9C56}"/>
+                <a16:creationId xmlns="" xmlns:a16="http://schemas.microsoft.com/office/drawing/2014/main" id="{11A62586-B708-4471-8640-ED72F76F9C56}"/>
               </a:ext>
             </a:extLst>
           </p:cNvPr>
@@ -15568,7 +16442,7 @@
           <p:cNvPr id="3" name="TextBox 2">
             <a:extLst>
               <a:ext uri="{FF2B5EF4-FFF2-40B4-BE49-F238E27FC236}">
-                <a16:creationId xmlns:a16="http://schemas.microsoft.com/office/drawing/2014/main" xmlns="" id="{988CFF69-148F-4807-9880-44F95FE3A9DC}"/>
+                <a16:creationId xmlns="" xmlns:a16="http://schemas.microsoft.com/office/drawing/2014/main" id="{988CFF69-148F-4807-9880-44F95FE3A9DC}"/>
               </a:ext>
             </a:extLst>
           </p:cNvPr>
@@ -15643,7 +16517,7 @@
           <p:cNvPr id="11" name="그룹 11">
             <a:extLst>
               <a:ext uri="{FF2B5EF4-FFF2-40B4-BE49-F238E27FC236}">
-                <a16:creationId xmlns:a16="http://schemas.microsoft.com/office/drawing/2014/main" xmlns="" id="{3C4EB2F0-389E-44FF-AA24-37B6C9B4DC76}"/>
+                <a16:creationId xmlns="" xmlns:a16="http://schemas.microsoft.com/office/drawing/2014/main" id="{3C4EB2F0-389E-44FF-AA24-37B6C9B4DC76}"/>
               </a:ext>
             </a:extLst>
           </p:cNvPr>
@@ -15663,7 +16537,7 @@
             <p:cNvPr id="5" name="TextBox 4">
               <a:extLst>
                 <a:ext uri="{FF2B5EF4-FFF2-40B4-BE49-F238E27FC236}">
-                  <a16:creationId xmlns:a16="http://schemas.microsoft.com/office/drawing/2014/main" xmlns="" id="{AF3AF097-9362-4F73-9EAD-0944B4D4BA4F}"/>
+                  <a16:creationId xmlns="" xmlns:a16="http://schemas.microsoft.com/office/drawing/2014/main" id="{AF3AF097-9362-4F73-9EAD-0944B4D4BA4F}"/>
                 </a:ext>
               </a:extLst>
             </p:cNvPr>
@@ -15934,7 +16808,7 @@
             <p:cNvPr id="6" name="TextBox 5">
               <a:extLst>
                 <a:ext uri="{FF2B5EF4-FFF2-40B4-BE49-F238E27FC236}">
-                  <a16:creationId xmlns:a16="http://schemas.microsoft.com/office/drawing/2014/main" xmlns="" id="{8BE155AA-8194-49BE-BC6B-06787A92C3A5}"/>
+                  <a16:creationId xmlns="" xmlns:a16="http://schemas.microsoft.com/office/drawing/2014/main" id="{8BE155AA-8194-49BE-BC6B-06787A92C3A5}"/>
                 </a:ext>
               </a:extLst>
             </p:cNvPr>
@@ -16013,7 +16887,7 @@
           <p:cNvPr id="12" name="그룹 10">
             <a:extLst>
               <a:ext uri="{FF2B5EF4-FFF2-40B4-BE49-F238E27FC236}">
-                <a16:creationId xmlns:a16="http://schemas.microsoft.com/office/drawing/2014/main" xmlns="" id="{47838B9D-01CB-4D32-80E7-D56CEB22CE13}"/>
+                <a16:creationId xmlns="" xmlns:a16="http://schemas.microsoft.com/office/drawing/2014/main" id="{47838B9D-01CB-4D32-80E7-D56CEB22CE13}"/>
               </a:ext>
             </a:extLst>
           </p:cNvPr>
@@ -16033,7 +16907,7 @@
             <p:cNvPr id="7" name="TextBox 6">
               <a:extLst>
                 <a:ext uri="{FF2B5EF4-FFF2-40B4-BE49-F238E27FC236}">
-                  <a16:creationId xmlns:a16="http://schemas.microsoft.com/office/drawing/2014/main" xmlns="" id="{60D79912-AF9F-4A6C-8ADA-DA2A138A4E78}"/>
+                  <a16:creationId xmlns="" xmlns:a16="http://schemas.microsoft.com/office/drawing/2014/main" id="{60D79912-AF9F-4A6C-8ADA-DA2A138A4E78}"/>
                 </a:ext>
               </a:extLst>
             </p:cNvPr>
@@ -16181,7 +17055,7 @@
             <p:cNvPr id="8" name="TextBox 7">
               <a:extLst>
                 <a:ext uri="{FF2B5EF4-FFF2-40B4-BE49-F238E27FC236}">
-                  <a16:creationId xmlns:a16="http://schemas.microsoft.com/office/drawing/2014/main" xmlns="" id="{7820947D-ACAF-4042-931F-296B77339F23}"/>
+                  <a16:creationId xmlns="" xmlns:a16="http://schemas.microsoft.com/office/drawing/2014/main" id="{7820947D-ACAF-4042-931F-296B77339F23}"/>
                 </a:ext>
               </a:extLst>
             </p:cNvPr>
@@ -16323,7 +17197,7 @@
           <p:cNvPr id="13" name="그룹 12">
             <a:extLst>
               <a:ext uri="{FF2B5EF4-FFF2-40B4-BE49-F238E27FC236}">
-                <a16:creationId xmlns:a16="http://schemas.microsoft.com/office/drawing/2014/main" xmlns="" id="{99ACA6B8-E117-4FB4-926D-0139DCB2ADB9}"/>
+                <a16:creationId xmlns="" xmlns:a16="http://schemas.microsoft.com/office/drawing/2014/main" id="{99ACA6B8-E117-4FB4-926D-0139DCB2ADB9}"/>
               </a:ext>
             </a:extLst>
           </p:cNvPr>
@@ -16343,7 +17217,7 @@
             <p:cNvPr id="9" name="TextBox 8">
               <a:extLst>
                 <a:ext uri="{FF2B5EF4-FFF2-40B4-BE49-F238E27FC236}">
-                  <a16:creationId xmlns:a16="http://schemas.microsoft.com/office/drawing/2014/main" xmlns="" id="{801F9362-5707-46BA-A63A-3EFFE07379DF}"/>
+                  <a16:creationId xmlns="" xmlns:a16="http://schemas.microsoft.com/office/drawing/2014/main" id="{801F9362-5707-46BA-A63A-3EFFE07379DF}"/>
                 </a:ext>
               </a:extLst>
             </p:cNvPr>
@@ -16446,7 +17320,7 @@
             <p:cNvPr id="10" name="TextBox 9">
               <a:extLst>
                 <a:ext uri="{FF2B5EF4-FFF2-40B4-BE49-F238E27FC236}">
-                  <a16:creationId xmlns:a16="http://schemas.microsoft.com/office/drawing/2014/main" xmlns="" id="{5AD557C9-0EEB-46CC-BFCD-F4E84813A48B}"/>
+                  <a16:creationId xmlns="" xmlns:a16="http://schemas.microsoft.com/office/drawing/2014/main" id="{5AD557C9-0EEB-46CC-BFCD-F4E84813A48B}"/>
                 </a:ext>
               </a:extLst>
             </p:cNvPr>
@@ -16546,7 +17420,7 @@
           <p:cNvPr id="14" name="그룹 16">
             <a:extLst>
               <a:ext uri="{FF2B5EF4-FFF2-40B4-BE49-F238E27FC236}">
-                <a16:creationId xmlns:a16="http://schemas.microsoft.com/office/drawing/2014/main" xmlns="" id="{596AF779-06A3-4E89-82D4-B3E821D83502}"/>
+                <a16:creationId xmlns="" xmlns:a16="http://schemas.microsoft.com/office/drawing/2014/main" id="{596AF779-06A3-4E89-82D4-B3E821D83502}"/>
               </a:ext>
             </a:extLst>
           </p:cNvPr>
@@ -16566,7 +17440,7 @@
             <p:cNvPr id="15" name="직선 연결선 14">
               <a:extLst>
                 <a:ext uri="{FF2B5EF4-FFF2-40B4-BE49-F238E27FC236}">
-                  <a16:creationId xmlns:a16="http://schemas.microsoft.com/office/drawing/2014/main" xmlns="" id="{0F09DE89-05D8-4C00-B13B-1E86BD2B1E15}"/>
+                  <a16:creationId xmlns="" xmlns:a16="http://schemas.microsoft.com/office/drawing/2014/main" id="{0F09DE89-05D8-4C00-B13B-1E86BD2B1E15}"/>
                 </a:ext>
               </a:extLst>
             </p:cNvPr>
@@ -16610,7 +17484,7 @@
             <p:cNvPr id="16" name="직선 연결선 15">
               <a:extLst>
                 <a:ext uri="{FF2B5EF4-FFF2-40B4-BE49-F238E27FC236}">
-                  <a16:creationId xmlns:a16="http://schemas.microsoft.com/office/drawing/2014/main" xmlns="" id="{8AD7F6C3-87E0-47D0-9FF0-89E7C39554B7}"/>
+                  <a16:creationId xmlns="" xmlns:a16="http://schemas.microsoft.com/office/drawing/2014/main" id="{8AD7F6C3-87E0-47D0-9FF0-89E7C39554B7}"/>
                 </a:ext>
               </a:extLst>
             </p:cNvPr>
@@ -16679,7 +17553,7 @@
     </p:spTree>
     <p:extLst>
       <p:ext uri="{BB962C8B-B14F-4D97-AF65-F5344CB8AC3E}">
-        <p14:creationId xmlns:p14="http://schemas.microsoft.com/office/powerpoint/2010/main" xmlns="" val="1972823999"/>
+        <p14:creationId xmlns="" xmlns:p14="http://schemas.microsoft.com/office/powerpoint/2010/main" val="1972823999"/>
       </p:ext>
     </p:extLst>
   </p:cSld>
@@ -16718,7 +17592,7 @@
           <p:cNvPr id="2" name="직사각형 1">
             <a:extLst>
               <a:ext uri="{FF2B5EF4-FFF2-40B4-BE49-F238E27FC236}">
-                <a16:creationId xmlns:a16="http://schemas.microsoft.com/office/drawing/2014/main" xmlns="" id="{11A62586-B708-4471-8640-ED72F76F9C56}"/>
+                <a16:creationId xmlns="" xmlns:a16="http://schemas.microsoft.com/office/drawing/2014/main" id="{11A62586-B708-4471-8640-ED72F76F9C56}"/>
               </a:ext>
             </a:extLst>
           </p:cNvPr>
@@ -16786,7 +17660,7 @@
           <p:cNvPr id="3" name="TextBox 2">
             <a:extLst>
               <a:ext uri="{FF2B5EF4-FFF2-40B4-BE49-F238E27FC236}">
-                <a16:creationId xmlns:a16="http://schemas.microsoft.com/office/drawing/2014/main" xmlns="" id="{988CFF69-148F-4807-9880-44F95FE3A9DC}"/>
+                <a16:creationId xmlns="" xmlns:a16="http://schemas.microsoft.com/office/drawing/2014/main" id="{988CFF69-148F-4807-9880-44F95FE3A9DC}"/>
               </a:ext>
             </a:extLst>
           </p:cNvPr>
@@ -16843,7 +17717,7 @@
           <p:cNvPr id="11" name="그룹 11">
             <a:extLst>
               <a:ext uri="{FF2B5EF4-FFF2-40B4-BE49-F238E27FC236}">
-                <a16:creationId xmlns:a16="http://schemas.microsoft.com/office/drawing/2014/main" xmlns="" id="{3C4EB2F0-389E-44FF-AA24-37B6C9B4DC76}"/>
+                <a16:creationId xmlns="" xmlns:a16="http://schemas.microsoft.com/office/drawing/2014/main" id="{3C4EB2F0-389E-44FF-AA24-37B6C9B4DC76}"/>
               </a:ext>
             </a:extLst>
           </p:cNvPr>
@@ -16863,7 +17737,7 @@
             <p:cNvPr id="5" name="TextBox 4">
               <a:extLst>
                 <a:ext uri="{FF2B5EF4-FFF2-40B4-BE49-F238E27FC236}">
-                  <a16:creationId xmlns:a16="http://schemas.microsoft.com/office/drawing/2014/main" xmlns="" id="{AF3AF097-9362-4F73-9EAD-0944B4D4BA4F}"/>
+                  <a16:creationId xmlns="" xmlns:a16="http://schemas.microsoft.com/office/drawing/2014/main" id="{AF3AF097-9362-4F73-9EAD-0944B4D4BA4F}"/>
                 </a:ext>
               </a:extLst>
             </p:cNvPr>
@@ -17050,7 +17924,7 @@
             <p:cNvPr id="6" name="TextBox 5">
               <a:extLst>
                 <a:ext uri="{FF2B5EF4-FFF2-40B4-BE49-F238E27FC236}">
-                  <a16:creationId xmlns:a16="http://schemas.microsoft.com/office/drawing/2014/main" xmlns="" id="{8BE155AA-8194-49BE-BC6B-06787A92C3A5}"/>
+                  <a16:creationId xmlns="" xmlns:a16="http://schemas.microsoft.com/office/drawing/2014/main" id="{8BE155AA-8194-49BE-BC6B-06787A92C3A5}"/>
                 </a:ext>
               </a:extLst>
             </p:cNvPr>
@@ -17129,7 +18003,7 @@
           <p:cNvPr id="12" name="그룹 10">
             <a:extLst>
               <a:ext uri="{FF2B5EF4-FFF2-40B4-BE49-F238E27FC236}">
-                <a16:creationId xmlns:a16="http://schemas.microsoft.com/office/drawing/2014/main" xmlns="" id="{47838B9D-01CB-4D32-80E7-D56CEB22CE13}"/>
+                <a16:creationId xmlns="" xmlns:a16="http://schemas.microsoft.com/office/drawing/2014/main" id="{47838B9D-01CB-4D32-80E7-D56CEB22CE13}"/>
               </a:ext>
             </a:extLst>
           </p:cNvPr>
@@ -17149,7 +18023,7 @@
             <p:cNvPr id="7" name="TextBox 6">
               <a:extLst>
                 <a:ext uri="{FF2B5EF4-FFF2-40B4-BE49-F238E27FC236}">
-                  <a16:creationId xmlns:a16="http://schemas.microsoft.com/office/drawing/2014/main" xmlns="" id="{60D79912-AF9F-4A6C-8ADA-DA2A138A4E78}"/>
+                  <a16:creationId xmlns="" xmlns:a16="http://schemas.microsoft.com/office/drawing/2014/main" id="{60D79912-AF9F-4A6C-8ADA-DA2A138A4E78}"/>
                 </a:ext>
               </a:extLst>
             </p:cNvPr>
@@ -17336,7 +18210,7 @@
             <p:cNvPr id="8" name="TextBox 7">
               <a:extLst>
                 <a:ext uri="{FF2B5EF4-FFF2-40B4-BE49-F238E27FC236}">
-                  <a16:creationId xmlns:a16="http://schemas.microsoft.com/office/drawing/2014/main" xmlns="" id="{7820947D-ACAF-4042-931F-296B77339F23}"/>
+                  <a16:creationId xmlns="" xmlns:a16="http://schemas.microsoft.com/office/drawing/2014/main" id="{7820947D-ACAF-4042-931F-296B77339F23}"/>
                 </a:ext>
               </a:extLst>
             </p:cNvPr>
@@ -17436,7 +18310,7 @@
           <p:cNvPr id="13" name="그룹 12">
             <a:extLst>
               <a:ext uri="{FF2B5EF4-FFF2-40B4-BE49-F238E27FC236}">
-                <a16:creationId xmlns:a16="http://schemas.microsoft.com/office/drawing/2014/main" xmlns="" id="{99ACA6B8-E117-4FB4-926D-0139DCB2ADB9}"/>
+                <a16:creationId xmlns="" xmlns:a16="http://schemas.microsoft.com/office/drawing/2014/main" id="{99ACA6B8-E117-4FB4-926D-0139DCB2ADB9}"/>
               </a:ext>
             </a:extLst>
           </p:cNvPr>
@@ -17456,7 +18330,7 @@
             <p:cNvPr id="9" name="TextBox 8">
               <a:extLst>
                 <a:ext uri="{FF2B5EF4-FFF2-40B4-BE49-F238E27FC236}">
-                  <a16:creationId xmlns:a16="http://schemas.microsoft.com/office/drawing/2014/main" xmlns="" id="{801F9362-5707-46BA-A63A-3EFFE07379DF}"/>
+                  <a16:creationId xmlns="" xmlns:a16="http://schemas.microsoft.com/office/drawing/2014/main" id="{801F9362-5707-46BA-A63A-3EFFE07379DF}"/>
                 </a:ext>
               </a:extLst>
             </p:cNvPr>
@@ -17643,7 +18517,7 @@
             <p:cNvPr id="10" name="TextBox 9">
               <a:extLst>
                 <a:ext uri="{FF2B5EF4-FFF2-40B4-BE49-F238E27FC236}">
-                  <a16:creationId xmlns:a16="http://schemas.microsoft.com/office/drawing/2014/main" xmlns="" id="{5AD557C9-0EEB-46CC-BFCD-F4E84813A48B}"/>
+                  <a16:creationId xmlns="" xmlns:a16="http://schemas.microsoft.com/office/drawing/2014/main" id="{5AD557C9-0EEB-46CC-BFCD-F4E84813A48B}"/>
                 </a:ext>
               </a:extLst>
             </p:cNvPr>
@@ -17743,7 +18617,7 @@
           <p:cNvPr id="14" name="그룹 16">
             <a:extLst>
               <a:ext uri="{FF2B5EF4-FFF2-40B4-BE49-F238E27FC236}">
-                <a16:creationId xmlns:a16="http://schemas.microsoft.com/office/drawing/2014/main" xmlns="" id="{596AF779-06A3-4E89-82D4-B3E821D83502}"/>
+                <a16:creationId xmlns="" xmlns:a16="http://schemas.microsoft.com/office/drawing/2014/main" id="{596AF779-06A3-4E89-82D4-B3E821D83502}"/>
               </a:ext>
             </a:extLst>
           </p:cNvPr>
@@ -17763,7 +18637,7 @@
             <p:cNvPr id="15" name="직선 연결선 14">
               <a:extLst>
                 <a:ext uri="{FF2B5EF4-FFF2-40B4-BE49-F238E27FC236}">
-                  <a16:creationId xmlns:a16="http://schemas.microsoft.com/office/drawing/2014/main" xmlns="" id="{0F09DE89-05D8-4C00-B13B-1E86BD2B1E15}"/>
+                  <a16:creationId xmlns="" xmlns:a16="http://schemas.microsoft.com/office/drawing/2014/main" id="{0F09DE89-05D8-4C00-B13B-1E86BD2B1E15}"/>
                 </a:ext>
               </a:extLst>
             </p:cNvPr>
@@ -17807,7 +18681,7 @@
             <p:cNvPr id="16" name="직선 연결선 15">
               <a:extLst>
                 <a:ext uri="{FF2B5EF4-FFF2-40B4-BE49-F238E27FC236}">
-                  <a16:creationId xmlns:a16="http://schemas.microsoft.com/office/drawing/2014/main" xmlns="" id="{8AD7F6C3-87E0-47D0-9FF0-89E7C39554B7}"/>
+                  <a16:creationId xmlns="" xmlns:a16="http://schemas.microsoft.com/office/drawing/2014/main" id="{8AD7F6C3-87E0-47D0-9FF0-89E7C39554B7}"/>
                 </a:ext>
               </a:extLst>
             </p:cNvPr>
@@ -17876,7 +18750,7 @@
     </p:spTree>
     <p:extLst>
       <p:ext uri="{BB962C8B-B14F-4D97-AF65-F5344CB8AC3E}">
-        <p14:creationId xmlns:p14="http://schemas.microsoft.com/office/powerpoint/2010/main" xmlns="" val="1972823999"/>
+        <p14:creationId xmlns="" xmlns:p14="http://schemas.microsoft.com/office/powerpoint/2010/main" val="1972823999"/>
       </p:ext>
     </p:extLst>
   </p:cSld>
@@ -17915,7 +18789,7 @@
           <p:cNvPr id="2" name="직사각형 1">
             <a:extLst>
               <a:ext uri="{FF2B5EF4-FFF2-40B4-BE49-F238E27FC236}">
-                <a16:creationId xmlns:a16="http://schemas.microsoft.com/office/drawing/2014/main" xmlns="" id="{11A62586-B708-4471-8640-ED72F76F9C56}"/>
+                <a16:creationId xmlns="" xmlns:a16="http://schemas.microsoft.com/office/drawing/2014/main" id="{11A62586-B708-4471-8640-ED72F76F9C56}"/>
               </a:ext>
             </a:extLst>
           </p:cNvPr>
@@ -17983,7 +18857,7 @@
           <p:cNvPr id="3" name="TextBox 2">
             <a:extLst>
               <a:ext uri="{FF2B5EF4-FFF2-40B4-BE49-F238E27FC236}">
-                <a16:creationId xmlns:a16="http://schemas.microsoft.com/office/drawing/2014/main" xmlns="" id="{988CFF69-148F-4807-9880-44F95FE3A9DC}"/>
+                <a16:creationId xmlns="" xmlns:a16="http://schemas.microsoft.com/office/drawing/2014/main" id="{988CFF69-148F-4807-9880-44F95FE3A9DC}"/>
               </a:ext>
             </a:extLst>
           </p:cNvPr>
@@ -18058,7 +18932,7 @@
           <p:cNvPr id="11" name="그룹 11">
             <a:extLst>
               <a:ext uri="{FF2B5EF4-FFF2-40B4-BE49-F238E27FC236}">
-                <a16:creationId xmlns:a16="http://schemas.microsoft.com/office/drawing/2014/main" xmlns="" id="{3C4EB2F0-389E-44FF-AA24-37B6C9B4DC76}"/>
+                <a16:creationId xmlns="" xmlns:a16="http://schemas.microsoft.com/office/drawing/2014/main" id="{3C4EB2F0-389E-44FF-AA24-37B6C9B4DC76}"/>
               </a:ext>
             </a:extLst>
           </p:cNvPr>
@@ -18078,7 +18952,7 @@
             <p:cNvPr id="5" name="TextBox 4">
               <a:extLst>
                 <a:ext uri="{FF2B5EF4-FFF2-40B4-BE49-F238E27FC236}">
-                  <a16:creationId xmlns:a16="http://schemas.microsoft.com/office/drawing/2014/main" xmlns="" id="{AF3AF097-9362-4F73-9EAD-0944B4D4BA4F}"/>
+                  <a16:creationId xmlns="" xmlns:a16="http://schemas.microsoft.com/office/drawing/2014/main" id="{AF3AF097-9362-4F73-9EAD-0944B4D4BA4F}"/>
                 </a:ext>
               </a:extLst>
             </p:cNvPr>
@@ -18265,7 +19139,7 @@
             <p:cNvPr id="6" name="TextBox 5">
               <a:extLst>
                 <a:ext uri="{FF2B5EF4-FFF2-40B4-BE49-F238E27FC236}">
-                  <a16:creationId xmlns:a16="http://schemas.microsoft.com/office/drawing/2014/main" xmlns="" id="{8BE155AA-8194-49BE-BC6B-06787A92C3A5}"/>
+                  <a16:creationId xmlns="" xmlns:a16="http://schemas.microsoft.com/office/drawing/2014/main" id="{8BE155AA-8194-49BE-BC6B-06787A92C3A5}"/>
                 </a:ext>
               </a:extLst>
             </p:cNvPr>
@@ -18446,7 +19320,7 @@
           <p:cNvPr id="12" name="그룹 10">
             <a:extLst>
               <a:ext uri="{FF2B5EF4-FFF2-40B4-BE49-F238E27FC236}">
-                <a16:creationId xmlns:a16="http://schemas.microsoft.com/office/drawing/2014/main" xmlns="" id="{47838B9D-01CB-4D32-80E7-D56CEB22CE13}"/>
+                <a16:creationId xmlns="" xmlns:a16="http://schemas.microsoft.com/office/drawing/2014/main" id="{47838B9D-01CB-4D32-80E7-D56CEB22CE13}"/>
               </a:ext>
             </a:extLst>
           </p:cNvPr>
@@ -18466,7 +19340,7 @@
             <p:cNvPr id="7" name="TextBox 6">
               <a:extLst>
                 <a:ext uri="{FF2B5EF4-FFF2-40B4-BE49-F238E27FC236}">
-                  <a16:creationId xmlns:a16="http://schemas.microsoft.com/office/drawing/2014/main" xmlns="" id="{60D79912-AF9F-4A6C-8ADA-DA2A138A4E78}"/>
+                  <a16:creationId xmlns="" xmlns:a16="http://schemas.microsoft.com/office/drawing/2014/main" id="{60D79912-AF9F-4A6C-8ADA-DA2A138A4E78}"/>
                 </a:ext>
               </a:extLst>
             </p:cNvPr>
@@ -18653,7 +19527,7 @@
             <p:cNvPr id="8" name="TextBox 7">
               <a:extLst>
                 <a:ext uri="{FF2B5EF4-FFF2-40B4-BE49-F238E27FC236}">
-                  <a16:creationId xmlns:a16="http://schemas.microsoft.com/office/drawing/2014/main" xmlns="" id="{7820947D-ACAF-4042-931F-296B77339F23}"/>
+                  <a16:creationId xmlns="" xmlns:a16="http://schemas.microsoft.com/office/drawing/2014/main" id="{7820947D-ACAF-4042-931F-296B77339F23}"/>
                 </a:ext>
               </a:extLst>
             </p:cNvPr>
@@ -18792,7 +19666,7 @@
           <p:cNvPr id="13" name="그룹 12">
             <a:extLst>
               <a:ext uri="{FF2B5EF4-FFF2-40B4-BE49-F238E27FC236}">
-                <a16:creationId xmlns:a16="http://schemas.microsoft.com/office/drawing/2014/main" xmlns="" id="{99ACA6B8-E117-4FB4-926D-0139DCB2ADB9}"/>
+                <a16:creationId xmlns="" xmlns:a16="http://schemas.microsoft.com/office/drawing/2014/main" id="{99ACA6B8-E117-4FB4-926D-0139DCB2ADB9}"/>
               </a:ext>
             </a:extLst>
           </p:cNvPr>
@@ -18812,7 +19686,7 @@
             <p:cNvPr id="9" name="TextBox 8">
               <a:extLst>
                 <a:ext uri="{FF2B5EF4-FFF2-40B4-BE49-F238E27FC236}">
-                  <a16:creationId xmlns:a16="http://schemas.microsoft.com/office/drawing/2014/main" xmlns="" id="{801F9362-5707-46BA-A63A-3EFFE07379DF}"/>
+                  <a16:creationId xmlns="" xmlns:a16="http://schemas.microsoft.com/office/drawing/2014/main" id="{801F9362-5707-46BA-A63A-3EFFE07379DF}"/>
                 </a:ext>
               </a:extLst>
             </p:cNvPr>
@@ -19210,7 +20084,7 @@
             <p:cNvPr id="10" name="TextBox 9">
               <a:extLst>
                 <a:ext uri="{FF2B5EF4-FFF2-40B4-BE49-F238E27FC236}">
-                  <a16:creationId xmlns:a16="http://schemas.microsoft.com/office/drawing/2014/main" xmlns="" id="{5AD557C9-0EEB-46CC-BFCD-F4E84813A48B}"/>
+                  <a16:creationId xmlns="" xmlns:a16="http://schemas.microsoft.com/office/drawing/2014/main" id="{5AD557C9-0EEB-46CC-BFCD-F4E84813A48B}"/>
                 </a:ext>
               </a:extLst>
             </p:cNvPr>
@@ -19310,7 +20184,7 @@
           <p:cNvPr id="14" name="그룹 16">
             <a:extLst>
               <a:ext uri="{FF2B5EF4-FFF2-40B4-BE49-F238E27FC236}">
-                <a16:creationId xmlns:a16="http://schemas.microsoft.com/office/drawing/2014/main" xmlns="" id="{596AF779-06A3-4E89-82D4-B3E821D83502}"/>
+                <a16:creationId xmlns="" xmlns:a16="http://schemas.microsoft.com/office/drawing/2014/main" id="{596AF779-06A3-4E89-82D4-B3E821D83502}"/>
               </a:ext>
             </a:extLst>
           </p:cNvPr>
@@ -19330,7 +20204,7 @@
             <p:cNvPr id="15" name="직선 연결선 14">
               <a:extLst>
                 <a:ext uri="{FF2B5EF4-FFF2-40B4-BE49-F238E27FC236}">
-                  <a16:creationId xmlns:a16="http://schemas.microsoft.com/office/drawing/2014/main" xmlns="" id="{0F09DE89-05D8-4C00-B13B-1E86BD2B1E15}"/>
+                  <a16:creationId xmlns="" xmlns:a16="http://schemas.microsoft.com/office/drawing/2014/main" id="{0F09DE89-05D8-4C00-B13B-1E86BD2B1E15}"/>
                 </a:ext>
               </a:extLst>
             </p:cNvPr>
@@ -19374,7 +20248,7 @@
             <p:cNvPr id="16" name="직선 연결선 15">
               <a:extLst>
                 <a:ext uri="{FF2B5EF4-FFF2-40B4-BE49-F238E27FC236}">
-                  <a16:creationId xmlns:a16="http://schemas.microsoft.com/office/drawing/2014/main" xmlns="" id="{8AD7F6C3-87E0-47D0-9FF0-89E7C39554B7}"/>
+                  <a16:creationId xmlns="" xmlns:a16="http://schemas.microsoft.com/office/drawing/2014/main" id="{8AD7F6C3-87E0-47D0-9FF0-89E7C39554B7}"/>
                 </a:ext>
               </a:extLst>
             </p:cNvPr>
@@ -19443,7 +20317,7 @@
     </p:spTree>
     <p:extLst>
       <p:ext uri="{BB962C8B-B14F-4D97-AF65-F5344CB8AC3E}">
-        <p14:creationId xmlns:p14="http://schemas.microsoft.com/office/powerpoint/2010/main" xmlns="" val="1972823999"/>
+        <p14:creationId xmlns="" xmlns:p14="http://schemas.microsoft.com/office/powerpoint/2010/main" val="1972823999"/>
       </p:ext>
     </p:extLst>
   </p:cSld>
@@ -19482,7 +20356,7 @@
           <p:cNvPr id="2" name="직사각형 1">
             <a:extLst>
               <a:ext uri="{FF2B5EF4-FFF2-40B4-BE49-F238E27FC236}">
-                <a16:creationId xmlns:a16="http://schemas.microsoft.com/office/drawing/2014/main" xmlns="" id="{11A62586-B708-4471-8640-ED72F76F9C56}"/>
+                <a16:creationId xmlns="" xmlns:a16="http://schemas.microsoft.com/office/drawing/2014/main" id="{11A62586-B708-4471-8640-ED72F76F9C56}"/>
               </a:ext>
             </a:extLst>
           </p:cNvPr>
@@ -19550,7 +20424,7 @@
           <p:cNvPr id="3" name="TextBox 2">
             <a:extLst>
               <a:ext uri="{FF2B5EF4-FFF2-40B4-BE49-F238E27FC236}">
-                <a16:creationId xmlns:a16="http://schemas.microsoft.com/office/drawing/2014/main" xmlns="" id="{988CFF69-148F-4807-9880-44F95FE3A9DC}"/>
+                <a16:creationId xmlns="" xmlns:a16="http://schemas.microsoft.com/office/drawing/2014/main" id="{988CFF69-148F-4807-9880-44F95FE3A9DC}"/>
               </a:ext>
             </a:extLst>
           </p:cNvPr>
@@ -19625,7 +20499,7 @@
           <p:cNvPr id="11" name="그룹 11">
             <a:extLst>
               <a:ext uri="{FF2B5EF4-FFF2-40B4-BE49-F238E27FC236}">
-                <a16:creationId xmlns:a16="http://schemas.microsoft.com/office/drawing/2014/main" xmlns="" id="{3C4EB2F0-389E-44FF-AA24-37B6C9B4DC76}"/>
+                <a16:creationId xmlns="" xmlns:a16="http://schemas.microsoft.com/office/drawing/2014/main" id="{3C4EB2F0-389E-44FF-AA24-37B6C9B4DC76}"/>
               </a:ext>
             </a:extLst>
           </p:cNvPr>
@@ -19645,7 +20519,7 @@
             <p:cNvPr id="5" name="TextBox 4">
               <a:extLst>
                 <a:ext uri="{FF2B5EF4-FFF2-40B4-BE49-F238E27FC236}">
-                  <a16:creationId xmlns:a16="http://schemas.microsoft.com/office/drawing/2014/main" xmlns="" id="{AF3AF097-9362-4F73-9EAD-0944B4D4BA4F}"/>
+                  <a16:creationId xmlns="" xmlns:a16="http://schemas.microsoft.com/office/drawing/2014/main" id="{AF3AF097-9362-4F73-9EAD-0944B4D4BA4F}"/>
                 </a:ext>
               </a:extLst>
             </p:cNvPr>
@@ -19860,7 +20734,7 @@
             <p:cNvPr id="6" name="TextBox 5">
               <a:extLst>
                 <a:ext uri="{FF2B5EF4-FFF2-40B4-BE49-F238E27FC236}">
-                  <a16:creationId xmlns:a16="http://schemas.microsoft.com/office/drawing/2014/main" xmlns="" id="{8BE155AA-8194-49BE-BC6B-06787A92C3A5}"/>
+                  <a16:creationId xmlns="" xmlns:a16="http://schemas.microsoft.com/office/drawing/2014/main" id="{8BE155AA-8194-49BE-BC6B-06787A92C3A5}"/>
                 </a:ext>
               </a:extLst>
             </p:cNvPr>
@@ -19939,7 +20813,7 @@
           <p:cNvPr id="12" name="그룹 10">
             <a:extLst>
               <a:ext uri="{FF2B5EF4-FFF2-40B4-BE49-F238E27FC236}">
-                <a16:creationId xmlns:a16="http://schemas.microsoft.com/office/drawing/2014/main" xmlns="" id="{47838B9D-01CB-4D32-80E7-D56CEB22CE13}"/>
+                <a16:creationId xmlns="" xmlns:a16="http://schemas.microsoft.com/office/drawing/2014/main" id="{47838B9D-01CB-4D32-80E7-D56CEB22CE13}"/>
               </a:ext>
             </a:extLst>
           </p:cNvPr>
@@ -19959,7 +20833,7 @@
             <p:cNvPr id="7" name="TextBox 6">
               <a:extLst>
                 <a:ext uri="{FF2B5EF4-FFF2-40B4-BE49-F238E27FC236}">
-                  <a16:creationId xmlns:a16="http://schemas.microsoft.com/office/drawing/2014/main" xmlns="" id="{60D79912-AF9F-4A6C-8ADA-DA2A138A4E78}"/>
+                  <a16:creationId xmlns="" xmlns:a16="http://schemas.microsoft.com/office/drawing/2014/main" id="{60D79912-AF9F-4A6C-8ADA-DA2A138A4E78}"/>
                 </a:ext>
               </a:extLst>
             </p:cNvPr>
@@ -20052,7 +20926,7 @@
             <p:cNvPr id="8" name="TextBox 7">
               <a:extLst>
                 <a:ext uri="{FF2B5EF4-FFF2-40B4-BE49-F238E27FC236}">
-                  <a16:creationId xmlns:a16="http://schemas.microsoft.com/office/drawing/2014/main" xmlns="" id="{7820947D-ACAF-4042-931F-296B77339F23}"/>
+                  <a16:creationId xmlns="" xmlns:a16="http://schemas.microsoft.com/office/drawing/2014/main" id="{7820947D-ACAF-4042-931F-296B77339F23}"/>
                 </a:ext>
               </a:extLst>
             </p:cNvPr>
@@ -20152,7 +21026,7 @@
           <p:cNvPr id="13" name="그룹 12">
             <a:extLst>
               <a:ext uri="{FF2B5EF4-FFF2-40B4-BE49-F238E27FC236}">
-                <a16:creationId xmlns:a16="http://schemas.microsoft.com/office/drawing/2014/main" xmlns="" id="{99ACA6B8-E117-4FB4-926D-0139DCB2ADB9}"/>
+                <a16:creationId xmlns="" xmlns:a16="http://schemas.microsoft.com/office/drawing/2014/main" id="{99ACA6B8-E117-4FB4-926D-0139DCB2ADB9}"/>
               </a:ext>
             </a:extLst>
           </p:cNvPr>
@@ -20172,7 +21046,7 @@
             <p:cNvPr id="9" name="TextBox 8">
               <a:extLst>
                 <a:ext uri="{FF2B5EF4-FFF2-40B4-BE49-F238E27FC236}">
-                  <a16:creationId xmlns:a16="http://schemas.microsoft.com/office/drawing/2014/main" xmlns="" id="{801F9362-5707-46BA-A63A-3EFFE07379DF}"/>
+                  <a16:creationId xmlns="" xmlns:a16="http://schemas.microsoft.com/office/drawing/2014/main" id="{801F9362-5707-46BA-A63A-3EFFE07379DF}"/>
                 </a:ext>
               </a:extLst>
             </p:cNvPr>
@@ -20377,7 +21251,7 @@
             <p:cNvPr id="10" name="TextBox 9">
               <a:extLst>
                 <a:ext uri="{FF2B5EF4-FFF2-40B4-BE49-F238E27FC236}">
-                  <a16:creationId xmlns:a16="http://schemas.microsoft.com/office/drawing/2014/main" xmlns="" id="{5AD557C9-0EEB-46CC-BFCD-F4E84813A48B}"/>
+                  <a16:creationId xmlns="" xmlns:a16="http://schemas.microsoft.com/office/drawing/2014/main" id="{5AD557C9-0EEB-46CC-BFCD-F4E84813A48B}"/>
                 </a:ext>
               </a:extLst>
             </p:cNvPr>
@@ -20498,7 +21372,7 @@
           <p:cNvPr id="14" name="그룹 16">
             <a:extLst>
               <a:ext uri="{FF2B5EF4-FFF2-40B4-BE49-F238E27FC236}">
-                <a16:creationId xmlns:a16="http://schemas.microsoft.com/office/drawing/2014/main" xmlns="" id="{596AF779-06A3-4E89-82D4-B3E821D83502}"/>
+                <a16:creationId xmlns="" xmlns:a16="http://schemas.microsoft.com/office/drawing/2014/main" id="{596AF779-06A3-4E89-82D4-B3E821D83502}"/>
               </a:ext>
             </a:extLst>
           </p:cNvPr>
@@ -20518,7 +21392,7 @@
             <p:cNvPr id="15" name="직선 연결선 14">
               <a:extLst>
                 <a:ext uri="{FF2B5EF4-FFF2-40B4-BE49-F238E27FC236}">
-                  <a16:creationId xmlns:a16="http://schemas.microsoft.com/office/drawing/2014/main" xmlns="" id="{0F09DE89-05D8-4C00-B13B-1E86BD2B1E15}"/>
+                  <a16:creationId xmlns="" xmlns:a16="http://schemas.microsoft.com/office/drawing/2014/main" id="{0F09DE89-05D8-4C00-B13B-1E86BD2B1E15}"/>
                 </a:ext>
               </a:extLst>
             </p:cNvPr>
@@ -20562,7 +21436,7 @@
             <p:cNvPr id="16" name="직선 연결선 15">
               <a:extLst>
                 <a:ext uri="{FF2B5EF4-FFF2-40B4-BE49-F238E27FC236}">
-                  <a16:creationId xmlns:a16="http://schemas.microsoft.com/office/drawing/2014/main" xmlns="" id="{8AD7F6C3-87E0-47D0-9FF0-89E7C39554B7}"/>
+                  <a16:creationId xmlns="" xmlns:a16="http://schemas.microsoft.com/office/drawing/2014/main" id="{8AD7F6C3-87E0-47D0-9FF0-89E7C39554B7}"/>
                 </a:ext>
               </a:extLst>
             </p:cNvPr>
@@ -20631,7 +21505,7 @@
     </p:spTree>
     <p:extLst>
       <p:ext uri="{BB962C8B-B14F-4D97-AF65-F5344CB8AC3E}">
-        <p14:creationId xmlns:p14="http://schemas.microsoft.com/office/powerpoint/2010/main" xmlns="" val="1972823999"/>
+        <p14:creationId xmlns="" xmlns:p14="http://schemas.microsoft.com/office/powerpoint/2010/main" val="1972823999"/>
       </p:ext>
     </p:extLst>
   </p:cSld>
@@ -20670,7 +21544,7 @@
           <p:cNvPr id="2" name="직사각형 1">
             <a:extLst>
               <a:ext uri="{FF2B5EF4-FFF2-40B4-BE49-F238E27FC236}">
-                <a16:creationId xmlns:a16="http://schemas.microsoft.com/office/drawing/2014/main" xmlns="" id="{11A62586-B708-4471-8640-ED72F76F9C56}"/>
+                <a16:creationId xmlns="" xmlns:a16="http://schemas.microsoft.com/office/drawing/2014/main" id="{11A62586-B708-4471-8640-ED72F76F9C56}"/>
               </a:ext>
             </a:extLst>
           </p:cNvPr>
@@ -20738,7 +21612,7 @@
           <p:cNvPr id="3" name="TextBox 2">
             <a:extLst>
               <a:ext uri="{FF2B5EF4-FFF2-40B4-BE49-F238E27FC236}">
-                <a16:creationId xmlns:a16="http://schemas.microsoft.com/office/drawing/2014/main" xmlns="" id="{988CFF69-148F-4807-9880-44F95FE3A9DC}"/>
+                <a16:creationId xmlns="" xmlns:a16="http://schemas.microsoft.com/office/drawing/2014/main" id="{988CFF69-148F-4807-9880-44F95FE3A9DC}"/>
               </a:ext>
             </a:extLst>
           </p:cNvPr>
@@ -20841,7 +21715,7 @@
           <p:cNvPr id="11" name="그룹 11">
             <a:extLst>
               <a:ext uri="{FF2B5EF4-FFF2-40B4-BE49-F238E27FC236}">
-                <a16:creationId xmlns:a16="http://schemas.microsoft.com/office/drawing/2014/main" xmlns="" id="{3C4EB2F0-389E-44FF-AA24-37B6C9B4DC76}"/>
+                <a16:creationId xmlns="" xmlns:a16="http://schemas.microsoft.com/office/drawing/2014/main" id="{3C4EB2F0-389E-44FF-AA24-37B6C9B4DC76}"/>
               </a:ext>
             </a:extLst>
           </p:cNvPr>
@@ -20861,7 +21735,7 @@
             <p:cNvPr id="5" name="TextBox 4">
               <a:extLst>
                 <a:ext uri="{FF2B5EF4-FFF2-40B4-BE49-F238E27FC236}">
-                  <a16:creationId xmlns:a16="http://schemas.microsoft.com/office/drawing/2014/main" xmlns="" id="{AF3AF097-9362-4F73-9EAD-0944B4D4BA4F}"/>
+                  <a16:creationId xmlns="" xmlns:a16="http://schemas.microsoft.com/office/drawing/2014/main" id="{AF3AF097-9362-4F73-9EAD-0944B4D4BA4F}"/>
                 </a:ext>
               </a:extLst>
             </p:cNvPr>
@@ -21027,7 +21901,7 @@
             <p:cNvPr id="6" name="TextBox 5">
               <a:extLst>
                 <a:ext uri="{FF2B5EF4-FFF2-40B4-BE49-F238E27FC236}">
-                  <a16:creationId xmlns:a16="http://schemas.microsoft.com/office/drawing/2014/main" xmlns="" id="{8BE155AA-8194-49BE-BC6B-06787A92C3A5}"/>
+                  <a16:creationId xmlns="" xmlns:a16="http://schemas.microsoft.com/office/drawing/2014/main" id="{8BE155AA-8194-49BE-BC6B-06787A92C3A5}"/>
                 </a:ext>
               </a:extLst>
             </p:cNvPr>
@@ -21106,7 +21980,7 @@
           <p:cNvPr id="12" name="그룹 10">
             <a:extLst>
               <a:ext uri="{FF2B5EF4-FFF2-40B4-BE49-F238E27FC236}">
-                <a16:creationId xmlns:a16="http://schemas.microsoft.com/office/drawing/2014/main" xmlns="" id="{47838B9D-01CB-4D32-80E7-D56CEB22CE13}"/>
+                <a16:creationId xmlns="" xmlns:a16="http://schemas.microsoft.com/office/drawing/2014/main" id="{47838B9D-01CB-4D32-80E7-D56CEB22CE13}"/>
               </a:ext>
             </a:extLst>
           </p:cNvPr>
@@ -21126,7 +22000,7 @@
             <p:cNvPr id="7" name="TextBox 6">
               <a:extLst>
                 <a:ext uri="{FF2B5EF4-FFF2-40B4-BE49-F238E27FC236}">
-                  <a16:creationId xmlns:a16="http://schemas.microsoft.com/office/drawing/2014/main" xmlns="" id="{60D79912-AF9F-4A6C-8ADA-DA2A138A4E78}"/>
+                  <a16:creationId xmlns="" xmlns:a16="http://schemas.microsoft.com/office/drawing/2014/main" id="{60D79912-AF9F-4A6C-8ADA-DA2A138A4E78}"/>
                 </a:ext>
               </a:extLst>
             </p:cNvPr>
@@ -21313,7 +22187,7 @@
             <p:cNvPr id="8" name="TextBox 7">
               <a:extLst>
                 <a:ext uri="{FF2B5EF4-FFF2-40B4-BE49-F238E27FC236}">
-                  <a16:creationId xmlns:a16="http://schemas.microsoft.com/office/drawing/2014/main" xmlns="" id="{7820947D-ACAF-4042-931F-296B77339F23}"/>
+                  <a16:creationId xmlns="" xmlns:a16="http://schemas.microsoft.com/office/drawing/2014/main" id="{7820947D-ACAF-4042-931F-296B77339F23}"/>
                 </a:ext>
               </a:extLst>
             </p:cNvPr>
@@ -21494,7 +22368,7 @@
           <p:cNvPr id="13" name="그룹 12">
             <a:extLst>
               <a:ext uri="{FF2B5EF4-FFF2-40B4-BE49-F238E27FC236}">
-                <a16:creationId xmlns:a16="http://schemas.microsoft.com/office/drawing/2014/main" xmlns="" id="{99ACA6B8-E117-4FB4-926D-0139DCB2ADB9}"/>
+                <a16:creationId xmlns="" xmlns:a16="http://schemas.microsoft.com/office/drawing/2014/main" id="{99ACA6B8-E117-4FB4-926D-0139DCB2ADB9}"/>
               </a:ext>
             </a:extLst>
           </p:cNvPr>
@@ -21514,7 +22388,7 @@
             <p:cNvPr id="9" name="TextBox 8">
               <a:extLst>
                 <a:ext uri="{FF2B5EF4-FFF2-40B4-BE49-F238E27FC236}">
-                  <a16:creationId xmlns:a16="http://schemas.microsoft.com/office/drawing/2014/main" xmlns="" id="{801F9362-5707-46BA-A63A-3EFFE07379DF}"/>
+                  <a16:creationId xmlns="" xmlns:a16="http://schemas.microsoft.com/office/drawing/2014/main" id="{801F9362-5707-46BA-A63A-3EFFE07379DF}"/>
                 </a:ext>
               </a:extLst>
             </p:cNvPr>
@@ -21719,7 +22593,7 @@
             <p:cNvPr id="10" name="TextBox 9">
               <a:extLst>
                 <a:ext uri="{FF2B5EF4-FFF2-40B4-BE49-F238E27FC236}">
-                  <a16:creationId xmlns:a16="http://schemas.microsoft.com/office/drawing/2014/main" xmlns="" id="{5AD557C9-0EEB-46CC-BFCD-F4E84813A48B}"/>
+                  <a16:creationId xmlns="" xmlns:a16="http://schemas.microsoft.com/office/drawing/2014/main" id="{5AD557C9-0EEB-46CC-BFCD-F4E84813A48B}"/>
                 </a:ext>
               </a:extLst>
             </p:cNvPr>
@@ -21840,7 +22714,7 @@
           <p:cNvPr id="14" name="그룹 16">
             <a:extLst>
               <a:ext uri="{FF2B5EF4-FFF2-40B4-BE49-F238E27FC236}">
-                <a16:creationId xmlns:a16="http://schemas.microsoft.com/office/drawing/2014/main" xmlns="" id="{596AF779-06A3-4E89-82D4-B3E821D83502}"/>
+                <a16:creationId xmlns="" xmlns:a16="http://schemas.microsoft.com/office/drawing/2014/main" id="{596AF779-06A3-4E89-82D4-B3E821D83502}"/>
               </a:ext>
             </a:extLst>
           </p:cNvPr>
@@ -21860,7 +22734,7 @@
             <p:cNvPr id="15" name="직선 연결선 14">
               <a:extLst>
                 <a:ext uri="{FF2B5EF4-FFF2-40B4-BE49-F238E27FC236}">
-                  <a16:creationId xmlns:a16="http://schemas.microsoft.com/office/drawing/2014/main" xmlns="" id="{0F09DE89-05D8-4C00-B13B-1E86BD2B1E15}"/>
+                  <a16:creationId xmlns="" xmlns:a16="http://schemas.microsoft.com/office/drawing/2014/main" id="{0F09DE89-05D8-4C00-B13B-1E86BD2B1E15}"/>
                 </a:ext>
               </a:extLst>
             </p:cNvPr>
@@ -21904,7 +22778,7 @@
             <p:cNvPr id="16" name="직선 연결선 15">
               <a:extLst>
                 <a:ext uri="{FF2B5EF4-FFF2-40B4-BE49-F238E27FC236}">
-                  <a16:creationId xmlns:a16="http://schemas.microsoft.com/office/drawing/2014/main" xmlns="" id="{8AD7F6C3-87E0-47D0-9FF0-89E7C39554B7}"/>
+                  <a16:creationId xmlns="" xmlns:a16="http://schemas.microsoft.com/office/drawing/2014/main" id="{8AD7F6C3-87E0-47D0-9FF0-89E7C39554B7}"/>
                 </a:ext>
               </a:extLst>
             </p:cNvPr>
@@ -21973,7 +22847,7 @@
     </p:spTree>
     <p:extLst>
       <p:ext uri="{BB962C8B-B14F-4D97-AF65-F5344CB8AC3E}">
-        <p14:creationId xmlns:p14="http://schemas.microsoft.com/office/powerpoint/2010/main" xmlns="" val="1972823999"/>
+        <p14:creationId xmlns="" xmlns:p14="http://schemas.microsoft.com/office/powerpoint/2010/main" val="1972823999"/>
       </p:ext>
     </p:extLst>
   </p:cSld>
@@ -22012,7 +22886,7 @@
           <p:cNvPr id="2" name="직사각형 1">
             <a:extLst>
               <a:ext uri="{FF2B5EF4-FFF2-40B4-BE49-F238E27FC236}">
-                <a16:creationId xmlns:a16="http://schemas.microsoft.com/office/drawing/2014/main" xmlns="" id="{72070133-B364-4648-B5B7-60879ABB5B30}"/>
+                <a16:creationId xmlns="" xmlns:a16="http://schemas.microsoft.com/office/drawing/2014/main" id="{72070133-B364-4648-B5B7-60879ABB5B30}"/>
               </a:ext>
             </a:extLst>
           </p:cNvPr>
@@ -22080,7 +22954,7 @@
           <p:cNvPr id="3" name="TextBox 2">
             <a:extLst>
               <a:ext uri="{FF2B5EF4-FFF2-40B4-BE49-F238E27FC236}">
-                <a16:creationId xmlns:a16="http://schemas.microsoft.com/office/drawing/2014/main" xmlns="" id="{046E9738-F6F0-4607-9DD9-40CC81694A89}"/>
+                <a16:creationId xmlns="" xmlns:a16="http://schemas.microsoft.com/office/drawing/2014/main" id="{046E9738-F6F0-4607-9DD9-40CC81694A89}"/>
               </a:ext>
             </a:extLst>
           </p:cNvPr>
@@ -22185,7 +23059,7 @@
           <p:cNvPr id="22" name="TextBox 21">
             <a:extLst>
               <a:ext uri="{FF2B5EF4-FFF2-40B4-BE49-F238E27FC236}">
-                <a16:creationId xmlns:a16="http://schemas.microsoft.com/office/drawing/2014/main" xmlns="" id="{84EBFBFD-2FF4-4DB6-A477-44E666F337B8}"/>
+                <a16:creationId xmlns="" xmlns:a16="http://schemas.microsoft.com/office/drawing/2014/main" id="{84EBFBFD-2FF4-4DB6-A477-44E666F337B8}"/>
               </a:ext>
             </a:extLst>
           </p:cNvPr>
@@ -22256,7 +23130,7 @@
           <p:cNvPr id="23" name="TextBox 22">
             <a:extLst>
               <a:ext uri="{FF2B5EF4-FFF2-40B4-BE49-F238E27FC236}">
-                <a16:creationId xmlns:a16="http://schemas.microsoft.com/office/drawing/2014/main" xmlns="" id="{86C3A1FA-525D-48F1-80FF-CE1F2E6E192A}"/>
+                <a16:creationId xmlns="" xmlns:a16="http://schemas.microsoft.com/office/drawing/2014/main" id="{86C3A1FA-525D-48F1-80FF-CE1F2E6E192A}"/>
               </a:ext>
             </a:extLst>
           </p:cNvPr>
@@ -22327,7 +23201,7 @@
           <p:cNvPr id="12" name="화살표: 오른쪽 11">
             <a:extLst>
               <a:ext uri="{FF2B5EF4-FFF2-40B4-BE49-F238E27FC236}">
-                <a16:creationId xmlns:a16="http://schemas.microsoft.com/office/drawing/2014/main" xmlns="" id="{30CD89BF-6867-4DEC-A584-D044116DB39A}"/>
+                <a16:creationId xmlns="" xmlns:a16="http://schemas.microsoft.com/office/drawing/2014/main" id="{30CD89BF-6867-4DEC-A584-D044116DB39A}"/>
               </a:ext>
             </a:extLst>
           </p:cNvPr>
@@ -22396,7 +23270,7 @@
     </p:spTree>
     <p:extLst>
       <p:ext uri="{BB962C8B-B14F-4D97-AF65-F5344CB8AC3E}">
-        <p14:creationId xmlns:p14="http://schemas.microsoft.com/office/powerpoint/2010/main" xmlns="" val="2488063734"/>
+        <p14:creationId xmlns="" xmlns:p14="http://schemas.microsoft.com/office/powerpoint/2010/main" val="2488063734"/>
       </p:ext>
     </p:extLst>
   </p:cSld>
@@ -22735,7 +23609,7 @@
   <a:extraClrSchemeLst/>
   <a:extLst>
     <a:ext uri="{05A4C25C-085E-4340-85A3-A5531E510DB2}">
-      <thm15:themeFamily xmlns:thm15="http://schemas.microsoft.com/office/thememl/2012/main" xmlns="" name="Office Theme" id="{62F939B6-93AF-4DB8-9C6B-D6C7DFDC589F}" vid="{4A3C46E8-61CC-4603-A589-7422A47A8E4A}"/>
+      <thm15:themeFamily xmlns="" xmlns:thm15="http://schemas.microsoft.com/office/thememl/2012/main" name="Office Theme" id="{62F939B6-93AF-4DB8-9C6B-D6C7DFDC589F}" vid="{4A3C46E8-61CC-4603-A589-7422A47A8E4A}"/>
     </a:ext>
   </a:extLst>
 </a:theme>

--- a/ppt/계획서 0530.pptx
+++ b/ppt/계획서 0530.pptx
@@ -23,16 +23,19 @@
     <p:sldId id="344" r:id="rId17"/>
     <p:sldId id="354" r:id="rId18"/>
     <p:sldId id="363" r:id="rId19"/>
-    <p:sldId id="364" r:id="rId20"/>
-    <p:sldId id="360" r:id="rId21"/>
-    <p:sldId id="355" r:id="rId22"/>
-    <p:sldId id="356" r:id="rId23"/>
-    <p:sldId id="362" r:id="rId24"/>
-    <p:sldId id="357" r:id="rId25"/>
-    <p:sldId id="361" r:id="rId26"/>
-    <p:sldId id="358" r:id="rId27"/>
-    <p:sldId id="359" r:id="rId28"/>
-    <p:sldId id="352" r:id="rId29"/>
+    <p:sldId id="366" r:id="rId20"/>
+    <p:sldId id="365" r:id="rId21"/>
+    <p:sldId id="364" r:id="rId22"/>
+    <p:sldId id="360" r:id="rId23"/>
+    <p:sldId id="355" r:id="rId24"/>
+    <p:sldId id="356" r:id="rId25"/>
+    <p:sldId id="362" r:id="rId26"/>
+    <p:sldId id="357" r:id="rId27"/>
+    <p:sldId id="361" r:id="rId28"/>
+    <p:sldId id="358" r:id="rId29"/>
+    <p:sldId id="367" r:id="rId30"/>
+    <p:sldId id="359" r:id="rId31"/>
+    <p:sldId id="352" r:id="rId32"/>
   </p:sldIdLst>
   <p:sldSz cx="12192000" cy="6858000"/>
   <p:notesSz cx="6858000" cy="9144000"/>
@@ -133,7 +136,7 @@
   </p:defaultTextStyle>
   <p:extLst>
     <p:ext uri="{EFAFB233-063F-42B5-8137-9DF3F51BA10A}">
-      <p15:sldGuideLst xmlns="" xmlns:p15="http://schemas.microsoft.com/office/powerpoint/2012/main">
+      <p15:sldGuideLst xmlns:p15="http://schemas.microsoft.com/office/powerpoint/2012/main" xmlns="">
         <p15:guide id="1" orient="horz" pos="414" userDrawn="1">
           <p15:clr>
             <a:srgbClr val="A4A3A4"/>
@@ -191,7 +194,7 @@
           <p:cNvPr id="4" name="날짜 개체 틀 3">
             <a:extLst>
               <a:ext uri="{FF2B5EF4-FFF2-40B4-BE49-F238E27FC236}">
-                <a16:creationId xmlns="" xmlns:a16="http://schemas.microsoft.com/office/drawing/2014/main" id="{DCABB5DF-ACE0-4263-91D8-62BC8CDC35B2}"/>
+                <a16:creationId xmlns:a16="http://schemas.microsoft.com/office/drawing/2014/main" xmlns="" id="{DCABB5DF-ACE0-4263-91D8-62BC8CDC35B2}"/>
               </a:ext>
             </a:extLst>
           </p:cNvPr>
@@ -221,7 +224,7 @@
           <p:cNvPr id="5" name="바닥글 개체 틀 4">
             <a:extLst>
               <a:ext uri="{FF2B5EF4-FFF2-40B4-BE49-F238E27FC236}">
-                <a16:creationId xmlns="" xmlns:a16="http://schemas.microsoft.com/office/drawing/2014/main" id="{B1E19A43-FFB5-4090-B330-C874EA781294}"/>
+                <a16:creationId xmlns:a16="http://schemas.microsoft.com/office/drawing/2014/main" xmlns="" id="{B1E19A43-FFB5-4090-B330-C874EA781294}"/>
               </a:ext>
             </a:extLst>
           </p:cNvPr>
@@ -246,7 +249,7 @@
           <p:cNvPr id="6" name="슬라이드 번호 개체 틀 5">
             <a:extLst>
               <a:ext uri="{FF2B5EF4-FFF2-40B4-BE49-F238E27FC236}">
-                <a16:creationId xmlns="" xmlns:a16="http://schemas.microsoft.com/office/drawing/2014/main" id="{74081902-B2B7-4891-8C1C-0BF164C8E5CE}"/>
+                <a16:creationId xmlns:a16="http://schemas.microsoft.com/office/drawing/2014/main" xmlns="" id="{74081902-B2B7-4891-8C1C-0BF164C8E5CE}"/>
               </a:ext>
             </a:extLst>
           </p:cNvPr>
@@ -274,7 +277,7 @@
     </p:spTree>
     <p:extLst>
       <p:ext uri="{BB962C8B-B14F-4D97-AF65-F5344CB8AC3E}">
-        <p14:creationId xmlns="" xmlns:p14="http://schemas.microsoft.com/office/powerpoint/2010/main" val="2090256290"/>
+        <p14:creationId xmlns:p14="http://schemas.microsoft.com/office/powerpoint/2010/main" xmlns="" val="2090256290"/>
       </p:ext>
     </p:extLst>
   </p:cSld>
@@ -306,7 +309,7 @@
           <p:cNvPr id="4" name="날짜 개체 틀 3">
             <a:extLst>
               <a:ext uri="{FF2B5EF4-FFF2-40B4-BE49-F238E27FC236}">
-                <a16:creationId xmlns="" xmlns:a16="http://schemas.microsoft.com/office/drawing/2014/main" id="{0BF73A13-136B-44FD-B634-A2EDA0293396}"/>
+                <a16:creationId xmlns:a16="http://schemas.microsoft.com/office/drawing/2014/main" xmlns="" id="{0BF73A13-136B-44FD-B634-A2EDA0293396}"/>
               </a:ext>
             </a:extLst>
           </p:cNvPr>
@@ -336,7 +339,7 @@
           <p:cNvPr id="5" name="바닥글 개체 틀 4">
             <a:extLst>
               <a:ext uri="{FF2B5EF4-FFF2-40B4-BE49-F238E27FC236}">
-                <a16:creationId xmlns="" xmlns:a16="http://schemas.microsoft.com/office/drawing/2014/main" id="{6946C323-653A-4D7C-BFC2-69EBBBB3F0E7}"/>
+                <a16:creationId xmlns:a16="http://schemas.microsoft.com/office/drawing/2014/main" xmlns="" id="{6946C323-653A-4D7C-BFC2-69EBBBB3F0E7}"/>
               </a:ext>
             </a:extLst>
           </p:cNvPr>
@@ -361,7 +364,7 @@
           <p:cNvPr id="6" name="슬라이드 번호 개체 틀 5">
             <a:extLst>
               <a:ext uri="{FF2B5EF4-FFF2-40B4-BE49-F238E27FC236}">
-                <a16:creationId xmlns="" xmlns:a16="http://schemas.microsoft.com/office/drawing/2014/main" id="{5F37327E-F93E-4114-BF15-926C9286327C}"/>
+                <a16:creationId xmlns:a16="http://schemas.microsoft.com/office/drawing/2014/main" xmlns="" id="{5F37327E-F93E-4114-BF15-926C9286327C}"/>
               </a:ext>
             </a:extLst>
           </p:cNvPr>
@@ -389,7 +392,7 @@
     </p:spTree>
     <p:extLst>
       <p:ext uri="{BB962C8B-B14F-4D97-AF65-F5344CB8AC3E}">
-        <p14:creationId xmlns="" xmlns:p14="http://schemas.microsoft.com/office/powerpoint/2010/main" val="478061970"/>
+        <p14:creationId xmlns:p14="http://schemas.microsoft.com/office/powerpoint/2010/main" xmlns="" val="478061970"/>
       </p:ext>
     </p:extLst>
   </p:cSld>
@@ -421,7 +424,7 @@
           <p:cNvPr id="4" name="날짜 개체 틀 3">
             <a:extLst>
               <a:ext uri="{FF2B5EF4-FFF2-40B4-BE49-F238E27FC236}">
-                <a16:creationId xmlns="" xmlns:a16="http://schemas.microsoft.com/office/drawing/2014/main" id="{0BF73A13-136B-44FD-B634-A2EDA0293396}"/>
+                <a16:creationId xmlns:a16="http://schemas.microsoft.com/office/drawing/2014/main" xmlns="" id="{0BF73A13-136B-44FD-B634-A2EDA0293396}"/>
               </a:ext>
             </a:extLst>
           </p:cNvPr>
@@ -451,7 +454,7 @@
           <p:cNvPr id="5" name="바닥글 개체 틀 4">
             <a:extLst>
               <a:ext uri="{FF2B5EF4-FFF2-40B4-BE49-F238E27FC236}">
-                <a16:creationId xmlns="" xmlns:a16="http://schemas.microsoft.com/office/drawing/2014/main" id="{6946C323-653A-4D7C-BFC2-69EBBBB3F0E7}"/>
+                <a16:creationId xmlns:a16="http://schemas.microsoft.com/office/drawing/2014/main" xmlns="" id="{6946C323-653A-4D7C-BFC2-69EBBBB3F0E7}"/>
               </a:ext>
             </a:extLst>
           </p:cNvPr>
@@ -476,7 +479,7 @@
           <p:cNvPr id="6" name="슬라이드 번호 개체 틀 5">
             <a:extLst>
               <a:ext uri="{FF2B5EF4-FFF2-40B4-BE49-F238E27FC236}">
-                <a16:creationId xmlns="" xmlns:a16="http://schemas.microsoft.com/office/drawing/2014/main" id="{5F37327E-F93E-4114-BF15-926C9286327C}"/>
+                <a16:creationId xmlns:a16="http://schemas.microsoft.com/office/drawing/2014/main" xmlns="" id="{5F37327E-F93E-4114-BF15-926C9286327C}"/>
               </a:ext>
             </a:extLst>
           </p:cNvPr>
@@ -506,7 +509,7 @@
           <p:cNvPr id="7" name="그룹 6">
             <a:extLst>
               <a:ext uri="{FF2B5EF4-FFF2-40B4-BE49-F238E27FC236}">
-                <a16:creationId xmlns="" xmlns:a16="http://schemas.microsoft.com/office/drawing/2014/main" id="{F42ECFBB-90B1-4049-957E-86C75031F1A0}"/>
+                <a16:creationId xmlns:a16="http://schemas.microsoft.com/office/drawing/2014/main" xmlns="" id="{F42ECFBB-90B1-4049-957E-86C75031F1A0}"/>
               </a:ext>
             </a:extLst>
           </p:cNvPr>
@@ -526,7 +529,7 @@
             <p:cNvPr id="8" name="직사각형 7">
               <a:extLst>
                 <a:ext uri="{FF2B5EF4-FFF2-40B4-BE49-F238E27FC236}">
-                  <a16:creationId xmlns="" xmlns:a16="http://schemas.microsoft.com/office/drawing/2014/main" id="{32CDB354-79B2-4857-AC8F-F2FA471CFA63}"/>
+                  <a16:creationId xmlns:a16="http://schemas.microsoft.com/office/drawing/2014/main" xmlns="" id="{32CDB354-79B2-4857-AC8F-F2FA471CFA63}"/>
                 </a:ext>
               </a:extLst>
             </p:cNvPr>
@@ -581,7 +584,7 @@
             <p:cNvPr id="9" name="직사각형 8">
               <a:extLst>
                 <a:ext uri="{FF2B5EF4-FFF2-40B4-BE49-F238E27FC236}">
-                  <a16:creationId xmlns="" xmlns:a16="http://schemas.microsoft.com/office/drawing/2014/main" id="{81ED7353-FD7B-490D-A4F1-B8D4E4A8DA06}"/>
+                  <a16:creationId xmlns:a16="http://schemas.microsoft.com/office/drawing/2014/main" xmlns="" id="{81ED7353-FD7B-490D-A4F1-B8D4E4A8DA06}"/>
                 </a:ext>
               </a:extLst>
             </p:cNvPr>
@@ -636,7 +639,7 @@
             <p:cNvPr id="10" name="직사각형 9">
               <a:extLst>
                 <a:ext uri="{FF2B5EF4-FFF2-40B4-BE49-F238E27FC236}">
-                  <a16:creationId xmlns="" xmlns:a16="http://schemas.microsoft.com/office/drawing/2014/main" id="{AC32EF95-F425-4EE9-9C1E-0ABD3A0C11E9}"/>
+                  <a16:creationId xmlns:a16="http://schemas.microsoft.com/office/drawing/2014/main" xmlns="" id="{AC32EF95-F425-4EE9-9C1E-0ABD3A0C11E9}"/>
                 </a:ext>
               </a:extLst>
             </p:cNvPr>
@@ -691,7 +694,7 @@
             <p:cNvPr id="11" name="직사각형 10">
               <a:extLst>
                 <a:ext uri="{FF2B5EF4-FFF2-40B4-BE49-F238E27FC236}">
-                  <a16:creationId xmlns="" xmlns:a16="http://schemas.microsoft.com/office/drawing/2014/main" id="{0ADDC676-77DA-4860-B02A-7757CCBA214B}"/>
+                  <a16:creationId xmlns:a16="http://schemas.microsoft.com/office/drawing/2014/main" xmlns="" id="{0ADDC676-77DA-4860-B02A-7757CCBA214B}"/>
                 </a:ext>
               </a:extLst>
             </p:cNvPr>
@@ -746,7 +749,7 @@
             <p:cNvPr id="12" name="직사각형 11">
               <a:extLst>
                 <a:ext uri="{FF2B5EF4-FFF2-40B4-BE49-F238E27FC236}">
-                  <a16:creationId xmlns="" xmlns:a16="http://schemas.microsoft.com/office/drawing/2014/main" id="{9C6EDBB3-13C6-4DF9-87EC-8E81F162639A}"/>
+                  <a16:creationId xmlns:a16="http://schemas.microsoft.com/office/drawing/2014/main" xmlns="" id="{9C6EDBB3-13C6-4DF9-87EC-8E81F162639A}"/>
                 </a:ext>
               </a:extLst>
             </p:cNvPr>
@@ -801,7 +804,7 @@
             <p:cNvPr id="13" name="직사각형 12">
               <a:extLst>
                 <a:ext uri="{FF2B5EF4-FFF2-40B4-BE49-F238E27FC236}">
-                  <a16:creationId xmlns="" xmlns:a16="http://schemas.microsoft.com/office/drawing/2014/main" id="{BBDE3C49-6084-4565-8935-9ECADB3DB9D0}"/>
+                  <a16:creationId xmlns:a16="http://schemas.microsoft.com/office/drawing/2014/main" xmlns="" id="{BBDE3C49-6084-4565-8935-9ECADB3DB9D0}"/>
                 </a:ext>
               </a:extLst>
             </p:cNvPr>
@@ -856,7 +859,7 @@
             <p:cNvPr id="14" name="직사각형 13">
               <a:extLst>
                 <a:ext uri="{FF2B5EF4-FFF2-40B4-BE49-F238E27FC236}">
-                  <a16:creationId xmlns="" xmlns:a16="http://schemas.microsoft.com/office/drawing/2014/main" id="{7F9CA213-D095-431C-B808-E626396E0E2C}"/>
+                  <a16:creationId xmlns:a16="http://schemas.microsoft.com/office/drawing/2014/main" xmlns="" id="{7F9CA213-D095-431C-B808-E626396E0E2C}"/>
                 </a:ext>
               </a:extLst>
             </p:cNvPr>
@@ -911,7 +914,7 @@
             <p:cNvPr id="15" name="직사각형 14">
               <a:extLst>
                 <a:ext uri="{FF2B5EF4-FFF2-40B4-BE49-F238E27FC236}">
-                  <a16:creationId xmlns="" xmlns:a16="http://schemas.microsoft.com/office/drawing/2014/main" id="{79E2C2F1-2D2D-4DED-8F7C-88C50A7908CC}"/>
+                  <a16:creationId xmlns:a16="http://schemas.microsoft.com/office/drawing/2014/main" xmlns="" id="{79E2C2F1-2D2D-4DED-8F7C-88C50A7908CC}"/>
                 </a:ext>
               </a:extLst>
             </p:cNvPr>
@@ -966,7 +969,7 @@
             <p:cNvPr id="16" name="직사각형 15">
               <a:extLst>
                 <a:ext uri="{FF2B5EF4-FFF2-40B4-BE49-F238E27FC236}">
-                  <a16:creationId xmlns="" xmlns:a16="http://schemas.microsoft.com/office/drawing/2014/main" id="{2A399480-8E5E-4D4F-A81F-A057FE008791}"/>
+                  <a16:creationId xmlns:a16="http://schemas.microsoft.com/office/drawing/2014/main" xmlns="" id="{2A399480-8E5E-4D4F-A81F-A057FE008791}"/>
                 </a:ext>
               </a:extLst>
             </p:cNvPr>
@@ -1021,7 +1024,7 @@
             <p:cNvPr id="17" name="직사각형 16">
               <a:extLst>
                 <a:ext uri="{FF2B5EF4-FFF2-40B4-BE49-F238E27FC236}">
-                  <a16:creationId xmlns="" xmlns:a16="http://schemas.microsoft.com/office/drawing/2014/main" id="{4195D11B-D6AD-447A-A52C-1763C9A733BF}"/>
+                  <a16:creationId xmlns:a16="http://schemas.microsoft.com/office/drawing/2014/main" xmlns="" id="{4195D11B-D6AD-447A-A52C-1763C9A733BF}"/>
                 </a:ext>
               </a:extLst>
             </p:cNvPr>
@@ -1076,7 +1079,7 @@
             <p:cNvPr id="18" name="직사각형 17">
               <a:extLst>
                 <a:ext uri="{FF2B5EF4-FFF2-40B4-BE49-F238E27FC236}">
-                  <a16:creationId xmlns="" xmlns:a16="http://schemas.microsoft.com/office/drawing/2014/main" id="{FF93DC87-9C65-43DF-AA91-BF86A49AC667}"/>
+                  <a16:creationId xmlns:a16="http://schemas.microsoft.com/office/drawing/2014/main" xmlns="" id="{FF93DC87-9C65-43DF-AA91-BF86A49AC667}"/>
                 </a:ext>
               </a:extLst>
             </p:cNvPr>
@@ -1131,7 +1134,7 @@
             <p:cNvPr id="19" name="직사각형 18">
               <a:extLst>
                 <a:ext uri="{FF2B5EF4-FFF2-40B4-BE49-F238E27FC236}">
-                  <a16:creationId xmlns="" xmlns:a16="http://schemas.microsoft.com/office/drawing/2014/main" id="{BD591F60-D4DB-4A0B-97EA-BD4D50C99C26}"/>
+                  <a16:creationId xmlns:a16="http://schemas.microsoft.com/office/drawing/2014/main" xmlns="" id="{BD591F60-D4DB-4A0B-97EA-BD4D50C99C26}"/>
                 </a:ext>
               </a:extLst>
             </p:cNvPr>
@@ -1186,7 +1189,7 @@
             <p:cNvPr id="20" name="직사각형 19">
               <a:extLst>
                 <a:ext uri="{FF2B5EF4-FFF2-40B4-BE49-F238E27FC236}">
-                  <a16:creationId xmlns="" xmlns:a16="http://schemas.microsoft.com/office/drawing/2014/main" id="{C4426896-A5D0-4B82-9519-E82549AD3BAB}"/>
+                  <a16:creationId xmlns:a16="http://schemas.microsoft.com/office/drawing/2014/main" xmlns="" id="{C4426896-A5D0-4B82-9519-E82549AD3BAB}"/>
                 </a:ext>
               </a:extLst>
             </p:cNvPr>
@@ -1241,7 +1244,7 @@
             <p:cNvPr id="21" name="직사각형 20">
               <a:extLst>
                 <a:ext uri="{FF2B5EF4-FFF2-40B4-BE49-F238E27FC236}">
-                  <a16:creationId xmlns="" xmlns:a16="http://schemas.microsoft.com/office/drawing/2014/main" id="{A2788C16-9779-479A-974D-DB0302E0C8BA}"/>
+                  <a16:creationId xmlns:a16="http://schemas.microsoft.com/office/drawing/2014/main" xmlns="" id="{A2788C16-9779-479A-974D-DB0302E0C8BA}"/>
                 </a:ext>
               </a:extLst>
             </p:cNvPr>
@@ -1296,7 +1299,7 @@
             <p:cNvPr id="22" name="직사각형 21">
               <a:extLst>
                 <a:ext uri="{FF2B5EF4-FFF2-40B4-BE49-F238E27FC236}">
-                  <a16:creationId xmlns="" xmlns:a16="http://schemas.microsoft.com/office/drawing/2014/main" id="{AC823C83-0C54-4C3B-B24E-62042AE75A0B}"/>
+                  <a16:creationId xmlns:a16="http://schemas.microsoft.com/office/drawing/2014/main" xmlns="" id="{AC823C83-0C54-4C3B-B24E-62042AE75A0B}"/>
                 </a:ext>
               </a:extLst>
             </p:cNvPr>
@@ -1351,7 +1354,7 @@
             <p:cNvPr id="23" name="직사각형 22">
               <a:extLst>
                 <a:ext uri="{FF2B5EF4-FFF2-40B4-BE49-F238E27FC236}">
-                  <a16:creationId xmlns="" xmlns:a16="http://schemas.microsoft.com/office/drawing/2014/main" id="{1CC46250-DAE5-4B8C-84D2-53049FDCAE21}"/>
+                  <a16:creationId xmlns:a16="http://schemas.microsoft.com/office/drawing/2014/main" xmlns="" id="{1CC46250-DAE5-4B8C-84D2-53049FDCAE21}"/>
                 </a:ext>
               </a:extLst>
             </p:cNvPr>
@@ -1406,7 +1409,7 @@
             <p:cNvPr id="24" name="직사각형 23">
               <a:extLst>
                 <a:ext uri="{FF2B5EF4-FFF2-40B4-BE49-F238E27FC236}">
-                  <a16:creationId xmlns="" xmlns:a16="http://schemas.microsoft.com/office/drawing/2014/main" id="{C914E3D7-BA21-483E-8135-82CF72B2DA06}"/>
+                  <a16:creationId xmlns:a16="http://schemas.microsoft.com/office/drawing/2014/main" xmlns="" id="{C914E3D7-BA21-483E-8135-82CF72B2DA06}"/>
                 </a:ext>
               </a:extLst>
             </p:cNvPr>
@@ -1461,7 +1464,7 @@
             <p:cNvPr id="25" name="직사각형 24">
               <a:extLst>
                 <a:ext uri="{FF2B5EF4-FFF2-40B4-BE49-F238E27FC236}">
-                  <a16:creationId xmlns="" xmlns:a16="http://schemas.microsoft.com/office/drawing/2014/main" id="{77B0E4FB-0D35-4DD6-B51E-33F9AA9A0AE3}"/>
+                  <a16:creationId xmlns:a16="http://schemas.microsoft.com/office/drawing/2014/main" xmlns="" id="{77B0E4FB-0D35-4DD6-B51E-33F9AA9A0AE3}"/>
                 </a:ext>
               </a:extLst>
             </p:cNvPr>
@@ -1516,7 +1519,7 @@
             <p:cNvPr id="26" name="직사각형 25">
               <a:extLst>
                 <a:ext uri="{FF2B5EF4-FFF2-40B4-BE49-F238E27FC236}">
-                  <a16:creationId xmlns="" xmlns:a16="http://schemas.microsoft.com/office/drawing/2014/main" id="{9D70C739-9E66-46E5-B357-824AE90B05E3}"/>
+                  <a16:creationId xmlns:a16="http://schemas.microsoft.com/office/drawing/2014/main" xmlns="" id="{9D70C739-9E66-46E5-B357-824AE90B05E3}"/>
                 </a:ext>
               </a:extLst>
             </p:cNvPr>
@@ -1570,7 +1573,7 @@
     </p:spTree>
     <p:extLst>
       <p:ext uri="{BB962C8B-B14F-4D97-AF65-F5344CB8AC3E}">
-        <p14:creationId xmlns="" xmlns:p14="http://schemas.microsoft.com/office/powerpoint/2010/main" val="1227310049"/>
+        <p14:creationId xmlns:p14="http://schemas.microsoft.com/office/powerpoint/2010/main" xmlns="" val="1227310049"/>
       </p:ext>
     </p:extLst>
   </p:cSld>
@@ -1607,7 +1610,7 @@
           <p:cNvPr id="4" name="날짜 개체 틀 3">
             <a:extLst>
               <a:ext uri="{FF2B5EF4-FFF2-40B4-BE49-F238E27FC236}">
-                <a16:creationId xmlns="" xmlns:a16="http://schemas.microsoft.com/office/drawing/2014/main" id="{BDEEC45C-3CF6-4718-A8DA-6AB13F5F8EA6}"/>
+                <a16:creationId xmlns:a16="http://schemas.microsoft.com/office/drawing/2014/main" xmlns="" id="{BDEEC45C-3CF6-4718-A8DA-6AB13F5F8EA6}"/>
               </a:ext>
             </a:extLst>
           </p:cNvPr>
@@ -1655,7 +1658,7 @@
           <p:cNvPr id="5" name="바닥글 개체 틀 4">
             <a:extLst>
               <a:ext uri="{FF2B5EF4-FFF2-40B4-BE49-F238E27FC236}">
-                <a16:creationId xmlns="" xmlns:a16="http://schemas.microsoft.com/office/drawing/2014/main" id="{244E2230-6AC1-4419-8F95-B5CEFE1A4D06}"/>
+                <a16:creationId xmlns:a16="http://schemas.microsoft.com/office/drawing/2014/main" xmlns="" id="{244E2230-6AC1-4419-8F95-B5CEFE1A4D06}"/>
               </a:ext>
             </a:extLst>
           </p:cNvPr>
@@ -1698,7 +1701,7 @@
           <p:cNvPr id="6" name="슬라이드 번호 개체 틀 5">
             <a:extLst>
               <a:ext uri="{FF2B5EF4-FFF2-40B4-BE49-F238E27FC236}">
-                <a16:creationId xmlns="" xmlns:a16="http://schemas.microsoft.com/office/drawing/2014/main" id="{06FA9C59-A42A-429B-A57E-6D155A6D0D98}"/>
+                <a16:creationId xmlns:a16="http://schemas.microsoft.com/office/drawing/2014/main" xmlns="" id="{06FA9C59-A42A-429B-A57E-6D155A6D0D98}"/>
               </a:ext>
             </a:extLst>
           </p:cNvPr>
@@ -1744,7 +1747,7 @@
     </p:spTree>
     <p:extLst>
       <p:ext uri="{BB962C8B-B14F-4D97-AF65-F5344CB8AC3E}">
-        <p14:creationId xmlns="" xmlns:p14="http://schemas.microsoft.com/office/powerpoint/2010/main" val="2242405825"/>
+        <p14:creationId xmlns:p14="http://schemas.microsoft.com/office/powerpoint/2010/main" xmlns="" val="2242405825"/>
       </p:ext>
     </p:extLst>
   </p:cSld>
@@ -2059,7 +2062,7 @@
           <p:cNvPr id="4" name="직사각형 3">
             <a:extLst>
               <a:ext uri="{FF2B5EF4-FFF2-40B4-BE49-F238E27FC236}">
-                <a16:creationId xmlns="" xmlns:a16="http://schemas.microsoft.com/office/drawing/2014/main" id="{A5F1230D-E167-4631-9FF0-6693B43B2EB4}"/>
+                <a16:creationId xmlns:a16="http://schemas.microsoft.com/office/drawing/2014/main" xmlns="" id="{A5F1230D-E167-4631-9FF0-6693B43B2EB4}"/>
               </a:ext>
             </a:extLst>
           </p:cNvPr>
@@ -2127,7 +2130,7 @@
           <p:cNvPr id="23" name="직선 연결선 22">
             <a:extLst>
               <a:ext uri="{FF2B5EF4-FFF2-40B4-BE49-F238E27FC236}">
-                <a16:creationId xmlns="" xmlns:a16="http://schemas.microsoft.com/office/drawing/2014/main" id="{51598C24-B97B-4C39-8E70-FF16D6EDE3C5}"/>
+                <a16:creationId xmlns:a16="http://schemas.microsoft.com/office/drawing/2014/main" xmlns="" id="{51598C24-B97B-4C39-8E70-FF16D6EDE3C5}"/>
               </a:ext>
             </a:extLst>
           </p:cNvPr>
@@ -2168,7 +2171,7 @@
           <p:cNvPr id="24" name="직선 연결선 23">
             <a:extLst>
               <a:ext uri="{FF2B5EF4-FFF2-40B4-BE49-F238E27FC236}">
-                <a16:creationId xmlns="" xmlns:a16="http://schemas.microsoft.com/office/drawing/2014/main" id="{99D0D74F-3BC7-44B8-BCD5-402872C490D0}"/>
+                <a16:creationId xmlns:a16="http://schemas.microsoft.com/office/drawing/2014/main" xmlns="" id="{99D0D74F-3BC7-44B8-BCD5-402872C490D0}"/>
               </a:ext>
             </a:extLst>
           </p:cNvPr>
@@ -2209,7 +2212,7 @@
           <p:cNvPr id="27" name="TextBox 26">
             <a:extLst>
               <a:ext uri="{FF2B5EF4-FFF2-40B4-BE49-F238E27FC236}">
-                <a16:creationId xmlns="" xmlns:a16="http://schemas.microsoft.com/office/drawing/2014/main" id="{10414E6C-FE57-4B60-9FE8-97135035557F}"/>
+                <a16:creationId xmlns:a16="http://schemas.microsoft.com/office/drawing/2014/main" xmlns="" id="{10414E6C-FE57-4B60-9FE8-97135035557F}"/>
               </a:ext>
             </a:extLst>
           </p:cNvPr>
@@ -2310,7 +2313,7 @@
           <p:cNvPr id="28" name="TextBox 27">
             <a:extLst>
               <a:ext uri="{FF2B5EF4-FFF2-40B4-BE49-F238E27FC236}">
-                <a16:creationId xmlns="" xmlns:a16="http://schemas.microsoft.com/office/drawing/2014/main" id="{0DF3FC17-D03B-44C4-A8CD-96514F944E81}"/>
+                <a16:creationId xmlns:a16="http://schemas.microsoft.com/office/drawing/2014/main" xmlns="" id="{0DF3FC17-D03B-44C4-A8CD-96514F944E81}"/>
               </a:ext>
             </a:extLst>
           </p:cNvPr>
@@ -2424,7 +2427,7 @@
     </p:spTree>
     <p:extLst>
       <p:ext uri="{BB962C8B-B14F-4D97-AF65-F5344CB8AC3E}">
-        <p14:creationId xmlns="" xmlns:p14="http://schemas.microsoft.com/office/powerpoint/2010/main" val="267635556"/>
+        <p14:creationId xmlns:p14="http://schemas.microsoft.com/office/powerpoint/2010/main" xmlns="" val="267635556"/>
       </p:ext>
     </p:extLst>
   </p:cSld>
@@ -2463,7 +2466,7 @@
           <p:cNvPr id="2" name="직사각형 1">
             <a:extLst>
               <a:ext uri="{FF2B5EF4-FFF2-40B4-BE49-F238E27FC236}">
-                <a16:creationId xmlns="" xmlns:a16="http://schemas.microsoft.com/office/drawing/2014/main" id="{11A62586-B708-4471-8640-ED72F76F9C56}"/>
+                <a16:creationId xmlns:a16="http://schemas.microsoft.com/office/drawing/2014/main" xmlns="" id="{11A62586-B708-4471-8640-ED72F76F9C56}"/>
               </a:ext>
             </a:extLst>
           </p:cNvPr>
@@ -2531,7 +2534,7 @@
           <p:cNvPr id="3" name="TextBox 2">
             <a:extLst>
               <a:ext uri="{FF2B5EF4-FFF2-40B4-BE49-F238E27FC236}">
-                <a16:creationId xmlns="" xmlns:a16="http://schemas.microsoft.com/office/drawing/2014/main" id="{988CFF69-148F-4807-9880-44F95FE3A9DC}"/>
+                <a16:creationId xmlns:a16="http://schemas.microsoft.com/office/drawing/2014/main" xmlns="" id="{988CFF69-148F-4807-9880-44F95FE3A9DC}"/>
               </a:ext>
             </a:extLst>
           </p:cNvPr>
@@ -2664,7 +2667,7 @@
     </p:spTree>
     <p:extLst>
       <p:ext uri="{BB962C8B-B14F-4D97-AF65-F5344CB8AC3E}">
-        <p14:creationId xmlns="" xmlns:p14="http://schemas.microsoft.com/office/powerpoint/2010/main" val="3740041879"/>
+        <p14:creationId xmlns:p14="http://schemas.microsoft.com/office/powerpoint/2010/main" xmlns="" val="3740041879"/>
       </p:ext>
     </p:extLst>
   </p:cSld>
@@ -2703,7 +2706,7 @@
           <p:cNvPr id="2" name="직사각형 1">
             <a:extLst>
               <a:ext uri="{FF2B5EF4-FFF2-40B4-BE49-F238E27FC236}">
-                <a16:creationId xmlns="" xmlns:a16="http://schemas.microsoft.com/office/drawing/2014/main" id="{72070133-B364-4648-B5B7-60879ABB5B30}"/>
+                <a16:creationId xmlns:a16="http://schemas.microsoft.com/office/drawing/2014/main" xmlns="" id="{72070133-B364-4648-B5B7-60879ABB5B30}"/>
               </a:ext>
             </a:extLst>
           </p:cNvPr>
@@ -2771,7 +2774,7 @@
           <p:cNvPr id="3" name="TextBox 2">
             <a:extLst>
               <a:ext uri="{FF2B5EF4-FFF2-40B4-BE49-F238E27FC236}">
-                <a16:creationId xmlns="" xmlns:a16="http://schemas.microsoft.com/office/drawing/2014/main" id="{046E9738-F6F0-4607-9DD9-40CC81694A89}"/>
+                <a16:creationId xmlns:a16="http://schemas.microsoft.com/office/drawing/2014/main" xmlns="" id="{046E9738-F6F0-4607-9DD9-40CC81694A89}"/>
               </a:ext>
             </a:extLst>
           </p:cNvPr>
@@ -2840,7 +2843,7 @@
           <p:cNvPr id="5" name="그림 5">
             <a:extLst>
               <a:ext uri="{FF2B5EF4-FFF2-40B4-BE49-F238E27FC236}">
-                <a16:creationId xmlns="" xmlns:a16="http://schemas.microsoft.com/office/drawing/2014/main" id="{76250358-C71A-44D4-9503-5BF52895BA57}"/>
+                <a16:creationId xmlns:a16="http://schemas.microsoft.com/office/drawing/2014/main" xmlns="" id="{76250358-C71A-44D4-9503-5BF52895BA57}"/>
               </a:ext>
             </a:extLst>
           </p:cNvPr>
@@ -2868,7 +2871,7 @@
     </p:spTree>
     <p:extLst>
       <p:ext uri="{BB962C8B-B14F-4D97-AF65-F5344CB8AC3E}">
-        <p14:creationId xmlns="" xmlns:p14="http://schemas.microsoft.com/office/powerpoint/2010/main" val="2492811531"/>
+        <p14:creationId xmlns:p14="http://schemas.microsoft.com/office/powerpoint/2010/main" xmlns="" val="2492811531"/>
       </p:ext>
     </p:extLst>
   </p:cSld>
@@ -2907,7 +2910,7 @@
           <p:cNvPr id="2" name="직사각형 1">
             <a:extLst>
               <a:ext uri="{FF2B5EF4-FFF2-40B4-BE49-F238E27FC236}">
-                <a16:creationId xmlns="" xmlns:a16="http://schemas.microsoft.com/office/drawing/2014/main" id="{11A62586-B708-4471-8640-ED72F76F9C56}"/>
+                <a16:creationId xmlns:a16="http://schemas.microsoft.com/office/drawing/2014/main" xmlns="" id="{11A62586-B708-4471-8640-ED72F76F9C56}"/>
               </a:ext>
             </a:extLst>
           </p:cNvPr>
@@ -2975,7 +2978,7 @@
           <p:cNvPr id="3" name="TextBox 2">
             <a:extLst>
               <a:ext uri="{FF2B5EF4-FFF2-40B4-BE49-F238E27FC236}">
-                <a16:creationId xmlns="" xmlns:a16="http://schemas.microsoft.com/office/drawing/2014/main" id="{988CFF69-148F-4807-9880-44F95FE3A9DC}"/>
+                <a16:creationId xmlns:a16="http://schemas.microsoft.com/office/drawing/2014/main" xmlns="" id="{988CFF69-148F-4807-9880-44F95FE3A9DC}"/>
               </a:ext>
             </a:extLst>
           </p:cNvPr>
@@ -3057,7 +3060,7 @@
           <p:cNvPr id="4" name="TextBox 3">
             <a:extLst>
               <a:ext uri="{FF2B5EF4-FFF2-40B4-BE49-F238E27FC236}">
-                <a16:creationId xmlns="" xmlns:a16="http://schemas.microsoft.com/office/drawing/2014/main" id="{392523DE-E429-4729-B40E-C98AD1714AC6}"/>
+                <a16:creationId xmlns:a16="http://schemas.microsoft.com/office/drawing/2014/main" xmlns="" id="{392523DE-E429-4729-B40E-C98AD1714AC6}"/>
               </a:ext>
             </a:extLst>
           </p:cNvPr>
@@ -3170,7 +3173,7 @@
           <p:cNvPr id="18" name="그림 18">
             <a:extLst>
               <a:ext uri="{FF2B5EF4-FFF2-40B4-BE49-F238E27FC236}">
-                <a16:creationId xmlns="" xmlns:a16="http://schemas.microsoft.com/office/drawing/2014/main" id="{CC49F0CD-D647-47A1-A9F2-8478EA2F6E38}"/>
+                <a16:creationId xmlns:a16="http://schemas.microsoft.com/office/drawing/2014/main" xmlns="" id="{CC49F0CD-D647-47A1-A9F2-8478EA2F6E38}"/>
               </a:ext>
             </a:extLst>
           </p:cNvPr>
@@ -3198,7 +3201,7 @@
     </p:spTree>
     <p:extLst>
       <p:ext uri="{BB962C8B-B14F-4D97-AF65-F5344CB8AC3E}">
-        <p14:creationId xmlns="" xmlns:p14="http://schemas.microsoft.com/office/powerpoint/2010/main" val="4276196947"/>
+        <p14:creationId xmlns:p14="http://schemas.microsoft.com/office/powerpoint/2010/main" xmlns="" val="4276196947"/>
       </p:ext>
     </p:extLst>
   </p:cSld>
@@ -3237,7 +3240,7 @@
           <p:cNvPr id="2" name="직사각형 1">
             <a:extLst>
               <a:ext uri="{FF2B5EF4-FFF2-40B4-BE49-F238E27FC236}">
-                <a16:creationId xmlns="" xmlns:a16="http://schemas.microsoft.com/office/drawing/2014/main" id="{11A62586-B708-4471-8640-ED72F76F9C56}"/>
+                <a16:creationId xmlns:a16="http://schemas.microsoft.com/office/drawing/2014/main" xmlns="" id="{11A62586-B708-4471-8640-ED72F76F9C56}"/>
               </a:ext>
             </a:extLst>
           </p:cNvPr>
@@ -3305,7 +3308,7 @@
           <p:cNvPr id="3" name="TextBox 2">
             <a:extLst>
               <a:ext uri="{FF2B5EF4-FFF2-40B4-BE49-F238E27FC236}">
-                <a16:creationId xmlns="" xmlns:a16="http://schemas.microsoft.com/office/drawing/2014/main" id="{988CFF69-148F-4807-9880-44F95FE3A9DC}"/>
+                <a16:creationId xmlns:a16="http://schemas.microsoft.com/office/drawing/2014/main" xmlns="" id="{988CFF69-148F-4807-9880-44F95FE3A9DC}"/>
               </a:ext>
             </a:extLst>
           </p:cNvPr>
@@ -3362,7 +3365,7 @@
           <p:cNvPr id="4" name="TextBox 3">
             <a:extLst>
               <a:ext uri="{FF2B5EF4-FFF2-40B4-BE49-F238E27FC236}">
-                <a16:creationId xmlns="" xmlns:a16="http://schemas.microsoft.com/office/drawing/2014/main" id="{392523DE-E429-4729-B40E-C98AD1714AC6}"/>
+                <a16:creationId xmlns:a16="http://schemas.microsoft.com/office/drawing/2014/main" xmlns="" id="{392523DE-E429-4729-B40E-C98AD1714AC6}"/>
               </a:ext>
             </a:extLst>
           </p:cNvPr>
@@ -3762,7 +3765,7 @@
     </p:spTree>
     <p:extLst>
       <p:ext uri="{BB962C8B-B14F-4D97-AF65-F5344CB8AC3E}">
-        <p14:creationId xmlns="" xmlns:p14="http://schemas.microsoft.com/office/powerpoint/2010/main" val="1947609359"/>
+        <p14:creationId xmlns:p14="http://schemas.microsoft.com/office/powerpoint/2010/main" xmlns="" val="1947609359"/>
       </p:ext>
     </p:extLst>
   </p:cSld>
@@ -3801,7 +3804,7 @@
           <p:cNvPr id="2" name="직사각형 1">
             <a:extLst>
               <a:ext uri="{FF2B5EF4-FFF2-40B4-BE49-F238E27FC236}">
-                <a16:creationId xmlns="" xmlns:a16="http://schemas.microsoft.com/office/drawing/2014/main" id="{11A62586-B708-4471-8640-ED72F76F9C56}"/>
+                <a16:creationId xmlns:a16="http://schemas.microsoft.com/office/drawing/2014/main" xmlns="" id="{11A62586-B708-4471-8640-ED72F76F9C56}"/>
               </a:ext>
             </a:extLst>
           </p:cNvPr>
@@ -3869,7 +3872,7 @@
           <p:cNvPr id="3" name="TextBox 2">
             <a:extLst>
               <a:ext uri="{FF2B5EF4-FFF2-40B4-BE49-F238E27FC236}">
-                <a16:creationId xmlns="" xmlns:a16="http://schemas.microsoft.com/office/drawing/2014/main" id="{988CFF69-148F-4807-9880-44F95FE3A9DC}"/>
+                <a16:creationId xmlns:a16="http://schemas.microsoft.com/office/drawing/2014/main" xmlns="" id="{988CFF69-148F-4807-9880-44F95FE3A9DC}"/>
               </a:ext>
             </a:extLst>
           </p:cNvPr>
@@ -3951,7 +3954,7 @@
           <p:cNvPr id="4" name="TextBox 3">
             <a:extLst>
               <a:ext uri="{FF2B5EF4-FFF2-40B4-BE49-F238E27FC236}">
-                <a16:creationId xmlns="" xmlns:a16="http://schemas.microsoft.com/office/drawing/2014/main" id="{392523DE-E429-4729-B40E-C98AD1714AC6}"/>
+                <a16:creationId xmlns:a16="http://schemas.microsoft.com/office/drawing/2014/main" xmlns="" id="{392523DE-E429-4729-B40E-C98AD1714AC6}"/>
               </a:ext>
             </a:extLst>
           </p:cNvPr>
@@ -4313,7 +4316,7 @@
           <p:cNvPr id="5" name="그림 5" descr="테이블이(가) 표시된 사진&#10;&#10;자동 생성된 설명">
             <a:extLst>
               <a:ext uri="{FF2B5EF4-FFF2-40B4-BE49-F238E27FC236}">
-                <a16:creationId xmlns="" xmlns:a16="http://schemas.microsoft.com/office/drawing/2014/main" id="{DB1F21B4-0433-4CC4-BBE8-2D474549C66E}"/>
+                <a16:creationId xmlns:a16="http://schemas.microsoft.com/office/drawing/2014/main" xmlns="" id="{DB1F21B4-0433-4CC4-BBE8-2D474549C66E}"/>
               </a:ext>
             </a:extLst>
           </p:cNvPr>
@@ -4341,7 +4344,7 @@
     </p:spTree>
     <p:extLst>
       <p:ext uri="{BB962C8B-B14F-4D97-AF65-F5344CB8AC3E}">
-        <p14:creationId xmlns="" xmlns:p14="http://schemas.microsoft.com/office/powerpoint/2010/main" val="1947609359"/>
+        <p14:creationId xmlns:p14="http://schemas.microsoft.com/office/powerpoint/2010/main" xmlns="" val="1947609359"/>
       </p:ext>
     </p:extLst>
   </p:cSld>
@@ -4380,7 +4383,7 @@
           <p:cNvPr id="2" name="직사각형 1">
             <a:extLst>
               <a:ext uri="{FF2B5EF4-FFF2-40B4-BE49-F238E27FC236}">
-                <a16:creationId xmlns="" xmlns:a16="http://schemas.microsoft.com/office/drawing/2014/main" id="{11A62586-B708-4471-8640-ED72F76F9C56}"/>
+                <a16:creationId xmlns:a16="http://schemas.microsoft.com/office/drawing/2014/main" xmlns="" id="{11A62586-B708-4471-8640-ED72F76F9C56}"/>
               </a:ext>
             </a:extLst>
           </p:cNvPr>
@@ -4448,7 +4451,7 @@
           <p:cNvPr id="3" name="TextBox 2">
             <a:extLst>
               <a:ext uri="{FF2B5EF4-FFF2-40B4-BE49-F238E27FC236}">
-                <a16:creationId xmlns="" xmlns:a16="http://schemas.microsoft.com/office/drawing/2014/main" id="{988CFF69-148F-4807-9880-44F95FE3A9DC}"/>
+                <a16:creationId xmlns:a16="http://schemas.microsoft.com/office/drawing/2014/main" xmlns="" id="{988CFF69-148F-4807-9880-44F95FE3A9DC}"/>
               </a:ext>
             </a:extLst>
           </p:cNvPr>
@@ -4530,7 +4533,7 @@
           <p:cNvPr id="4" name="TextBox 3">
             <a:extLst>
               <a:ext uri="{FF2B5EF4-FFF2-40B4-BE49-F238E27FC236}">
-                <a16:creationId xmlns="" xmlns:a16="http://schemas.microsoft.com/office/drawing/2014/main" id="{392523DE-E429-4729-B40E-C98AD1714AC6}"/>
+                <a16:creationId xmlns:a16="http://schemas.microsoft.com/office/drawing/2014/main" xmlns="" id="{392523DE-E429-4729-B40E-C98AD1714AC6}"/>
               </a:ext>
             </a:extLst>
           </p:cNvPr>
@@ -4805,7 +4808,7 @@
           <p:cNvPr id="5" name="그림 5" descr="테이블이(가) 표시된 사진&#10;&#10;자동 생성된 설명">
             <a:extLst>
               <a:ext uri="{FF2B5EF4-FFF2-40B4-BE49-F238E27FC236}">
-                <a16:creationId xmlns="" xmlns:a16="http://schemas.microsoft.com/office/drawing/2014/main" id="{A8ED55C6-79C7-4EF5-8E75-0F4DBF75BD3F}"/>
+                <a16:creationId xmlns:a16="http://schemas.microsoft.com/office/drawing/2014/main" xmlns="" id="{A8ED55C6-79C7-4EF5-8E75-0F4DBF75BD3F}"/>
               </a:ext>
             </a:extLst>
           </p:cNvPr>
@@ -4833,7 +4836,7 @@
     </p:spTree>
     <p:extLst>
       <p:ext uri="{BB962C8B-B14F-4D97-AF65-F5344CB8AC3E}">
-        <p14:creationId xmlns="" xmlns:p14="http://schemas.microsoft.com/office/powerpoint/2010/main" val="3340782011"/>
+        <p14:creationId xmlns:p14="http://schemas.microsoft.com/office/powerpoint/2010/main" xmlns="" val="3340782011"/>
       </p:ext>
     </p:extLst>
   </p:cSld>
@@ -4872,7 +4875,7 @@
           <p:cNvPr id="2" name="직사각형 1">
             <a:extLst>
               <a:ext uri="{FF2B5EF4-FFF2-40B4-BE49-F238E27FC236}">
-                <a16:creationId xmlns="" xmlns:a16="http://schemas.microsoft.com/office/drawing/2014/main" id="{11A62586-B708-4471-8640-ED72F76F9C56}"/>
+                <a16:creationId xmlns:a16="http://schemas.microsoft.com/office/drawing/2014/main" xmlns="" id="{11A62586-B708-4471-8640-ED72F76F9C56}"/>
               </a:ext>
             </a:extLst>
           </p:cNvPr>
@@ -4940,7 +4943,7 @@
           <p:cNvPr id="3" name="TextBox 2">
             <a:extLst>
               <a:ext uri="{FF2B5EF4-FFF2-40B4-BE49-F238E27FC236}">
-                <a16:creationId xmlns="" xmlns:a16="http://schemas.microsoft.com/office/drawing/2014/main" id="{988CFF69-148F-4807-9880-44F95FE3A9DC}"/>
+                <a16:creationId xmlns:a16="http://schemas.microsoft.com/office/drawing/2014/main" xmlns="" id="{988CFF69-148F-4807-9880-44F95FE3A9DC}"/>
               </a:ext>
             </a:extLst>
           </p:cNvPr>
@@ -5009,14 +5012,14 @@
                 <a:gridCol w="944879">
                   <a:extLst>
                     <a:ext uri="{9D8B030D-6E8A-4147-A177-3AD203B41FA5}">
-                      <a16:colId xmlns="" xmlns:a16="http://schemas.microsoft.com/office/drawing/2014/main" val="20000"/>
+                      <a16:colId xmlns:a16="http://schemas.microsoft.com/office/drawing/2014/main" xmlns="" val="20000"/>
                     </a:ext>
                   </a:extLst>
                 </a:gridCol>
                 <a:gridCol w="7259321">
                   <a:extLst>
                     <a:ext uri="{9D8B030D-6E8A-4147-A177-3AD203B41FA5}">
-                      <a16:colId xmlns="" xmlns:a16="http://schemas.microsoft.com/office/drawing/2014/main" val="20001"/>
+                      <a16:colId xmlns:a16="http://schemas.microsoft.com/office/drawing/2014/main" xmlns="" val="20001"/>
                     </a:ext>
                   </a:extLst>
                 </a:gridCol>
@@ -5160,7 +5163,7 @@
                 </a:tc>
                 <a:extLst>
                   <a:ext uri="{0D108BD9-81ED-4DB2-BD59-A6C34878D82A}">
-                    <a16:rowId xmlns="" xmlns:a16="http://schemas.microsoft.com/office/drawing/2014/main" val="10000"/>
+                    <a16:rowId xmlns:a16="http://schemas.microsoft.com/office/drawing/2014/main" xmlns="" val="10000"/>
                   </a:ext>
                 </a:extLst>
               </a:tr>
@@ -5296,7 +5299,7 @@
                 </a:tc>
                 <a:extLst>
                   <a:ext uri="{0D108BD9-81ED-4DB2-BD59-A6C34878D82A}">
-                    <a16:rowId xmlns="" xmlns:a16="http://schemas.microsoft.com/office/drawing/2014/main" val="10001"/>
+                    <a16:rowId xmlns:a16="http://schemas.microsoft.com/office/drawing/2014/main" xmlns="" val="10001"/>
                   </a:ext>
                 </a:extLst>
               </a:tr>
@@ -5443,7 +5446,7 @@
                 </a:tc>
                 <a:extLst>
                   <a:ext uri="{0D108BD9-81ED-4DB2-BD59-A6C34878D82A}">
-                    <a16:rowId xmlns="" xmlns:a16="http://schemas.microsoft.com/office/drawing/2014/main" val="10002"/>
+                    <a16:rowId xmlns:a16="http://schemas.microsoft.com/office/drawing/2014/main" xmlns="" val="10002"/>
                   </a:ext>
                 </a:extLst>
               </a:tr>
@@ -5559,7 +5562,7 @@
                 </a:tc>
                 <a:extLst>
                   <a:ext uri="{0D108BD9-81ED-4DB2-BD59-A6C34878D82A}">
-                    <a16:rowId xmlns="" xmlns:a16="http://schemas.microsoft.com/office/drawing/2014/main" val="10003"/>
+                    <a16:rowId xmlns:a16="http://schemas.microsoft.com/office/drawing/2014/main" xmlns="" val="10003"/>
                   </a:ext>
                 </a:extLst>
               </a:tr>
@@ -5727,7 +5730,7 @@
                 </a:tc>
                 <a:extLst>
                   <a:ext uri="{0D108BD9-81ED-4DB2-BD59-A6C34878D82A}">
-                    <a16:rowId xmlns="" xmlns:a16="http://schemas.microsoft.com/office/drawing/2014/main" val="10004"/>
+                    <a16:rowId xmlns:a16="http://schemas.microsoft.com/office/drawing/2014/main" xmlns="" val="10004"/>
                   </a:ext>
                 </a:extLst>
               </a:tr>
@@ -5867,7 +5870,7 @@
                 </a:tc>
                 <a:extLst>
                   <a:ext uri="{0D108BD9-81ED-4DB2-BD59-A6C34878D82A}">
-                    <a16:rowId xmlns="" xmlns:a16="http://schemas.microsoft.com/office/drawing/2014/main" val="10005"/>
+                    <a16:rowId xmlns:a16="http://schemas.microsoft.com/office/drawing/2014/main" xmlns="" val="10005"/>
                   </a:ext>
                 </a:extLst>
               </a:tr>
@@ -5989,7 +5992,7 @@
                 </a:tc>
                 <a:extLst>
                   <a:ext uri="{0D108BD9-81ED-4DB2-BD59-A6C34878D82A}">
-                    <a16:rowId xmlns="" xmlns:a16="http://schemas.microsoft.com/office/drawing/2014/main" val="10006"/>
+                    <a16:rowId xmlns:a16="http://schemas.microsoft.com/office/drawing/2014/main" xmlns="" val="10006"/>
                   </a:ext>
                 </a:extLst>
               </a:tr>
@@ -6136,7 +6139,7 @@
                 </a:tc>
                 <a:extLst>
                   <a:ext uri="{0D108BD9-81ED-4DB2-BD59-A6C34878D82A}">
-                    <a16:rowId xmlns="" xmlns:a16="http://schemas.microsoft.com/office/drawing/2014/main" val="10007"/>
+                    <a16:rowId xmlns:a16="http://schemas.microsoft.com/office/drawing/2014/main" xmlns="" val="10007"/>
                   </a:ext>
                 </a:extLst>
               </a:tr>
@@ -6325,7 +6328,7 @@
                 </a:tc>
                 <a:extLst>
                   <a:ext uri="{0D108BD9-81ED-4DB2-BD59-A6C34878D82A}">
-                    <a16:rowId xmlns="" xmlns:a16="http://schemas.microsoft.com/office/drawing/2014/main" val="10008"/>
+                    <a16:rowId xmlns:a16="http://schemas.microsoft.com/office/drawing/2014/main" xmlns="" val="10008"/>
                   </a:ext>
                 </a:extLst>
               </a:tr>
@@ -6336,7 +6339,7 @@
     </p:spTree>
     <p:extLst>
       <p:ext uri="{BB962C8B-B14F-4D97-AF65-F5344CB8AC3E}">
-        <p14:creationId xmlns="" xmlns:p14="http://schemas.microsoft.com/office/powerpoint/2010/main" val="3740041879"/>
+        <p14:creationId xmlns:p14="http://schemas.microsoft.com/office/powerpoint/2010/main" xmlns="" val="3740041879"/>
       </p:ext>
     </p:extLst>
   </p:cSld>
@@ -6375,7 +6378,7 @@
           <p:cNvPr id="2" name="직사각형 1">
             <a:extLst>
               <a:ext uri="{FF2B5EF4-FFF2-40B4-BE49-F238E27FC236}">
-                <a16:creationId xmlns="" xmlns:a16="http://schemas.microsoft.com/office/drawing/2014/main" id="{72070133-B364-4648-B5B7-60879ABB5B30}"/>
+                <a16:creationId xmlns:a16="http://schemas.microsoft.com/office/drawing/2014/main" xmlns="" id="{72070133-B364-4648-B5B7-60879ABB5B30}"/>
               </a:ext>
             </a:extLst>
           </p:cNvPr>
@@ -6443,7 +6446,7 @@
           <p:cNvPr id="3" name="TextBox 2">
             <a:extLst>
               <a:ext uri="{FF2B5EF4-FFF2-40B4-BE49-F238E27FC236}">
-                <a16:creationId xmlns="" xmlns:a16="http://schemas.microsoft.com/office/drawing/2014/main" id="{046E9738-F6F0-4607-9DD9-40CC81694A89}"/>
+                <a16:creationId xmlns:a16="http://schemas.microsoft.com/office/drawing/2014/main" xmlns="" id="{046E9738-F6F0-4607-9DD9-40CC81694A89}"/>
               </a:ext>
             </a:extLst>
           </p:cNvPr>
@@ -6584,7 +6587,7 @@
           <p:cNvPr id="5" name="표 5">
             <a:extLst>
               <a:ext uri="{FF2B5EF4-FFF2-40B4-BE49-F238E27FC236}">
-                <a16:creationId xmlns="" xmlns:a16="http://schemas.microsoft.com/office/drawing/2014/main" id="{FC9E8AF2-BC97-403A-9DE2-158B2FABB55E}"/>
+                <a16:creationId xmlns:a16="http://schemas.microsoft.com/office/drawing/2014/main" xmlns="" id="{FC9E8AF2-BC97-403A-9DE2-158B2FABB55E}"/>
               </a:ext>
             </a:extLst>
           </p:cNvPr>
@@ -6594,7 +6597,7 @@
           <p:nvPr>
             <p:extLst>
               <p:ext uri="{D42A27DB-BD31-4B8C-83A1-F6EECF244321}">
-                <p14:modId xmlns="" xmlns:p14="http://schemas.microsoft.com/office/powerpoint/2010/main" val="1280430241"/>
+                <p14:modId xmlns:p14="http://schemas.microsoft.com/office/powerpoint/2010/main" xmlns="" val="1280430241"/>
               </p:ext>
             </p:extLst>
           </p:nvPr>
@@ -6613,14 +6616,14 @@
                 <a:gridCol w="4792631">
                   <a:extLst>
                     <a:ext uri="{9D8B030D-6E8A-4147-A177-3AD203B41FA5}">
-                      <a16:colId xmlns="" xmlns:a16="http://schemas.microsoft.com/office/drawing/2014/main" val="664462760"/>
+                      <a16:colId xmlns:a16="http://schemas.microsoft.com/office/drawing/2014/main" xmlns="" val="664462760"/>
                     </a:ext>
                   </a:extLst>
                 </a:gridCol>
                 <a:gridCol w="5323924">
                   <a:extLst>
                     <a:ext uri="{9D8B030D-6E8A-4147-A177-3AD203B41FA5}">
-                      <a16:colId xmlns="" xmlns:a16="http://schemas.microsoft.com/office/drawing/2014/main" val="3161920122"/>
+                      <a16:colId xmlns:a16="http://schemas.microsoft.com/office/drawing/2014/main" xmlns="" val="3161920122"/>
                     </a:ext>
                   </a:extLst>
                 </a:gridCol>
@@ -6790,7 +6793,7 @@
                 </a:tc>
                 <a:extLst>
                   <a:ext uri="{0D108BD9-81ED-4DB2-BD59-A6C34878D82A}">
-                    <a16:rowId xmlns="" xmlns:a16="http://schemas.microsoft.com/office/drawing/2014/main" val="3970375590"/>
+                    <a16:rowId xmlns:a16="http://schemas.microsoft.com/office/drawing/2014/main" xmlns="" val="3970375590"/>
                   </a:ext>
                 </a:extLst>
               </a:tr>
@@ -6971,7 +6974,7 @@
                 </a:tc>
                 <a:extLst>
                   <a:ext uri="{0D108BD9-81ED-4DB2-BD59-A6C34878D82A}">
-                    <a16:rowId xmlns="" xmlns:a16="http://schemas.microsoft.com/office/drawing/2014/main" val="1061963206"/>
+                    <a16:rowId xmlns:a16="http://schemas.microsoft.com/office/drawing/2014/main" xmlns="" val="1061963206"/>
                   </a:ext>
                 </a:extLst>
               </a:tr>
@@ -7197,7 +7200,7 @@
                 </a:tc>
                 <a:extLst>
                   <a:ext uri="{0D108BD9-81ED-4DB2-BD59-A6C34878D82A}">
-                    <a16:rowId xmlns="" xmlns:a16="http://schemas.microsoft.com/office/drawing/2014/main" val="4281332351"/>
+                    <a16:rowId xmlns:a16="http://schemas.microsoft.com/office/drawing/2014/main" xmlns="" val="4281332351"/>
                   </a:ext>
                 </a:extLst>
               </a:tr>
@@ -7445,7 +7448,7 @@
           <p:cNvPr id="9" name="TextBox 8">
             <a:extLst>
               <a:ext uri="{FF2B5EF4-FFF2-40B4-BE49-F238E27FC236}">
-                <a16:creationId xmlns="" xmlns:a16="http://schemas.microsoft.com/office/drawing/2014/main" id="{7E80750E-A436-41C1-8B33-E28CD8A4BF62}"/>
+                <a16:creationId xmlns:a16="http://schemas.microsoft.com/office/drawing/2014/main" xmlns="" id="{7E80750E-A436-41C1-8B33-E28CD8A4BF62}"/>
               </a:ext>
             </a:extLst>
           </p:cNvPr>
@@ -7483,7 +7486,7 @@
           <p:cNvPr id="10" name="직선 연결선 9">
             <a:extLst>
               <a:ext uri="{FF2B5EF4-FFF2-40B4-BE49-F238E27FC236}">
-                <a16:creationId xmlns="" xmlns:a16="http://schemas.microsoft.com/office/drawing/2014/main" id="{6B6164DE-77B2-48CE-B1F2-AD10EAE6FA90}"/>
+                <a16:creationId xmlns:a16="http://schemas.microsoft.com/office/drawing/2014/main" xmlns="" id="{6B6164DE-77B2-48CE-B1F2-AD10EAE6FA90}"/>
               </a:ext>
             </a:extLst>
           </p:cNvPr>
@@ -7527,7 +7530,7 @@
           <p:cNvPr id="14" name="TextBox 13">
             <a:extLst>
               <a:ext uri="{FF2B5EF4-FFF2-40B4-BE49-F238E27FC236}">
-                <a16:creationId xmlns="" xmlns:a16="http://schemas.microsoft.com/office/drawing/2014/main" id="{1F2CD3F4-1561-42B0-AA6A-4E5C93318ACB}"/>
+                <a16:creationId xmlns:a16="http://schemas.microsoft.com/office/drawing/2014/main" xmlns="" id="{1F2CD3F4-1561-42B0-AA6A-4E5C93318ACB}"/>
               </a:ext>
             </a:extLst>
           </p:cNvPr>
@@ -7568,7 +7571,7 @@
           <p:cNvPr id="19" name="직선 연결선 18">
             <a:extLst>
               <a:ext uri="{FF2B5EF4-FFF2-40B4-BE49-F238E27FC236}">
-                <a16:creationId xmlns="" xmlns:a16="http://schemas.microsoft.com/office/drawing/2014/main" id="{B8096EF7-E44C-4172-8097-E696F89C731E}"/>
+                <a16:creationId xmlns:a16="http://schemas.microsoft.com/office/drawing/2014/main" xmlns="" id="{B8096EF7-E44C-4172-8097-E696F89C731E}"/>
               </a:ext>
             </a:extLst>
           </p:cNvPr>
@@ -7614,7 +7617,7 @@
           <p:cNvPr id="17" name="TextBox 16">
             <a:extLst>
               <a:ext uri="{FF2B5EF4-FFF2-40B4-BE49-F238E27FC236}">
-                <a16:creationId xmlns="" xmlns:a16="http://schemas.microsoft.com/office/drawing/2014/main" id="{30389FF9-DEDC-4E6E-BCB8-F7A136977992}"/>
+                <a16:creationId xmlns:a16="http://schemas.microsoft.com/office/drawing/2014/main" xmlns="" id="{30389FF9-DEDC-4E6E-BCB8-F7A136977992}"/>
               </a:ext>
             </a:extLst>
           </p:cNvPr>
@@ -7662,7 +7665,7 @@
           <p:cNvPr id="20" name="TextBox 19">
             <a:extLst>
               <a:ext uri="{FF2B5EF4-FFF2-40B4-BE49-F238E27FC236}">
-                <a16:creationId xmlns="" xmlns:a16="http://schemas.microsoft.com/office/drawing/2014/main" id="{D37AE9C0-91C0-4319-8B16-155DEB59A5D3}"/>
+                <a16:creationId xmlns:a16="http://schemas.microsoft.com/office/drawing/2014/main" xmlns="" id="{D37AE9C0-91C0-4319-8B16-155DEB59A5D3}"/>
               </a:ext>
             </a:extLst>
           </p:cNvPr>
@@ -7702,7 +7705,7 @@
     </p:spTree>
     <p:extLst>
       <p:ext uri="{BB962C8B-B14F-4D97-AF65-F5344CB8AC3E}">
-        <p14:creationId xmlns="" xmlns:p14="http://schemas.microsoft.com/office/powerpoint/2010/main" val="2060300941"/>
+        <p14:creationId xmlns:p14="http://schemas.microsoft.com/office/powerpoint/2010/main" xmlns="" val="2060300941"/>
       </p:ext>
     </p:extLst>
   </p:cSld>
@@ -7741,7 +7744,7 @@
           <p:cNvPr id="2" name="직사각형 1">
             <a:extLst>
               <a:ext uri="{FF2B5EF4-FFF2-40B4-BE49-F238E27FC236}">
-                <a16:creationId xmlns="" xmlns:a16="http://schemas.microsoft.com/office/drawing/2014/main" id="{72070133-B364-4648-B5B7-60879ABB5B30}"/>
+                <a16:creationId xmlns:a16="http://schemas.microsoft.com/office/drawing/2014/main" xmlns="" id="{72070133-B364-4648-B5B7-60879ABB5B30}"/>
               </a:ext>
             </a:extLst>
           </p:cNvPr>
@@ -7809,7 +7812,7 @@
           <p:cNvPr id="3" name="TextBox 2">
             <a:extLst>
               <a:ext uri="{FF2B5EF4-FFF2-40B4-BE49-F238E27FC236}">
-                <a16:creationId xmlns="" xmlns:a16="http://schemas.microsoft.com/office/drawing/2014/main" id="{046E9738-F6F0-4607-9DD9-40CC81694A89}"/>
+                <a16:creationId xmlns:a16="http://schemas.microsoft.com/office/drawing/2014/main" xmlns="" id="{046E9738-F6F0-4607-9DD9-40CC81694A89}"/>
               </a:ext>
             </a:extLst>
           </p:cNvPr>
@@ -7947,121 +7950,34 @@
       </p:sp>
       <p:pic>
         <p:nvPicPr>
-          <p:cNvPr id="6" name="그림 5">
-            <a:extLst>
-              <a:ext uri="{FF2B5EF4-FFF2-40B4-BE49-F238E27FC236}">
-                <a16:creationId xmlns="" xmlns:a16="http://schemas.microsoft.com/office/drawing/2014/main" id="{76250358-C71A-44D4-9503-5BF52895BA57}"/>
-              </a:ext>
-            </a:extLst>
-          </p:cNvPr>
+          <p:cNvPr id="1027" name="Picture 3" descr="C:\Users\egenglish\Desktop\수업\오픈소스\찐막\OPENSOURCE16\ppt\image\처음 달력.png"/>
           <p:cNvPicPr>
-            <a:picLocks noChangeAspect="1"/>
+            <a:picLocks noChangeAspect="1" noChangeArrowheads="1"/>
           </p:cNvPicPr>
           <p:nvPr/>
         </p:nvPicPr>
         <p:blipFill>
           <a:blip r:embed="rId2"/>
+          <a:srcRect/>
           <a:stretch>
             <a:fillRect/>
           </a:stretch>
         </p:blipFill>
-        <p:spPr>
+        <p:spPr bwMode="auto">
           <a:xfrm>
-            <a:off x="148833" y="2578640"/>
-            <a:ext cx="4265374" cy="2065153"/>
+            <a:off x="1168401" y="1312881"/>
+            <a:ext cx="9442450" cy="5313343"/>
           </a:xfrm>
           <a:prstGeom prst="rect">
             <a:avLst/>
           </a:prstGeom>
-        </p:spPr>
-      </p:pic>
-      <p:sp>
-        <p:nvSpPr>
-          <p:cNvPr id="7" name="화살표: 오른쪽 11">
-            <a:extLst>
-              <a:ext uri="{FF2B5EF4-FFF2-40B4-BE49-F238E27FC236}">
-                <a16:creationId xmlns="" xmlns:a16="http://schemas.microsoft.com/office/drawing/2014/main" id="{30CD89BF-6867-4DEC-A584-D044116DB39A}"/>
-              </a:ext>
-            </a:extLst>
-          </p:cNvPr>
-          <p:cNvSpPr/>
-          <p:nvPr/>
-        </p:nvSpPr>
-        <p:spPr>
-          <a:xfrm>
-            <a:off x="4680000" y="3099600"/>
-            <a:ext cx="1876091" cy="1151412"/>
-          </a:xfrm>
-          <a:prstGeom prst="rightArrow">
-            <a:avLst/>
-          </a:prstGeom>
-          <a:solidFill>
-            <a:srgbClr val="3C3C3C"/>
-          </a:solidFill>
-        </p:spPr>
-        <p:txBody>
-          <a:bodyPr wrap="none" rtlCol="0" anchor="ctr">
-            <a:noAutofit/>
-          </a:bodyPr>
-          <a:lstStyle/>
-          <a:p>
-            <a:pPr algn="ctr">
-              <a:lnSpc>
-                <a:spcPct val="110000"/>
-              </a:lnSpc>
-            </a:pPr>
-            <a:endParaRPr lang="ko-KR" altLang="en-US" sz="2000" dirty="0">
-              <a:ln>
-                <a:solidFill>
-                  <a:schemeClr val="accent1">
-                    <a:shade val="50000"/>
-                    <a:alpha val="0"/>
-                  </a:schemeClr>
-                </a:solidFill>
-              </a:ln>
-              <a:solidFill>
-                <a:srgbClr val="FFFFFF"/>
-              </a:solidFill>
-              <a:latin typeface="SpoqaHanSans-Bold" panose="020B0800000000000000" pitchFamily="50" charset="-127"/>
-              <a:ea typeface="SpoqaHanSans-Bold" panose="020B0800000000000000" pitchFamily="50" charset="-127"/>
-            </a:endParaRPr>
-          </a:p>
-        </p:txBody>
-      </p:sp>
-      <p:pic>
-        <p:nvPicPr>
-          <p:cNvPr id="8" name="그림 7">
-            <a:extLst>
-              <a:ext uri="{FF2B5EF4-FFF2-40B4-BE49-F238E27FC236}">
-                <a16:creationId xmlns="" xmlns:a16="http://schemas.microsoft.com/office/drawing/2014/main" id="{CEA99C9C-1BD7-4A0E-A157-6F17EF01D8A7}"/>
-              </a:ext>
-            </a:extLst>
-          </p:cNvPr>
-          <p:cNvPicPr>
-            <a:picLocks noChangeAspect="1"/>
-          </p:cNvPicPr>
-          <p:nvPr/>
-        </p:nvPicPr>
-        <p:blipFill>
-          <a:blip r:embed="rId3"/>
-          <a:stretch>
-            <a:fillRect/>
-          </a:stretch>
-        </p:blipFill>
-        <p:spPr>
-          <a:xfrm>
-            <a:off x="7148532" y="2374026"/>
-            <a:ext cx="4391045" cy="2492699"/>
-          </a:xfrm>
-          <a:prstGeom prst="rect">
-            <a:avLst/>
-          </a:prstGeom>
+          <a:noFill/>
         </p:spPr>
       </p:pic>
     </p:spTree>
     <p:extLst>
       <p:ext uri="{BB962C8B-B14F-4D97-AF65-F5344CB8AC3E}">
-        <p14:creationId xmlns="" xmlns:p14="http://schemas.microsoft.com/office/powerpoint/2010/main" val="4141249237"/>
+        <p14:creationId xmlns:p14="http://schemas.microsoft.com/office/powerpoint/2010/main" xmlns="" val="4141249237"/>
       </p:ext>
     </p:extLst>
   </p:cSld>
@@ -8100,7 +8016,7 @@
           <p:cNvPr id="2" name="직사각형 1">
             <a:extLst>
               <a:ext uri="{FF2B5EF4-FFF2-40B4-BE49-F238E27FC236}">
-                <a16:creationId xmlns="" xmlns:a16="http://schemas.microsoft.com/office/drawing/2014/main" id="{72070133-B364-4648-B5B7-60879ABB5B30}"/>
+                <a16:creationId xmlns:a16="http://schemas.microsoft.com/office/drawing/2014/main" xmlns="" id="{72070133-B364-4648-B5B7-60879ABB5B30}"/>
               </a:ext>
             </a:extLst>
           </p:cNvPr>
@@ -8168,7 +8084,7 @@
           <p:cNvPr id="3" name="TextBox 2">
             <a:extLst>
               <a:ext uri="{FF2B5EF4-FFF2-40B4-BE49-F238E27FC236}">
-                <a16:creationId xmlns="" xmlns:a16="http://schemas.microsoft.com/office/drawing/2014/main" id="{046E9738-F6F0-4607-9DD9-40CC81694A89}"/>
+                <a16:creationId xmlns:a16="http://schemas.microsoft.com/office/drawing/2014/main" xmlns="" id="{046E9738-F6F0-4607-9DD9-40CC81694A89}"/>
               </a:ext>
             </a:extLst>
           </p:cNvPr>
@@ -8304,69 +8220,16 @@
           </a:p>
         </p:txBody>
       </p:sp>
-      <p:sp>
-        <p:nvSpPr>
-          <p:cNvPr id="7" name="화살표: 오른쪽 11">
-            <a:extLst>
-              <a:ext uri="{FF2B5EF4-FFF2-40B4-BE49-F238E27FC236}">
-                <a16:creationId xmlns="" xmlns:a16="http://schemas.microsoft.com/office/drawing/2014/main" id="{30CD89BF-6867-4DEC-A584-D044116DB39A}"/>
-              </a:ext>
-            </a:extLst>
-          </p:cNvPr>
-          <p:cNvSpPr/>
-          <p:nvPr/>
-        </p:nvSpPr>
-        <p:spPr>
-          <a:xfrm>
-            <a:off x="4679628" y="3099416"/>
-            <a:ext cx="1876091" cy="1151412"/>
-          </a:xfrm>
-          <a:prstGeom prst="rightArrow">
-            <a:avLst/>
-          </a:prstGeom>
-          <a:solidFill>
-            <a:srgbClr val="3C3C3C"/>
-          </a:solidFill>
-        </p:spPr>
-        <p:txBody>
-          <a:bodyPr wrap="none" rtlCol="0" anchor="ctr">
-            <a:noAutofit/>
-          </a:bodyPr>
-          <a:lstStyle/>
-          <a:p>
-            <a:pPr algn="ctr">
-              <a:lnSpc>
-                <a:spcPct val="110000"/>
-              </a:lnSpc>
-            </a:pPr>
-            <a:endParaRPr lang="ko-KR" altLang="en-US" sz="2000" dirty="0">
-              <a:ln>
-                <a:solidFill>
-                  <a:schemeClr val="accent1">
-                    <a:shade val="50000"/>
-                    <a:alpha val="0"/>
-                  </a:schemeClr>
-                </a:solidFill>
-              </a:ln>
-              <a:solidFill>
-                <a:srgbClr val="FFFFFF"/>
-              </a:solidFill>
-              <a:latin typeface="SpoqaHanSans-Bold" panose="020B0800000000000000" pitchFamily="50" charset="-127"/>
-              <a:ea typeface="SpoqaHanSans-Bold" panose="020B0800000000000000" pitchFamily="50" charset="-127"/>
-            </a:endParaRPr>
-          </a:p>
-        </p:txBody>
-      </p:sp>
       <p:pic>
         <p:nvPicPr>
-          <p:cNvPr id="9" name="Picture 5" descr="C:\Users\egenglish\Desktop\수업\오픈소스\피피티\https___mariadb.com_wp-content_uploads_2019_11_mariadb-logo-vert_black-transparent.png"/>
+          <p:cNvPr id="2050" name="Picture 2" descr="C:\Users\egenglish\Desktop\수업\오픈소스\찐막\OPENSOURCE16\ppt\image\calendarfx.JPG"/>
           <p:cNvPicPr>
             <a:picLocks noChangeAspect="1" noChangeArrowheads="1"/>
           </p:cNvPicPr>
           <p:nvPr/>
         </p:nvPicPr>
         <p:blipFill>
-          <a:blip r:embed="rId2" cstate="print"/>
+          <a:blip r:embed="rId2"/>
           <a:srcRect/>
           <a:stretch>
             <a:fillRect/>
@@ -8374,8 +8237,8 @@
         </p:blipFill>
         <p:spPr bwMode="auto">
           <a:xfrm>
-            <a:off x="781930" y="2604752"/>
-            <a:ext cx="2613912" cy="2130712"/>
+            <a:off x="1095376" y="1338022"/>
+            <a:ext cx="9598024" cy="5205652"/>
           </a:xfrm>
           <a:prstGeom prst="rect">
             <a:avLst/>
@@ -8385,7 +8248,7 @@
       </p:pic>
       <p:pic>
         <p:nvPicPr>
-          <p:cNvPr id="1027" name="Picture 3" descr="C:\Users\egenglish\Desktop\수업\오픈소스\찐막\OPENSOURCE16\ppt\image\pngegg.png"/>
+          <p:cNvPr id="2051" name="Picture 3" descr="C:\Users\egenglish\Desktop\수업\오픈소스\찐막\OPENSOURCE16\ppt\image\확대.JPG"/>
           <p:cNvPicPr>
             <a:picLocks noChangeAspect="1" noChangeArrowheads="1"/>
           </p:cNvPicPr>
@@ -8400,8 +8263,34 @@
         </p:blipFill>
         <p:spPr bwMode="auto">
           <a:xfrm>
-            <a:off x="7151675" y="1971767"/>
-            <a:ext cx="4720412" cy="3540309"/>
+            <a:off x="5622925" y="2060575"/>
+            <a:ext cx="3257550" cy="3359150"/>
+          </a:xfrm>
+          <a:prstGeom prst="rect">
+            <a:avLst/>
+          </a:prstGeom>
+          <a:noFill/>
+        </p:spPr>
+      </p:pic>
+      <p:pic>
+        <p:nvPicPr>
+          <p:cNvPr id="2052" name="Picture 4" descr="C:\Users\egenglish\Desktop\수업\오픈소스\찐막\OPENSOURCE16\ppt\image\커밋횟수.JPG"/>
+          <p:cNvPicPr>
+            <a:picLocks noChangeAspect="1" noChangeArrowheads="1"/>
+          </p:cNvPicPr>
+          <p:nvPr/>
+        </p:nvPicPr>
+        <p:blipFill>
+          <a:blip r:embed="rId4"/>
+          <a:srcRect/>
+          <a:stretch>
+            <a:fillRect/>
+          </a:stretch>
+        </p:blipFill>
+        <p:spPr bwMode="auto">
+          <a:xfrm>
+            <a:off x="2136771" y="2060575"/>
+            <a:ext cx="3323805" cy="1216026"/>
           </a:xfrm>
           <a:prstGeom prst="rect">
             <a:avLst/>
@@ -8412,7 +8301,7 @@
     </p:spTree>
     <p:extLst>
       <p:ext uri="{BB962C8B-B14F-4D97-AF65-F5344CB8AC3E}">
-        <p14:creationId xmlns="" xmlns:p14="http://schemas.microsoft.com/office/powerpoint/2010/main" val="4141249237"/>
+        <p14:creationId xmlns:p14="http://schemas.microsoft.com/office/powerpoint/2010/main" xmlns="" val="4141249237"/>
       </p:ext>
     </p:extLst>
   </p:cSld>
@@ -8451,7 +8340,7 @@
           <p:cNvPr id="2" name="직사각형 1">
             <a:extLst>
               <a:ext uri="{FF2B5EF4-FFF2-40B4-BE49-F238E27FC236}">
-                <a16:creationId xmlns="" xmlns:a16="http://schemas.microsoft.com/office/drawing/2014/main" id="{11A62586-B708-4471-8640-ED72F76F9C56}"/>
+                <a16:creationId xmlns:a16="http://schemas.microsoft.com/office/drawing/2014/main" xmlns="" id="{11A62586-B708-4471-8640-ED72F76F9C56}"/>
               </a:ext>
             </a:extLst>
           </p:cNvPr>
@@ -8519,7 +8408,7 @@
           <p:cNvPr id="3" name="TextBox 2">
             <a:extLst>
               <a:ext uri="{FF2B5EF4-FFF2-40B4-BE49-F238E27FC236}">
-                <a16:creationId xmlns="" xmlns:a16="http://schemas.microsoft.com/office/drawing/2014/main" id="{988CFF69-148F-4807-9880-44F95FE3A9DC}"/>
+                <a16:creationId xmlns:a16="http://schemas.microsoft.com/office/drawing/2014/main" xmlns="" id="{988CFF69-148F-4807-9880-44F95FE3A9DC}"/>
               </a:ext>
             </a:extLst>
           </p:cNvPr>
@@ -8573,7 +8462,7 @@
           <p:cNvPr id="4" name="TextBox 3">
             <a:extLst>
               <a:ext uri="{FF2B5EF4-FFF2-40B4-BE49-F238E27FC236}">
-                <a16:creationId xmlns="" xmlns:a16="http://schemas.microsoft.com/office/drawing/2014/main" id="{392523DE-E429-4729-B40E-C98AD1714AC6}"/>
+                <a16:creationId xmlns:a16="http://schemas.microsoft.com/office/drawing/2014/main" xmlns="" id="{392523DE-E429-4729-B40E-C98AD1714AC6}"/>
               </a:ext>
             </a:extLst>
           </p:cNvPr>
@@ -8646,7 +8535,7 @@
           <p:cNvPr id="11" name="그룹 11">
             <a:extLst>
               <a:ext uri="{FF2B5EF4-FFF2-40B4-BE49-F238E27FC236}">
-                <a16:creationId xmlns="" xmlns:a16="http://schemas.microsoft.com/office/drawing/2014/main" id="{3C4EB2F0-389E-44FF-AA24-37B6C9B4DC76}"/>
+                <a16:creationId xmlns:a16="http://schemas.microsoft.com/office/drawing/2014/main" xmlns="" id="{3C4EB2F0-389E-44FF-AA24-37B6C9B4DC76}"/>
               </a:ext>
             </a:extLst>
           </p:cNvPr>
@@ -8666,7 +8555,7 @@
             <p:cNvPr id="5" name="TextBox 4">
               <a:extLst>
                 <a:ext uri="{FF2B5EF4-FFF2-40B4-BE49-F238E27FC236}">
-                  <a16:creationId xmlns="" xmlns:a16="http://schemas.microsoft.com/office/drawing/2014/main" id="{AF3AF097-9362-4F73-9EAD-0944B4D4BA4F}"/>
+                  <a16:creationId xmlns:a16="http://schemas.microsoft.com/office/drawing/2014/main" xmlns="" id="{AF3AF097-9362-4F73-9EAD-0944B4D4BA4F}"/>
                 </a:ext>
               </a:extLst>
             </p:cNvPr>
@@ -8874,7 +8763,7 @@
             <p:cNvPr id="6" name="TextBox 5">
               <a:extLst>
                 <a:ext uri="{FF2B5EF4-FFF2-40B4-BE49-F238E27FC236}">
-                  <a16:creationId xmlns="" xmlns:a16="http://schemas.microsoft.com/office/drawing/2014/main" id="{8BE155AA-8194-49BE-BC6B-06787A92C3A5}"/>
+                  <a16:creationId xmlns:a16="http://schemas.microsoft.com/office/drawing/2014/main" xmlns="" id="{8BE155AA-8194-49BE-BC6B-06787A92C3A5}"/>
                 </a:ext>
               </a:extLst>
             </p:cNvPr>
@@ -8995,7 +8884,7 @@
           <p:cNvPr id="12" name="그룹 10">
             <a:extLst>
               <a:ext uri="{FF2B5EF4-FFF2-40B4-BE49-F238E27FC236}">
-                <a16:creationId xmlns="" xmlns:a16="http://schemas.microsoft.com/office/drawing/2014/main" id="{47838B9D-01CB-4D32-80E7-D56CEB22CE13}"/>
+                <a16:creationId xmlns:a16="http://schemas.microsoft.com/office/drawing/2014/main" xmlns="" id="{47838B9D-01CB-4D32-80E7-D56CEB22CE13}"/>
               </a:ext>
             </a:extLst>
           </p:cNvPr>
@@ -9015,7 +8904,7 @@
             <p:cNvPr id="7" name="TextBox 6">
               <a:extLst>
                 <a:ext uri="{FF2B5EF4-FFF2-40B4-BE49-F238E27FC236}">
-                  <a16:creationId xmlns="" xmlns:a16="http://schemas.microsoft.com/office/drawing/2014/main" id="{60D79912-AF9F-4A6C-8ADA-DA2A138A4E78}"/>
+                  <a16:creationId xmlns:a16="http://schemas.microsoft.com/office/drawing/2014/main" xmlns="" id="{60D79912-AF9F-4A6C-8ADA-DA2A138A4E78}"/>
                 </a:ext>
               </a:extLst>
             </p:cNvPr>
@@ -9160,7 +9049,7 @@
             <p:cNvPr id="8" name="TextBox 7">
               <a:extLst>
                 <a:ext uri="{FF2B5EF4-FFF2-40B4-BE49-F238E27FC236}">
-                  <a16:creationId xmlns="" xmlns:a16="http://schemas.microsoft.com/office/drawing/2014/main" id="{7820947D-ACAF-4042-931F-296B77339F23}"/>
+                  <a16:creationId xmlns:a16="http://schemas.microsoft.com/office/drawing/2014/main" xmlns="" id="{7820947D-ACAF-4042-931F-296B77339F23}"/>
                 </a:ext>
               </a:extLst>
             </p:cNvPr>
@@ -9260,7 +9149,7 @@
           <p:cNvPr id="13" name="그룹 12">
             <a:extLst>
               <a:ext uri="{FF2B5EF4-FFF2-40B4-BE49-F238E27FC236}">
-                <a16:creationId xmlns="" xmlns:a16="http://schemas.microsoft.com/office/drawing/2014/main" id="{99ACA6B8-E117-4FB4-926D-0139DCB2ADB9}"/>
+                <a16:creationId xmlns:a16="http://schemas.microsoft.com/office/drawing/2014/main" xmlns="" id="{99ACA6B8-E117-4FB4-926D-0139DCB2ADB9}"/>
               </a:ext>
             </a:extLst>
           </p:cNvPr>
@@ -9280,7 +9169,7 @@
             <p:cNvPr id="9" name="TextBox 8">
               <a:extLst>
                 <a:ext uri="{FF2B5EF4-FFF2-40B4-BE49-F238E27FC236}">
-                  <a16:creationId xmlns="" xmlns:a16="http://schemas.microsoft.com/office/drawing/2014/main" id="{801F9362-5707-46BA-A63A-3EFFE07379DF}"/>
+                  <a16:creationId xmlns:a16="http://schemas.microsoft.com/office/drawing/2014/main" xmlns="" id="{801F9362-5707-46BA-A63A-3EFFE07379DF}"/>
                 </a:ext>
               </a:extLst>
             </p:cNvPr>
@@ -9488,7 +9377,7 @@
             <p:cNvPr id="10" name="TextBox 9">
               <a:extLst>
                 <a:ext uri="{FF2B5EF4-FFF2-40B4-BE49-F238E27FC236}">
-                  <a16:creationId xmlns="" xmlns:a16="http://schemas.microsoft.com/office/drawing/2014/main" id="{5AD557C9-0EEB-46CC-BFCD-F4E84813A48B}"/>
+                  <a16:creationId xmlns:a16="http://schemas.microsoft.com/office/drawing/2014/main" xmlns="" id="{5AD557C9-0EEB-46CC-BFCD-F4E84813A48B}"/>
                 </a:ext>
               </a:extLst>
             </p:cNvPr>
@@ -9673,7 +9562,7 @@
           <p:cNvPr id="14" name="그룹 16">
             <a:extLst>
               <a:ext uri="{FF2B5EF4-FFF2-40B4-BE49-F238E27FC236}">
-                <a16:creationId xmlns="" xmlns:a16="http://schemas.microsoft.com/office/drawing/2014/main" id="{596AF779-06A3-4E89-82D4-B3E821D83502}"/>
+                <a16:creationId xmlns:a16="http://schemas.microsoft.com/office/drawing/2014/main" xmlns="" id="{596AF779-06A3-4E89-82D4-B3E821D83502}"/>
               </a:ext>
             </a:extLst>
           </p:cNvPr>
@@ -9693,7 +9582,7 @@
             <p:cNvPr id="15" name="직선 연결선 14">
               <a:extLst>
                 <a:ext uri="{FF2B5EF4-FFF2-40B4-BE49-F238E27FC236}">
-                  <a16:creationId xmlns="" xmlns:a16="http://schemas.microsoft.com/office/drawing/2014/main" id="{0F09DE89-05D8-4C00-B13B-1E86BD2B1E15}"/>
+                  <a16:creationId xmlns:a16="http://schemas.microsoft.com/office/drawing/2014/main" xmlns="" id="{0F09DE89-05D8-4C00-B13B-1E86BD2B1E15}"/>
                 </a:ext>
               </a:extLst>
             </p:cNvPr>
@@ -9737,7 +9626,7 @@
             <p:cNvPr id="16" name="직선 연결선 15">
               <a:extLst>
                 <a:ext uri="{FF2B5EF4-FFF2-40B4-BE49-F238E27FC236}">
-                  <a16:creationId xmlns="" xmlns:a16="http://schemas.microsoft.com/office/drawing/2014/main" id="{8AD7F6C3-87E0-47D0-9FF0-89E7C39554B7}"/>
+                  <a16:creationId xmlns:a16="http://schemas.microsoft.com/office/drawing/2014/main" xmlns="" id="{8AD7F6C3-87E0-47D0-9FF0-89E7C39554B7}"/>
                 </a:ext>
               </a:extLst>
             </p:cNvPr>
@@ -9780,7 +9669,7 @@
     </p:spTree>
     <p:extLst>
       <p:ext uri="{BB962C8B-B14F-4D97-AF65-F5344CB8AC3E}">
-        <p14:creationId xmlns="" xmlns:p14="http://schemas.microsoft.com/office/powerpoint/2010/main" val="3740041879"/>
+        <p14:creationId xmlns:p14="http://schemas.microsoft.com/office/powerpoint/2010/main" xmlns="" val="3740041879"/>
       </p:ext>
     </p:extLst>
   </p:cSld>
@@ -9819,7 +9708,7 @@
           <p:cNvPr id="2" name="직사각형 1">
             <a:extLst>
               <a:ext uri="{FF2B5EF4-FFF2-40B4-BE49-F238E27FC236}">
-                <a16:creationId xmlns="" xmlns:a16="http://schemas.microsoft.com/office/drawing/2014/main" id="{72070133-B364-4648-B5B7-60879ABB5B30}"/>
+                <a16:creationId xmlns:a16="http://schemas.microsoft.com/office/drawing/2014/main" xmlns="" id="{72070133-B364-4648-B5B7-60879ABB5B30}"/>
               </a:ext>
             </a:extLst>
           </p:cNvPr>
@@ -9887,7 +9776,7 @@
           <p:cNvPr id="3" name="TextBox 2">
             <a:extLst>
               <a:ext uri="{FF2B5EF4-FFF2-40B4-BE49-F238E27FC236}">
-                <a16:creationId xmlns="" xmlns:a16="http://schemas.microsoft.com/office/drawing/2014/main" id="{046E9738-F6F0-4607-9DD9-40CC81694A89}"/>
+                <a16:creationId xmlns:a16="http://schemas.microsoft.com/office/drawing/2014/main" xmlns="" id="{046E9738-F6F0-4607-9DD9-40CC81694A89}"/>
               </a:ext>
             </a:extLst>
           </p:cNvPr>
@@ -9931,6 +9820,716 @@
                 <a:latin typeface="SpoqaHanSans-Bold"/>
                 <a:ea typeface="SpoqaHanSans-Bold"/>
               </a:rPr>
+              <a:t>프로젝트</a:t>
+            </a:r>
+            <a:r>
+              <a:rPr lang="en-US" altLang="ko-KR" sz="4000" spc="-300" dirty="0" smtClean="0">
+                <a:ln>
+                  <a:solidFill>
+                    <a:srgbClr val="4472C4">
+                      <a:shade val="50000"/>
+                      <a:alpha val="0"/>
+                    </a:srgbClr>
+                  </a:solidFill>
+                </a:ln>
+                <a:solidFill>
+                  <a:schemeClr val="bg1"/>
+                </a:solidFill>
+                <a:latin typeface="SpoqaHanSans-Bold"/>
+                <a:ea typeface="SpoqaHanSans-Bold"/>
+              </a:rPr>
+              <a:t> </a:t>
+            </a:r>
+            <a:r>
+              <a:rPr lang="en-US" altLang="ko-KR" sz="4000" spc="-300" dirty="0" err="1" smtClean="0">
+                <a:ln>
+                  <a:solidFill>
+                    <a:srgbClr val="4472C4">
+                      <a:shade val="50000"/>
+                      <a:alpha val="0"/>
+                    </a:srgbClr>
+                  </a:solidFill>
+                </a:ln>
+                <a:solidFill>
+                  <a:schemeClr val="bg1"/>
+                </a:solidFill>
+                <a:latin typeface="SpoqaHanSans-Bold"/>
+                <a:ea typeface="SpoqaHanSans-Bold"/>
+              </a:rPr>
+              <a:t>결과물</a:t>
+            </a:r>
+            <a:r>
+              <a:rPr lang="en-US" altLang="ko-KR" sz="4000" spc="-300" dirty="0" smtClean="0">
+                <a:ln>
+                  <a:solidFill>
+                    <a:srgbClr val="4472C4">
+                      <a:shade val="50000"/>
+                      <a:alpha val="0"/>
+                    </a:srgbClr>
+                  </a:solidFill>
+                </a:ln>
+                <a:solidFill>
+                  <a:schemeClr val="bg1"/>
+                </a:solidFill>
+                <a:latin typeface="SpoqaHanSans-Bold"/>
+                <a:ea typeface="SpoqaHanSans-Bold"/>
+              </a:rPr>
+              <a:t> </a:t>
+            </a:r>
+            <a:r>
+              <a:rPr lang="en-US" altLang="ko-KR" sz="4000" spc="-300" dirty="0" err="1" smtClean="0">
+                <a:ln>
+                  <a:solidFill>
+                    <a:srgbClr val="4472C4">
+                      <a:shade val="50000"/>
+                      <a:alpha val="0"/>
+                    </a:srgbClr>
+                  </a:solidFill>
+                </a:ln>
+                <a:solidFill>
+                  <a:schemeClr val="bg1"/>
+                </a:solidFill>
+                <a:latin typeface="SpoqaHanSans-Bold"/>
+                <a:ea typeface="SpoqaHanSans-Bold"/>
+              </a:rPr>
+              <a:t>비교</a:t>
+            </a:r>
+            <a:endParaRPr lang="en-US" altLang="ko-KR" sz="4000" spc="-300" dirty="0">
+              <a:ln>
+                <a:solidFill>
+                  <a:srgbClr val="4472C4">
+                    <a:shade val="50000"/>
+                    <a:alpha val="0"/>
+                  </a:srgbClr>
+                </a:solidFill>
+              </a:ln>
+              <a:solidFill>
+                <a:schemeClr val="bg1"/>
+              </a:solidFill>
+              <a:latin typeface="SpoqaHanSans-Bold"/>
+              <a:ea typeface="SpoqaHanSans-Bold" panose="020B0800000000000000" pitchFamily="50" charset="-127"/>
+            </a:endParaRPr>
+          </a:p>
+        </p:txBody>
+      </p:sp>
+      <p:pic>
+        <p:nvPicPr>
+          <p:cNvPr id="6" name="그림 5">
+            <a:extLst>
+              <a:ext uri="{FF2B5EF4-FFF2-40B4-BE49-F238E27FC236}">
+                <a16:creationId xmlns:a16="http://schemas.microsoft.com/office/drawing/2014/main" xmlns="" id="{76250358-C71A-44D4-9503-5BF52895BA57}"/>
+              </a:ext>
+            </a:extLst>
+          </p:cNvPr>
+          <p:cNvPicPr>
+            <a:picLocks noChangeAspect="1"/>
+          </p:cNvPicPr>
+          <p:nvPr/>
+        </p:nvPicPr>
+        <p:blipFill>
+          <a:blip r:embed="rId2"/>
+          <a:stretch>
+            <a:fillRect/>
+          </a:stretch>
+        </p:blipFill>
+        <p:spPr>
+          <a:xfrm>
+            <a:off x="148833" y="2578640"/>
+            <a:ext cx="4265374" cy="2065153"/>
+          </a:xfrm>
+          <a:prstGeom prst="rect">
+            <a:avLst/>
+          </a:prstGeom>
+        </p:spPr>
+      </p:pic>
+      <p:sp>
+        <p:nvSpPr>
+          <p:cNvPr id="7" name="화살표: 오른쪽 11">
+            <a:extLst>
+              <a:ext uri="{FF2B5EF4-FFF2-40B4-BE49-F238E27FC236}">
+                <a16:creationId xmlns:a16="http://schemas.microsoft.com/office/drawing/2014/main" xmlns="" id="{30CD89BF-6867-4DEC-A584-D044116DB39A}"/>
+              </a:ext>
+            </a:extLst>
+          </p:cNvPr>
+          <p:cNvSpPr/>
+          <p:nvPr/>
+        </p:nvSpPr>
+        <p:spPr>
+          <a:xfrm>
+            <a:off x="4680000" y="3099600"/>
+            <a:ext cx="1876091" cy="1151412"/>
+          </a:xfrm>
+          <a:prstGeom prst="rightArrow">
+            <a:avLst/>
+          </a:prstGeom>
+          <a:solidFill>
+            <a:srgbClr val="3C3C3C"/>
+          </a:solidFill>
+        </p:spPr>
+        <p:txBody>
+          <a:bodyPr wrap="none" rtlCol="0" anchor="ctr">
+            <a:noAutofit/>
+          </a:bodyPr>
+          <a:lstStyle/>
+          <a:p>
+            <a:pPr algn="ctr">
+              <a:lnSpc>
+                <a:spcPct val="110000"/>
+              </a:lnSpc>
+            </a:pPr>
+            <a:endParaRPr lang="ko-KR" altLang="en-US" sz="2000" dirty="0">
+              <a:ln>
+                <a:solidFill>
+                  <a:schemeClr val="accent1">
+                    <a:shade val="50000"/>
+                    <a:alpha val="0"/>
+                  </a:schemeClr>
+                </a:solidFill>
+              </a:ln>
+              <a:solidFill>
+                <a:srgbClr val="FFFFFF"/>
+              </a:solidFill>
+              <a:latin typeface="SpoqaHanSans-Bold" panose="020B0800000000000000" pitchFamily="50" charset="-127"/>
+              <a:ea typeface="SpoqaHanSans-Bold" panose="020B0800000000000000" pitchFamily="50" charset="-127"/>
+            </a:endParaRPr>
+          </a:p>
+        </p:txBody>
+      </p:sp>
+      <p:pic>
+        <p:nvPicPr>
+          <p:cNvPr id="8" name="그림 7">
+            <a:extLst>
+              <a:ext uri="{FF2B5EF4-FFF2-40B4-BE49-F238E27FC236}">
+                <a16:creationId xmlns:a16="http://schemas.microsoft.com/office/drawing/2014/main" xmlns="" id="{CEA99C9C-1BD7-4A0E-A157-6F17EF01D8A7}"/>
+              </a:ext>
+            </a:extLst>
+          </p:cNvPr>
+          <p:cNvPicPr>
+            <a:picLocks noChangeAspect="1"/>
+          </p:cNvPicPr>
+          <p:nvPr/>
+        </p:nvPicPr>
+        <p:blipFill>
+          <a:blip r:embed="rId3"/>
+          <a:stretch>
+            <a:fillRect/>
+          </a:stretch>
+        </p:blipFill>
+        <p:spPr>
+          <a:xfrm>
+            <a:off x="7148532" y="2374026"/>
+            <a:ext cx="4391045" cy="2492699"/>
+          </a:xfrm>
+          <a:prstGeom prst="rect">
+            <a:avLst/>
+          </a:prstGeom>
+        </p:spPr>
+      </p:pic>
+    </p:spTree>
+    <p:extLst>
+      <p:ext uri="{BB962C8B-B14F-4D97-AF65-F5344CB8AC3E}">
+        <p14:creationId xmlns:p14="http://schemas.microsoft.com/office/powerpoint/2010/main" xmlns="" val="4141249237"/>
+      </p:ext>
+    </p:extLst>
+  </p:cSld>
+  <p:clrMapOvr>
+    <a:masterClrMapping/>
+  </p:clrMapOvr>
+  <p:timing>
+    <p:tnLst>
+      <p:par>
+        <p:cTn id="1" dur="indefinite" restart="never" nodeType="tmRoot"/>
+      </p:par>
+    </p:tnLst>
+  </p:timing>
+</p:sld>
+</file>
+
+<file path=ppt/slides/slide21.xml><?xml version="1.0" encoding="utf-8"?>
+<p:sld xmlns:a="http://schemas.openxmlformats.org/drawingml/2006/main" xmlns:r="http://schemas.openxmlformats.org/officeDocument/2006/relationships" xmlns:p="http://schemas.openxmlformats.org/presentationml/2006/main">
+  <p:cSld>
+    <p:spTree>
+      <p:nvGrpSpPr>
+        <p:cNvPr id="1" name=""/>
+        <p:cNvGrpSpPr/>
+        <p:nvPr/>
+      </p:nvGrpSpPr>
+      <p:grpSpPr>
+        <a:xfrm>
+          <a:off x="0" y="0"/>
+          <a:ext cx="0" cy="0"/>
+          <a:chOff x="0" y="0"/>
+          <a:chExt cx="0" cy="0"/>
+        </a:xfrm>
+      </p:grpSpPr>
+      <p:sp>
+        <p:nvSpPr>
+          <p:cNvPr id="2" name="직사각형 1">
+            <a:extLst>
+              <a:ext uri="{FF2B5EF4-FFF2-40B4-BE49-F238E27FC236}">
+                <a16:creationId xmlns:a16="http://schemas.microsoft.com/office/drawing/2014/main" xmlns="" id="{72070133-B364-4648-B5B7-60879ABB5B30}"/>
+              </a:ext>
+            </a:extLst>
+          </p:cNvPr>
+          <p:cNvSpPr/>
+          <p:nvPr/>
+        </p:nvSpPr>
+        <p:spPr>
+          <a:xfrm>
+            <a:off x="0" y="0"/>
+            <a:ext cx="12192000" cy="1168366"/>
+          </a:xfrm>
+          <a:prstGeom prst="rect">
+            <a:avLst/>
+          </a:prstGeom>
+          <a:gradFill>
+            <a:gsLst>
+              <a:gs pos="0">
+                <a:schemeClr val="tx1">
+                  <a:lumMod val="75000"/>
+                  <a:lumOff val="25000"/>
+                </a:schemeClr>
+              </a:gs>
+              <a:gs pos="54000">
+                <a:schemeClr val="tx1">
+                  <a:lumMod val="85000"/>
+                  <a:lumOff val="15000"/>
+                </a:schemeClr>
+              </a:gs>
+            </a:gsLst>
+            <a:path path="circle">
+              <a:fillToRect l="100000" b="100000"/>
+            </a:path>
+          </a:gradFill>
+          <a:ln>
+            <a:noFill/>
+          </a:ln>
+        </p:spPr>
+        <p:style>
+          <a:lnRef idx="2">
+            <a:schemeClr val="accent1">
+              <a:shade val="50000"/>
+            </a:schemeClr>
+          </a:lnRef>
+          <a:fillRef idx="1">
+            <a:schemeClr val="accent1"/>
+          </a:fillRef>
+          <a:effectRef idx="0">
+            <a:schemeClr val="accent1"/>
+          </a:effectRef>
+          <a:fontRef idx="minor">
+            <a:schemeClr val="lt1"/>
+          </a:fontRef>
+        </p:style>
+        <p:txBody>
+          <a:bodyPr rtlCol="0" anchor="ctr"/>
+          <a:lstStyle/>
+          <a:p>
+            <a:pPr algn="ctr"/>
+            <a:endParaRPr lang="ko-KR" altLang="en-US"/>
+          </a:p>
+        </p:txBody>
+      </p:sp>
+      <p:sp>
+        <p:nvSpPr>
+          <p:cNvPr id="3" name="TextBox 2">
+            <a:extLst>
+              <a:ext uri="{FF2B5EF4-FFF2-40B4-BE49-F238E27FC236}">
+                <a16:creationId xmlns:a16="http://schemas.microsoft.com/office/drawing/2014/main" xmlns="" id="{046E9738-F6F0-4607-9DD9-40CC81694A89}"/>
+              </a:ext>
+            </a:extLst>
+          </p:cNvPr>
+          <p:cNvSpPr txBox="1"/>
+          <p:nvPr/>
+        </p:nvSpPr>
+        <p:spPr>
+          <a:xfrm>
+            <a:off x="351014" y="233009"/>
+            <a:ext cx="8790983" cy="646193"/>
+          </a:xfrm>
+          <a:prstGeom prst="rect">
+            <a:avLst/>
+          </a:prstGeom>
+          <a:noFill/>
+        </p:spPr>
+        <p:txBody>
+          <a:bodyPr wrap="none" lIns="91440" tIns="45720" rIns="91440" bIns="45720" rtlCol="0" anchor="t">
+            <a:noAutofit/>
+          </a:bodyPr>
+          <a:lstStyle/>
+          <a:p>
+            <a:pPr>
+              <a:lnSpc>
+                <a:spcPct val="110000"/>
+              </a:lnSpc>
+            </a:pPr>
+            <a:r>
+              <a:rPr lang="en-US" altLang="ko-KR" sz="4000" spc="-300" dirty="0" err="1" smtClean="0">
+                <a:ln>
+                  <a:solidFill>
+                    <a:srgbClr val="4472C4">
+                      <a:shade val="50000"/>
+                      <a:alpha val="0"/>
+                    </a:srgbClr>
+                  </a:solidFill>
+                </a:ln>
+                <a:solidFill>
+                  <a:schemeClr val="bg1"/>
+                </a:solidFill>
+                <a:latin typeface="SpoqaHanSans-Bold"/>
+                <a:ea typeface="SpoqaHanSans-Bold"/>
+              </a:rPr>
+              <a:t>프로젝트</a:t>
+            </a:r>
+            <a:r>
+              <a:rPr lang="en-US" altLang="ko-KR" sz="4000" spc="-300" dirty="0" smtClean="0">
+                <a:ln>
+                  <a:solidFill>
+                    <a:srgbClr val="4472C4">
+                      <a:shade val="50000"/>
+                      <a:alpha val="0"/>
+                    </a:srgbClr>
+                  </a:solidFill>
+                </a:ln>
+                <a:solidFill>
+                  <a:schemeClr val="bg1"/>
+                </a:solidFill>
+                <a:latin typeface="SpoqaHanSans-Bold"/>
+                <a:ea typeface="SpoqaHanSans-Bold"/>
+              </a:rPr>
+              <a:t> </a:t>
+            </a:r>
+            <a:r>
+              <a:rPr lang="en-US" altLang="ko-KR" sz="4000" spc="-300" dirty="0" err="1" smtClean="0">
+                <a:ln>
+                  <a:solidFill>
+                    <a:srgbClr val="4472C4">
+                      <a:shade val="50000"/>
+                      <a:alpha val="0"/>
+                    </a:srgbClr>
+                  </a:solidFill>
+                </a:ln>
+                <a:solidFill>
+                  <a:schemeClr val="bg1"/>
+                </a:solidFill>
+                <a:latin typeface="SpoqaHanSans-Bold"/>
+                <a:ea typeface="SpoqaHanSans-Bold"/>
+              </a:rPr>
+              <a:t>결과물</a:t>
+            </a:r>
+            <a:r>
+              <a:rPr lang="en-US" altLang="ko-KR" sz="4000" spc="-300" dirty="0" smtClean="0">
+                <a:ln>
+                  <a:solidFill>
+                    <a:srgbClr val="4472C4">
+                      <a:shade val="50000"/>
+                      <a:alpha val="0"/>
+                    </a:srgbClr>
+                  </a:solidFill>
+                </a:ln>
+                <a:solidFill>
+                  <a:schemeClr val="bg1"/>
+                </a:solidFill>
+                <a:latin typeface="SpoqaHanSans-Bold"/>
+                <a:ea typeface="SpoqaHanSans-Bold"/>
+              </a:rPr>
+              <a:t> </a:t>
+            </a:r>
+            <a:r>
+              <a:rPr lang="en-US" altLang="ko-KR" sz="4000" spc="-300" dirty="0" err="1" smtClean="0">
+                <a:ln>
+                  <a:solidFill>
+                    <a:srgbClr val="4472C4">
+                      <a:shade val="50000"/>
+                      <a:alpha val="0"/>
+                    </a:srgbClr>
+                  </a:solidFill>
+                </a:ln>
+                <a:solidFill>
+                  <a:schemeClr val="bg1"/>
+                </a:solidFill>
+                <a:latin typeface="SpoqaHanSans-Bold"/>
+                <a:ea typeface="SpoqaHanSans-Bold"/>
+              </a:rPr>
+              <a:t>비교</a:t>
+            </a:r>
+            <a:endParaRPr lang="en-US" altLang="ko-KR" sz="4000" spc="-300" dirty="0">
+              <a:ln>
+                <a:solidFill>
+                  <a:srgbClr val="4472C4">
+                    <a:shade val="50000"/>
+                    <a:alpha val="0"/>
+                  </a:srgbClr>
+                </a:solidFill>
+              </a:ln>
+              <a:solidFill>
+                <a:schemeClr val="bg1"/>
+              </a:solidFill>
+              <a:latin typeface="SpoqaHanSans-Bold"/>
+              <a:ea typeface="SpoqaHanSans-Bold" panose="020B0800000000000000" pitchFamily="50" charset="-127"/>
+            </a:endParaRPr>
+          </a:p>
+        </p:txBody>
+      </p:sp>
+      <p:sp>
+        <p:nvSpPr>
+          <p:cNvPr id="7" name="화살표: 오른쪽 11">
+            <a:extLst>
+              <a:ext uri="{FF2B5EF4-FFF2-40B4-BE49-F238E27FC236}">
+                <a16:creationId xmlns:a16="http://schemas.microsoft.com/office/drawing/2014/main" xmlns="" id="{30CD89BF-6867-4DEC-A584-D044116DB39A}"/>
+              </a:ext>
+            </a:extLst>
+          </p:cNvPr>
+          <p:cNvSpPr/>
+          <p:nvPr/>
+        </p:nvSpPr>
+        <p:spPr>
+          <a:xfrm>
+            <a:off x="4679628" y="3099416"/>
+            <a:ext cx="1876091" cy="1151412"/>
+          </a:xfrm>
+          <a:prstGeom prst="rightArrow">
+            <a:avLst/>
+          </a:prstGeom>
+          <a:solidFill>
+            <a:srgbClr val="3C3C3C"/>
+          </a:solidFill>
+        </p:spPr>
+        <p:txBody>
+          <a:bodyPr wrap="none" rtlCol="0" anchor="ctr">
+            <a:noAutofit/>
+          </a:bodyPr>
+          <a:lstStyle/>
+          <a:p>
+            <a:pPr algn="ctr">
+              <a:lnSpc>
+                <a:spcPct val="110000"/>
+              </a:lnSpc>
+            </a:pPr>
+            <a:endParaRPr lang="ko-KR" altLang="en-US" sz="2000" dirty="0">
+              <a:ln>
+                <a:solidFill>
+                  <a:schemeClr val="accent1">
+                    <a:shade val="50000"/>
+                    <a:alpha val="0"/>
+                  </a:schemeClr>
+                </a:solidFill>
+              </a:ln>
+              <a:solidFill>
+                <a:srgbClr val="FFFFFF"/>
+              </a:solidFill>
+              <a:latin typeface="SpoqaHanSans-Bold" panose="020B0800000000000000" pitchFamily="50" charset="-127"/>
+              <a:ea typeface="SpoqaHanSans-Bold" panose="020B0800000000000000" pitchFamily="50" charset="-127"/>
+            </a:endParaRPr>
+          </a:p>
+        </p:txBody>
+      </p:sp>
+      <p:pic>
+        <p:nvPicPr>
+          <p:cNvPr id="9" name="Picture 5" descr="C:\Users\egenglish\Desktop\수업\오픈소스\피피티\https___mariadb.com_wp-content_uploads_2019_11_mariadb-logo-vert_black-transparent.png"/>
+          <p:cNvPicPr>
+            <a:picLocks noChangeAspect="1" noChangeArrowheads="1"/>
+          </p:cNvPicPr>
+          <p:nvPr/>
+        </p:nvPicPr>
+        <p:blipFill>
+          <a:blip r:embed="rId2" cstate="print"/>
+          <a:srcRect/>
+          <a:stretch>
+            <a:fillRect/>
+          </a:stretch>
+        </p:blipFill>
+        <p:spPr bwMode="auto">
+          <a:xfrm>
+            <a:off x="781930" y="2604752"/>
+            <a:ext cx="2613912" cy="2130712"/>
+          </a:xfrm>
+          <a:prstGeom prst="rect">
+            <a:avLst/>
+          </a:prstGeom>
+          <a:noFill/>
+        </p:spPr>
+      </p:pic>
+      <p:pic>
+        <p:nvPicPr>
+          <p:cNvPr id="1027" name="Picture 3" descr="C:\Users\egenglish\Desktop\수업\오픈소스\찐막\OPENSOURCE16\ppt\image\pngegg.png"/>
+          <p:cNvPicPr>
+            <a:picLocks noChangeAspect="1" noChangeArrowheads="1"/>
+          </p:cNvPicPr>
+          <p:nvPr/>
+        </p:nvPicPr>
+        <p:blipFill>
+          <a:blip r:embed="rId3"/>
+          <a:srcRect/>
+          <a:stretch>
+            <a:fillRect/>
+          </a:stretch>
+        </p:blipFill>
+        <p:spPr bwMode="auto">
+          <a:xfrm>
+            <a:off x="7151675" y="1971767"/>
+            <a:ext cx="4720412" cy="3540309"/>
+          </a:xfrm>
+          <a:prstGeom prst="rect">
+            <a:avLst/>
+          </a:prstGeom>
+          <a:noFill/>
+        </p:spPr>
+      </p:pic>
+    </p:spTree>
+    <p:extLst>
+      <p:ext uri="{BB962C8B-B14F-4D97-AF65-F5344CB8AC3E}">
+        <p14:creationId xmlns:p14="http://schemas.microsoft.com/office/powerpoint/2010/main" xmlns="" val="4141249237"/>
+      </p:ext>
+    </p:extLst>
+  </p:cSld>
+  <p:clrMapOvr>
+    <a:masterClrMapping/>
+  </p:clrMapOvr>
+  <p:timing>
+    <p:tnLst>
+      <p:par>
+        <p:cTn id="1" dur="indefinite" restart="never" nodeType="tmRoot"/>
+      </p:par>
+    </p:tnLst>
+  </p:timing>
+</p:sld>
+</file>
+
+<file path=ppt/slides/slide22.xml><?xml version="1.0" encoding="utf-8"?>
+<p:sld xmlns:a="http://schemas.openxmlformats.org/drawingml/2006/main" xmlns:r="http://schemas.openxmlformats.org/officeDocument/2006/relationships" xmlns:p="http://schemas.openxmlformats.org/presentationml/2006/main">
+  <p:cSld>
+    <p:spTree>
+      <p:nvGrpSpPr>
+        <p:cNvPr id="1" name=""/>
+        <p:cNvGrpSpPr/>
+        <p:nvPr/>
+      </p:nvGrpSpPr>
+      <p:grpSpPr>
+        <a:xfrm>
+          <a:off x="0" y="0"/>
+          <a:ext cx="0" cy="0"/>
+          <a:chOff x="0" y="0"/>
+          <a:chExt cx="0" cy="0"/>
+        </a:xfrm>
+      </p:grpSpPr>
+      <p:sp>
+        <p:nvSpPr>
+          <p:cNvPr id="2" name="직사각형 1">
+            <a:extLst>
+              <a:ext uri="{FF2B5EF4-FFF2-40B4-BE49-F238E27FC236}">
+                <a16:creationId xmlns:a16="http://schemas.microsoft.com/office/drawing/2014/main" xmlns="" id="{72070133-B364-4648-B5B7-60879ABB5B30}"/>
+              </a:ext>
+            </a:extLst>
+          </p:cNvPr>
+          <p:cNvSpPr/>
+          <p:nvPr/>
+        </p:nvSpPr>
+        <p:spPr>
+          <a:xfrm>
+            <a:off x="0" y="0"/>
+            <a:ext cx="12192000" cy="1168366"/>
+          </a:xfrm>
+          <a:prstGeom prst="rect">
+            <a:avLst/>
+          </a:prstGeom>
+          <a:gradFill>
+            <a:gsLst>
+              <a:gs pos="0">
+                <a:schemeClr val="tx1">
+                  <a:lumMod val="75000"/>
+                  <a:lumOff val="25000"/>
+                </a:schemeClr>
+              </a:gs>
+              <a:gs pos="54000">
+                <a:schemeClr val="tx1">
+                  <a:lumMod val="85000"/>
+                  <a:lumOff val="15000"/>
+                </a:schemeClr>
+              </a:gs>
+            </a:gsLst>
+            <a:path path="circle">
+              <a:fillToRect l="100000" b="100000"/>
+            </a:path>
+          </a:gradFill>
+          <a:ln>
+            <a:noFill/>
+          </a:ln>
+        </p:spPr>
+        <p:style>
+          <a:lnRef idx="2">
+            <a:schemeClr val="accent1">
+              <a:shade val="50000"/>
+            </a:schemeClr>
+          </a:lnRef>
+          <a:fillRef idx="1">
+            <a:schemeClr val="accent1"/>
+          </a:fillRef>
+          <a:effectRef idx="0">
+            <a:schemeClr val="accent1"/>
+          </a:effectRef>
+          <a:fontRef idx="minor">
+            <a:schemeClr val="lt1"/>
+          </a:fontRef>
+        </p:style>
+        <p:txBody>
+          <a:bodyPr rtlCol="0" anchor="ctr"/>
+          <a:lstStyle/>
+          <a:p>
+            <a:pPr algn="ctr"/>
+            <a:endParaRPr lang="ko-KR" altLang="en-US"/>
+          </a:p>
+        </p:txBody>
+      </p:sp>
+      <p:sp>
+        <p:nvSpPr>
+          <p:cNvPr id="3" name="TextBox 2">
+            <a:extLst>
+              <a:ext uri="{FF2B5EF4-FFF2-40B4-BE49-F238E27FC236}">
+                <a16:creationId xmlns:a16="http://schemas.microsoft.com/office/drawing/2014/main" xmlns="" id="{046E9738-F6F0-4607-9DD9-40CC81694A89}"/>
+              </a:ext>
+            </a:extLst>
+          </p:cNvPr>
+          <p:cNvSpPr txBox="1"/>
+          <p:nvPr/>
+        </p:nvSpPr>
+        <p:spPr>
+          <a:xfrm>
+            <a:off x="351014" y="233009"/>
+            <a:ext cx="8790983" cy="646193"/>
+          </a:xfrm>
+          <a:prstGeom prst="rect">
+            <a:avLst/>
+          </a:prstGeom>
+          <a:noFill/>
+        </p:spPr>
+        <p:txBody>
+          <a:bodyPr wrap="none" lIns="91440" tIns="45720" rIns="91440" bIns="45720" rtlCol="0" anchor="t">
+            <a:noAutofit/>
+          </a:bodyPr>
+          <a:lstStyle/>
+          <a:p>
+            <a:pPr>
+              <a:lnSpc>
+                <a:spcPct val="110000"/>
+              </a:lnSpc>
+            </a:pPr>
+            <a:r>
+              <a:rPr lang="en-US" altLang="ko-KR" sz="4000" spc="-300" dirty="0" err="1" smtClean="0">
+                <a:ln>
+                  <a:solidFill>
+                    <a:srgbClr val="4472C4">
+                      <a:shade val="50000"/>
+                      <a:alpha val="0"/>
+                    </a:srgbClr>
+                  </a:solidFill>
+                </a:ln>
+                <a:solidFill>
+                  <a:schemeClr val="bg1"/>
+                </a:solidFill>
+                <a:latin typeface="SpoqaHanSans-Bold"/>
+                <a:ea typeface="SpoqaHanSans-Bold"/>
+              </a:rPr>
               <a:t>소스</a:t>
             </a:r>
             <a:r>
@@ -10122,7 +10721,7 @@
           <p:cNvPr id="5" name="표 5">
             <a:extLst>
               <a:ext uri="{FF2B5EF4-FFF2-40B4-BE49-F238E27FC236}">
-                <a16:creationId xmlns="" xmlns:a16="http://schemas.microsoft.com/office/drawing/2014/main" id="{FC9E8AF2-BC97-403A-9DE2-158B2FABB55E}"/>
+                <a16:creationId xmlns:a16="http://schemas.microsoft.com/office/drawing/2014/main" xmlns="" id="{FC9E8AF2-BC97-403A-9DE2-158B2FABB55E}"/>
               </a:ext>
             </a:extLst>
           </p:cNvPr>
@@ -10132,7 +10731,7 @@
           <p:nvPr>
             <p:extLst>
               <p:ext uri="{D42A27DB-BD31-4B8C-83A1-F6EECF244321}">
-                <p14:modId xmlns="" xmlns:p14="http://schemas.microsoft.com/office/powerpoint/2010/main" val="535676568"/>
+                <p14:modId xmlns:p14="http://schemas.microsoft.com/office/powerpoint/2010/main" xmlns="" val="535676568"/>
               </p:ext>
             </p:extLst>
           </p:nvPr>
@@ -10151,14 +10750,14 @@
                 <a:gridCol w="3801182">
                   <a:extLst>
                     <a:ext uri="{9D8B030D-6E8A-4147-A177-3AD203B41FA5}">
-                      <a16:colId xmlns="" xmlns:a16="http://schemas.microsoft.com/office/drawing/2014/main" val="664462760"/>
+                      <a16:colId xmlns:a16="http://schemas.microsoft.com/office/drawing/2014/main" xmlns="" val="664462760"/>
                     </a:ext>
                   </a:extLst>
                 </a:gridCol>
                 <a:gridCol w="6797544">
                   <a:extLst>
                     <a:ext uri="{9D8B030D-6E8A-4147-A177-3AD203B41FA5}">
-                      <a16:colId xmlns="" xmlns:a16="http://schemas.microsoft.com/office/drawing/2014/main" val="3161920122"/>
+                      <a16:colId xmlns:a16="http://schemas.microsoft.com/office/drawing/2014/main" xmlns="" val="3161920122"/>
                     </a:ext>
                   </a:extLst>
                 </a:gridCol>
@@ -10311,7 +10910,7 @@
                 </a:tc>
                 <a:extLst>
                   <a:ext uri="{0D108BD9-81ED-4DB2-BD59-A6C34878D82A}">
-                    <a16:rowId xmlns="" xmlns:a16="http://schemas.microsoft.com/office/drawing/2014/main" val="3970375590"/>
+                    <a16:rowId xmlns:a16="http://schemas.microsoft.com/office/drawing/2014/main" xmlns="" val="3970375590"/>
                   </a:ext>
                 </a:extLst>
               </a:tr>
@@ -10463,7 +11062,7 @@
                 </a:tc>
                 <a:extLst>
                   <a:ext uri="{0D108BD9-81ED-4DB2-BD59-A6C34878D82A}">
-                    <a16:rowId xmlns="" xmlns:a16="http://schemas.microsoft.com/office/drawing/2014/main" val="1061963206"/>
+                    <a16:rowId xmlns:a16="http://schemas.microsoft.com/office/drawing/2014/main" xmlns="" val="1061963206"/>
                   </a:ext>
                 </a:extLst>
               </a:tr>
@@ -10624,14 +11223,7 @@
                           <a:latin typeface="Spoqa Han Sans Neo Medium" pitchFamily="2" charset="0"/>
                           <a:ea typeface="Spoqa Han Sans Neo Medium" pitchFamily="2" charset="0"/>
                         </a:rPr>
-                        <a:t>데이터 </a:t>
-                      </a:r>
-                      <a:r>
-                        <a:rPr lang="ko-KR" altLang="en-US" dirty="0" smtClean="0">
-                          <a:latin typeface="Spoqa Han Sans Neo Medium" pitchFamily="2" charset="0"/>
-                          <a:ea typeface="Spoqa Han Sans Neo Medium" pitchFamily="2" charset="0"/>
-                        </a:rPr>
-                        <a:t>연동 등</a:t>
+                        <a:t>데이터 연동 등</a:t>
                       </a:r>
                       <a:r>
                         <a:rPr lang="en-US" altLang="ko-KR" dirty="0" smtClean="0">
@@ -10697,7 +11289,7 @@
                 </a:tc>
                 <a:extLst>
                   <a:ext uri="{0D108BD9-81ED-4DB2-BD59-A6C34878D82A}">
-                    <a16:rowId xmlns="" xmlns:a16="http://schemas.microsoft.com/office/drawing/2014/main" val="4281332351"/>
+                    <a16:rowId xmlns:a16="http://schemas.microsoft.com/office/drawing/2014/main" xmlns="" val="4281332351"/>
                   </a:ext>
                 </a:extLst>
               </a:tr>
@@ -10816,14 +11408,7 @@
                           <a:latin typeface="Spoqa Han Sans Neo Medium" pitchFamily="2" charset="0"/>
                           <a:ea typeface="Spoqa Han Sans Neo Medium" pitchFamily="2" charset="0"/>
                         </a:rPr>
-                        <a:t>처리하는 </a:t>
-                      </a:r>
-                      <a:r>
-                        <a:rPr lang="ko-KR" altLang="en-US" dirty="0" smtClean="0">
-                          <a:latin typeface="Spoqa Han Sans Neo Medium" pitchFamily="2" charset="0"/>
-                          <a:ea typeface="Spoqa Han Sans Neo Medium" pitchFamily="2" charset="0"/>
-                        </a:rPr>
-                        <a:t>클래스</a:t>
+                        <a:t>처리하는 클래스</a:t>
                       </a:r>
                       <a:endParaRPr lang="ko-KR" altLang="en-US" dirty="0">
                         <a:latin typeface="Spoqa Han Sans Neo Medium" pitchFamily="2" charset="0"/>
@@ -10875,7 +11460,7 @@
                 </a:tc>
                 <a:extLst>
                   <a:ext uri="{0D108BD9-81ED-4DB2-BD59-A6C34878D82A}">
-                    <a16:rowId xmlns="" xmlns:a16="http://schemas.microsoft.com/office/drawing/2014/main" val="3488279378"/>
+                    <a16:rowId xmlns:a16="http://schemas.microsoft.com/office/drawing/2014/main" xmlns="" val="3488279378"/>
                   </a:ext>
                 </a:extLst>
               </a:tr>
@@ -11005,14 +11590,7 @@
                           <a:latin typeface="Spoqa Han Sans Neo Medium" pitchFamily="2" charset="0"/>
                           <a:ea typeface="Spoqa Han Sans Neo Medium" pitchFamily="2" charset="0"/>
                         </a:rPr>
-                        <a:t>캘린더가 </a:t>
-                      </a:r>
-                      <a:r>
-                        <a:rPr lang="ko-KR" altLang="en-US" dirty="0" smtClean="0">
-                          <a:latin typeface="Spoqa Han Sans Neo Medium" pitchFamily="2" charset="0"/>
-                          <a:ea typeface="Spoqa Han Sans Neo Medium" pitchFamily="2" charset="0"/>
-                        </a:rPr>
-                        <a:t>실행됨</a:t>
+                        <a:t>캘린더가 실행됨</a:t>
                       </a:r>
                       <a:endParaRPr lang="ko-KR" altLang="en-US" dirty="0">
                         <a:latin typeface="Spoqa Han Sans Neo Medium" pitchFamily="2" charset="0"/>
@@ -11064,7 +11642,7 @@
                 </a:tc>
                 <a:extLst>
                   <a:ext uri="{0D108BD9-81ED-4DB2-BD59-A6C34878D82A}">
-                    <a16:rowId xmlns="" xmlns:a16="http://schemas.microsoft.com/office/drawing/2014/main" val="1109085182"/>
+                    <a16:rowId xmlns:a16="http://schemas.microsoft.com/office/drawing/2014/main" xmlns="" val="1109085182"/>
                   </a:ext>
                 </a:extLst>
               </a:tr>
@@ -11230,7 +11808,7 @@
                 </a:tc>
                 <a:extLst>
                   <a:ext uri="{0D108BD9-81ED-4DB2-BD59-A6C34878D82A}">
-                    <a16:rowId xmlns="" xmlns:a16="http://schemas.microsoft.com/office/drawing/2014/main" val="2001047791"/>
+                    <a16:rowId xmlns:a16="http://schemas.microsoft.com/office/drawing/2014/main" xmlns="" val="2001047791"/>
                   </a:ext>
                 </a:extLst>
               </a:tr>
@@ -11364,7 +11942,7 @@
                 </a:tc>
                 <a:extLst>
                   <a:ext uri="{0D108BD9-81ED-4DB2-BD59-A6C34878D82A}">
-                    <a16:rowId xmlns="" xmlns:a16="http://schemas.microsoft.com/office/drawing/2014/main" val="1854255413"/>
+                    <a16:rowId xmlns:a16="http://schemas.microsoft.com/office/drawing/2014/main" xmlns="" val="1854255413"/>
                   </a:ext>
                 </a:extLst>
               </a:tr>
@@ -11375,7 +11953,7 @@
     </p:spTree>
     <p:extLst>
       <p:ext uri="{BB962C8B-B14F-4D97-AF65-F5344CB8AC3E}">
-        <p14:creationId xmlns="" xmlns:p14="http://schemas.microsoft.com/office/powerpoint/2010/main" val="4141249237"/>
+        <p14:creationId xmlns:p14="http://schemas.microsoft.com/office/powerpoint/2010/main" xmlns="" val="4141249237"/>
       </p:ext>
     </p:extLst>
   </p:cSld>
@@ -11392,7 +11970,7 @@
 </p:sld>
 </file>
 
-<file path=ppt/slides/slide21.xml><?xml version="1.0" encoding="utf-8"?>
+<file path=ppt/slides/slide23.xml><?xml version="1.0" encoding="utf-8"?>
 <p:sld xmlns:a="http://schemas.openxmlformats.org/drawingml/2006/main" xmlns:r="http://schemas.openxmlformats.org/officeDocument/2006/relationships" xmlns:p="http://schemas.openxmlformats.org/presentationml/2006/main">
   <p:cSld>
     <p:spTree>
@@ -11414,7 +11992,7 @@
           <p:cNvPr id="2" name="직사각형 1">
             <a:extLst>
               <a:ext uri="{FF2B5EF4-FFF2-40B4-BE49-F238E27FC236}">
-                <a16:creationId xmlns="" xmlns:a16="http://schemas.microsoft.com/office/drawing/2014/main" id="{11A62586-B708-4471-8640-ED72F76F9C56}"/>
+                <a16:creationId xmlns:a16="http://schemas.microsoft.com/office/drawing/2014/main" xmlns="" id="{11A62586-B708-4471-8640-ED72F76F9C56}"/>
               </a:ext>
             </a:extLst>
           </p:cNvPr>
@@ -11482,7 +12060,7 @@
           <p:cNvPr id="3" name="TextBox 2">
             <a:extLst>
               <a:ext uri="{FF2B5EF4-FFF2-40B4-BE49-F238E27FC236}">
-                <a16:creationId xmlns="" xmlns:a16="http://schemas.microsoft.com/office/drawing/2014/main" id="{988CFF69-148F-4807-9880-44F95FE3A9DC}"/>
+                <a16:creationId xmlns:a16="http://schemas.microsoft.com/office/drawing/2014/main" xmlns="" id="{988CFF69-148F-4807-9880-44F95FE3A9DC}"/>
               </a:ext>
             </a:extLst>
           </p:cNvPr>
@@ -11564,7 +12142,7 @@
           <p:cNvPr id="4" name="TextBox 3">
             <a:extLst>
               <a:ext uri="{FF2B5EF4-FFF2-40B4-BE49-F238E27FC236}">
-                <a16:creationId xmlns="" xmlns:a16="http://schemas.microsoft.com/office/drawing/2014/main" id="{392523DE-E429-4729-B40E-C98AD1714AC6}"/>
+                <a16:creationId xmlns:a16="http://schemas.microsoft.com/office/drawing/2014/main" xmlns="" id="{392523DE-E429-4729-B40E-C98AD1714AC6}"/>
               </a:ext>
             </a:extLst>
           </p:cNvPr>
@@ -11782,7 +12360,7 @@
           <p:cNvPr id="7" name="그림 7">
             <a:extLst>
               <a:ext uri="{FF2B5EF4-FFF2-40B4-BE49-F238E27FC236}">
-                <a16:creationId xmlns="" xmlns:a16="http://schemas.microsoft.com/office/drawing/2014/main" id="{CEA99C9C-1BD7-4A0E-A157-6F17EF01D8A7}"/>
+                <a16:creationId xmlns:a16="http://schemas.microsoft.com/office/drawing/2014/main" xmlns="" id="{CEA99C9C-1BD7-4A0E-A157-6F17EF01D8A7}"/>
               </a:ext>
             </a:extLst>
           </p:cNvPr>
@@ -11810,7 +12388,7 @@
     </p:spTree>
     <p:extLst>
       <p:ext uri="{BB962C8B-B14F-4D97-AF65-F5344CB8AC3E}">
-        <p14:creationId xmlns="" xmlns:p14="http://schemas.microsoft.com/office/powerpoint/2010/main" val="2238419840"/>
+        <p14:creationId xmlns:p14="http://schemas.microsoft.com/office/powerpoint/2010/main" xmlns="" val="2238419840"/>
       </p:ext>
     </p:extLst>
   </p:cSld>
@@ -11827,7 +12405,7 @@
 </p:sld>
 </file>
 
-<file path=ppt/slides/slide22.xml><?xml version="1.0" encoding="utf-8"?>
+<file path=ppt/slides/slide24.xml><?xml version="1.0" encoding="utf-8"?>
 <p:sld xmlns:a="http://schemas.openxmlformats.org/drawingml/2006/main" xmlns:r="http://schemas.openxmlformats.org/officeDocument/2006/relationships" xmlns:p="http://schemas.openxmlformats.org/presentationml/2006/main">
   <p:cSld>
     <p:spTree>
@@ -11849,7 +12427,7 @@
           <p:cNvPr id="2" name="직사각형 1">
             <a:extLst>
               <a:ext uri="{FF2B5EF4-FFF2-40B4-BE49-F238E27FC236}">
-                <a16:creationId xmlns="" xmlns:a16="http://schemas.microsoft.com/office/drawing/2014/main" id="{11A62586-B708-4471-8640-ED72F76F9C56}"/>
+                <a16:creationId xmlns:a16="http://schemas.microsoft.com/office/drawing/2014/main" xmlns="" id="{11A62586-B708-4471-8640-ED72F76F9C56}"/>
               </a:ext>
             </a:extLst>
           </p:cNvPr>
@@ -11917,7 +12495,7 @@
           <p:cNvPr id="3" name="TextBox 2">
             <a:extLst>
               <a:ext uri="{FF2B5EF4-FFF2-40B4-BE49-F238E27FC236}">
-                <a16:creationId xmlns="" xmlns:a16="http://schemas.microsoft.com/office/drawing/2014/main" id="{988CFF69-148F-4807-9880-44F95FE3A9DC}"/>
+                <a16:creationId xmlns:a16="http://schemas.microsoft.com/office/drawing/2014/main" xmlns="" id="{988CFF69-148F-4807-9880-44F95FE3A9DC}"/>
               </a:ext>
             </a:extLst>
           </p:cNvPr>
@@ -11999,7 +12577,7 @@
           <p:cNvPr id="4" name="TextBox 3">
             <a:extLst>
               <a:ext uri="{FF2B5EF4-FFF2-40B4-BE49-F238E27FC236}">
-                <a16:creationId xmlns="" xmlns:a16="http://schemas.microsoft.com/office/drawing/2014/main" id="{392523DE-E429-4729-B40E-C98AD1714AC6}"/>
+                <a16:creationId xmlns:a16="http://schemas.microsoft.com/office/drawing/2014/main" xmlns="" id="{392523DE-E429-4729-B40E-C98AD1714AC6}"/>
               </a:ext>
             </a:extLst>
           </p:cNvPr>
@@ -12402,7 +12980,7 @@
           <p:cNvPr id="6" name="그림 7">
             <a:extLst>
               <a:ext uri="{FF2B5EF4-FFF2-40B4-BE49-F238E27FC236}">
-                <a16:creationId xmlns="" xmlns:a16="http://schemas.microsoft.com/office/drawing/2014/main" id="{0204A60F-1069-4CAF-8ACC-F6A3A41E0AC1}"/>
+                <a16:creationId xmlns:a16="http://schemas.microsoft.com/office/drawing/2014/main" xmlns="" id="{0204A60F-1069-4CAF-8ACC-F6A3A41E0AC1}"/>
               </a:ext>
             </a:extLst>
           </p:cNvPr>
@@ -12432,7 +13010,7 @@
           <p:cNvPr id="9" name="그림 9">
             <a:extLst>
               <a:ext uri="{FF2B5EF4-FFF2-40B4-BE49-F238E27FC236}">
-                <a16:creationId xmlns="" xmlns:a16="http://schemas.microsoft.com/office/drawing/2014/main" id="{6BCEB630-8A04-41E8-943F-296AA3C12526}"/>
+                <a16:creationId xmlns:a16="http://schemas.microsoft.com/office/drawing/2014/main" xmlns="" id="{6BCEB630-8A04-41E8-943F-296AA3C12526}"/>
               </a:ext>
             </a:extLst>
           </p:cNvPr>
@@ -12462,7 +13040,7 @@
           <p:cNvPr id="11" name="그림 11">
             <a:extLst>
               <a:ext uri="{FF2B5EF4-FFF2-40B4-BE49-F238E27FC236}">
-                <a16:creationId xmlns="" xmlns:a16="http://schemas.microsoft.com/office/drawing/2014/main" id="{95F288A1-2A24-4F44-BF7C-AB5B17A7262A}"/>
+                <a16:creationId xmlns:a16="http://schemas.microsoft.com/office/drawing/2014/main" xmlns="" id="{95F288A1-2A24-4F44-BF7C-AB5B17A7262A}"/>
               </a:ext>
             </a:extLst>
           </p:cNvPr>
@@ -12490,7 +13068,7 @@
     </p:spTree>
     <p:extLst>
       <p:ext uri="{BB962C8B-B14F-4D97-AF65-F5344CB8AC3E}">
-        <p14:creationId xmlns="" xmlns:p14="http://schemas.microsoft.com/office/powerpoint/2010/main" val="1546803948"/>
+        <p14:creationId xmlns:p14="http://schemas.microsoft.com/office/powerpoint/2010/main" xmlns="" val="1546803948"/>
       </p:ext>
     </p:extLst>
   </p:cSld>
@@ -12507,7 +13085,7 @@
 </p:sld>
 </file>
 
-<file path=ppt/slides/slide23.xml><?xml version="1.0" encoding="utf-8"?>
+<file path=ppt/slides/slide25.xml><?xml version="1.0" encoding="utf-8"?>
 <p:sld xmlns:a="http://schemas.openxmlformats.org/drawingml/2006/main" xmlns:r="http://schemas.openxmlformats.org/officeDocument/2006/relationships" xmlns:p="http://schemas.openxmlformats.org/presentationml/2006/main">
   <p:cSld>
     <p:spTree>
@@ -12529,7 +13107,7 @@
           <p:cNvPr id="2" name="직사각형 1">
             <a:extLst>
               <a:ext uri="{FF2B5EF4-FFF2-40B4-BE49-F238E27FC236}">
-                <a16:creationId xmlns="" xmlns:a16="http://schemas.microsoft.com/office/drawing/2014/main" id="{11A62586-B708-4471-8640-ED72F76F9C56}"/>
+                <a16:creationId xmlns:a16="http://schemas.microsoft.com/office/drawing/2014/main" xmlns="" id="{11A62586-B708-4471-8640-ED72F76F9C56}"/>
               </a:ext>
             </a:extLst>
           </p:cNvPr>
@@ -12597,7 +13175,7 @@
           <p:cNvPr id="3" name="TextBox 2">
             <a:extLst>
               <a:ext uri="{FF2B5EF4-FFF2-40B4-BE49-F238E27FC236}">
-                <a16:creationId xmlns="" xmlns:a16="http://schemas.microsoft.com/office/drawing/2014/main" id="{988CFF69-148F-4807-9880-44F95FE3A9DC}"/>
+                <a16:creationId xmlns:a16="http://schemas.microsoft.com/office/drawing/2014/main" xmlns="" id="{988CFF69-148F-4807-9880-44F95FE3A9DC}"/>
               </a:ext>
             </a:extLst>
           </p:cNvPr>
@@ -12679,7 +13257,7 @@
           <p:cNvPr id="4" name="TextBox 3">
             <a:extLst>
               <a:ext uri="{FF2B5EF4-FFF2-40B4-BE49-F238E27FC236}">
-                <a16:creationId xmlns="" xmlns:a16="http://schemas.microsoft.com/office/drawing/2014/main" id="{392523DE-E429-4729-B40E-C98AD1714AC6}"/>
+                <a16:creationId xmlns:a16="http://schemas.microsoft.com/office/drawing/2014/main" xmlns="" id="{392523DE-E429-4729-B40E-C98AD1714AC6}"/>
               </a:ext>
             </a:extLst>
           </p:cNvPr>
@@ -13211,7 +13789,7 @@
           <p:cNvPr id="5" name="그림 6" descr="텍스트이(가) 표시된 사진&#10;&#10;자동 생성된 설명">
             <a:extLst>
               <a:ext uri="{FF2B5EF4-FFF2-40B4-BE49-F238E27FC236}">
-                <a16:creationId xmlns="" xmlns:a16="http://schemas.microsoft.com/office/drawing/2014/main" id="{80DF97E7-014B-4E90-AFE7-3CD31A57E900}"/>
+                <a16:creationId xmlns:a16="http://schemas.microsoft.com/office/drawing/2014/main" xmlns="" id="{80DF97E7-014B-4E90-AFE7-3CD31A57E900}"/>
               </a:ext>
             </a:extLst>
           </p:cNvPr>
@@ -13241,7 +13819,7 @@
           <p:cNvPr id="7" name="그림 7">
             <a:extLst>
               <a:ext uri="{FF2B5EF4-FFF2-40B4-BE49-F238E27FC236}">
-                <a16:creationId xmlns="" xmlns:a16="http://schemas.microsoft.com/office/drawing/2014/main" id="{E76DBD3C-378C-4AEC-8D8B-758F6C4BD9B7}"/>
+                <a16:creationId xmlns:a16="http://schemas.microsoft.com/office/drawing/2014/main" xmlns="" id="{E76DBD3C-378C-4AEC-8D8B-758F6C4BD9B7}"/>
               </a:ext>
             </a:extLst>
           </p:cNvPr>
@@ -13271,7 +13849,7 @@
           <p:cNvPr id="8" name="그림 9" descr="텍스트이(가) 표시된 사진&#10;&#10;자동 생성된 설명">
             <a:extLst>
               <a:ext uri="{FF2B5EF4-FFF2-40B4-BE49-F238E27FC236}">
-                <a16:creationId xmlns="" xmlns:a16="http://schemas.microsoft.com/office/drawing/2014/main" id="{01DB30CF-8C18-428B-A8C8-10A1C796EB6D}"/>
+                <a16:creationId xmlns:a16="http://schemas.microsoft.com/office/drawing/2014/main" xmlns="" id="{01DB30CF-8C18-428B-A8C8-10A1C796EB6D}"/>
               </a:ext>
             </a:extLst>
           </p:cNvPr>
@@ -13299,7 +13877,7 @@
     </p:spTree>
     <p:extLst>
       <p:ext uri="{BB962C8B-B14F-4D97-AF65-F5344CB8AC3E}">
-        <p14:creationId xmlns="" xmlns:p14="http://schemas.microsoft.com/office/powerpoint/2010/main" val="4217452232"/>
+        <p14:creationId xmlns:p14="http://schemas.microsoft.com/office/powerpoint/2010/main" xmlns="" val="4217452232"/>
       </p:ext>
     </p:extLst>
   </p:cSld>
@@ -13316,7 +13894,7 @@
 </p:sld>
 </file>
 
-<file path=ppt/slides/slide24.xml><?xml version="1.0" encoding="utf-8"?>
+<file path=ppt/slides/slide26.xml><?xml version="1.0" encoding="utf-8"?>
 <p:sld xmlns:a="http://schemas.openxmlformats.org/drawingml/2006/main" xmlns:r="http://schemas.openxmlformats.org/officeDocument/2006/relationships" xmlns:p="http://schemas.openxmlformats.org/presentationml/2006/main">
   <p:cSld>
     <p:spTree>
@@ -13338,7 +13916,7 @@
           <p:cNvPr id="2" name="직사각형 1">
             <a:extLst>
               <a:ext uri="{FF2B5EF4-FFF2-40B4-BE49-F238E27FC236}">
-                <a16:creationId xmlns="" xmlns:a16="http://schemas.microsoft.com/office/drawing/2014/main" id="{11A62586-B708-4471-8640-ED72F76F9C56}"/>
+                <a16:creationId xmlns:a16="http://schemas.microsoft.com/office/drawing/2014/main" xmlns="" id="{11A62586-B708-4471-8640-ED72F76F9C56}"/>
               </a:ext>
             </a:extLst>
           </p:cNvPr>
@@ -13406,7 +13984,7 @@
           <p:cNvPr id="3" name="TextBox 2">
             <a:extLst>
               <a:ext uri="{FF2B5EF4-FFF2-40B4-BE49-F238E27FC236}">
-                <a16:creationId xmlns="" xmlns:a16="http://schemas.microsoft.com/office/drawing/2014/main" id="{988CFF69-148F-4807-9880-44F95FE3A9DC}"/>
+                <a16:creationId xmlns:a16="http://schemas.microsoft.com/office/drawing/2014/main" xmlns="" id="{988CFF69-148F-4807-9880-44F95FE3A9DC}"/>
               </a:ext>
             </a:extLst>
           </p:cNvPr>
@@ -13488,7 +14066,7 @@
           <p:cNvPr id="4" name="TextBox 3">
             <a:extLst>
               <a:ext uri="{FF2B5EF4-FFF2-40B4-BE49-F238E27FC236}">
-                <a16:creationId xmlns="" xmlns:a16="http://schemas.microsoft.com/office/drawing/2014/main" id="{392523DE-E429-4729-B40E-C98AD1714AC6}"/>
+                <a16:creationId xmlns:a16="http://schemas.microsoft.com/office/drawing/2014/main" xmlns="" id="{392523DE-E429-4729-B40E-C98AD1714AC6}"/>
               </a:ext>
             </a:extLst>
           </p:cNvPr>
@@ -13713,7 +14291,7 @@
           <p:cNvPr id="5" name="그림 5">
             <a:extLst>
               <a:ext uri="{FF2B5EF4-FFF2-40B4-BE49-F238E27FC236}">
-                <a16:creationId xmlns="" xmlns:a16="http://schemas.microsoft.com/office/drawing/2014/main" id="{A5FD9A1A-70F0-487E-9D34-B94DEFA96F59}"/>
+                <a16:creationId xmlns:a16="http://schemas.microsoft.com/office/drawing/2014/main" xmlns="" id="{A5FD9A1A-70F0-487E-9D34-B94DEFA96F59}"/>
               </a:ext>
             </a:extLst>
           </p:cNvPr>
@@ -13741,7 +14319,7 @@
     </p:spTree>
     <p:extLst>
       <p:ext uri="{BB962C8B-B14F-4D97-AF65-F5344CB8AC3E}">
-        <p14:creationId xmlns="" xmlns:p14="http://schemas.microsoft.com/office/powerpoint/2010/main" val="3273413329"/>
+        <p14:creationId xmlns:p14="http://schemas.microsoft.com/office/powerpoint/2010/main" xmlns="" val="3273413329"/>
       </p:ext>
     </p:extLst>
   </p:cSld>
@@ -13758,7 +14336,7 @@
 </p:sld>
 </file>
 
-<file path=ppt/slides/slide25.xml><?xml version="1.0" encoding="utf-8"?>
+<file path=ppt/slides/slide27.xml><?xml version="1.0" encoding="utf-8"?>
 <p:sld xmlns:a="http://schemas.openxmlformats.org/drawingml/2006/main" xmlns:r="http://schemas.openxmlformats.org/officeDocument/2006/relationships" xmlns:p="http://schemas.openxmlformats.org/presentationml/2006/main">
   <p:cSld>
     <p:spTree>
@@ -13780,7 +14358,7 @@
           <p:cNvPr id="2" name="직사각형 1">
             <a:extLst>
               <a:ext uri="{FF2B5EF4-FFF2-40B4-BE49-F238E27FC236}">
-                <a16:creationId xmlns="" xmlns:a16="http://schemas.microsoft.com/office/drawing/2014/main" id="{11A62586-B708-4471-8640-ED72F76F9C56}"/>
+                <a16:creationId xmlns:a16="http://schemas.microsoft.com/office/drawing/2014/main" xmlns="" id="{11A62586-B708-4471-8640-ED72F76F9C56}"/>
               </a:ext>
             </a:extLst>
           </p:cNvPr>
@@ -13848,7 +14426,7 @@
           <p:cNvPr id="3" name="TextBox 2">
             <a:extLst>
               <a:ext uri="{FF2B5EF4-FFF2-40B4-BE49-F238E27FC236}">
-                <a16:creationId xmlns="" xmlns:a16="http://schemas.microsoft.com/office/drawing/2014/main" id="{988CFF69-148F-4807-9880-44F95FE3A9DC}"/>
+                <a16:creationId xmlns:a16="http://schemas.microsoft.com/office/drawing/2014/main" xmlns="" id="{988CFF69-148F-4807-9880-44F95FE3A9DC}"/>
               </a:ext>
             </a:extLst>
           </p:cNvPr>
@@ -13930,7 +14508,7 @@
           <p:cNvPr id="7" name="그림 7">
             <a:extLst>
               <a:ext uri="{FF2B5EF4-FFF2-40B4-BE49-F238E27FC236}">
-                <a16:creationId xmlns="" xmlns:a16="http://schemas.microsoft.com/office/drawing/2014/main" id="{33331509-1E9C-4CFD-9BD9-0AD7500CD0D5}"/>
+                <a16:creationId xmlns:a16="http://schemas.microsoft.com/office/drawing/2014/main" xmlns="" id="{33331509-1E9C-4CFD-9BD9-0AD7500CD0D5}"/>
               </a:ext>
             </a:extLst>
           </p:cNvPr>
@@ -13960,7 +14538,7 @@
           <p:cNvPr id="9" name="TextBox 8">
             <a:extLst>
               <a:ext uri="{FF2B5EF4-FFF2-40B4-BE49-F238E27FC236}">
-                <a16:creationId xmlns="" xmlns:a16="http://schemas.microsoft.com/office/drawing/2014/main" id="{AAD49B97-917E-4C3C-82B1-2B3F23B4CC1E}"/>
+                <a16:creationId xmlns:a16="http://schemas.microsoft.com/office/drawing/2014/main" xmlns="" id="{AAD49B97-917E-4C3C-82B1-2B3F23B4CC1E}"/>
               </a:ext>
             </a:extLst>
           </p:cNvPr>
@@ -14183,7 +14761,7 @@
     </p:spTree>
     <p:extLst>
       <p:ext uri="{BB962C8B-B14F-4D97-AF65-F5344CB8AC3E}">
-        <p14:creationId xmlns="" xmlns:p14="http://schemas.microsoft.com/office/powerpoint/2010/main" val="2544910838"/>
+        <p14:creationId xmlns:p14="http://schemas.microsoft.com/office/powerpoint/2010/main" xmlns="" val="2544910838"/>
       </p:ext>
     </p:extLst>
   </p:cSld>
@@ -14200,7 +14778,7 @@
 </p:sld>
 </file>
 
-<file path=ppt/slides/slide26.xml><?xml version="1.0" encoding="utf-8"?>
+<file path=ppt/slides/slide28.xml><?xml version="1.0" encoding="utf-8"?>
 <p:sld xmlns:a="http://schemas.openxmlformats.org/drawingml/2006/main" xmlns:r="http://schemas.openxmlformats.org/officeDocument/2006/relationships" xmlns:p="http://schemas.openxmlformats.org/presentationml/2006/main">
   <p:cSld>
     <p:spTree>
@@ -14222,7 +14800,7 @@
           <p:cNvPr id="2" name="직사각형 1">
             <a:extLst>
               <a:ext uri="{FF2B5EF4-FFF2-40B4-BE49-F238E27FC236}">
-                <a16:creationId xmlns="" xmlns:a16="http://schemas.microsoft.com/office/drawing/2014/main" id="{11A62586-B708-4471-8640-ED72F76F9C56}"/>
+                <a16:creationId xmlns:a16="http://schemas.microsoft.com/office/drawing/2014/main" xmlns="" id="{11A62586-B708-4471-8640-ED72F76F9C56}"/>
               </a:ext>
             </a:extLst>
           </p:cNvPr>
@@ -14290,7 +14868,7 @@
           <p:cNvPr id="3" name="TextBox 2">
             <a:extLst>
               <a:ext uri="{FF2B5EF4-FFF2-40B4-BE49-F238E27FC236}">
-                <a16:creationId xmlns="" xmlns:a16="http://schemas.microsoft.com/office/drawing/2014/main" id="{988CFF69-148F-4807-9880-44F95FE3A9DC}"/>
+                <a16:creationId xmlns:a16="http://schemas.microsoft.com/office/drawing/2014/main" xmlns="" id="{988CFF69-148F-4807-9880-44F95FE3A9DC}"/>
               </a:ext>
             </a:extLst>
           </p:cNvPr>
@@ -14372,7 +14950,7 @@
           <p:cNvPr id="4" name="TextBox 3">
             <a:extLst>
               <a:ext uri="{FF2B5EF4-FFF2-40B4-BE49-F238E27FC236}">
-                <a16:creationId xmlns="" xmlns:a16="http://schemas.microsoft.com/office/drawing/2014/main" id="{392523DE-E429-4729-B40E-C98AD1714AC6}"/>
+                <a16:creationId xmlns:a16="http://schemas.microsoft.com/office/drawing/2014/main" xmlns="" id="{392523DE-E429-4729-B40E-C98AD1714AC6}"/>
               </a:ext>
             </a:extLst>
           </p:cNvPr>
@@ -14627,7 +15205,7 @@
           <p:cNvPr id="5" name="그림 5">
             <a:extLst>
               <a:ext uri="{FF2B5EF4-FFF2-40B4-BE49-F238E27FC236}">
-                <a16:creationId xmlns="" xmlns:a16="http://schemas.microsoft.com/office/drawing/2014/main" id="{32A3164E-CAE4-4FB4-AD65-DDAE67CD3D52}"/>
+                <a16:creationId xmlns:a16="http://schemas.microsoft.com/office/drawing/2014/main" xmlns="" id="{32A3164E-CAE4-4FB4-AD65-DDAE67CD3D52}"/>
               </a:ext>
             </a:extLst>
           </p:cNvPr>
@@ -14655,7 +15233,7 @@
     </p:spTree>
     <p:extLst>
       <p:ext uri="{BB962C8B-B14F-4D97-AF65-F5344CB8AC3E}">
-        <p14:creationId xmlns="" xmlns:p14="http://schemas.microsoft.com/office/powerpoint/2010/main" val="2968782306"/>
+        <p14:creationId xmlns:p14="http://schemas.microsoft.com/office/powerpoint/2010/main" xmlns="" val="2968782306"/>
       </p:ext>
     </p:extLst>
   </p:cSld>
@@ -14672,7 +15250,7 @@
 </p:sld>
 </file>
 
-<file path=ppt/slides/slide27.xml><?xml version="1.0" encoding="utf-8"?>
+<file path=ppt/slides/slide29.xml><?xml version="1.0" encoding="utf-8"?>
 <p:sld xmlns:a="http://schemas.openxmlformats.org/drawingml/2006/main" xmlns:r="http://schemas.openxmlformats.org/officeDocument/2006/relationships" xmlns:p="http://schemas.openxmlformats.org/presentationml/2006/main">
   <p:cSld>
     <p:spTree>
@@ -14694,7 +15272,1061 @@
           <p:cNvPr id="2" name="직사각형 1">
             <a:extLst>
               <a:ext uri="{FF2B5EF4-FFF2-40B4-BE49-F238E27FC236}">
-                <a16:creationId xmlns="" xmlns:a16="http://schemas.microsoft.com/office/drawing/2014/main" id="{72070133-B364-4648-B5B7-60879ABB5B30}"/>
+                <a16:creationId xmlns:a16="http://schemas.microsoft.com/office/drawing/2014/main" xmlns="" id="{11A62586-B708-4471-8640-ED72F76F9C56}"/>
+              </a:ext>
+            </a:extLst>
+          </p:cNvPr>
+          <p:cNvSpPr/>
+          <p:nvPr/>
+        </p:nvSpPr>
+        <p:spPr>
+          <a:xfrm>
+            <a:off x="0" y="0"/>
+            <a:ext cx="439838" cy="6858000"/>
+          </a:xfrm>
+          <a:prstGeom prst="rect">
+            <a:avLst/>
+          </a:prstGeom>
+          <a:gradFill>
+            <a:gsLst>
+              <a:gs pos="0">
+                <a:schemeClr val="tx1">
+                  <a:lumMod val="75000"/>
+                  <a:lumOff val="25000"/>
+                </a:schemeClr>
+              </a:gs>
+              <a:gs pos="54000">
+                <a:schemeClr val="tx1">
+                  <a:lumMod val="85000"/>
+                  <a:lumOff val="15000"/>
+                </a:schemeClr>
+              </a:gs>
+            </a:gsLst>
+            <a:path path="circle">
+              <a:fillToRect l="100000" b="100000"/>
+            </a:path>
+          </a:gradFill>
+          <a:ln>
+            <a:noFill/>
+          </a:ln>
+        </p:spPr>
+        <p:style>
+          <a:lnRef idx="2">
+            <a:schemeClr val="accent1">
+              <a:shade val="50000"/>
+            </a:schemeClr>
+          </a:lnRef>
+          <a:fillRef idx="1">
+            <a:schemeClr val="accent1"/>
+          </a:fillRef>
+          <a:effectRef idx="0">
+            <a:schemeClr val="accent1"/>
+          </a:effectRef>
+          <a:fontRef idx="minor">
+            <a:schemeClr val="lt1"/>
+          </a:fontRef>
+        </p:style>
+        <p:txBody>
+          <a:bodyPr rtlCol="0" anchor="ctr"/>
+          <a:lstStyle/>
+          <a:p>
+            <a:pPr algn="ctr"/>
+            <a:endParaRPr lang="ko-KR" altLang="en-US"/>
+          </a:p>
+        </p:txBody>
+      </p:sp>
+      <p:sp>
+        <p:nvSpPr>
+          <p:cNvPr id="3" name="TextBox 2">
+            <a:extLst>
+              <a:ext uri="{FF2B5EF4-FFF2-40B4-BE49-F238E27FC236}">
+                <a16:creationId xmlns:a16="http://schemas.microsoft.com/office/drawing/2014/main" xmlns="" id="{988CFF69-148F-4807-9880-44F95FE3A9DC}"/>
+              </a:ext>
+            </a:extLst>
+          </p:cNvPr>
+          <p:cNvSpPr txBox="1"/>
+          <p:nvPr/>
+        </p:nvSpPr>
+        <p:spPr>
+          <a:xfrm>
+            <a:off x="547200" y="777600"/>
+            <a:ext cx="2401759" cy="2104603"/>
+          </a:xfrm>
+          <a:prstGeom prst="rect">
+            <a:avLst/>
+          </a:prstGeom>
+          <a:noFill/>
+        </p:spPr>
+        <p:txBody>
+          <a:bodyPr wrap="none" lIns="91440" tIns="45720" rIns="91440" bIns="45720" rtlCol="0" anchor="t">
+            <a:noAutofit/>
+          </a:bodyPr>
+          <a:lstStyle/>
+          <a:p>
+            <a:pPr>
+              <a:lnSpc>
+                <a:spcPct val="110000"/>
+              </a:lnSpc>
+            </a:pPr>
+            <a:r>
+              <a:rPr lang="en-US" altLang="ko-KR" sz="4000" spc="-300" dirty="0" smtClean="0">
+                <a:ln>
+                  <a:solidFill>
+                    <a:srgbClr val="4472C4">
+                      <a:shade val="50000"/>
+                      <a:alpha val="0"/>
+                    </a:srgbClr>
+                  </a:solidFill>
+                </a:ln>
+                <a:solidFill>
+                  <a:schemeClr val="tx1">
+                    <a:lumMod val="75000"/>
+                    <a:lumOff val="25000"/>
+                  </a:schemeClr>
+                </a:solidFill>
+                <a:latin typeface="Spoqa Han Sans Neo Medium" pitchFamily="2" charset="0"/>
+                <a:ea typeface="Spoqa Han Sans Neo Medium" pitchFamily="2" charset="0"/>
+              </a:rPr>
+              <a:t>DB</a:t>
+            </a:r>
+            <a:endParaRPr lang="ko-KR" altLang="en-US" sz="4000" spc="-300" dirty="0">
+              <a:ln>
+                <a:solidFill>
+                  <a:srgbClr val="4472C4">
+                    <a:shade val="50000"/>
+                    <a:alpha val="0"/>
+                  </a:srgbClr>
+                </a:solidFill>
+              </a:ln>
+              <a:solidFill>
+                <a:schemeClr val="tx1">
+                  <a:lumMod val="75000"/>
+                  <a:lumOff val="25000"/>
+                </a:schemeClr>
+              </a:solidFill>
+              <a:latin typeface="Spoqa Han Sans Neo Medium" pitchFamily="2" charset="0"/>
+              <a:ea typeface="Spoqa Han Sans Neo Medium" pitchFamily="2" charset="0"/>
+            </a:endParaRPr>
+          </a:p>
+        </p:txBody>
+      </p:sp>
+      <p:sp>
+        <p:nvSpPr>
+          <p:cNvPr id="4" name="TextBox 3">
+            <a:extLst>
+              <a:ext uri="{FF2B5EF4-FFF2-40B4-BE49-F238E27FC236}">
+                <a16:creationId xmlns:a16="http://schemas.microsoft.com/office/drawing/2014/main" xmlns="" id="{392523DE-E429-4729-B40E-C98AD1714AC6}"/>
+              </a:ext>
+            </a:extLst>
+          </p:cNvPr>
+          <p:cNvSpPr txBox="1"/>
+          <p:nvPr/>
+        </p:nvSpPr>
+        <p:spPr>
+          <a:xfrm>
+            <a:off x="670473" y="2231433"/>
+            <a:ext cx="2540655" cy="323097"/>
+          </a:xfrm>
+          <a:prstGeom prst="rect">
+            <a:avLst/>
+          </a:prstGeom>
+          <a:noFill/>
+        </p:spPr>
+        <p:txBody>
+          <a:bodyPr wrap="none" lIns="91440" tIns="45720" rIns="91440" bIns="45720" rtlCol="0" anchor="t">
+            <a:noAutofit/>
+          </a:bodyPr>
+          <a:lstStyle/>
+          <a:p>
+            <a:pPr>
+              <a:lnSpc>
+                <a:spcPct val="110000"/>
+              </a:lnSpc>
+            </a:pPr>
+            <a:r>
+              <a:rPr lang="ko-KR" altLang="en-US" dirty="0" smtClean="0">
+                <a:solidFill>
+                  <a:schemeClr val="tx1">
+                    <a:lumMod val="75000"/>
+                    <a:lumOff val="25000"/>
+                  </a:schemeClr>
+                </a:solidFill>
+                <a:latin typeface="Spoqa Han Sans Neo Medium" pitchFamily="2" charset="0"/>
+                <a:ea typeface="Spoqa Han Sans Neo Medium" pitchFamily="2" charset="0"/>
+              </a:rPr>
+              <a:t>각 </a:t>
+            </a:r>
+            <a:r>
+              <a:rPr lang="ko-KR" altLang="en-US" dirty="0" err="1" smtClean="0">
+                <a:solidFill>
+                  <a:schemeClr val="tx1">
+                    <a:lumMod val="75000"/>
+                    <a:lumOff val="25000"/>
+                  </a:schemeClr>
+                </a:solidFill>
+                <a:latin typeface="Spoqa Han Sans Neo Medium" pitchFamily="2" charset="0"/>
+                <a:ea typeface="Spoqa Han Sans Neo Medium" pitchFamily="2" charset="0"/>
+              </a:rPr>
+              <a:t>달력별로</a:t>
+            </a:r>
+            <a:r>
+              <a:rPr lang="ko-KR" altLang="en-US" dirty="0" smtClean="0">
+                <a:solidFill>
+                  <a:schemeClr val="tx1">
+                    <a:lumMod val="75000"/>
+                    <a:lumOff val="25000"/>
+                  </a:schemeClr>
+                </a:solidFill>
+                <a:latin typeface="Spoqa Han Sans Neo Medium" pitchFamily="2" charset="0"/>
+                <a:ea typeface="Spoqa Han Sans Neo Medium" pitchFamily="2" charset="0"/>
+              </a:rPr>
+              <a:t> 테이블을 구성함</a:t>
+            </a:r>
+            <a:r>
+              <a:rPr lang="en-US" altLang="ko-KR" dirty="0" smtClean="0">
+                <a:solidFill>
+                  <a:schemeClr val="tx1">
+                    <a:lumMod val="75000"/>
+                    <a:lumOff val="25000"/>
+                  </a:schemeClr>
+                </a:solidFill>
+                <a:latin typeface="Spoqa Han Sans Neo Medium" pitchFamily="2" charset="0"/>
+                <a:ea typeface="Spoqa Han Sans Neo Medium" pitchFamily="2" charset="0"/>
+              </a:rPr>
+              <a:t/>
+            </a:r>
+            <a:br>
+              <a:rPr lang="en-US" altLang="ko-KR" dirty="0" smtClean="0">
+                <a:solidFill>
+                  <a:schemeClr val="tx1">
+                    <a:lumMod val="75000"/>
+                    <a:lumOff val="25000"/>
+                  </a:schemeClr>
+                </a:solidFill>
+                <a:latin typeface="Spoqa Han Sans Neo Medium" pitchFamily="2" charset="0"/>
+                <a:ea typeface="Spoqa Han Sans Neo Medium" pitchFamily="2" charset="0"/>
+              </a:rPr>
+            </a:br>
+            <a:endParaRPr lang="en-US" altLang="ko-KR" dirty="0" smtClean="0">
+              <a:solidFill>
+                <a:schemeClr val="tx1">
+                  <a:lumMod val="75000"/>
+                  <a:lumOff val="25000"/>
+                </a:schemeClr>
+              </a:solidFill>
+              <a:latin typeface="Spoqa Han Sans Neo Medium" pitchFamily="2" charset="0"/>
+              <a:ea typeface="Spoqa Han Sans Neo Medium" pitchFamily="2" charset="0"/>
+            </a:endParaRPr>
+          </a:p>
+          <a:p>
+            <a:pPr>
+              <a:lnSpc>
+                <a:spcPct val="110000"/>
+              </a:lnSpc>
+            </a:pPr>
+            <a:r>
+              <a:rPr lang="ko-KR" altLang="en-US" dirty="0" err="1" smtClean="0">
+                <a:solidFill>
+                  <a:schemeClr val="tx1">
+                    <a:lumMod val="75000"/>
+                    <a:lumOff val="25000"/>
+                  </a:schemeClr>
+                </a:solidFill>
+                <a:latin typeface="Spoqa Han Sans Neo Medium" pitchFamily="2" charset="0"/>
+                <a:ea typeface="Spoqa Han Sans Neo Medium" pitchFamily="2" charset="0"/>
+              </a:rPr>
+              <a:t>쿼리문을</a:t>
+            </a:r>
+            <a:r>
+              <a:rPr lang="ko-KR" altLang="en-US" dirty="0" smtClean="0">
+                <a:solidFill>
+                  <a:schemeClr val="tx1">
+                    <a:lumMod val="75000"/>
+                    <a:lumOff val="25000"/>
+                  </a:schemeClr>
+                </a:solidFill>
+                <a:latin typeface="Spoqa Han Sans Neo Medium" pitchFamily="2" charset="0"/>
+                <a:ea typeface="Spoqa Han Sans Neo Medium" pitchFamily="2" charset="0"/>
+              </a:rPr>
+              <a:t> 이용해 데이터 </a:t>
+            </a:r>
+            <a:r>
+              <a:rPr lang="en-US" altLang="ko-KR" dirty="0" smtClean="0">
+                <a:solidFill>
+                  <a:schemeClr val="tx1">
+                    <a:lumMod val="75000"/>
+                    <a:lumOff val="25000"/>
+                  </a:schemeClr>
+                </a:solidFill>
+                <a:latin typeface="Spoqa Han Sans Neo Medium" pitchFamily="2" charset="0"/>
+                <a:ea typeface="Spoqa Han Sans Neo Medium" pitchFamily="2" charset="0"/>
+              </a:rPr>
+              <a:t/>
+            </a:r>
+            <a:br>
+              <a:rPr lang="en-US" altLang="ko-KR" dirty="0" smtClean="0">
+                <a:solidFill>
+                  <a:schemeClr val="tx1">
+                    <a:lumMod val="75000"/>
+                    <a:lumOff val="25000"/>
+                  </a:schemeClr>
+                </a:solidFill>
+                <a:latin typeface="Spoqa Han Sans Neo Medium" pitchFamily="2" charset="0"/>
+                <a:ea typeface="Spoqa Han Sans Neo Medium" pitchFamily="2" charset="0"/>
+              </a:rPr>
+            </a:br>
+            <a:r>
+              <a:rPr lang="ko-KR" altLang="en-US" dirty="0" smtClean="0">
+                <a:solidFill>
+                  <a:schemeClr val="tx1">
+                    <a:lumMod val="75000"/>
+                    <a:lumOff val="25000"/>
+                  </a:schemeClr>
+                </a:solidFill>
+                <a:latin typeface="Spoqa Han Sans Neo Medium" pitchFamily="2" charset="0"/>
+                <a:ea typeface="Spoqa Han Sans Neo Medium" pitchFamily="2" charset="0"/>
+              </a:rPr>
+              <a:t>저장</a:t>
+            </a:r>
+            <a:r>
+              <a:rPr lang="en-US" altLang="ko-KR" dirty="0" smtClean="0">
+                <a:solidFill>
+                  <a:schemeClr val="tx1">
+                    <a:lumMod val="75000"/>
+                    <a:lumOff val="25000"/>
+                  </a:schemeClr>
+                </a:solidFill>
+                <a:latin typeface="Spoqa Han Sans Neo Medium" pitchFamily="2" charset="0"/>
+                <a:ea typeface="Spoqa Han Sans Neo Medium" pitchFamily="2" charset="0"/>
+              </a:rPr>
+              <a:t>, </a:t>
+            </a:r>
+            <a:r>
+              <a:rPr lang="ko-KR" altLang="en-US" dirty="0" smtClean="0">
+                <a:solidFill>
+                  <a:schemeClr val="tx1">
+                    <a:lumMod val="75000"/>
+                    <a:lumOff val="25000"/>
+                  </a:schemeClr>
+                </a:solidFill>
+                <a:latin typeface="Spoqa Han Sans Neo Medium" pitchFamily="2" charset="0"/>
+                <a:ea typeface="Spoqa Han Sans Neo Medium" pitchFamily="2" charset="0"/>
+              </a:rPr>
+              <a:t>삭제 등을 구현</a:t>
+            </a:r>
+            <a:r>
+              <a:rPr lang="en-US" altLang="ko-KR" dirty="0" smtClean="0">
+                <a:solidFill>
+                  <a:schemeClr val="tx1">
+                    <a:lumMod val="75000"/>
+                    <a:lumOff val="25000"/>
+                  </a:schemeClr>
+                </a:solidFill>
+                <a:latin typeface="Spoqa Han Sans Neo Medium" pitchFamily="2" charset="0"/>
+                <a:ea typeface="Spoqa Han Sans Neo Medium" pitchFamily="2" charset="0"/>
+              </a:rPr>
+              <a:t/>
+            </a:r>
+            <a:br>
+              <a:rPr lang="en-US" altLang="ko-KR" dirty="0" smtClean="0">
+                <a:solidFill>
+                  <a:schemeClr val="tx1">
+                    <a:lumMod val="75000"/>
+                    <a:lumOff val="25000"/>
+                  </a:schemeClr>
+                </a:solidFill>
+                <a:latin typeface="Spoqa Han Sans Neo Medium" pitchFamily="2" charset="0"/>
+                <a:ea typeface="Spoqa Han Sans Neo Medium" pitchFamily="2" charset="0"/>
+              </a:rPr>
+            </a:br>
+            <a:endParaRPr lang="ko-KR" dirty="0">
+              <a:solidFill>
+                <a:schemeClr val="tx1">
+                  <a:lumMod val="75000"/>
+                  <a:lumOff val="25000"/>
+                </a:schemeClr>
+              </a:solidFill>
+              <a:latin typeface="Spoqa Han Sans Neo Medium" pitchFamily="2" charset="0"/>
+              <a:ea typeface="Spoqa Han Sans Neo Medium" pitchFamily="2" charset="0"/>
+            </a:endParaRPr>
+          </a:p>
+        </p:txBody>
+      </p:sp>
+      <p:pic>
+        <p:nvPicPr>
+          <p:cNvPr id="3074" name="Picture 2" descr="C:\Users\egenglish\Desktop\수업\오픈소스\찐막\OPENSOURCE16\ppt\image\db.JPG"/>
+          <p:cNvPicPr>
+            <a:picLocks noChangeAspect="1" noChangeArrowheads="1"/>
+          </p:cNvPicPr>
+          <p:nvPr/>
+        </p:nvPicPr>
+        <p:blipFill>
+          <a:blip r:embed="rId2"/>
+          <a:srcRect/>
+          <a:stretch>
+            <a:fillRect/>
+          </a:stretch>
+        </p:blipFill>
+        <p:spPr bwMode="auto">
+          <a:xfrm>
+            <a:off x="3498850" y="2655028"/>
+            <a:ext cx="8693150" cy="2278921"/>
+          </a:xfrm>
+          <a:prstGeom prst="rect">
+            <a:avLst/>
+          </a:prstGeom>
+          <a:noFill/>
+        </p:spPr>
+      </p:pic>
+      <p:pic>
+        <p:nvPicPr>
+          <p:cNvPr id="3076" name="Picture 4" descr="C:\Users\egenglish\Desktop\수업\오픈소스\찐막\OPENSOURCE16\ppt\image\db2.JPG"/>
+          <p:cNvPicPr>
+            <a:picLocks noChangeAspect="1" noChangeArrowheads="1"/>
+          </p:cNvPicPr>
+          <p:nvPr/>
+        </p:nvPicPr>
+        <p:blipFill>
+          <a:blip r:embed="rId3"/>
+          <a:srcRect/>
+          <a:stretch>
+            <a:fillRect/>
+          </a:stretch>
+        </p:blipFill>
+        <p:spPr bwMode="auto">
+          <a:xfrm>
+            <a:off x="3632200" y="1238250"/>
+            <a:ext cx="8559800" cy="1035049"/>
+          </a:xfrm>
+          <a:prstGeom prst="rect">
+            <a:avLst/>
+          </a:prstGeom>
+          <a:noFill/>
+        </p:spPr>
+      </p:pic>
+    </p:spTree>
+    <p:extLst>
+      <p:ext uri="{BB962C8B-B14F-4D97-AF65-F5344CB8AC3E}">
+        <p14:creationId xmlns:p14="http://schemas.microsoft.com/office/powerpoint/2010/main" xmlns="" val="2968782306"/>
+      </p:ext>
+    </p:extLst>
+  </p:cSld>
+  <p:clrMapOvr>
+    <a:masterClrMapping/>
+  </p:clrMapOvr>
+  <p:timing>
+    <p:tnLst>
+      <p:par>
+        <p:cTn id="1" dur="indefinite" restart="never" nodeType="tmRoot"/>
+      </p:par>
+    </p:tnLst>
+  </p:timing>
+</p:sld>
+</file>
+
+<file path=ppt/slides/slide3.xml><?xml version="1.0" encoding="utf-8"?>
+<p:sld xmlns:a="http://schemas.openxmlformats.org/drawingml/2006/main" xmlns:r="http://schemas.openxmlformats.org/officeDocument/2006/relationships" xmlns:p="http://schemas.openxmlformats.org/presentationml/2006/main">
+  <p:cSld>
+    <p:spTree>
+      <p:nvGrpSpPr>
+        <p:cNvPr id="1" name=""/>
+        <p:cNvGrpSpPr/>
+        <p:nvPr/>
+      </p:nvGrpSpPr>
+      <p:grpSpPr>
+        <a:xfrm>
+          <a:off x="0" y="0"/>
+          <a:ext cx="0" cy="0"/>
+          <a:chOff x="0" y="0"/>
+          <a:chExt cx="0" cy="0"/>
+        </a:xfrm>
+      </p:grpSpPr>
+      <p:sp>
+        <p:nvSpPr>
+          <p:cNvPr id="2" name="직사각형 1">
+            <a:extLst>
+              <a:ext uri="{FF2B5EF4-FFF2-40B4-BE49-F238E27FC236}">
+                <a16:creationId xmlns:a16="http://schemas.microsoft.com/office/drawing/2014/main" xmlns="" id="{72070133-B364-4648-B5B7-60879ABB5B30}"/>
+              </a:ext>
+            </a:extLst>
+          </p:cNvPr>
+          <p:cNvSpPr/>
+          <p:nvPr/>
+        </p:nvSpPr>
+        <p:spPr>
+          <a:xfrm>
+            <a:off x="-38102" y="0"/>
+            <a:ext cx="12247034" cy="428263"/>
+          </a:xfrm>
+          <a:prstGeom prst="rect">
+            <a:avLst/>
+          </a:prstGeom>
+          <a:gradFill>
+            <a:gsLst>
+              <a:gs pos="0">
+                <a:schemeClr val="tx1">
+                  <a:lumMod val="75000"/>
+                  <a:lumOff val="25000"/>
+                </a:schemeClr>
+              </a:gs>
+              <a:gs pos="54000">
+                <a:schemeClr val="tx1">
+                  <a:lumMod val="85000"/>
+                  <a:lumOff val="15000"/>
+                </a:schemeClr>
+              </a:gs>
+            </a:gsLst>
+            <a:path path="circle">
+              <a:fillToRect l="100000" b="100000"/>
+            </a:path>
+          </a:gradFill>
+          <a:ln>
+            <a:noFill/>
+          </a:ln>
+        </p:spPr>
+        <p:style>
+          <a:lnRef idx="2">
+            <a:schemeClr val="accent1">
+              <a:shade val="50000"/>
+            </a:schemeClr>
+          </a:lnRef>
+          <a:fillRef idx="1">
+            <a:schemeClr val="accent1"/>
+          </a:fillRef>
+          <a:effectRef idx="0">
+            <a:schemeClr val="accent1"/>
+          </a:effectRef>
+          <a:fontRef idx="minor">
+            <a:schemeClr val="lt1"/>
+          </a:fontRef>
+        </p:style>
+        <p:txBody>
+          <a:bodyPr rtlCol="0" anchor="ctr"/>
+          <a:lstStyle/>
+          <a:p>
+            <a:pPr algn="ctr"/>
+            <a:endParaRPr lang="ko-KR" altLang="en-US"/>
+          </a:p>
+        </p:txBody>
+      </p:sp>
+      <p:sp>
+        <p:nvSpPr>
+          <p:cNvPr id="3" name="TextBox 2">
+            <a:extLst>
+              <a:ext uri="{FF2B5EF4-FFF2-40B4-BE49-F238E27FC236}">
+                <a16:creationId xmlns:a16="http://schemas.microsoft.com/office/drawing/2014/main" xmlns="" id="{046E9738-F6F0-4607-9DD9-40CC81694A89}"/>
+              </a:ext>
+            </a:extLst>
+          </p:cNvPr>
+          <p:cNvSpPr txBox="1"/>
+          <p:nvPr/>
+        </p:nvSpPr>
+        <p:spPr>
+          <a:xfrm>
+            <a:off x="792854" y="777493"/>
+            <a:ext cx="8790983" cy="646193"/>
+          </a:xfrm>
+          <a:prstGeom prst="rect">
+            <a:avLst/>
+          </a:prstGeom>
+          <a:noFill/>
+        </p:spPr>
+        <p:txBody>
+          <a:bodyPr wrap="none" rtlCol="0">
+            <a:noAutofit/>
+          </a:bodyPr>
+          <a:lstStyle/>
+          <a:p>
+            <a:pPr>
+              <a:lnSpc>
+                <a:spcPct val="110000"/>
+              </a:lnSpc>
+            </a:pPr>
+            <a:r>
+              <a:rPr lang="en-US" altLang="ko-KR" sz="4000" spc="-300" dirty="0">
+                <a:ln>
+                  <a:solidFill>
+                    <a:schemeClr val="accent1">
+                      <a:shade val="50000"/>
+                      <a:alpha val="0"/>
+                    </a:schemeClr>
+                  </a:solidFill>
+                </a:ln>
+                <a:solidFill>
+                  <a:schemeClr val="tx1">
+                    <a:lumMod val="75000"/>
+                    <a:lumOff val="25000"/>
+                  </a:schemeClr>
+                </a:solidFill>
+                <a:latin typeface="SpoqaHanSans-Bold" panose="020B0800000000000000" pitchFamily="50" charset="-127"/>
+                <a:ea typeface="SpoqaHanSans-Bold" panose="020B0800000000000000" pitchFamily="50" charset="-127"/>
+              </a:rPr>
+              <a:t>SW </a:t>
+            </a:r>
+            <a:r>
+              <a:rPr lang="ko-KR" altLang="en-US" sz="4000" spc="-300" dirty="0">
+                <a:ln>
+                  <a:solidFill>
+                    <a:schemeClr val="accent1">
+                      <a:shade val="50000"/>
+                      <a:alpha val="0"/>
+                    </a:schemeClr>
+                  </a:solidFill>
+                </a:ln>
+                <a:solidFill>
+                  <a:schemeClr val="tx1">
+                    <a:lumMod val="75000"/>
+                    <a:lumOff val="25000"/>
+                  </a:schemeClr>
+                </a:solidFill>
+                <a:latin typeface="SpoqaHanSans-Bold" panose="020B0800000000000000" pitchFamily="50" charset="-127"/>
+                <a:ea typeface="SpoqaHanSans-Bold" panose="020B0800000000000000" pitchFamily="50" charset="-127"/>
+              </a:rPr>
+              <a:t>구성 개요</a:t>
+            </a:r>
+          </a:p>
+        </p:txBody>
+      </p:sp>
+      <p:sp>
+        <p:nvSpPr>
+          <p:cNvPr id="6" name="TextBox 5">
+            <a:extLst>
+              <a:ext uri="{FF2B5EF4-FFF2-40B4-BE49-F238E27FC236}">
+                <a16:creationId xmlns:a16="http://schemas.microsoft.com/office/drawing/2014/main" xmlns="" id="{DF51DE0B-B27E-46CE-BAB9-50DFD1B0F806}"/>
+              </a:ext>
+            </a:extLst>
+          </p:cNvPr>
+          <p:cNvSpPr txBox="1">
+            <a:spLocks/>
+          </p:cNvSpPr>
+          <p:nvPr/>
+        </p:nvSpPr>
+        <p:spPr>
+          <a:xfrm>
+            <a:off x="2982445" y="2961309"/>
+            <a:ext cx="1965885" cy="2569580"/>
+          </a:xfrm>
+          <a:prstGeom prst="rect">
+            <a:avLst/>
+          </a:prstGeom>
+          <a:solidFill>
+            <a:schemeClr val="tx1">
+              <a:lumMod val="75000"/>
+              <a:lumOff val="25000"/>
+            </a:schemeClr>
+          </a:solidFill>
+        </p:spPr>
+        <p:txBody>
+          <a:bodyPr wrap="none" rtlCol="0" anchor="ctr">
+            <a:noAutofit/>
+          </a:bodyPr>
+          <a:lstStyle/>
+          <a:p>
+            <a:pPr algn="ctr">
+              <a:lnSpc>
+                <a:spcPct val="110000"/>
+              </a:lnSpc>
+            </a:pPr>
+            <a:r>
+              <a:rPr lang="en-US" altLang="ko-KR" sz="2500" spc="-300" dirty="0">
+                <a:ln>
+                  <a:solidFill>
+                    <a:schemeClr val="accent1">
+                      <a:shade val="50000"/>
+                      <a:alpha val="0"/>
+                    </a:schemeClr>
+                  </a:solidFill>
+                </a:ln>
+                <a:solidFill>
+                  <a:srgbClr val="FFFFFF"/>
+                </a:solidFill>
+                <a:latin typeface="SpoqaHanSans-Bold" panose="020B0800000000000000" pitchFamily="50" charset="-127"/>
+                <a:ea typeface="SpoqaHanSans-Bold" panose="020B0800000000000000" pitchFamily="50" charset="-127"/>
+              </a:rPr>
+              <a:t>SELENIUM</a:t>
+            </a:r>
+            <a:endParaRPr lang="ko-KR" altLang="en-US" sz="2500" spc="-300" dirty="0">
+              <a:ln>
+                <a:solidFill>
+                  <a:schemeClr val="accent1">
+                    <a:shade val="50000"/>
+                    <a:alpha val="0"/>
+                  </a:schemeClr>
+                </a:solidFill>
+              </a:ln>
+              <a:solidFill>
+                <a:srgbClr val="FFFFFF"/>
+              </a:solidFill>
+              <a:latin typeface="SpoqaHanSans-Bold" panose="020B0800000000000000" pitchFamily="50" charset="-127"/>
+              <a:ea typeface="SpoqaHanSans-Bold" panose="020B0800000000000000" pitchFamily="50" charset="-127"/>
+            </a:endParaRPr>
+          </a:p>
+        </p:txBody>
+      </p:sp>
+      <p:sp>
+        <p:nvSpPr>
+          <p:cNvPr id="7" name="TextBox 6">
+            <a:extLst>
+              <a:ext uri="{FF2B5EF4-FFF2-40B4-BE49-F238E27FC236}">
+                <a16:creationId xmlns:a16="http://schemas.microsoft.com/office/drawing/2014/main" xmlns="" id="{970B0ED3-C126-4A43-9595-A94BEDBB454F}"/>
+              </a:ext>
+            </a:extLst>
+          </p:cNvPr>
+          <p:cNvSpPr txBox="1"/>
+          <p:nvPr/>
+        </p:nvSpPr>
+        <p:spPr>
+          <a:xfrm>
+            <a:off x="5099541" y="2961309"/>
+            <a:ext cx="1965885" cy="2569580"/>
+          </a:xfrm>
+          <a:prstGeom prst="rect">
+            <a:avLst/>
+          </a:prstGeom>
+          <a:solidFill>
+            <a:schemeClr val="tx1">
+              <a:lumMod val="75000"/>
+              <a:lumOff val="25000"/>
+            </a:schemeClr>
+          </a:solidFill>
+        </p:spPr>
+        <p:txBody>
+          <a:bodyPr wrap="none" rtlCol="0" anchor="ctr">
+            <a:noAutofit/>
+          </a:bodyPr>
+          <a:lstStyle/>
+          <a:p>
+            <a:pPr algn="ctr">
+              <a:lnSpc>
+                <a:spcPct val="110000"/>
+              </a:lnSpc>
+            </a:pPr>
+            <a:r>
+              <a:rPr lang="en-US" altLang="ko-KR" sz="2500" spc="-300" dirty="0">
+                <a:ln>
+                  <a:solidFill>
+                    <a:schemeClr val="accent1">
+                      <a:shade val="50000"/>
+                      <a:alpha val="0"/>
+                    </a:schemeClr>
+                  </a:solidFill>
+                </a:ln>
+                <a:solidFill>
+                  <a:srgbClr val="FFFFFF"/>
+                </a:solidFill>
+                <a:latin typeface="SpoqaHanSans-Bold" panose="020B0800000000000000" pitchFamily="50" charset="-127"/>
+                <a:ea typeface="SpoqaHanSans-Bold" panose="020B0800000000000000" pitchFamily="50" charset="-127"/>
+              </a:rPr>
+              <a:t>JAVA</a:t>
+            </a:r>
+            <a:endParaRPr lang="ko-KR" altLang="en-US" sz="2500" spc="-300" dirty="0">
+              <a:ln>
+                <a:solidFill>
+                  <a:schemeClr val="accent1">
+                    <a:shade val="50000"/>
+                    <a:alpha val="0"/>
+                  </a:schemeClr>
+                </a:solidFill>
+              </a:ln>
+              <a:solidFill>
+                <a:srgbClr val="FFFFFF"/>
+              </a:solidFill>
+              <a:latin typeface="SpoqaHanSans-Bold" panose="020B0800000000000000" pitchFamily="50" charset="-127"/>
+              <a:ea typeface="SpoqaHanSans-Bold" panose="020B0800000000000000" pitchFamily="50" charset="-127"/>
+            </a:endParaRPr>
+          </a:p>
+        </p:txBody>
+      </p:sp>
+      <p:sp>
+        <p:nvSpPr>
+          <p:cNvPr id="8" name="TextBox 7">
+            <a:extLst>
+              <a:ext uri="{FF2B5EF4-FFF2-40B4-BE49-F238E27FC236}">
+                <a16:creationId xmlns:a16="http://schemas.microsoft.com/office/drawing/2014/main" xmlns="" id="{BA83CFC8-53DE-40E9-B480-06E7354BBFBC}"/>
+              </a:ext>
+            </a:extLst>
+          </p:cNvPr>
+          <p:cNvSpPr txBox="1"/>
+          <p:nvPr/>
+        </p:nvSpPr>
+        <p:spPr>
+          <a:xfrm>
+            <a:off x="7216636" y="2961309"/>
+            <a:ext cx="1965885" cy="2569580"/>
+          </a:xfrm>
+          <a:prstGeom prst="rect">
+            <a:avLst/>
+          </a:prstGeom>
+          <a:solidFill>
+            <a:schemeClr val="tx1">
+              <a:lumMod val="75000"/>
+              <a:lumOff val="25000"/>
+            </a:schemeClr>
+          </a:solidFill>
+        </p:spPr>
+        <p:txBody>
+          <a:bodyPr wrap="none" rtlCol="0" anchor="ctr">
+            <a:noAutofit/>
+          </a:bodyPr>
+          <a:lstStyle/>
+          <a:p>
+            <a:pPr algn="ctr">
+              <a:lnSpc>
+                <a:spcPct val="110000"/>
+              </a:lnSpc>
+            </a:pPr>
+            <a:r>
+              <a:rPr lang="en-US" altLang="ko-KR" sz="2500" spc="-300" dirty="0">
+                <a:ln>
+                  <a:solidFill>
+                    <a:schemeClr val="accent1">
+                      <a:shade val="50000"/>
+                      <a:alpha val="0"/>
+                    </a:schemeClr>
+                  </a:solidFill>
+                </a:ln>
+                <a:solidFill>
+                  <a:srgbClr val="FFFFFF"/>
+                </a:solidFill>
+                <a:latin typeface="SpoqaHanSans-Bold" panose="020B0800000000000000" pitchFamily="50" charset="-127"/>
+                <a:ea typeface="SpoqaHanSans-Bold" panose="020B0800000000000000" pitchFamily="50" charset="-127"/>
+              </a:rPr>
+              <a:t>JAVA FX</a:t>
+            </a:r>
+            <a:endParaRPr lang="ko-KR" altLang="en-US" sz="2500" spc="-300" dirty="0">
+              <a:ln>
+                <a:solidFill>
+                  <a:schemeClr val="accent1">
+                    <a:shade val="50000"/>
+                    <a:alpha val="0"/>
+                  </a:schemeClr>
+                </a:solidFill>
+              </a:ln>
+              <a:solidFill>
+                <a:srgbClr val="FFFFFF"/>
+              </a:solidFill>
+              <a:latin typeface="SpoqaHanSans-Bold" panose="020B0800000000000000" pitchFamily="50" charset="-127"/>
+              <a:ea typeface="SpoqaHanSans-Bold" panose="020B0800000000000000" pitchFamily="50" charset="-127"/>
+            </a:endParaRPr>
+          </a:p>
+        </p:txBody>
+      </p:sp>
+      <p:sp>
+        <p:nvSpPr>
+          <p:cNvPr id="13" name="TextBox 12">
+            <a:extLst>
+              <a:ext uri="{FF2B5EF4-FFF2-40B4-BE49-F238E27FC236}">
+                <a16:creationId xmlns:a16="http://schemas.microsoft.com/office/drawing/2014/main" xmlns="" id="{3612C27D-7317-4B0D-B7A5-7F73369D55C0}"/>
+              </a:ext>
+            </a:extLst>
+          </p:cNvPr>
+          <p:cNvSpPr txBox="1"/>
+          <p:nvPr/>
+        </p:nvSpPr>
+        <p:spPr>
+          <a:xfrm>
+            <a:off x="878049" y="2948609"/>
+            <a:ext cx="1965885" cy="2569580"/>
+          </a:xfrm>
+          <a:prstGeom prst="rect">
+            <a:avLst/>
+          </a:prstGeom>
+          <a:solidFill>
+            <a:schemeClr val="tx1">
+              <a:lumMod val="75000"/>
+              <a:lumOff val="25000"/>
+            </a:schemeClr>
+          </a:solidFill>
+        </p:spPr>
+        <p:txBody>
+          <a:bodyPr wrap="none" rtlCol="0" anchor="ctr">
+            <a:noAutofit/>
+          </a:bodyPr>
+          <a:lstStyle/>
+          <a:p>
+            <a:pPr algn="ctr">
+              <a:lnSpc>
+                <a:spcPct val="110000"/>
+              </a:lnSpc>
+            </a:pPr>
+            <a:r>
+              <a:rPr lang="en-US" altLang="ko-KR" sz="2500" spc="-300" dirty="0">
+                <a:ln>
+                  <a:solidFill>
+                    <a:schemeClr val="accent1">
+                      <a:shade val="50000"/>
+                      <a:alpha val="0"/>
+                    </a:schemeClr>
+                  </a:solidFill>
+                </a:ln>
+                <a:solidFill>
+                  <a:srgbClr val="FFFFFF"/>
+                </a:solidFill>
+                <a:latin typeface="SpoqaHanSans-Bold" panose="020B0800000000000000" pitchFamily="50" charset="-127"/>
+                <a:ea typeface="SpoqaHanSans-Bold" panose="020B0800000000000000" pitchFamily="50" charset="-127"/>
+              </a:rPr>
+              <a:t>MARIA DB</a:t>
+            </a:r>
+            <a:endParaRPr lang="ko-KR" altLang="en-US" sz="2500" spc="-300" dirty="0">
+              <a:ln>
+                <a:solidFill>
+                  <a:schemeClr val="accent1">
+                    <a:shade val="50000"/>
+                    <a:alpha val="0"/>
+                  </a:schemeClr>
+                </a:solidFill>
+              </a:ln>
+              <a:solidFill>
+                <a:srgbClr val="FFFFFF"/>
+              </a:solidFill>
+              <a:latin typeface="SpoqaHanSans-Bold" panose="020B0800000000000000" pitchFamily="50" charset="-127"/>
+              <a:ea typeface="SpoqaHanSans-Bold" panose="020B0800000000000000" pitchFamily="50" charset="-127"/>
+            </a:endParaRPr>
+          </a:p>
+        </p:txBody>
+      </p:sp>
+      <p:sp>
+        <p:nvSpPr>
+          <p:cNvPr id="14" name="TextBox 13">
+            <a:extLst>
+              <a:ext uri="{FF2B5EF4-FFF2-40B4-BE49-F238E27FC236}">
+                <a16:creationId xmlns:a16="http://schemas.microsoft.com/office/drawing/2014/main" xmlns="" id="{970B0ED3-C126-4A43-9595-A94BEDBB454F}"/>
+              </a:ext>
+            </a:extLst>
+          </p:cNvPr>
+          <p:cNvSpPr txBox="1"/>
+          <p:nvPr/>
+        </p:nvSpPr>
+        <p:spPr>
+          <a:xfrm>
+            <a:off x="9341341" y="2952842"/>
+            <a:ext cx="1965885" cy="2569580"/>
+          </a:xfrm>
+          <a:prstGeom prst="rect">
+            <a:avLst/>
+          </a:prstGeom>
+          <a:solidFill>
+            <a:schemeClr val="tx1">
+              <a:lumMod val="75000"/>
+              <a:lumOff val="25000"/>
+            </a:schemeClr>
+          </a:solidFill>
+        </p:spPr>
+        <p:txBody>
+          <a:bodyPr wrap="none" rtlCol="0" anchor="ctr">
+            <a:noAutofit/>
+          </a:bodyPr>
+          <a:lstStyle/>
+          <a:p>
+            <a:pPr algn="ctr">
+              <a:lnSpc>
+                <a:spcPct val="110000"/>
+              </a:lnSpc>
+            </a:pPr>
+            <a:r>
+              <a:rPr lang="en-US" altLang="ko-KR" sz="2500" spc="-300" dirty="0">
+                <a:ln>
+                  <a:solidFill>
+                    <a:schemeClr val="accent1">
+                      <a:shade val="50000"/>
+                      <a:alpha val="0"/>
+                    </a:schemeClr>
+                  </a:solidFill>
+                </a:ln>
+                <a:solidFill>
+                  <a:srgbClr val="FFFFFF"/>
+                </a:solidFill>
+                <a:latin typeface="SpoqaHanSans-Bold" panose="020B0800000000000000" pitchFamily="50" charset="-127"/>
+                <a:ea typeface="SpoqaHanSans-Bold" panose="020B0800000000000000" pitchFamily="50" charset="-127"/>
+              </a:rPr>
+              <a:t>MATERIAL</a:t>
+            </a:r>
+          </a:p>
+          <a:p>
+            <a:pPr algn="ctr">
+              <a:lnSpc>
+                <a:spcPct val="110000"/>
+              </a:lnSpc>
+            </a:pPr>
+            <a:r>
+              <a:rPr lang="en-US" altLang="ko-KR" sz="2500" spc="-300" dirty="0">
+                <a:ln>
+                  <a:solidFill>
+                    <a:schemeClr val="accent1">
+                      <a:shade val="50000"/>
+                      <a:alpha val="0"/>
+                    </a:schemeClr>
+                  </a:solidFill>
+                </a:ln>
+                <a:solidFill>
+                  <a:srgbClr val="FFFFFF"/>
+                </a:solidFill>
+                <a:latin typeface="SpoqaHanSans-Bold" panose="020B0800000000000000" pitchFamily="50" charset="-127"/>
+                <a:ea typeface="SpoqaHanSans-Bold" panose="020B0800000000000000" pitchFamily="50" charset="-127"/>
+              </a:rPr>
+              <a:t>DESIGN</a:t>
+            </a:r>
+            <a:endParaRPr lang="ko-KR" altLang="en-US" sz="2500" spc="-300" dirty="0">
+              <a:ln>
+                <a:solidFill>
+                  <a:schemeClr val="accent1">
+                    <a:shade val="50000"/>
+                    <a:alpha val="0"/>
+                  </a:schemeClr>
+                </a:solidFill>
+              </a:ln>
+              <a:solidFill>
+                <a:srgbClr val="FFFFFF"/>
+              </a:solidFill>
+              <a:latin typeface="SpoqaHanSans-Bold" panose="020B0800000000000000" pitchFamily="50" charset="-127"/>
+              <a:ea typeface="SpoqaHanSans-Bold" panose="020B0800000000000000" pitchFamily="50" charset="-127"/>
+            </a:endParaRPr>
+          </a:p>
+        </p:txBody>
+      </p:sp>
+    </p:spTree>
+    <p:extLst>
+      <p:ext uri="{BB962C8B-B14F-4D97-AF65-F5344CB8AC3E}">
+        <p14:creationId xmlns:p14="http://schemas.microsoft.com/office/powerpoint/2010/main" xmlns="" val="849144894"/>
+      </p:ext>
+    </p:extLst>
+  </p:cSld>
+  <p:clrMapOvr>
+    <a:masterClrMapping/>
+  </p:clrMapOvr>
+  <p:timing>
+    <p:tnLst>
+      <p:par>
+        <p:cTn id="1" dur="indefinite" restart="never" nodeType="tmRoot"/>
+      </p:par>
+    </p:tnLst>
+  </p:timing>
+</p:sld>
+</file>
+
+<file path=ppt/slides/slide30.xml><?xml version="1.0" encoding="utf-8"?>
+<p:sld xmlns:a="http://schemas.openxmlformats.org/drawingml/2006/main" xmlns:r="http://schemas.openxmlformats.org/officeDocument/2006/relationships" xmlns:p="http://schemas.openxmlformats.org/presentationml/2006/main">
+  <p:cSld>
+    <p:spTree>
+      <p:nvGrpSpPr>
+        <p:cNvPr id="1" name=""/>
+        <p:cNvGrpSpPr/>
+        <p:nvPr/>
+      </p:nvGrpSpPr>
+      <p:grpSpPr>
+        <a:xfrm>
+          <a:off x="0" y="0"/>
+          <a:ext cx="0" cy="0"/>
+          <a:chOff x="0" y="0"/>
+          <a:chExt cx="0" cy="0"/>
+        </a:xfrm>
+      </p:grpSpPr>
+      <p:sp>
+        <p:nvSpPr>
+          <p:cNvPr id="2" name="직사각형 1">
+            <a:extLst>
+              <a:ext uri="{FF2B5EF4-FFF2-40B4-BE49-F238E27FC236}">
+                <a16:creationId xmlns:a16="http://schemas.microsoft.com/office/drawing/2014/main" xmlns="" id="{72070133-B364-4648-B5B7-60879ABB5B30}"/>
               </a:ext>
             </a:extLst>
           </p:cNvPr>
@@ -14762,7 +16394,7 @@
           <p:cNvPr id="3" name="TextBox 2">
             <a:extLst>
               <a:ext uri="{FF2B5EF4-FFF2-40B4-BE49-F238E27FC236}">
-                <a16:creationId xmlns="" xmlns:a16="http://schemas.microsoft.com/office/drawing/2014/main" id="{046E9738-F6F0-4607-9DD9-40CC81694A89}"/>
+                <a16:creationId xmlns:a16="http://schemas.microsoft.com/office/drawing/2014/main" xmlns="" id="{046E9738-F6F0-4607-9DD9-40CC81694A89}"/>
               </a:ext>
             </a:extLst>
           </p:cNvPr>
@@ -14816,7 +16448,7 @@
           <p:cNvPr id="4" name="TextBox 3">
             <a:extLst>
               <a:ext uri="{FF2B5EF4-FFF2-40B4-BE49-F238E27FC236}">
-                <a16:creationId xmlns="" xmlns:a16="http://schemas.microsoft.com/office/drawing/2014/main" id="{A05F580B-8B8F-4BB8-AD4B-8AC827619861}"/>
+                <a16:creationId xmlns:a16="http://schemas.microsoft.com/office/drawing/2014/main" xmlns="" id="{A05F580B-8B8F-4BB8-AD4B-8AC827619861}"/>
               </a:ext>
             </a:extLst>
           </p:cNvPr>
@@ -14868,7 +16500,7 @@
           <p:cNvPr id="9" name="표 9">
             <a:extLst>
               <a:ext uri="{FF2B5EF4-FFF2-40B4-BE49-F238E27FC236}">
-                <a16:creationId xmlns="" xmlns:a16="http://schemas.microsoft.com/office/drawing/2014/main" id="{B9F6AEB8-936A-49D8-8616-46E172C0CFB4}"/>
+                <a16:creationId xmlns:a16="http://schemas.microsoft.com/office/drawing/2014/main" xmlns="" id="{B9F6AEB8-936A-49D8-8616-46E172C0CFB4}"/>
               </a:ext>
             </a:extLst>
           </p:cNvPr>
@@ -14878,7 +16510,7 @@
           <p:nvPr>
             <p:extLst>
               <p:ext uri="{D42A27DB-BD31-4B8C-83A1-F6EECF244321}">
-                <p14:modId xmlns="" xmlns:p14="http://schemas.microsoft.com/office/powerpoint/2010/main" val="3208619848"/>
+                <p14:modId xmlns:p14="http://schemas.microsoft.com/office/powerpoint/2010/main" xmlns="" val="3208619848"/>
               </p:ext>
             </p:extLst>
           </p:nvPr>
@@ -14897,14 +16529,14 @@
                 <a:gridCol w="2092643">
                   <a:extLst>
                     <a:ext uri="{9D8B030D-6E8A-4147-A177-3AD203B41FA5}">
-                      <a16:colId xmlns="" xmlns:a16="http://schemas.microsoft.com/office/drawing/2014/main" val="125502164"/>
+                      <a16:colId xmlns:a16="http://schemas.microsoft.com/office/drawing/2014/main" xmlns="" val="125502164"/>
                     </a:ext>
                   </a:extLst>
                 </a:gridCol>
                 <a:gridCol w="7182952">
                   <a:extLst>
                     <a:ext uri="{9D8B030D-6E8A-4147-A177-3AD203B41FA5}">
-                      <a16:colId xmlns="" xmlns:a16="http://schemas.microsoft.com/office/drawing/2014/main" val="3068378860"/>
+                      <a16:colId xmlns:a16="http://schemas.microsoft.com/office/drawing/2014/main" xmlns="" val="3068378860"/>
                     </a:ext>
                   </a:extLst>
                 </a:gridCol>
@@ -14976,7 +16608,7 @@
                 </a:tc>
                 <a:extLst>
                   <a:ext uri="{0D108BD9-81ED-4DB2-BD59-A6C34878D82A}">
-                    <a16:rowId xmlns="" xmlns:a16="http://schemas.microsoft.com/office/drawing/2014/main" val="1624258717"/>
+                    <a16:rowId xmlns:a16="http://schemas.microsoft.com/office/drawing/2014/main" xmlns="" val="1624258717"/>
                   </a:ext>
                 </a:extLst>
               </a:tr>
@@ -15107,14 +16739,35 @@
                           <a:latin typeface="Spoqa Han Sans Neo Medium" pitchFamily="2" charset="0"/>
                           <a:ea typeface="Spoqa Han Sans Neo Medium" pitchFamily="2" charset="0"/>
                         </a:rPr>
-                        <a:t>, MY SQL</a:t>
+                        <a:t>, </a:t>
+                      </a:r>
+                      <a:r>
+                        <a:rPr lang="en-US" altLang="ko-KR" baseline="0" dirty="0" smtClean="0">
+                          <a:latin typeface="Spoqa Han Sans Neo Medium" pitchFamily="2" charset="0"/>
+                          <a:ea typeface="Spoqa Han Sans Neo Medium" pitchFamily="2" charset="0"/>
+                        </a:rPr>
+                        <a:t>SQL </a:t>
+                      </a:r>
+                      <a:r>
+                        <a:rPr lang="en-US" altLang="ko-KR" baseline="0" dirty="0" err="1" smtClean="0">
+                          <a:latin typeface="Spoqa Han Sans Neo Medium" pitchFamily="2" charset="0"/>
+                          <a:ea typeface="Spoqa Han Sans Neo Medium" pitchFamily="2" charset="0"/>
+                        </a:rPr>
+                        <a:t>lite</a:t>
                       </a:r>
                       <a:r>
                         <a:rPr lang="ko-KR" altLang="en-US" baseline="0" dirty="0" smtClean="0">
                           <a:latin typeface="Spoqa Han Sans Neo Medium" pitchFamily="2" charset="0"/>
                           <a:ea typeface="Spoqa Han Sans Neo Medium" pitchFamily="2" charset="0"/>
                         </a:rPr>
-                        <a:t>을 이용한 </a:t>
+                        <a:t>을 </a:t>
+                      </a:r>
+                      <a:r>
+                        <a:rPr lang="ko-KR" altLang="en-US" baseline="0" dirty="0" smtClean="0">
+                          <a:latin typeface="Spoqa Han Sans Neo Medium" pitchFamily="2" charset="0"/>
+                          <a:ea typeface="Spoqa Han Sans Neo Medium" pitchFamily="2" charset="0"/>
+                        </a:rPr>
+                        <a:t>이용한 </a:t>
                       </a:r>
                       <a:r>
                         <a:rPr lang="en-US" altLang="ko-KR" baseline="0" dirty="0" smtClean="0">
@@ -15164,7 +16817,7 @@
                 </a:tc>
                 <a:extLst>
                   <a:ext uri="{0D108BD9-81ED-4DB2-BD59-A6C34878D82A}">
-                    <a16:rowId xmlns="" xmlns:a16="http://schemas.microsoft.com/office/drawing/2014/main" val="995017088"/>
+                    <a16:rowId xmlns:a16="http://schemas.microsoft.com/office/drawing/2014/main" xmlns="" val="995017088"/>
                   </a:ext>
                 </a:extLst>
               </a:tr>
@@ -15282,7 +16935,7 @@
                 </a:tc>
                 <a:extLst>
                   <a:ext uri="{0D108BD9-81ED-4DB2-BD59-A6C34878D82A}">
-                    <a16:rowId xmlns="" xmlns:a16="http://schemas.microsoft.com/office/drawing/2014/main" val="3242367542"/>
+                    <a16:rowId xmlns:a16="http://schemas.microsoft.com/office/drawing/2014/main" xmlns="" val="3242367542"/>
                   </a:ext>
                 </a:extLst>
               </a:tr>
@@ -15403,7 +17056,7 @@
                 </a:tc>
                 <a:extLst>
                   <a:ext uri="{0D108BD9-81ED-4DB2-BD59-A6C34878D82A}">
-                    <a16:rowId xmlns="" xmlns:a16="http://schemas.microsoft.com/office/drawing/2014/main" val="1322465981"/>
+                    <a16:rowId xmlns:a16="http://schemas.microsoft.com/office/drawing/2014/main" xmlns="" val="1322465981"/>
                   </a:ext>
                 </a:extLst>
               </a:tr>
@@ -15416,7 +17069,7 @@
           <p:cNvPr id="10" name="TextBox 9">
             <a:extLst>
               <a:ext uri="{FF2B5EF4-FFF2-40B4-BE49-F238E27FC236}">
-                <a16:creationId xmlns="" xmlns:a16="http://schemas.microsoft.com/office/drawing/2014/main" id="{81CAB102-B5E3-4E20-98A5-65AF0528A0FE}"/>
+                <a16:creationId xmlns:a16="http://schemas.microsoft.com/office/drawing/2014/main" xmlns="" id="{81CAB102-B5E3-4E20-98A5-65AF0528A0FE}"/>
               </a:ext>
             </a:extLst>
           </p:cNvPr>
@@ -15461,7 +17114,7 @@
     </p:spTree>
     <p:extLst>
       <p:ext uri="{BB962C8B-B14F-4D97-AF65-F5344CB8AC3E}">
-        <p14:creationId xmlns="" xmlns:p14="http://schemas.microsoft.com/office/powerpoint/2010/main" val="2677067243"/>
+        <p14:creationId xmlns:p14="http://schemas.microsoft.com/office/powerpoint/2010/main" xmlns="" val="2677067243"/>
       </p:ext>
     </p:extLst>
   </p:cSld>
@@ -15478,7 +17131,7 @@
 </p:sld>
 </file>
 
-<file path=ppt/slides/slide28.xml><?xml version="1.0" encoding="utf-8"?>
+<file path=ppt/slides/slide31.xml><?xml version="1.0" encoding="utf-8"?>
 <p:sld xmlns:a="http://schemas.openxmlformats.org/drawingml/2006/main" xmlns:r="http://schemas.openxmlformats.org/officeDocument/2006/relationships" xmlns:p="http://schemas.openxmlformats.org/presentationml/2006/main">
   <p:cSld>
     <p:spTree>
@@ -15500,7 +17153,7 @@
           <p:cNvPr id="4" name="직사각형 3">
             <a:extLst>
               <a:ext uri="{FF2B5EF4-FFF2-40B4-BE49-F238E27FC236}">
-                <a16:creationId xmlns="" xmlns:a16="http://schemas.microsoft.com/office/drawing/2014/main" id="{A5F1230D-E167-4631-9FF0-6693B43B2EB4}"/>
+                <a16:creationId xmlns:a16="http://schemas.microsoft.com/office/drawing/2014/main" xmlns="" id="{A5F1230D-E167-4631-9FF0-6693B43B2EB4}"/>
               </a:ext>
             </a:extLst>
           </p:cNvPr>
@@ -15568,7 +17221,7 @@
           <p:cNvPr id="23" name="직선 연결선 22">
             <a:extLst>
               <a:ext uri="{FF2B5EF4-FFF2-40B4-BE49-F238E27FC236}">
-                <a16:creationId xmlns="" xmlns:a16="http://schemas.microsoft.com/office/drawing/2014/main" id="{51598C24-B97B-4C39-8E70-FF16D6EDE3C5}"/>
+                <a16:creationId xmlns:a16="http://schemas.microsoft.com/office/drawing/2014/main" xmlns="" id="{51598C24-B97B-4C39-8E70-FF16D6EDE3C5}"/>
               </a:ext>
             </a:extLst>
           </p:cNvPr>
@@ -15609,7 +17262,7 @@
           <p:cNvPr id="24" name="직선 연결선 23">
             <a:extLst>
               <a:ext uri="{FF2B5EF4-FFF2-40B4-BE49-F238E27FC236}">
-                <a16:creationId xmlns="" xmlns:a16="http://schemas.microsoft.com/office/drawing/2014/main" id="{99D0D74F-3BC7-44B8-BCD5-402872C490D0}"/>
+                <a16:creationId xmlns:a16="http://schemas.microsoft.com/office/drawing/2014/main" xmlns="" id="{99D0D74F-3BC7-44B8-BCD5-402872C490D0}"/>
               </a:ext>
             </a:extLst>
           </p:cNvPr>
@@ -15650,7 +17303,7 @@
           <p:cNvPr id="27" name="TextBox 26">
             <a:extLst>
               <a:ext uri="{FF2B5EF4-FFF2-40B4-BE49-F238E27FC236}">
-                <a16:creationId xmlns="" xmlns:a16="http://schemas.microsoft.com/office/drawing/2014/main" id="{10414E6C-FE57-4B60-9FE8-97135035557F}"/>
+                <a16:creationId xmlns:a16="http://schemas.microsoft.com/office/drawing/2014/main" xmlns="" id="{10414E6C-FE57-4B60-9FE8-97135035557F}"/>
               </a:ext>
             </a:extLst>
           </p:cNvPr>
@@ -15704,7 +17357,7 @@
           <p:cNvPr id="28" name="TextBox 27">
             <a:extLst>
               <a:ext uri="{FF2B5EF4-FFF2-40B4-BE49-F238E27FC236}">
-                <a16:creationId xmlns="" xmlns:a16="http://schemas.microsoft.com/office/drawing/2014/main" id="{0DF3FC17-D03B-44C4-A8CD-96514F944E81}"/>
+                <a16:creationId xmlns:a16="http://schemas.microsoft.com/office/drawing/2014/main" xmlns="" id="{0DF3FC17-D03B-44C4-A8CD-96514F944E81}"/>
               </a:ext>
             </a:extLst>
           </p:cNvPr>
@@ -15755,587 +17408,7 @@
     </p:spTree>
     <p:extLst>
       <p:ext uri="{BB962C8B-B14F-4D97-AF65-F5344CB8AC3E}">
-        <p14:creationId xmlns="" xmlns:p14="http://schemas.microsoft.com/office/powerpoint/2010/main" val="267635556"/>
-      </p:ext>
-    </p:extLst>
-  </p:cSld>
-  <p:clrMapOvr>
-    <a:masterClrMapping/>
-  </p:clrMapOvr>
-  <p:timing>
-    <p:tnLst>
-      <p:par>
-        <p:cTn id="1" dur="indefinite" restart="never" nodeType="tmRoot"/>
-      </p:par>
-    </p:tnLst>
-  </p:timing>
-</p:sld>
-</file>
-
-<file path=ppt/slides/slide3.xml><?xml version="1.0" encoding="utf-8"?>
-<p:sld xmlns:a="http://schemas.openxmlformats.org/drawingml/2006/main" xmlns:r="http://schemas.openxmlformats.org/officeDocument/2006/relationships" xmlns:p="http://schemas.openxmlformats.org/presentationml/2006/main">
-  <p:cSld>
-    <p:spTree>
-      <p:nvGrpSpPr>
-        <p:cNvPr id="1" name=""/>
-        <p:cNvGrpSpPr/>
-        <p:nvPr/>
-      </p:nvGrpSpPr>
-      <p:grpSpPr>
-        <a:xfrm>
-          <a:off x="0" y="0"/>
-          <a:ext cx="0" cy="0"/>
-          <a:chOff x="0" y="0"/>
-          <a:chExt cx="0" cy="0"/>
-        </a:xfrm>
-      </p:grpSpPr>
-      <p:sp>
-        <p:nvSpPr>
-          <p:cNvPr id="2" name="직사각형 1">
-            <a:extLst>
-              <a:ext uri="{FF2B5EF4-FFF2-40B4-BE49-F238E27FC236}">
-                <a16:creationId xmlns="" xmlns:a16="http://schemas.microsoft.com/office/drawing/2014/main" id="{72070133-B364-4648-B5B7-60879ABB5B30}"/>
-              </a:ext>
-            </a:extLst>
-          </p:cNvPr>
-          <p:cNvSpPr/>
-          <p:nvPr/>
-        </p:nvSpPr>
-        <p:spPr>
-          <a:xfrm>
-            <a:off x="-38102" y="0"/>
-            <a:ext cx="12247034" cy="428263"/>
-          </a:xfrm>
-          <a:prstGeom prst="rect">
-            <a:avLst/>
-          </a:prstGeom>
-          <a:gradFill>
-            <a:gsLst>
-              <a:gs pos="0">
-                <a:schemeClr val="tx1">
-                  <a:lumMod val="75000"/>
-                  <a:lumOff val="25000"/>
-                </a:schemeClr>
-              </a:gs>
-              <a:gs pos="54000">
-                <a:schemeClr val="tx1">
-                  <a:lumMod val="85000"/>
-                  <a:lumOff val="15000"/>
-                </a:schemeClr>
-              </a:gs>
-            </a:gsLst>
-            <a:path path="circle">
-              <a:fillToRect l="100000" b="100000"/>
-            </a:path>
-          </a:gradFill>
-          <a:ln>
-            <a:noFill/>
-          </a:ln>
-        </p:spPr>
-        <p:style>
-          <a:lnRef idx="2">
-            <a:schemeClr val="accent1">
-              <a:shade val="50000"/>
-            </a:schemeClr>
-          </a:lnRef>
-          <a:fillRef idx="1">
-            <a:schemeClr val="accent1"/>
-          </a:fillRef>
-          <a:effectRef idx="0">
-            <a:schemeClr val="accent1"/>
-          </a:effectRef>
-          <a:fontRef idx="minor">
-            <a:schemeClr val="lt1"/>
-          </a:fontRef>
-        </p:style>
-        <p:txBody>
-          <a:bodyPr rtlCol="0" anchor="ctr"/>
-          <a:lstStyle/>
-          <a:p>
-            <a:pPr algn="ctr"/>
-            <a:endParaRPr lang="ko-KR" altLang="en-US"/>
-          </a:p>
-        </p:txBody>
-      </p:sp>
-      <p:sp>
-        <p:nvSpPr>
-          <p:cNvPr id="3" name="TextBox 2">
-            <a:extLst>
-              <a:ext uri="{FF2B5EF4-FFF2-40B4-BE49-F238E27FC236}">
-                <a16:creationId xmlns="" xmlns:a16="http://schemas.microsoft.com/office/drawing/2014/main" id="{046E9738-F6F0-4607-9DD9-40CC81694A89}"/>
-              </a:ext>
-            </a:extLst>
-          </p:cNvPr>
-          <p:cNvSpPr txBox="1"/>
-          <p:nvPr/>
-        </p:nvSpPr>
-        <p:spPr>
-          <a:xfrm>
-            <a:off x="792854" y="777493"/>
-            <a:ext cx="8790983" cy="646193"/>
-          </a:xfrm>
-          <a:prstGeom prst="rect">
-            <a:avLst/>
-          </a:prstGeom>
-          <a:noFill/>
-        </p:spPr>
-        <p:txBody>
-          <a:bodyPr wrap="none" rtlCol="0">
-            <a:noAutofit/>
-          </a:bodyPr>
-          <a:lstStyle/>
-          <a:p>
-            <a:pPr>
-              <a:lnSpc>
-                <a:spcPct val="110000"/>
-              </a:lnSpc>
-            </a:pPr>
-            <a:r>
-              <a:rPr lang="en-US" altLang="ko-KR" sz="4000" spc="-300" dirty="0">
-                <a:ln>
-                  <a:solidFill>
-                    <a:schemeClr val="accent1">
-                      <a:shade val="50000"/>
-                      <a:alpha val="0"/>
-                    </a:schemeClr>
-                  </a:solidFill>
-                </a:ln>
-                <a:solidFill>
-                  <a:schemeClr val="tx1">
-                    <a:lumMod val="75000"/>
-                    <a:lumOff val="25000"/>
-                  </a:schemeClr>
-                </a:solidFill>
-                <a:latin typeface="SpoqaHanSans-Bold" panose="020B0800000000000000" pitchFamily="50" charset="-127"/>
-                <a:ea typeface="SpoqaHanSans-Bold" panose="020B0800000000000000" pitchFamily="50" charset="-127"/>
-              </a:rPr>
-              <a:t>SW </a:t>
-            </a:r>
-            <a:r>
-              <a:rPr lang="ko-KR" altLang="en-US" sz="4000" spc="-300" dirty="0">
-                <a:ln>
-                  <a:solidFill>
-                    <a:schemeClr val="accent1">
-                      <a:shade val="50000"/>
-                      <a:alpha val="0"/>
-                    </a:schemeClr>
-                  </a:solidFill>
-                </a:ln>
-                <a:solidFill>
-                  <a:schemeClr val="tx1">
-                    <a:lumMod val="75000"/>
-                    <a:lumOff val="25000"/>
-                  </a:schemeClr>
-                </a:solidFill>
-                <a:latin typeface="SpoqaHanSans-Bold" panose="020B0800000000000000" pitchFamily="50" charset="-127"/>
-                <a:ea typeface="SpoqaHanSans-Bold" panose="020B0800000000000000" pitchFamily="50" charset="-127"/>
-              </a:rPr>
-              <a:t>구성 개요</a:t>
-            </a:r>
-          </a:p>
-        </p:txBody>
-      </p:sp>
-      <p:sp>
-        <p:nvSpPr>
-          <p:cNvPr id="6" name="TextBox 5">
-            <a:extLst>
-              <a:ext uri="{FF2B5EF4-FFF2-40B4-BE49-F238E27FC236}">
-                <a16:creationId xmlns="" xmlns:a16="http://schemas.microsoft.com/office/drawing/2014/main" id="{DF51DE0B-B27E-46CE-BAB9-50DFD1B0F806}"/>
-              </a:ext>
-            </a:extLst>
-          </p:cNvPr>
-          <p:cNvSpPr txBox="1">
-            <a:spLocks/>
-          </p:cNvSpPr>
-          <p:nvPr/>
-        </p:nvSpPr>
-        <p:spPr>
-          <a:xfrm>
-            <a:off x="2982445" y="2961309"/>
-            <a:ext cx="1965885" cy="2569580"/>
-          </a:xfrm>
-          <a:prstGeom prst="rect">
-            <a:avLst/>
-          </a:prstGeom>
-          <a:solidFill>
-            <a:schemeClr val="tx1">
-              <a:lumMod val="75000"/>
-              <a:lumOff val="25000"/>
-            </a:schemeClr>
-          </a:solidFill>
-        </p:spPr>
-        <p:txBody>
-          <a:bodyPr wrap="none" rtlCol="0" anchor="ctr">
-            <a:noAutofit/>
-          </a:bodyPr>
-          <a:lstStyle/>
-          <a:p>
-            <a:pPr algn="ctr">
-              <a:lnSpc>
-                <a:spcPct val="110000"/>
-              </a:lnSpc>
-            </a:pPr>
-            <a:r>
-              <a:rPr lang="en-US" altLang="ko-KR" sz="2500" spc="-300" dirty="0">
-                <a:ln>
-                  <a:solidFill>
-                    <a:schemeClr val="accent1">
-                      <a:shade val="50000"/>
-                      <a:alpha val="0"/>
-                    </a:schemeClr>
-                  </a:solidFill>
-                </a:ln>
-                <a:solidFill>
-                  <a:srgbClr val="FFFFFF"/>
-                </a:solidFill>
-                <a:latin typeface="SpoqaHanSans-Bold" panose="020B0800000000000000" pitchFamily="50" charset="-127"/>
-                <a:ea typeface="SpoqaHanSans-Bold" panose="020B0800000000000000" pitchFamily="50" charset="-127"/>
-              </a:rPr>
-              <a:t>SELENIUM</a:t>
-            </a:r>
-            <a:endParaRPr lang="ko-KR" altLang="en-US" sz="2500" spc="-300" dirty="0">
-              <a:ln>
-                <a:solidFill>
-                  <a:schemeClr val="accent1">
-                    <a:shade val="50000"/>
-                    <a:alpha val="0"/>
-                  </a:schemeClr>
-                </a:solidFill>
-              </a:ln>
-              <a:solidFill>
-                <a:srgbClr val="FFFFFF"/>
-              </a:solidFill>
-              <a:latin typeface="SpoqaHanSans-Bold" panose="020B0800000000000000" pitchFamily="50" charset="-127"/>
-              <a:ea typeface="SpoqaHanSans-Bold" panose="020B0800000000000000" pitchFamily="50" charset="-127"/>
-            </a:endParaRPr>
-          </a:p>
-        </p:txBody>
-      </p:sp>
-      <p:sp>
-        <p:nvSpPr>
-          <p:cNvPr id="7" name="TextBox 6">
-            <a:extLst>
-              <a:ext uri="{FF2B5EF4-FFF2-40B4-BE49-F238E27FC236}">
-                <a16:creationId xmlns="" xmlns:a16="http://schemas.microsoft.com/office/drawing/2014/main" id="{970B0ED3-C126-4A43-9595-A94BEDBB454F}"/>
-              </a:ext>
-            </a:extLst>
-          </p:cNvPr>
-          <p:cNvSpPr txBox="1"/>
-          <p:nvPr/>
-        </p:nvSpPr>
-        <p:spPr>
-          <a:xfrm>
-            <a:off x="5099541" y="2961309"/>
-            <a:ext cx="1965885" cy="2569580"/>
-          </a:xfrm>
-          <a:prstGeom prst="rect">
-            <a:avLst/>
-          </a:prstGeom>
-          <a:solidFill>
-            <a:schemeClr val="tx1">
-              <a:lumMod val="75000"/>
-              <a:lumOff val="25000"/>
-            </a:schemeClr>
-          </a:solidFill>
-        </p:spPr>
-        <p:txBody>
-          <a:bodyPr wrap="none" rtlCol="0" anchor="ctr">
-            <a:noAutofit/>
-          </a:bodyPr>
-          <a:lstStyle/>
-          <a:p>
-            <a:pPr algn="ctr">
-              <a:lnSpc>
-                <a:spcPct val="110000"/>
-              </a:lnSpc>
-            </a:pPr>
-            <a:r>
-              <a:rPr lang="en-US" altLang="ko-KR" sz="2500" spc="-300" dirty="0">
-                <a:ln>
-                  <a:solidFill>
-                    <a:schemeClr val="accent1">
-                      <a:shade val="50000"/>
-                      <a:alpha val="0"/>
-                    </a:schemeClr>
-                  </a:solidFill>
-                </a:ln>
-                <a:solidFill>
-                  <a:srgbClr val="FFFFFF"/>
-                </a:solidFill>
-                <a:latin typeface="SpoqaHanSans-Bold" panose="020B0800000000000000" pitchFamily="50" charset="-127"/>
-                <a:ea typeface="SpoqaHanSans-Bold" panose="020B0800000000000000" pitchFamily="50" charset="-127"/>
-              </a:rPr>
-              <a:t>JAVA</a:t>
-            </a:r>
-            <a:endParaRPr lang="ko-KR" altLang="en-US" sz="2500" spc="-300" dirty="0">
-              <a:ln>
-                <a:solidFill>
-                  <a:schemeClr val="accent1">
-                    <a:shade val="50000"/>
-                    <a:alpha val="0"/>
-                  </a:schemeClr>
-                </a:solidFill>
-              </a:ln>
-              <a:solidFill>
-                <a:srgbClr val="FFFFFF"/>
-              </a:solidFill>
-              <a:latin typeface="SpoqaHanSans-Bold" panose="020B0800000000000000" pitchFamily="50" charset="-127"/>
-              <a:ea typeface="SpoqaHanSans-Bold" panose="020B0800000000000000" pitchFamily="50" charset="-127"/>
-            </a:endParaRPr>
-          </a:p>
-        </p:txBody>
-      </p:sp>
-      <p:sp>
-        <p:nvSpPr>
-          <p:cNvPr id="8" name="TextBox 7">
-            <a:extLst>
-              <a:ext uri="{FF2B5EF4-FFF2-40B4-BE49-F238E27FC236}">
-                <a16:creationId xmlns="" xmlns:a16="http://schemas.microsoft.com/office/drawing/2014/main" id="{BA83CFC8-53DE-40E9-B480-06E7354BBFBC}"/>
-              </a:ext>
-            </a:extLst>
-          </p:cNvPr>
-          <p:cNvSpPr txBox="1"/>
-          <p:nvPr/>
-        </p:nvSpPr>
-        <p:spPr>
-          <a:xfrm>
-            <a:off x="7216636" y="2961309"/>
-            <a:ext cx="1965885" cy="2569580"/>
-          </a:xfrm>
-          <a:prstGeom prst="rect">
-            <a:avLst/>
-          </a:prstGeom>
-          <a:solidFill>
-            <a:schemeClr val="tx1">
-              <a:lumMod val="75000"/>
-              <a:lumOff val="25000"/>
-            </a:schemeClr>
-          </a:solidFill>
-        </p:spPr>
-        <p:txBody>
-          <a:bodyPr wrap="none" rtlCol="0" anchor="ctr">
-            <a:noAutofit/>
-          </a:bodyPr>
-          <a:lstStyle/>
-          <a:p>
-            <a:pPr algn="ctr">
-              <a:lnSpc>
-                <a:spcPct val="110000"/>
-              </a:lnSpc>
-            </a:pPr>
-            <a:r>
-              <a:rPr lang="en-US" altLang="ko-KR" sz="2500" spc="-300" dirty="0">
-                <a:ln>
-                  <a:solidFill>
-                    <a:schemeClr val="accent1">
-                      <a:shade val="50000"/>
-                      <a:alpha val="0"/>
-                    </a:schemeClr>
-                  </a:solidFill>
-                </a:ln>
-                <a:solidFill>
-                  <a:srgbClr val="FFFFFF"/>
-                </a:solidFill>
-                <a:latin typeface="SpoqaHanSans-Bold" panose="020B0800000000000000" pitchFamily="50" charset="-127"/>
-                <a:ea typeface="SpoqaHanSans-Bold" panose="020B0800000000000000" pitchFamily="50" charset="-127"/>
-              </a:rPr>
-              <a:t>JAVA FX</a:t>
-            </a:r>
-            <a:endParaRPr lang="ko-KR" altLang="en-US" sz="2500" spc="-300" dirty="0">
-              <a:ln>
-                <a:solidFill>
-                  <a:schemeClr val="accent1">
-                    <a:shade val="50000"/>
-                    <a:alpha val="0"/>
-                  </a:schemeClr>
-                </a:solidFill>
-              </a:ln>
-              <a:solidFill>
-                <a:srgbClr val="FFFFFF"/>
-              </a:solidFill>
-              <a:latin typeface="SpoqaHanSans-Bold" panose="020B0800000000000000" pitchFamily="50" charset="-127"/>
-              <a:ea typeface="SpoqaHanSans-Bold" panose="020B0800000000000000" pitchFamily="50" charset="-127"/>
-            </a:endParaRPr>
-          </a:p>
-        </p:txBody>
-      </p:sp>
-      <p:sp>
-        <p:nvSpPr>
-          <p:cNvPr id="13" name="TextBox 12">
-            <a:extLst>
-              <a:ext uri="{FF2B5EF4-FFF2-40B4-BE49-F238E27FC236}">
-                <a16:creationId xmlns="" xmlns:a16="http://schemas.microsoft.com/office/drawing/2014/main" id="{3612C27D-7317-4B0D-B7A5-7F73369D55C0}"/>
-              </a:ext>
-            </a:extLst>
-          </p:cNvPr>
-          <p:cNvSpPr txBox="1"/>
-          <p:nvPr/>
-        </p:nvSpPr>
-        <p:spPr>
-          <a:xfrm>
-            <a:off x="878049" y="2948609"/>
-            <a:ext cx="1965885" cy="2569580"/>
-          </a:xfrm>
-          <a:prstGeom prst="rect">
-            <a:avLst/>
-          </a:prstGeom>
-          <a:solidFill>
-            <a:schemeClr val="tx1">
-              <a:lumMod val="75000"/>
-              <a:lumOff val="25000"/>
-            </a:schemeClr>
-          </a:solidFill>
-        </p:spPr>
-        <p:txBody>
-          <a:bodyPr wrap="none" rtlCol="0" anchor="ctr">
-            <a:noAutofit/>
-          </a:bodyPr>
-          <a:lstStyle/>
-          <a:p>
-            <a:pPr algn="ctr">
-              <a:lnSpc>
-                <a:spcPct val="110000"/>
-              </a:lnSpc>
-            </a:pPr>
-            <a:r>
-              <a:rPr lang="en-US" altLang="ko-KR" sz="2500" spc="-300" dirty="0">
-                <a:ln>
-                  <a:solidFill>
-                    <a:schemeClr val="accent1">
-                      <a:shade val="50000"/>
-                      <a:alpha val="0"/>
-                    </a:schemeClr>
-                  </a:solidFill>
-                </a:ln>
-                <a:solidFill>
-                  <a:srgbClr val="FFFFFF"/>
-                </a:solidFill>
-                <a:latin typeface="SpoqaHanSans-Bold" panose="020B0800000000000000" pitchFamily="50" charset="-127"/>
-                <a:ea typeface="SpoqaHanSans-Bold" panose="020B0800000000000000" pitchFamily="50" charset="-127"/>
-              </a:rPr>
-              <a:t>MARIA DB</a:t>
-            </a:r>
-            <a:endParaRPr lang="ko-KR" altLang="en-US" sz="2500" spc="-300" dirty="0">
-              <a:ln>
-                <a:solidFill>
-                  <a:schemeClr val="accent1">
-                    <a:shade val="50000"/>
-                    <a:alpha val="0"/>
-                  </a:schemeClr>
-                </a:solidFill>
-              </a:ln>
-              <a:solidFill>
-                <a:srgbClr val="FFFFFF"/>
-              </a:solidFill>
-              <a:latin typeface="SpoqaHanSans-Bold" panose="020B0800000000000000" pitchFamily="50" charset="-127"/>
-              <a:ea typeface="SpoqaHanSans-Bold" panose="020B0800000000000000" pitchFamily="50" charset="-127"/>
-            </a:endParaRPr>
-          </a:p>
-        </p:txBody>
-      </p:sp>
-      <p:sp>
-        <p:nvSpPr>
-          <p:cNvPr id="14" name="TextBox 13">
-            <a:extLst>
-              <a:ext uri="{FF2B5EF4-FFF2-40B4-BE49-F238E27FC236}">
-                <a16:creationId xmlns="" xmlns:a16="http://schemas.microsoft.com/office/drawing/2014/main" id="{970B0ED3-C126-4A43-9595-A94BEDBB454F}"/>
-              </a:ext>
-            </a:extLst>
-          </p:cNvPr>
-          <p:cNvSpPr txBox="1"/>
-          <p:nvPr/>
-        </p:nvSpPr>
-        <p:spPr>
-          <a:xfrm>
-            <a:off x="9341341" y="2952842"/>
-            <a:ext cx="1965885" cy="2569580"/>
-          </a:xfrm>
-          <a:prstGeom prst="rect">
-            <a:avLst/>
-          </a:prstGeom>
-          <a:solidFill>
-            <a:schemeClr val="tx1">
-              <a:lumMod val="75000"/>
-              <a:lumOff val="25000"/>
-            </a:schemeClr>
-          </a:solidFill>
-        </p:spPr>
-        <p:txBody>
-          <a:bodyPr wrap="none" rtlCol="0" anchor="ctr">
-            <a:noAutofit/>
-          </a:bodyPr>
-          <a:lstStyle/>
-          <a:p>
-            <a:pPr algn="ctr">
-              <a:lnSpc>
-                <a:spcPct val="110000"/>
-              </a:lnSpc>
-            </a:pPr>
-            <a:r>
-              <a:rPr lang="en-US" altLang="ko-KR" sz="2500" spc="-300" dirty="0">
-                <a:ln>
-                  <a:solidFill>
-                    <a:schemeClr val="accent1">
-                      <a:shade val="50000"/>
-                      <a:alpha val="0"/>
-                    </a:schemeClr>
-                  </a:solidFill>
-                </a:ln>
-                <a:solidFill>
-                  <a:srgbClr val="FFFFFF"/>
-                </a:solidFill>
-                <a:latin typeface="SpoqaHanSans-Bold" panose="020B0800000000000000" pitchFamily="50" charset="-127"/>
-                <a:ea typeface="SpoqaHanSans-Bold" panose="020B0800000000000000" pitchFamily="50" charset="-127"/>
-              </a:rPr>
-              <a:t>MATERIAL</a:t>
-            </a:r>
-          </a:p>
-          <a:p>
-            <a:pPr algn="ctr">
-              <a:lnSpc>
-                <a:spcPct val="110000"/>
-              </a:lnSpc>
-            </a:pPr>
-            <a:r>
-              <a:rPr lang="en-US" altLang="ko-KR" sz="2500" spc="-300" dirty="0">
-                <a:ln>
-                  <a:solidFill>
-                    <a:schemeClr val="accent1">
-                      <a:shade val="50000"/>
-                      <a:alpha val="0"/>
-                    </a:schemeClr>
-                  </a:solidFill>
-                </a:ln>
-                <a:solidFill>
-                  <a:srgbClr val="FFFFFF"/>
-                </a:solidFill>
-                <a:latin typeface="SpoqaHanSans-Bold" panose="020B0800000000000000" pitchFamily="50" charset="-127"/>
-                <a:ea typeface="SpoqaHanSans-Bold" panose="020B0800000000000000" pitchFamily="50" charset="-127"/>
-              </a:rPr>
-              <a:t>DESIGN</a:t>
-            </a:r>
-            <a:endParaRPr lang="ko-KR" altLang="en-US" sz="2500" spc="-300" dirty="0">
-              <a:ln>
-                <a:solidFill>
-                  <a:schemeClr val="accent1">
-                    <a:shade val="50000"/>
-                    <a:alpha val="0"/>
-                  </a:schemeClr>
-                </a:solidFill>
-              </a:ln>
-              <a:solidFill>
-                <a:srgbClr val="FFFFFF"/>
-              </a:solidFill>
-              <a:latin typeface="SpoqaHanSans-Bold" panose="020B0800000000000000" pitchFamily="50" charset="-127"/>
-              <a:ea typeface="SpoqaHanSans-Bold" panose="020B0800000000000000" pitchFamily="50" charset="-127"/>
-            </a:endParaRPr>
-          </a:p>
-        </p:txBody>
-      </p:sp>
-    </p:spTree>
-    <p:extLst>
-      <p:ext uri="{BB962C8B-B14F-4D97-AF65-F5344CB8AC3E}">
-        <p14:creationId xmlns="" xmlns:p14="http://schemas.microsoft.com/office/powerpoint/2010/main" val="849144894"/>
+        <p14:creationId xmlns:p14="http://schemas.microsoft.com/office/powerpoint/2010/main" xmlns="" val="267635556"/>
       </p:ext>
     </p:extLst>
   </p:cSld>
@@ -16374,7 +17447,7 @@
           <p:cNvPr id="2" name="직사각형 1">
             <a:extLst>
               <a:ext uri="{FF2B5EF4-FFF2-40B4-BE49-F238E27FC236}">
-                <a16:creationId xmlns="" xmlns:a16="http://schemas.microsoft.com/office/drawing/2014/main" id="{11A62586-B708-4471-8640-ED72F76F9C56}"/>
+                <a16:creationId xmlns:a16="http://schemas.microsoft.com/office/drawing/2014/main" xmlns="" id="{11A62586-B708-4471-8640-ED72F76F9C56}"/>
               </a:ext>
             </a:extLst>
           </p:cNvPr>
@@ -16442,7 +17515,7 @@
           <p:cNvPr id="3" name="TextBox 2">
             <a:extLst>
               <a:ext uri="{FF2B5EF4-FFF2-40B4-BE49-F238E27FC236}">
-                <a16:creationId xmlns="" xmlns:a16="http://schemas.microsoft.com/office/drawing/2014/main" id="{988CFF69-148F-4807-9880-44F95FE3A9DC}"/>
+                <a16:creationId xmlns:a16="http://schemas.microsoft.com/office/drawing/2014/main" xmlns="" id="{988CFF69-148F-4807-9880-44F95FE3A9DC}"/>
               </a:ext>
             </a:extLst>
           </p:cNvPr>
@@ -16517,7 +17590,7 @@
           <p:cNvPr id="11" name="그룹 11">
             <a:extLst>
               <a:ext uri="{FF2B5EF4-FFF2-40B4-BE49-F238E27FC236}">
-                <a16:creationId xmlns="" xmlns:a16="http://schemas.microsoft.com/office/drawing/2014/main" id="{3C4EB2F0-389E-44FF-AA24-37B6C9B4DC76}"/>
+                <a16:creationId xmlns:a16="http://schemas.microsoft.com/office/drawing/2014/main" xmlns="" id="{3C4EB2F0-389E-44FF-AA24-37B6C9B4DC76}"/>
               </a:ext>
             </a:extLst>
           </p:cNvPr>
@@ -16537,7 +17610,7 @@
             <p:cNvPr id="5" name="TextBox 4">
               <a:extLst>
                 <a:ext uri="{FF2B5EF4-FFF2-40B4-BE49-F238E27FC236}">
-                  <a16:creationId xmlns="" xmlns:a16="http://schemas.microsoft.com/office/drawing/2014/main" id="{AF3AF097-9362-4F73-9EAD-0944B4D4BA4F}"/>
+                  <a16:creationId xmlns:a16="http://schemas.microsoft.com/office/drawing/2014/main" xmlns="" id="{AF3AF097-9362-4F73-9EAD-0944B4D4BA4F}"/>
                 </a:ext>
               </a:extLst>
             </p:cNvPr>
@@ -16808,7 +17881,7 @@
             <p:cNvPr id="6" name="TextBox 5">
               <a:extLst>
                 <a:ext uri="{FF2B5EF4-FFF2-40B4-BE49-F238E27FC236}">
-                  <a16:creationId xmlns="" xmlns:a16="http://schemas.microsoft.com/office/drawing/2014/main" id="{8BE155AA-8194-49BE-BC6B-06787A92C3A5}"/>
+                  <a16:creationId xmlns:a16="http://schemas.microsoft.com/office/drawing/2014/main" xmlns="" id="{8BE155AA-8194-49BE-BC6B-06787A92C3A5}"/>
                 </a:ext>
               </a:extLst>
             </p:cNvPr>
@@ -16887,7 +17960,7 @@
           <p:cNvPr id="12" name="그룹 10">
             <a:extLst>
               <a:ext uri="{FF2B5EF4-FFF2-40B4-BE49-F238E27FC236}">
-                <a16:creationId xmlns="" xmlns:a16="http://schemas.microsoft.com/office/drawing/2014/main" id="{47838B9D-01CB-4D32-80E7-D56CEB22CE13}"/>
+                <a16:creationId xmlns:a16="http://schemas.microsoft.com/office/drawing/2014/main" xmlns="" id="{47838B9D-01CB-4D32-80E7-D56CEB22CE13}"/>
               </a:ext>
             </a:extLst>
           </p:cNvPr>
@@ -16907,7 +17980,7 @@
             <p:cNvPr id="7" name="TextBox 6">
               <a:extLst>
                 <a:ext uri="{FF2B5EF4-FFF2-40B4-BE49-F238E27FC236}">
-                  <a16:creationId xmlns="" xmlns:a16="http://schemas.microsoft.com/office/drawing/2014/main" id="{60D79912-AF9F-4A6C-8ADA-DA2A138A4E78}"/>
+                  <a16:creationId xmlns:a16="http://schemas.microsoft.com/office/drawing/2014/main" xmlns="" id="{60D79912-AF9F-4A6C-8ADA-DA2A138A4E78}"/>
                 </a:ext>
               </a:extLst>
             </p:cNvPr>
@@ -17055,7 +18128,7 @@
             <p:cNvPr id="8" name="TextBox 7">
               <a:extLst>
                 <a:ext uri="{FF2B5EF4-FFF2-40B4-BE49-F238E27FC236}">
-                  <a16:creationId xmlns="" xmlns:a16="http://schemas.microsoft.com/office/drawing/2014/main" id="{7820947D-ACAF-4042-931F-296B77339F23}"/>
+                  <a16:creationId xmlns:a16="http://schemas.microsoft.com/office/drawing/2014/main" xmlns="" id="{7820947D-ACAF-4042-931F-296B77339F23}"/>
                 </a:ext>
               </a:extLst>
             </p:cNvPr>
@@ -17197,7 +18270,7 @@
           <p:cNvPr id="13" name="그룹 12">
             <a:extLst>
               <a:ext uri="{FF2B5EF4-FFF2-40B4-BE49-F238E27FC236}">
-                <a16:creationId xmlns="" xmlns:a16="http://schemas.microsoft.com/office/drawing/2014/main" id="{99ACA6B8-E117-4FB4-926D-0139DCB2ADB9}"/>
+                <a16:creationId xmlns:a16="http://schemas.microsoft.com/office/drawing/2014/main" xmlns="" id="{99ACA6B8-E117-4FB4-926D-0139DCB2ADB9}"/>
               </a:ext>
             </a:extLst>
           </p:cNvPr>
@@ -17217,7 +18290,7 @@
             <p:cNvPr id="9" name="TextBox 8">
               <a:extLst>
                 <a:ext uri="{FF2B5EF4-FFF2-40B4-BE49-F238E27FC236}">
-                  <a16:creationId xmlns="" xmlns:a16="http://schemas.microsoft.com/office/drawing/2014/main" id="{801F9362-5707-46BA-A63A-3EFFE07379DF}"/>
+                  <a16:creationId xmlns:a16="http://schemas.microsoft.com/office/drawing/2014/main" xmlns="" id="{801F9362-5707-46BA-A63A-3EFFE07379DF}"/>
                 </a:ext>
               </a:extLst>
             </p:cNvPr>
@@ -17320,7 +18393,7 @@
             <p:cNvPr id="10" name="TextBox 9">
               <a:extLst>
                 <a:ext uri="{FF2B5EF4-FFF2-40B4-BE49-F238E27FC236}">
-                  <a16:creationId xmlns="" xmlns:a16="http://schemas.microsoft.com/office/drawing/2014/main" id="{5AD557C9-0EEB-46CC-BFCD-F4E84813A48B}"/>
+                  <a16:creationId xmlns:a16="http://schemas.microsoft.com/office/drawing/2014/main" xmlns="" id="{5AD557C9-0EEB-46CC-BFCD-F4E84813A48B}"/>
                 </a:ext>
               </a:extLst>
             </p:cNvPr>
@@ -17420,7 +18493,7 @@
           <p:cNvPr id="14" name="그룹 16">
             <a:extLst>
               <a:ext uri="{FF2B5EF4-FFF2-40B4-BE49-F238E27FC236}">
-                <a16:creationId xmlns="" xmlns:a16="http://schemas.microsoft.com/office/drawing/2014/main" id="{596AF779-06A3-4E89-82D4-B3E821D83502}"/>
+                <a16:creationId xmlns:a16="http://schemas.microsoft.com/office/drawing/2014/main" xmlns="" id="{596AF779-06A3-4E89-82D4-B3E821D83502}"/>
               </a:ext>
             </a:extLst>
           </p:cNvPr>
@@ -17440,7 +18513,7 @@
             <p:cNvPr id="15" name="직선 연결선 14">
               <a:extLst>
                 <a:ext uri="{FF2B5EF4-FFF2-40B4-BE49-F238E27FC236}">
-                  <a16:creationId xmlns="" xmlns:a16="http://schemas.microsoft.com/office/drawing/2014/main" id="{0F09DE89-05D8-4C00-B13B-1E86BD2B1E15}"/>
+                  <a16:creationId xmlns:a16="http://schemas.microsoft.com/office/drawing/2014/main" xmlns="" id="{0F09DE89-05D8-4C00-B13B-1E86BD2B1E15}"/>
                 </a:ext>
               </a:extLst>
             </p:cNvPr>
@@ -17484,7 +18557,7 @@
             <p:cNvPr id="16" name="직선 연결선 15">
               <a:extLst>
                 <a:ext uri="{FF2B5EF4-FFF2-40B4-BE49-F238E27FC236}">
-                  <a16:creationId xmlns="" xmlns:a16="http://schemas.microsoft.com/office/drawing/2014/main" id="{8AD7F6C3-87E0-47D0-9FF0-89E7C39554B7}"/>
+                  <a16:creationId xmlns:a16="http://schemas.microsoft.com/office/drawing/2014/main" xmlns="" id="{8AD7F6C3-87E0-47D0-9FF0-89E7C39554B7}"/>
                 </a:ext>
               </a:extLst>
             </p:cNvPr>
@@ -17553,7 +18626,7 @@
     </p:spTree>
     <p:extLst>
       <p:ext uri="{BB962C8B-B14F-4D97-AF65-F5344CB8AC3E}">
-        <p14:creationId xmlns="" xmlns:p14="http://schemas.microsoft.com/office/powerpoint/2010/main" val="1972823999"/>
+        <p14:creationId xmlns:p14="http://schemas.microsoft.com/office/powerpoint/2010/main" xmlns="" val="1972823999"/>
       </p:ext>
     </p:extLst>
   </p:cSld>
@@ -17592,7 +18665,7 @@
           <p:cNvPr id="2" name="직사각형 1">
             <a:extLst>
               <a:ext uri="{FF2B5EF4-FFF2-40B4-BE49-F238E27FC236}">
-                <a16:creationId xmlns="" xmlns:a16="http://schemas.microsoft.com/office/drawing/2014/main" id="{11A62586-B708-4471-8640-ED72F76F9C56}"/>
+                <a16:creationId xmlns:a16="http://schemas.microsoft.com/office/drawing/2014/main" xmlns="" id="{11A62586-B708-4471-8640-ED72F76F9C56}"/>
               </a:ext>
             </a:extLst>
           </p:cNvPr>
@@ -17660,7 +18733,7 @@
           <p:cNvPr id="3" name="TextBox 2">
             <a:extLst>
               <a:ext uri="{FF2B5EF4-FFF2-40B4-BE49-F238E27FC236}">
-                <a16:creationId xmlns="" xmlns:a16="http://schemas.microsoft.com/office/drawing/2014/main" id="{988CFF69-148F-4807-9880-44F95FE3A9DC}"/>
+                <a16:creationId xmlns:a16="http://schemas.microsoft.com/office/drawing/2014/main" xmlns="" id="{988CFF69-148F-4807-9880-44F95FE3A9DC}"/>
               </a:ext>
             </a:extLst>
           </p:cNvPr>
@@ -17717,7 +18790,7 @@
           <p:cNvPr id="11" name="그룹 11">
             <a:extLst>
               <a:ext uri="{FF2B5EF4-FFF2-40B4-BE49-F238E27FC236}">
-                <a16:creationId xmlns="" xmlns:a16="http://schemas.microsoft.com/office/drawing/2014/main" id="{3C4EB2F0-389E-44FF-AA24-37B6C9B4DC76}"/>
+                <a16:creationId xmlns:a16="http://schemas.microsoft.com/office/drawing/2014/main" xmlns="" id="{3C4EB2F0-389E-44FF-AA24-37B6C9B4DC76}"/>
               </a:ext>
             </a:extLst>
           </p:cNvPr>
@@ -17737,7 +18810,7 @@
             <p:cNvPr id="5" name="TextBox 4">
               <a:extLst>
                 <a:ext uri="{FF2B5EF4-FFF2-40B4-BE49-F238E27FC236}">
-                  <a16:creationId xmlns="" xmlns:a16="http://schemas.microsoft.com/office/drawing/2014/main" id="{AF3AF097-9362-4F73-9EAD-0944B4D4BA4F}"/>
+                  <a16:creationId xmlns:a16="http://schemas.microsoft.com/office/drawing/2014/main" xmlns="" id="{AF3AF097-9362-4F73-9EAD-0944B4D4BA4F}"/>
                 </a:ext>
               </a:extLst>
             </p:cNvPr>
@@ -17924,7 +18997,7 @@
             <p:cNvPr id="6" name="TextBox 5">
               <a:extLst>
                 <a:ext uri="{FF2B5EF4-FFF2-40B4-BE49-F238E27FC236}">
-                  <a16:creationId xmlns="" xmlns:a16="http://schemas.microsoft.com/office/drawing/2014/main" id="{8BE155AA-8194-49BE-BC6B-06787A92C3A5}"/>
+                  <a16:creationId xmlns:a16="http://schemas.microsoft.com/office/drawing/2014/main" xmlns="" id="{8BE155AA-8194-49BE-BC6B-06787A92C3A5}"/>
                 </a:ext>
               </a:extLst>
             </p:cNvPr>
@@ -18003,7 +19076,7 @@
           <p:cNvPr id="12" name="그룹 10">
             <a:extLst>
               <a:ext uri="{FF2B5EF4-FFF2-40B4-BE49-F238E27FC236}">
-                <a16:creationId xmlns="" xmlns:a16="http://schemas.microsoft.com/office/drawing/2014/main" id="{47838B9D-01CB-4D32-80E7-D56CEB22CE13}"/>
+                <a16:creationId xmlns:a16="http://schemas.microsoft.com/office/drawing/2014/main" xmlns="" id="{47838B9D-01CB-4D32-80E7-D56CEB22CE13}"/>
               </a:ext>
             </a:extLst>
           </p:cNvPr>
@@ -18023,7 +19096,7 @@
             <p:cNvPr id="7" name="TextBox 6">
               <a:extLst>
                 <a:ext uri="{FF2B5EF4-FFF2-40B4-BE49-F238E27FC236}">
-                  <a16:creationId xmlns="" xmlns:a16="http://schemas.microsoft.com/office/drawing/2014/main" id="{60D79912-AF9F-4A6C-8ADA-DA2A138A4E78}"/>
+                  <a16:creationId xmlns:a16="http://schemas.microsoft.com/office/drawing/2014/main" xmlns="" id="{60D79912-AF9F-4A6C-8ADA-DA2A138A4E78}"/>
                 </a:ext>
               </a:extLst>
             </p:cNvPr>
@@ -18210,7 +19283,7 @@
             <p:cNvPr id="8" name="TextBox 7">
               <a:extLst>
                 <a:ext uri="{FF2B5EF4-FFF2-40B4-BE49-F238E27FC236}">
-                  <a16:creationId xmlns="" xmlns:a16="http://schemas.microsoft.com/office/drawing/2014/main" id="{7820947D-ACAF-4042-931F-296B77339F23}"/>
+                  <a16:creationId xmlns:a16="http://schemas.microsoft.com/office/drawing/2014/main" xmlns="" id="{7820947D-ACAF-4042-931F-296B77339F23}"/>
                 </a:ext>
               </a:extLst>
             </p:cNvPr>
@@ -18310,7 +19383,7 @@
           <p:cNvPr id="13" name="그룹 12">
             <a:extLst>
               <a:ext uri="{FF2B5EF4-FFF2-40B4-BE49-F238E27FC236}">
-                <a16:creationId xmlns="" xmlns:a16="http://schemas.microsoft.com/office/drawing/2014/main" id="{99ACA6B8-E117-4FB4-926D-0139DCB2ADB9}"/>
+                <a16:creationId xmlns:a16="http://schemas.microsoft.com/office/drawing/2014/main" xmlns="" id="{99ACA6B8-E117-4FB4-926D-0139DCB2ADB9}"/>
               </a:ext>
             </a:extLst>
           </p:cNvPr>
@@ -18330,7 +19403,7 @@
             <p:cNvPr id="9" name="TextBox 8">
               <a:extLst>
                 <a:ext uri="{FF2B5EF4-FFF2-40B4-BE49-F238E27FC236}">
-                  <a16:creationId xmlns="" xmlns:a16="http://schemas.microsoft.com/office/drawing/2014/main" id="{801F9362-5707-46BA-A63A-3EFFE07379DF}"/>
+                  <a16:creationId xmlns:a16="http://schemas.microsoft.com/office/drawing/2014/main" xmlns="" id="{801F9362-5707-46BA-A63A-3EFFE07379DF}"/>
                 </a:ext>
               </a:extLst>
             </p:cNvPr>
@@ -18517,7 +19590,7 @@
             <p:cNvPr id="10" name="TextBox 9">
               <a:extLst>
                 <a:ext uri="{FF2B5EF4-FFF2-40B4-BE49-F238E27FC236}">
-                  <a16:creationId xmlns="" xmlns:a16="http://schemas.microsoft.com/office/drawing/2014/main" id="{5AD557C9-0EEB-46CC-BFCD-F4E84813A48B}"/>
+                  <a16:creationId xmlns:a16="http://schemas.microsoft.com/office/drawing/2014/main" xmlns="" id="{5AD557C9-0EEB-46CC-BFCD-F4E84813A48B}"/>
                 </a:ext>
               </a:extLst>
             </p:cNvPr>
@@ -18617,7 +19690,7 @@
           <p:cNvPr id="14" name="그룹 16">
             <a:extLst>
               <a:ext uri="{FF2B5EF4-FFF2-40B4-BE49-F238E27FC236}">
-                <a16:creationId xmlns="" xmlns:a16="http://schemas.microsoft.com/office/drawing/2014/main" id="{596AF779-06A3-4E89-82D4-B3E821D83502}"/>
+                <a16:creationId xmlns:a16="http://schemas.microsoft.com/office/drawing/2014/main" xmlns="" id="{596AF779-06A3-4E89-82D4-B3E821D83502}"/>
               </a:ext>
             </a:extLst>
           </p:cNvPr>
@@ -18637,7 +19710,7 @@
             <p:cNvPr id="15" name="직선 연결선 14">
               <a:extLst>
                 <a:ext uri="{FF2B5EF4-FFF2-40B4-BE49-F238E27FC236}">
-                  <a16:creationId xmlns="" xmlns:a16="http://schemas.microsoft.com/office/drawing/2014/main" id="{0F09DE89-05D8-4C00-B13B-1E86BD2B1E15}"/>
+                  <a16:creationId xmlns:a16="http://schemas.microsoft.com/office/drawing/2014/main" xmlns="" id="{0F09DE89-05D8-4C00-B13B-1E86BD2B1E15}"/>
                 </a:ext>
               </a:extLst>
             </p:cNvPr>
@@ -18681,7 +19754,7 @@
             <p:cNvPr id="16" name="직선 연결선 15">
               <a:extLst>
                 <a:ext uri="{FF2B5EF4-FFF2-40B4-BE49-F238E27FC236}">
-                  <a16:creationId xmlns="" xmlns:a16="http://schemas.microsoft.com/office/drawing/2014/main" id="{8AD7F6C3-87E0-47D0-9FF0-89E7C39554B7}"/>
+                  <a16:creationId xmlns:a16="http://schemas.microsoft.com/office/drawing/2014/main" xmlns="" id="{8AD7F6C3-87E0-47D0-9FF0-89E7C39554B7}"/>
                 </a:ext>
               </a:extLst>
             </p:cNvPr>
@@ -18750,7 +19823,7 @@
     </p:spTree>
     <p:extLst>
       <p:ext uri="{BB962C8B-B14F-4D97-AF65-F5344CB8AC3E}">
-        <p14:creationId xmlns="" xmlns:p14="http://schemas.microsoft.com/office/powerpoint/2010/main" val="1972823999"/>
+        <p14:creationId xmlns:p14="http://schemas.microsoft.com/office/powerpoint/2010/main" xmlns="" val="1972823999"/>
       </p:ext>
     </p:extLst>
   </p:cSld>
@@ -18789,7 +19862,7 @@
           <p:cNvPr id="2" name="직사각형 1">
             <a:extLst>
               <a:ext uri="{FF2B5EF4-FFF2-40B4-BE49-F238E27FC236}">
-                <a16:creationId xmlns="" xmlns:a16="http://schemas.microsoft.com/office/drawing/2014/main" id="{11A62586-B708-4471-8640-ED72F76F9C56}"/>
+                <a16:creationId xmlns:a16="http://schemas.microsoft.com/office/drawing/2014/main" xmlns="" id="{11A62586-B708-4471-8640-ED72F76F9C56}"/>
               </a:ext>
             </a:extLst>
           </p:cNvPr>
@@ -18857,7 +19930,7 @@
           <p:cNvPr id="3" name="TextBox 2">
             <a:extLst>
               <a:ext uri="{FF2B5EF4-FFF2-40B4-BE49-F238E27FC236}">
-                <a16:creationId xmlns="" xmlns:a16="http://schemas.microsoft.com/office/drawing/2014/main" id="{988CFF69-148F-4807-9880-44F95FE3A9DC}"/>
+                <a16:creationId xmlns:a16="http://schemas.microsoft.com/office/drawing/2014/main" xmlns="" id="{988CFF69-148F-4807-9880-44F95FE3A9DC}"/>
               </a:ext>
             </a:extLst>
           </p:cNvPr>
@@ -18932,7 +20005,7 @@
           <p:cNvPr id="11" name="그룹 11">
             <a:extLst>
               <a:ext uri="{FF2B5EF4-FFF2-40B4-BE49-F238E27FC236}">
-                <a16:creationId xmlns="" xmlns:a16="http://schemas.microsoft.com/office/drawing/2014/main" id="{3C4EB2F0-389E-44FF-AA24-37B6C9B4DC76}"/>
+                <a16:creationId xmlns:a16="http://schemas.microsoft.com/office/drawing/2014/main" xmlns="" id="{3C4EB2F0-389E-44FF-AA24-37B6C9B4DC76}"/>
               </a:ext>
             </a:extLst>
           </p:cNvPr>
@@ -18952,7 +20025,7 @@
             <p:cNvPr id="5" name="TextBox 4">
               <a:extLst>
                 <a:ext uri="{FF2B5EF4-FFF2-40B4-BE49-F238E27FC236}">
-                  <a16:creationId xmlns="" xmlns:a16="http://schemas.microsoft.com/office/drawing/2014/main" id="{AF3AF097-9362-4F73-9EAD-0944B4D4BA4F}"/>
+                  <a16:creationId xmlns:a16="http://schemas.microsoft.com/office/drawing/2014/main" xmlns="" id="{AF3AF097-9362-4F73-9EAD-0944B4D4BA4F}"/>
                 </a:ext>
               </a:extLst>
             </p:cNvPr>
@@ -19139,7 +20212,7 @@
             <p:cNvPr id="6" name="TextBox 5">
               <a:extLst>
                 <a:ext uri="{FF2B5EF4-FFF2-40B4-BE49-F238E27FC236}">
-                  <a16:creationId xmlns="" xmlns:a16="http://schemas.microsoft.com/office/drawing/2014/main" id="{8BE155AA-8194-49BE-BC6B-06787A92C3A5}"/>
+                  <a16:creationId xmlns:a16="http://schemas.microsoft.com/office/drawing/2014/main" xmlns="" id="{8BE155AA-8194-49BE-BC6B-06787A92C3A5}"/>
                 </a:ext>
               </a:extLst>
             </p:cNvPr>
@@ -19320,7 +20393,7 @@
           <p:cNvPr id="12" name="그룹 10">
             <a:extLst>
               <a:ext uri="{FF2B5EF4-FFF2-40B4-BE49-F238E27FC236}">
-                <a16:creationId xmlns="" xmlns:a16="http://schemas.microsoft.com/office/drawing/2014/main" id="{47838B9D-01CB-4D32-80E7-D56CEB22CE13}"/>
+                <a16:creationId xmlns:a16="http://schemas.microsoft.com/office/drawing/2014/main" xmlns="" id="{47838B9D-01CB-4D32-80E7-D56CEB22CE13}"/>
               </a:ext>
             </a:extLst>
           </p:cNvPr>
@@ -19340,7 +20413,7 @@
             <p:cNvPr id="7" name="TextBox 6">
               <a:extLst>
                 <a:ext uri="{FF2B5EF4-FFF2-40B4-BE49-F238E27FC236}">
-                  <a16:creationId xmlns="" xmlns:a16="http://schemas.microsoft.com/office/drawing/2014/main" id="{60D79912-AF9F-4A6C-8ADA-DA2A138A4E78}"/>
+                  <a16:creationId xmlns:a16="http://schemas.microsoft.com/office/drawing/2014/main" xmlns="" id="{60D79912-AF9F-4A6C-8ADA-DA2A138A4E78}"/>
                 </a:ext>
               </a:extLst>
             </p:cNvPr>
@@ -19527,7 +20600,7 @@
             <p:cNvPr id="8" name="TextBox 7">
               <a:extLst>
                 <a:ext uri="{FF2B5EF4-FFF2-40B4-BE49-F238E27FC236}">
-                  <a16:creationId xmlns="" xmlns:a16="http://schemas.microsoft.com/office/drawing/2014/main" id="{7820947D-ACAF-4042-931F-296B77339F23}"/>
+                  <a16:creationId xmlns:a16="http://schemas.microsoft.com/office/drawing/2014/main" xmlns="" id="{7820947D-ACAF-4042-931F-296B77339F23}"/>
                 </a:ext>
               </a:extLst>
             </p:cNvPr>
@@ -19666,7 +20739,7 @@
           <p:cNvPr id="13" name="그룹 12">
             <a:extLst>
               <a:ext uri="{FF2B5EF4-FFF2-40B4-BE49-F238E27FC236}">
-                <a16:creationId xmlns="" xmlns:a16="http://schemas.microsoft.com/office/drawing/2014/main" id="{99ACA6B8-E117-4FB4-926D-0139DCB2ADB9}"/>
+                <a16:creationId xmlns:a16="http://schemas.microsoft.com/office/drawing/2014/main" xmlns="" id="{99ACA6B8-E117-4FB4-926D-0139DCB2ADB9}"/>
               </a:ext>
             </a:extLst>
           </p:cNvPr>
@@ -19686,7 +20759,7 @@
             <p:cNvPr id="9" name="TextBox 8">
               <a:extLst>
                 <a:ext uri="{FF2B5EF4-FFF2-40B4-BE49-F238E27FC236}">
-                  <a16:creationId xmlns="" xmlns:a16="http://schemas.microsoft.com/office/drawing/2014/main" id="{801F9362-5707-46BA-A63A-3EFFE07379DF}"/>
+                  <a16:creationId xmlns:a16="http://schemas.microsoft.com/office/drawing/2014/main" xmlns="" id="{801F9362-5707-46BA-A63A-3EFFE07379DF}"/>
                 </a:ext>
               </a:extLst>
             </p:cNvPr>
@@ -20084,7 +21157,7 @@
             <p:cNvPr id="10" name="TextBox 9">
               <a:extLst>
                 <a:ext uri="{FF2B5EF4-FFF2-40B4-BE49-F238E27FC236}">
-                  <a16:creationId xmlns="" xmlns:a16="http://schemas.microsoft.com/office/drawing/2014/main" id="{5AD557C9-0EEB-46CC-BFCD-F4E84813A48B}"/>
+                  <a16:creationId xmlns:a16="http://schemas.microsoft.com/office/drawing/2014/main" xmlns="" id="{5AD557C9-0EEB-46CC-BFCD-F4E84813A48B}"/>
                 </a:ext>
               </a:extLst>
             </p:cNvPr>
@@ -20184,7 +21257,7 @@
           <p:cNvPr id="14" name="그룹 16">
             <a:extLst>
               <a:ext uri="{FF2B5EF4-FFF2-40B4-BE49-F238E27FC236}">
-                <a16:creationId xmlns="" xmlns:a16="http://schemas.microsoft.com/office/drawing/2014/main" id="{596AF779-06A3-4E89-82D4-B3E821D83502}"/>
+                <a16:creationId xmlns:a16="http://schemas.microsoft.com/office/drawing/2014/main" xmlns="" id="{596AF779-06A3-4E89-82D4-B3E821D83502}"/>
               </a:ext>
             </a:extLst>
           </p:cNvPr>
@@ -20204,7 +21277,7 @@
             <p:cNvPr id="15" name="직선 연결선 14">
               <a:extLst>
                 <a:ext uri="{FF2B5EF4-FFF2-40B4-BE49-F238E27FC236}">
-                  <a16:creationId xmlns="" xmlns:a16="http://schemas.microsoft.com/office/drawing/2014/main" id="{0F09DE89-05D8-4C00-B13B-1E86BD2B1E15}"/>
+                  <a16:creationId xmlns:a16="http://schemas.microsoft.com/office/drawing/2014/main" xmlns="" id="{0F09DE89-05D8-4C00-B13B-1E86BD2B1E15}"/>
                 </a:ext>
               </a:extLst>
             </p:cNvPr>
@@ -20248,7 +21321,7 @@
             <p:cNvPr id="16" name="직선 연결선 15">
               <a:extLst>
                 <a:ext uri="{FF2B5EF4-FFF2-40B4-BE49-F238E27FC236}">
-                  <a16:creationId xmlns="" xmlns:a16="http://schemas.microsoft.com/office/drawing/2014/main" id="{8AD7F6C3-87E0-47D0-9FF0-89E7C39554B7}"/>
+                  <a16:creationId xmlns:a16="http://schemas.microsoft.com/office/drawing/2014/main" xmlns="" id="{8AD7F6C3-87E0-47D0-9FF0-89E7C39554B7}"/>
                 </a:ext>
               </a:extLst>
             </p:cNvPr>
@@ -20317,7 +21390,7 @@
     </p:spTree>
     <p:extLst>
       <p:ext uri="{BB962C8B-B14F-4D97-AF65-F5344CB8AC3E}">
-        <p14:creationId xmlns="" xmlns:p14="http://schemas.microsoft.com/office/powerpoint/2010/main" val="1972823999"/>
+        <p14:creationId xmlns:p14="http://schemas.microsoft.com/office/powerpoint/2010/main" xmlns="" val="1972823999"/>
       </p:ext>
     </p:extLst>
   </p:cSld>
@@ -20356,7 +21429,7 @@
           <p:cNvPr id="2" name="직사각형 1">
             <a:extLst>
               <a:ext uri="{FF2B5EF4-FFF2-40B4-BE49-F238E27FC236}">
-                <a16:creationId xmlns="" xmlns:a16="http://schemas.microsoft.com/office/drawing/2014/main" id="{11A62586-B708-4471-8640-ED72F76F9C56}"/>
+                <a16:creationId xmlns:a16="http://schemas.microsoft.com/office/drawing/2014/main" xmlns="" id="{11A62586-B708-4471-8640-ED72F76F9C56}"/>
               </a:ext>
             </a:extLst>
           </p:cNvPr>
@@ -20424,7 +21497,7 @@
           <p:cNvPr id="3" name="TextBox 2">
             <a:extLst>
               <a:ext uri="{FF2B5EF4-FFF2-40B4-BE49-F238E27FC236}">
-                <a16:creationId xmlns="" xmlns:a16="http://schemas.microsoft.com/office/drawing/2014/main" id="{988CFF69-148F-4807-9880-44F95FE3A9DC}"/>
+                <a16:creationId xmlns:a16="http://schemas.microsoft.com/office/drawing/2014/main" xmlns="" id="{988CFF69-148F-4807-9880-44F95FE3A9DC}"/>
               </a:ext>
             </a:extLst>
           </p:cNvPr>
@@ -20499,7 +21572,7 @@
           <p:cNvPr id="11" name="그룹 11">
             <a:extLst>
               <a:ext uri="{FF2B5EF4-FFF2-40B4-BE49-F238E27FC236}">
-                <a16:creationId xmlns="" xmlns:a16="http://schemas.microsoft.com/office/drawing/2014/main" id="{3C4EB2F0-389E-44FF-AA24-37B6C9B4DC76}"/>
+                <a16:creationId xmlns:a16="http://schemas.microsoft.com/office/drawing/2014/main" xmlns="" id="{3C4EB2F0-389E-44FF-AA24-37B6C9B4DC76}"/>
               </a:ext>
             </a:extLst>
           </p:cNvPr>
@@ -20519,7 +21592,7 @@
             <p:cNvPr id="5" name="TextBox 4">
               <a:extLst>
                 <a:ext uri="{FF2B5EF4-FFF2-40B4-BE49-F238E27FC236}">
-                  <a16:creationId xmlns="" xmlns:a16="http://schemas.microsoft.com/office/drawing/2014/main" id="{AF3AF097-9362-4F73-9EAD-0944B4D4BA4F}"/>
+                  <a16:creationId xmlns:a16="http://schemas.microsoft.com/office/drawing/2014/main" xmlns="" id="{AF3AF097-9362-4F73-9EAD-0944B4D4BA4F}"/>
                 </a:ext>
               </a:extLst>
             </p:cNvPr>
@@ -20734,7 +21807,7 @@
             <p:cNvPr id="6" name="TextBox 5">
               <a:extLst>
                 <a:ext uri="{FF2B5EF4-FFF2-40B4-BE49-F238E27FC236}">
-                  <a16:creationId xmlns="" xmlns:a16="http://schemas.microsoft.com/office/drawing/2014/main" id="{8BE155AA-8194-49BE-BC6B-06787A92C3A5}"/>
+                  <a16:creationId xmlns:a16="http://schemas.microsoft.com/office/drawing/2014/main" xmlns="" id="{8BE155AA-8194-49BE-BC6B-06787A92C3A5}"/>
                 </a:ext>
               </a:extLst>
             </p:cNvPr>
@@ -20813,7 +21886,7 @@
           <p:cNvPr id="12" name="그룹 10">
             <a:extLst>
               <a:ext uri="{FF2B5EF4-FFF2-40B4-BE49-F238E27FC236}">
-                <a16:creationId xmlns="" xmlns:a16="http://schemas.microsoft.com/office/drawing/2014/main" id="{47838B9D-01CB-4D32-80E7-D56CEB22CE13}"/>
+                <a16:creationId xmlns:a16="http://schemas.microsoft.com/office/drawing/2014/main" xmlns="" id="{47838B9D-01CB-4D32-80E7-D56CEB22CE13}"/>
               </a:ext>
             </a:extLst>
           </p:cNvPr>
@@ -20833,7 +21906,7 @@
             <p:cNvPr id="7" name="TextBox 6">
               <a:extLst>
                 <a:ext uri="{FF2B5EF4-FFF2-40B4-BE49-F238E27FC236}">
-                  <a16:creationId xmlns="" xmlns:a16="http://schemas.microsoft.com/office/drawing/2014/main" id="{60D79912-AF9F-4A6C-8ADA-DA2A138A4E78}"/>
+                  <a16:creationId xmlns:a16="http://schemas.microsoft.com/office/drawing/2014/main" xmlns="" id="{60D79912-AF9F-4A6C-8ADA-DA2A138A4E78}"/>
                 </a:ext>
               </a:extLst>
             </p:cNvPr>
@@ -20926,7 +21999,7 @@
             <p:cNvPr id="8" name="TextBox 7">
               <a:extLst>
                 <a:ext uri="{FF2B5EF4-FFF2-40B4-BE49-F238E27FC236}">
-                  <a16:creationId xmlns="" xmlns:a16="http://schemas.microsoft.com/office/drawing/2014/main" id="{7820947D-ACAF-4042-931F-296B77339F23}"/>
+                  <a16:creationId xmlns:a16="http://schemas.microsoft.com/office/drawing/2014/main" xmlns="" id="{7820947D-ACAF-4042-931F-296B77339F23}"/>
                 </a:ext>
               </a:extLst>
             </p:cNvPr>
@@ -21026,7 +22099,7 @@
           <p:cNvPr id="13" name="그룹 12">
             <a:extLst>
               <a:ext uri="{FF2B5EF4-FFF2-40B4-BE49-F238E27FC236}">
-                <a16:creationId xmlns="" xmlns:a16="http://schemas.microsoft.com/office/drawing/2014/main" id="{99ACA6B8-E117-4FB4-926D-0139DCB2ADB9}"/>
+                <a16:creationId xmlns:a16="http://schemas.microsoft.com/office/drawing/2014/main" xmlns="" id="{99ACA6B8-E117-4FB4-926D-0139DCB2ADB9}"/>
               </a:ext>
             </a:extLst>
           </p:cNvPr>
@@ -21046,7 +22119,7 @@
             <p:cNvPr id="9" name="TextBox 8">
               <a:extLst>
                 <a:ext uri="{FF2B5EF4-FFF2-40B4-BE49-F238E27FC236}">
-                  <a16:creationId xmlns="" xmlns:a16="http://schemas.microsoft.com/office/drawing/2014/main" id="{801F9362-5707-46BA-A63A-3EFFE07379DF}"/>
+                  <a16:creationId xmlns:a16="http://schemas.microsoft.com/office/drawing/2014/main" xmlns="" id="{801F9362-5707-46BA-A63A-3EFFE07379DF}"/>
                 </a:ext>
               </a:extLst>
             </p:cNvPr>
@@ -21251,7 +22324,7 @@
             <p:cNvPr id="10" name="TextBox 9">
               <a:extLst>
                 <a:ext uri="{FF2B5EF4-FFF2-40B4-BE49-F238E27FC236}">
-                  <a16:creationId xmlns="" xmlns:a16="http://schemas.microsoft.com/office/drawing/2014/main" id="{5AD557C9-0EEB-46CC-BFCD-F4E84813A48B}"/>
+                  <a16:creationId xmlns:a16="http://schemas.microsoft.com/office/drawing/2014/main" xmlns="" id="{5AD557C9-0EEB-46CC-BFCD-F4E84813A48B}"/>
                 </a:ext>
               </a:extLst>
             </p:cNvPr>
@@ -21372,7 +22445,7 @@
           <p:cNvPr id="14" name="그룹 16">
             <a:extLst>
               <a:ext uri="{FF2B5EF4-FFF2-40B4-BE49-F238E27FC236}">
-                <a16:creationId xmlns="" xmlns:a16="http://schemas.microsoft.com/office/drawing/2014/main" id="{596AF779-06A3-4E89-82D4-B3E821D83502}"/>
+                <a16:creationId xmlns:a16="http://schemas.microsoft.com/office/drawing/2014/main" xmlns="" id="{596AF779-06A3-4E89-82D4-B3E821D83502}"/>
               </a:ext>
             </a:extLst>
           </p:cNvPr>
@@ -21392,7 +22465,7 @@
             <p:cNvPr id="15" name="직선 연결선 14">
               <a:extLst>
                 <a:ext uri="{FF2B5EF4-FFF2-40B4-BE49-F238E27FC236}">
-                  <a16:creationId xmlns="" xmlns:a16="http://schemas.microsoft.com/office/drawing/2014/main" id="{0F09DE89-05D8-4C00-B13B-1E86BD2B1E15}"/>
+                  <a16:creationId xmlns:a16="http://schemas.microsoft.com/office/drawing/2014/main" xmlns="" id="{0F09DE89-05D8-4C00-B13B-1E86BD2B1E15}"/>
                 </a:ext>
               </a:extLst>
             </p:cNvPr>
@@ -21436,7 +22509,7 @@
             <p:cNvPr id="16" name="직선 연결선 15">
               <a:extLst>
                 <a:ext uri="{FF2B5EF4-FFF2-40B4-BE49-F238E27FC236}">
-                  <a16:creationId xmlns="" xmlns:a16="http://schemas.microsoft.com/office/drawing/2014/main" id="{8AD7F6C3-87E0-47D0-9FF0-89E7C39554B7}"/>
+                  <a16:creationId xmlns:a16="http://schemas.microsoft.com/office/drawing/2014/main" xmlns="" id="{8AD7F6C3-87E0-47D0-9FF0-89E7C39554B7}"/>
                 </a:ext>
               </a:extLst>
             </p:cNvPr>
@@ -21505,7 +22578,7 @@
     </p:spTree>
     <p:extLst>
       <p:ext uri="{BB962C8B-B14F-4D97-AF65-F5344CB8AC3E}">
-        <p14:creationId xmlns="" xmlns:p14="http://schemas.microsoft.com/office/powerpoint/2010/main" val="1972823999"/>
+        <p14:creationId xmlns:p14="http://schemas.microsoft.com/office/powerpoint/2010/main" xmlns="" val="1972823999"/>
       </p:ext>
     </p:extLst>
   </p:cSld>
@@ -21544,7 +22617,7 @@
           <p:cNvPr id="2" name="직사각형 1">
             <a:extLst>
               <a:ext uri="{FF2B5EF4-FFF2-40B4-BE49-F238E27FC236}">
-                <a16:creationId xmlns="" xmlns:a16="http://schemas.microsoft.com/office/drawing/2014/main" id="{11A62586-B708-4471-8640-ED72F76F9C56}"/>
+                <a16:creationId xmlns:a16="http://schemas.microsoft.com/office/drawing/2014/main" xmlns="" id="{11A62586-B708-4471-8640-ED72F76F9C56}"/>
               </a:ext>
             </a:extLst>
           </p:cNvPr>
@@ -21612,7 +22685,7 @@
           <p:cNvPr id="3" name="TextBox 2">
             <a:extLst>
               <a:ext uri="{FF2B5EF4-FFF2-40B4-BE49-F238E27FC236}">
-                <a16:creationId xmlns="" xmlns:a16="http://schemas.microsoft.com/office/drawing/2014/main" id="{988CFF69-148F-4807-9880-44F95FE3A9DC}"/>
+                <a16:creationId xmlns:a16="http://schemas.microsoft.com/office/drawing/2014/main" xmlns="" id="{988CFF69-148F-4807-9880-44F95FE3A9DC}"/>
               </a:ext>
             </a:extLst>
           </p:cNvPr>
@@ -21715,7 +22788,7 @@
           <p:cNvPr id="11" name="그룹 11">
             <a:extLst>
               <a:ext uri="{FF2B5EF4-FFF2-40B4-BE49-F238E27FC236}">
-                <a16:creationId xmlns="" xmlns:a16="http://schemas.microsoft.com/office/drawing/2014/main" id="{3C4EB2F0-389E-44FF-AA24-37B6C9B4DC76}"/>
+                <a16:creationId xmlns:a16="http://schemas.microsoft.com/office/drawing/2014/main" xmlns="" id="{3C4EB2F0-389E-44FF-AA24-37B6C9B4DC76}"/>
               </a:ext>
             </a:extLst>
           </p:cNvPr>
@@ -21735,7 +22808,7 @@
             <p:cNvPr id="5" name="TextBox 4">
               <a:extLst>
                 <a:ext uri="{FF2B5EF4-FFF2-40B4-BE49-F238E27FC236}">
-                  <a16:creationId xmlns="" xmlns:a16="http://schemas.microsoft.com/office/drawing/2014/main" id="{AF3AF097-9362-4F73-9EAD-0944B4D4BA4F}"/>
+                  <a16:creationId xmlns:a16="http://schemas.microsoft.com/office/drawing/2014/main" xmlns="" id="{AF3AF097-9362-4F73-9EAD-0944B4D4BA4F}"/>
                 </a:ext>
               </a:extLst>
             </p:cNvPr>
@@ -21901,7 +22974,7 @@
             <p:cNvPr id="6" name="TextBox 5">
               <a:extLst>
                 <a:ext uri="{FF2B5EF4-FFF2-40B4-BE49-F238E27FC236}">
-                  <a16:creationId xmlns="" xmlns:a16="http://schemas.microsoft.com/office/drawing/2014/main" id="{8BE155AA-8194-49BE-BC6B-06787A92C3A5}"/>
+                  <a16:creationId xmlns:a16="http://schemas.microsoft.com/office/drawing/2014/main" xmlns="" id="{8BE155AA-8194-49BE-BC6B-06787A92C3A5}"/>
                 </a:ext>
               </a:extLst>
             </p:cNvPr>
@@ -21980,7 +23053,7 @@
           <p:cNvPr id="12" name="그룹 10">
             <a:extLst>
               <a:ext uri="{FF2B5EF4-FFF2-40B4-BE49-F238E27FC236}">
-                <a16:creationId xmlns="" xmlns:a16="http://schemas.microsoft.com/office/drawing/2014/main" id="{47838B9D-01CB-4D32-80E7-D56CEB22CE13}"/>
+                <a16:creationId xmlns:a16="http://schemas.microsoft.com/office/drawing/2014/main" xmlns="" id="{47838B9D-01CB-4D32-80E7-D56CEB22CE13}"/>
               </a:ext>
             </a:extLst>
           </p:cNvPr>
@@ -22000,7 +23073,7 @@
             <p:cNvPr id="7" name="TextBox 6">
               <a:extLst>
                 <a:ext uri="{FF2B5EF4-FFF2-40B4-BE49-F238E27FC236}">
-                  <a16:creationId xmlns="" xmlns:a16="http://schemas.microsoft.com/office/drawing/2014/main" id="{60D79912-AF9F-4A6C-8ADA-DA2A138A4E78}"/>
+                  <a16:creationId xmlns:a16="http://schemas.microsoft.com/office/drawing/2014/main" xmlns="" id="{60D79912-AF9F-4A6C-8ADA-DA2A138A4E78}"/>
                 </a:ext>
               </a:extLst>
             </p:cNvPr>
@@ -22187,7 +23260,7 @@
             <p:cNvPr id="8" name="TextBox 7">
               <a:extLst>
                 <a:ext uri="{FF2B5EF4-FFF2-40B4-BE49-F238E27FC236}">
-                  <a16:creationId xmlns="" xmlns:a16="http://schemas.microsoft.com/office/drawing/2014/main" id="{7820947D-ACAF-4042-931F-296B77339F23}"/>
+                  <a16:creationId xmlns:a16="http://schemas.microsoft.com/office/drawing/2014/main" xmlns="" id="{7820947D-ACAF-4042-931F-296B77339F23}"/>
                 </a:ext>
               </a:extLst>
             </p:cNvPr>
@@ -22368,7 +23441,7 @@
           <p:cNvPr id="13" name="그룹 12">
             <a:extLst>
               <a:ext uri="{FF2B5EF4-FFF2-40B4-BE49-F238E27FC236}">
-                <a16:creationId xmlns="" xmlns:a16="http://schemas.microsoft.com/office/drawing/2014/main" id="{99ACA6B8-E117-4FB4-926D-0139DCB2ADB9}"/>
+                <a16:creationId xmlns:a16="http://schemas.microsoft.com/office/drawing/2014/main" xmlns="" id="{99ACA6B8-E117-4FB4-926D-0139DCB2ADB9}"/>
               </a:ext>
             </a:extLst>
           </p:cNvPr>
@@ -22388,7 +23461,7 @@
             <p:cNvPr id="9" name="TextBox 8">
               <a:extLst>
                 <a:ext uri="{FF2B5EF4-FFF2-40B4-BE49-F238E27FC236}">
-                  <a16:creationId xmlns="" xmlns:a16="http://schemas.microsoft.com/office/drawing/2014/main" id="{801F9362-5707-46BA-A63A-3EFFE07379DF}"/>
+                  <a16:creationId xmlns:a16="http://schemas.microsoft.com/office/drawing/2014/main" xmlns="" id="{801F9362-5707-46BA-A63A-3EFFE07379DF}"/>
                 </a:ext>
               </a:extLst>
             </p:cNvPr>
@@ -22593,7 +23666,7 @@
             <p:cNvPr id="10" name="TextBox 9">
               <a:extLst>
                 <a:ext uri="{FF2B5EF4-FFF2-40B4-BE49-F238E27FC236}">
-                  <a16:creationId xmlns="" xmlns:a16="http://schemas.microsoft.com/office/drawing/2014/main" id="{5AD557C9-0EEB-46CC-BFCD-F4E84813A48B}"/>
+                  <a16:creationId xmlns:a16="http://schemas.microsoft.com/office/drawing/2014/main" xmlns="" id="{5AD557C9-0EEB-46CC-BFCD-F4E84813A48B}"/>
                 </a:ext>
               </a:extLst>
             </p:cNvPr>
@@ -22714,7 +23787,7 @@
           <p:cNvPr id="14" name="그룹 16">
             <a:extLst>
               <a:ext uri="{FF2B5EF4-FFF2-40B4-BE49-F238E27FC236}">
-                <a16:creationId xmlns="" xmlns:a16="http://schemas.microsoft.com/office/drawing/2014/main" id="{596AF779-06A3-4E89-82D4-B3E821D83502}"/>
+                <a16:creationId xmlns:a16="http://schemas.microsoft.com/office/drawing/2014/main" xmlns="" id="{596AF779-06A3-4E89-82D4-B3E821D83502}"/>
               </a:ext>
             </a:extLst>
           </p:cNvPr>
@@ -22734,7 +23807,7 @@
             <p:cNvPr id="15" name="직선 연결선 14">
               <a:extLst>
                 <a:ext uri="{FF2B5EF4-FFF2-40B4-BE49-F238E27FC236}">
-                  <a16:creationId xmlns="" xmlns:a16="http://schemas.microsoft.com/office/drawing/2014/main" id="{0F09DE89-05D8-4C00-B13B-1E86BD2B1E15}"/>
+                  <a16:creationId xmlns:a16="http://schemas.microsoft.com/office/drawing/2014/main" xmlns="" id="{0F09DE89-05D8-4C00-B13B-1E86BD2B1E15}"/>
                 </a:ext>
               </a:extLst>
             </p:cNvPr>
@@ -22778,7 +23851,7 @@
             <p:cNvPr id="16" name="직선 연결선 15">
               <a:extLst>
                 <a:ext uri="{FF2B5EF4-FFF2-40B4-BE49-F238E27FC236}">
-                  <a16:creationId xmlns="" xmlns:a16="http://schemas.microsoft.com/office/drawing/2014/main" id="{8AD7F6C3-87E0-47D0-9FF0-89E7C39554B7}"/>
+                  <a16:creationId xmlns:a16="http://schemas.microsoft.com/office/drawing/2014/main" xmlns="" id="{8AD7F6C3-87E0-47D0-9FF0-89E7C39554B7}"/>
                 </a:ext>
               </a:extLst>
             </p:cNvPr>
@@ -22847,7 +23920,7 @@
     </p:spTree>
     <p:extLst>
       <p:ext uri="{BB962C8B-B14F-4D97-AF65-F5344CB8AC3E}">
-        <p14:creationId xmlns="" xmlns:p14="http://schemas.microsoft.com/office/powerpoint/2010/main" val="1972823999"/>
+        <p14:creationId xmlns:p14="http://schemas.microsoft.com/office/powerpoint/2010/main" xmlns="" val="1972823999"/>
       </p:ext>
     </p:extLst>
   </p:cSld>
@@ -22886,7 +23959,7 @@
           <p:cNvPr id="2" name="직사각형 1">
             <a:extLst>
               <a:ext uri="{FF2B5EF4-FFF2-40B4-BE49-F238E27FC236}">
-                <a16:creationId xmlns="" xmlns:a16="http://schemas.microsoft.com/office/drawing/2014/main" id="{72070133-B364-4648-B5B7-60879ABB5B30}"/>
+                <a16:creationId xmlns:a16="http://schemas.microsoft.com/office/drawing/2014/main" xmlns="" id="{72070133-B364-4648-B5B7-60879ABB5B30}"/>
               </a:ext>
             </a:extLst>
           </p:cNvPr>
@@ -22954,7 +24027,7 @@
           <p:cNvPr id="3" name="TextBox 2">
             <a:extLst>
               <a:ext uri="{FF2B5EF4-FFF2-40B4-BE49-F238E27FC236}">
-                <a16:creationId xmlns="" xmlns:a16="http://schemas.microsoft.com/office/drawing/2014/main" id="{046E9738-F6F0-4607-9DD9-40CC81694A89}"/>
+                <a16:creationId xmlns:a16="http://schemas.microsoft.com/office/drawing/2014/main" xmlns="" id="{046E9738-F6F0-4607-9DD9-40CC81694A89}"/>
               </a:ext>
             </a:extLst>
           </p:cNvPr>
@@ -23059,7 +24132,7 @@
           <p:cNvPr id="22" name="TextBox 21">
             <a:extLst>
               <a:ext uri="{FF2B5EF4-FFF2-40B4-BE49-F238E27FC236}">
-                <a16:creationId xmlns="" xmlns:a16="http://schemas.microsoft.com/office/drawing/2014/main" id="{84EBFBFD-2FF4-4DB6-A477-44E666F337B8}"/>
+                <a16:creationId xmlns:a16="http://schemas.microsoft.com/office/drawing/2014/main" xmlns="" id="{84EBFBFD-2FF4-4DB6-A477-44E666F337B8}"/>
               </a:ext>
             </a:extLst>
           </p:cNvPr>
@@ -23130,7 +24203,7 @@
           <p:cNvPr id="23" name="TextBox 22">
             <a:extLst>
               <a:ext uri="{FF2B5EF4-FFF2-40B4-BE49-F238E27FC236}">
-                <a16:creationId xmlns="" xmlns:a16="http://schemas.microsoft.com/office/drawing/2014/main" id="{86C3A1FA-525D-48F1-80FF-CE1F2E6E192A}"/>
+                <a16:creationId xmlns:a16="http://schemas.microsoft.com/office/drawing/2014/main" xmlns="" id="{86C3A1FA-525D-48F1-80FF-CE1F2E6E192A}"/>
               </a:ext>
             </a:extLst>
           </p:cNvPr>
@@ -23201,7 +24274,7 @@
           <p:cNvPr id="12" name="화살표: 오른쪽 11">
             <a:extLst>
               <a:ext uri="{FF2B5EF4-FFF2-40B4-BE49-F238E27FC236}">
-                <a16:creationId xmlns="" xmlns:a16="http://schemas.microsoft.com/office/drawing/2014/main" id="{30CD89BF-6867-4DEC-A584-D044116DB39A}"/>
+                <a16:creationId xmlns:a16="http://schemas.microsoft.com/office/drawing/2014/main" xmlns="" id="{30CD89BF-6867-4DEC-A584-D044116DB39A}"/>
               </a:ext>
             </a:extLst>
           </p:cNvPr>
@@ -23270,7 +24343,7 @@
     </p:spTree>
     <p:extLst>
       <p:ext uri="{BB962C8B-B14F-4D97-AF65-F5344CB8AC3E}">
-        <p14:creationId xmlns="" xmlns:p14="http://schemas.microsoft.com/office/powerpoint/2010/main" val="2488063734"/>
+        <p14:creationId xmlns:p14="http://schemas.microsoft.com/office/powerpoint/2010/main" xmlns="" val="2488063734"/>
       </p:ext>
     </p:extLst>
   </p:cSld>
@@ -23609,7 +24682,7 @@
   <a:extraClrSchemeLst/>
   <a:extLst>
     <a:ext uri="{05A4C25C-085E-4340-85A3-A5531E510DB2}">
-      <thm15:themeFamily xmlns="" xmlns:thm15="http://schemas.microsoft.com/office/thememl/2012/main" name="Office Theme" id="{62F939B6-93AF-4DB8-9C6B-D6C7DFDC589F}" vid="{4A3C46E8-61CC-4603-A589-7422A47A8E4A}"/>
+      <thm15:themeFamily xmlns:thm15="http://schemas.microsoft.com/office/thememl/2012/main" xmlns="" name="Office Theme" id="{62F939B6-93AF-4DB8-9C6B-D6C7DFDC589F}" vid="{4A3C46E8-61CC-4603-A589-7422A47A8E4A}"/>
     </a:ext>
   </a:extLst>
 </a:theme>
